--- a/epamkids/EPAMKids.pptx
+++ b/epamkids/EPAMKids.pptx
@@ -5,7 +5,7 @@
     <p:sldMasterId id="2147483660" r:id="rId1"/>
   </p:sldMasterIdLst>
   <p:notesMasterIdLst>
-    <p:notesMasterId r:id="rId12"/>
+    <p:notesMasterId r:id="rId30"/>
   </p:notesMasterIdLst>
   <p:sldIdLst>
     <p:sldId id="256" r:id="rId2"/>
@@ -13,11 +13,29 @@
     <p:sldId id="258" r:id="rId4"/>
     <p:sldId id="259" r:id="rId5"/>
     <p:sldId id="260" r:id="rId6"/>
-    <p:sldId id="261" r:id="rId7"/>
-    <p:sldId id="262" r:id="rId8"/>
-    <p:sldId id="263" r:id="rId9"/>
-    <p:sldId id="264" r:id="rId10"/>
-    <p:sldId id="265" r:id="rId11"/>
+    <p:sldId id="283" r:id="rId7"/>
+    <p:sldId id="284" r:id="rId8"/>
+    <p:sldId id="285" r:id="rId9"/>
+    <p:sldId id="261" r:id="rId10"/>
+    <p:sldId id="264" r:id="rId11"/>
+    <p:sldId id="278" r:id="rId12"/>
+    <p:sldId id="279" r:id="rId13"/>
+    <p:sldId id="280" r:id="rId14"/>
+    <p:sldId id="281" r:id="rId15"/>
+    <p:sldId id="282" r:id="rId16"/>
+    <p:sldId id="262" r:id="rId17"/>
+    <p:sldId id="268" r:id="rId18"/>
+    <p:sldId id="269" r:id="rId19"/>
+    <p:sldId id="270" r:id="rId20"/>
+    <p:sldId id="272" r:id="rId21"/>
+    <p:sldId id="267" r:id="rId22"/>
+    <p:sldId id="271" r:id="rId23"/>
+    <p:sldId id="273" r:id="rId24"/>
+    <p:sldId id="274" r:id="rId25"/>
+    <p:sldId id="275" r:id="rId26"/>
+    <p:sldId id="277" r:id="rId27"/>
+    <p:sldId id="276" r:id="rId28"/>
+    <p:sldId id="265" r:id="rId29"/>
   </p:sldIdLst>
   <p:sldSz cx="9144000" cy="6858000" type="screen4x3"/>
   <p:notesSz cx="6858000" cy="9144000"/>
@@ -126,10 +144,28 @@
             <p14:sldId id="258"/>
             <p14:sldId id="259"/>
             <p14:sldId id="260"/>
+            <p14:sldId id="283"/>
+            <p14:sldId id="284"/>
+            <p14:sldId id="285"/>
             <p14:sldId id="261"/>
+            <p14:sldId id="264"/>
+            <p14:sldId id="278"/>
+            <p14:sldId id="279"/>
+            <p14:sldId id="280"/>
+            <p14:sldId id="281"/>
+            <p14:sldId id="282"/>
             <p14:sldId id="262"/>
-            <p14:sldId id="263"/>
-            <p14:sldId id="264"/>
+            <p14:sldId id="268"/>
+            <p14:sldId id="269"/>
+            <p14:sldId id="270"/>
+            <p14:sldId id="272"/>
+            <p14:sldId id="267"/>
+            <p14:sldId id="271"/>
+            <p14:sldId id="273"/>
+            <p14:sldId id="274"/>
+            <p14:sldId id="275"/>
+            <p14:sldId id="277"/>
+            <p14:sldId id="276"/>
             <p14:sldId id="265"/>
           </p14:sldIdLst>
         </p14:section>
@@ -140,6 +176,4056 @@
     </p:ext>
   </p:extLst>
 </p:presentation>
+</file>
+
+<file path=ppt/charts/chart1.xml><?xml version="1.0" encoding="utf-8"?>
+<c:chartSpace xmlns:c="http://schemas.openxmlformats.org/drawingml/2006/chart" xmlns:a="http://schemas.openxmlformats.org/drawingml/2006/main" xmlns:r="http://schemas.openxmlformats.org/officeDocument/2006/relationships">
+  <c:date1904 val="0"/>
+  <c:lang val="ru-RU"/>
+  <c:roundedCorners val="0"/>
+  <mc:AlternateContent xmlns:mc="http://schemas.openxmlformats.org/markup-compatibility/2006">
+    <mc:Choice xmlns:c14="http://schemas.microsoft.com/office/drawing/2007/8/2/chart" Requires="c14">
+      <c14:style val="102"/>
+    </mc:Choice>
+    <mc:Fallback>
+      <c:style val="2"/>
+    </mc:Fallback>
+  </mc:AlternateContent>
+  <c:chart>
+    <c:title>
+      <c:layout/>
+      <c:overlay val="0"/>
+      <c:spPr>
+        <a:noFill/>
+        <a:ln>
+          <a:noFill/>
+        </a:ln>
+        <a:effectLst/>
+      </c:spPr>
+      <c:txPr>
+        <a:bodyPr rot="0" spcFirstLastPara="1" vertOverflow="ellipsis" vert="horz" wrap="square" anchor="ctr" anchorCtr="1"/>
+        <a:lstStyle/>
+        <a:p>
+          <a:pPr>
+            <a:defRPr sz="1862" b="0" i="0" u="none" strike="noStrike" kern="1200" spc="0" baseline="0">
+              <a:solidFill>
+                <a:schemeClr val="tx1">
+                  <a:lumMod val="65000"/>
+                  <a:lumOff val="35000"/>
+                </a:schemeClr>
+              </a:solidFill>
+              <a:latin typeface="+mn-lt"/>
+              <a:ea typeface="+mn-ea"/>
+              <a:cs typeface="+mn-cs"/>
+            </a:defRPr>
+          </a:pPr>
+          <a:endParaRPr lang="ru-RU"/>
+        </a:p>
+      </c:txPr>
+    </c:title>
+    <c:autoTitleDeleted val="0"/>
+    <c:plotArea>
+      <c:layout/>
+      <c:pieChart>
+        <c:varyColors val="1"/>
+        <c:ser>
+          <c:idx val="0"/>
+          <c:order val="0"/>
+          <c:tx>
+            <c:strRef>
+              <c:f>Лист1!$B$1</c:f>
+              <c:strCache>
+                <c:ptCount val="1"/>
+                <c:pt idx="0">
+                  <c:v>Продажи</c:v>
+                </c:pt>
+              </c:strCache>
+            </c:strRef>
+          </c:tx>
+          <c:dPt>
+            <c:idx val="0"/>
+            <c:bubble3D val="0"/>
+            <c:explosion val="19"/>
+            <c:spPr>
+              <a:solidFill>
+                <a:schemeClr val="accent1"/>
+              </a:solidFill>
+              <a:ln w="19050">
+                <a:solidFill>
+                  <a:schemeClr val="lt1"/>
+                </a:solidFill>
+              </a:ln>
+              <a:effectLst/>
+            </c:spPr>
+          </c:dPt>
+          <c:dPt>
+            <c:idx val="1"/>
+            <c:bubble3D val="0"/>
+            <c:spPr>
+              <a:solidFill>
+                <a:schemeClr val="accent2"/>
+              </a:solidFill>
+              <a:ln w="19050">
+                <a:solidFill>
+                  <a:schemeClr val="lt1"/>
+                </a:solidFill>
+              </a:ln>
+              <a:effectLst/>
+            </c:spPr>
+          </c:dPt>
+          <c:dPt>
+            <c:idx val="2"/>
+            <c:bubble3D val="0"/>
+            <c:spPr>
+              <a:solidFill>
+                <a:schemeClr val="accent3"/>
+              </a:solidFill>
+              <a:ln w="19050">
+                <a:solidFill>
+                  <a:schemeClr val="lt1"/>
+                </a:solidFill>
+              </a:ln>
+              <a:effectLst/>
+            </c:spPr>
+          </c:dPt>
+          <c:dPt>
+            <c:idx val="3"/>
+            <c:bubble3D val="0"/>
+            <c:spPr>
+              <a:solidFill>
+                <a:schemeClr val="accent4"/>
+              </a:solidFill>
+              <a:ln w="19050">
+                <a:solidFill>
+                  <a:schemeClr val="lt1"/>
+                </a:solidFill>
+              </a:ln>
+              <a:effectLst/>
+            </c:spPr>
+          </c:dPt>
+          <c:cat>
+            <c:strRef>
+              <c:f>Лист1!$A$2:$A$5</c:f>
+              <c:strCache>
+                <c:ptCount val="1"/>
+                <c:pt idx="0">
+                  <c:v>Программирование</c:v>
+                </c:pt>
+              </c:strCache>
+            </c:strRef>
+          </c:cat>
+          <c:val>
+            <c:numRef>
+              <c:f>Лист1!$B$2:$B$5</c:f>
+              <c:numCache>
+                <c:formatCode>General</c:formatCode>
+                <c:ptCount val="4"/>
+                <c:pt idx="0">
+                  <c:v>100</c:v>
+                </c:pt>
+              </c:numCache>
+            </c:numRef>
+          </c:val>
+        </c:ser>
+        <c:dLbls>
+          <c:showLegendKey val="0"/>
+          <c:showVal val="0"/>
+          <c:showCatName val="0"/>
+          <c:showSerName val="0"/>
+          <c:showPercent val="0"/>
+          <c:showBubbleSize val="0"/>
+          <c:showLeaderLines val="1"/>
+        </c:dLbls>
+        <c:firstSliceAng val="0"/>
+      </c:pieChart>
+      <c:spPr>
+        <a:noFill/>
+        <a:ln>
+          <a:noFill/>
+        </a:ln>
+        <a:effectLst/>
+      </c:spPr>
+    </c:plotArea>
+    <c:legend>
+      <c:legendPos val="b"/>
+      <c:layout>
+        <c:manualLayout>
+          <c:xMode val="edge"/>
+          <c:yMode val="edge"/>
+          <c:x val="0.55859307441642259"/>
+          <c:y val="6.8092928277238327E-2"/>
+          <c:w val="0.43997971268084235"/>
+          <c:h val="0.32879311653096949"/>
+        </c:manualLayout>
+      </c:layout>
+      <c:overlay val="0"/>
+      <c:spPr>
+        <a:noFill/>
+        <a:ln>
+          <a:noFill/>
+        </a:ln>
+        <a:effectLst/>
+      </c:spPr>
+      <c:txPr>
+        <a:bodyPr rot="0" spcFirstLastPara="1" vertOverflow="ellipsis" vert="horz" wrap="square" anchor="ctr" anchorCtr="1"/>
+        <a:lstStyle/>
+        <a:p>
+          <a:pPr>
+            <a:defRPr sz="2400" b="0" i="0" u="none" strike="noStrike" kern="1200" baseline="0">
+              <a:solidFill>
+                <a:schemeClr val="tx1">
+                  <a:lumMod val="65000"/>
+                  <a:lumOff val="35000"/>
+                </a:schemeClr>
+              </a:solidFill>
+              <a:latin typeface="+mn-lt"/>
+              <a:ea typeface="+mn-ea"/>
+              <a:cs typeface="+mn-cs"/>
+            </a:defRPr>
+          </a:pPr>
+          <a:endParaRPr lang="ru-RU"/>
+        </a:p>
+      </c:txPr>
+    </c:legend>
+    <c:plotVisOnly val="1"/>
+    <c:dispBlanksAs val="gap"/>
+    <c:showDLblsOverMax val="0"/>
+  </c:chart>
+  <c:spPr>
+    <a:noFill/>
+    <a:ln>
+      <a:noFill/>
+    </a:ln>
+    <a:effectLst/>
+  </c:spPr>
+  <c:txPr>
+    <a:bodyPr/>
+    <a:lstStyle/>
+    <a:p>
+      <a:pPr>
+        <a:defRPr/>
+      </a:pPr>
+      <a:endParaRPr lang="ru-RU"/>
+    </a:p>
+  </c:txPr>
+  <c:externalData r:id="rId3">
+    <c:autoUpdate val="0"/>
+  </c:externalData>
+</c:chartSpace>
+</file>
+
+<file path=ppt/charts/chart2.xml><?xml version="1.0" encoding="utf-8"?>
+<c:chartSpace xmlns:c="http://schemas.openxmlformats.org/drawingml/2006/chart" xmlns:a="http://schemas.openxmlformats.org/drawingml/2006/main" xmlns:r="http://schemas.openxmlformats.org/officeDocument/2006/relationships">
+  <c:date1904 val="0"/>
+  <c:lang val="ru-RU"/>
+  <c:roundedCorners val="0"/>
+  <mc:AlternateContent xmlns:mc="http://schemas.openxmlformats.org/markup-compatibility/2006">
+    <mc:Choice xmlns:c14="http://schemas.microsoft.com/office/drawing/2007/8/2/chart" Requires="c14">
+      <c14:style val="102"/>
+    </mc:Choice>
+    <mc:Fallback>
+      <c:style val="2"/>
+    </mc:Fallback>
+  </mc:AlternateContent>
+  <c:chart>
+    <c:title>
+      <c:layout/>
+      <c:overlay val="0"/>
+      <c:spPr>
+        <a:noFill/>
+        <a:ln>
+          <a:noFill/>
+        </a:ln>
+        <a:effectLst/>
+      </c:spPr>
+      <c:txPr>
+        <a:bodyPr rot="0" spcFirstLastPara="1" vertOverflow="ellipsis" vert="horz" wrap="square" anchor="ctr" anchorCtr="1"/>
+        <a:lstStyle/>
+        <a:p>
+          <a:pPr>
+            <a:defRPr sz="1862" b="0" i="0" u="none" strike="noStrike" kern="1200" spc="0" baseline="0">
+              <a:solidFill>
+                <a:schemeClr val="tx1">
+                  <a:lumMod val="65000"/>
+                  <a:lumOff val="35000"/>
+                </a:schemeClr>
+              </a:solidFill>
+              <a:latin typeface="+mn-lt"/>
+              <a:ea typeface="+mn-ea"/>
+              <a:cs typeface="+mn-cs"/>
+            </a:defRPr>
+          </a:pPr>
+          <a:endParaRPr lang="ru-RU"/>
+        </a:p>
+      </c:txPr>
+    </c:title>
+    <c:autoTitleDeleted val="0"/>
+    <c:plotArea>
+      <c:layout/>
+      <c:pieChart>
+        <c:varyColors val="1"/>
+        <c:ser>
+          <c:idx val="0"/>
+          <c:order val="0"/>
+          <c:tx>
+            <c:strRef>
+              <c:f>Лист1!$B$1</c:f>
+              <c:strCache>
+                <c:ptCount val="1"/>
+                <c:pt idx="0">
+                  <c:v>Продажи</c:v>
+                </c:pt>
+              </c:strCache>
+            </c:strRef>
+          </c:tx>
+          <c:dPt>
+            <c:idx val="0"/>
+            <c:bubble3D val="0"/>
+            <c:explosion val="19"/>
+            <c:spPr>
+              <a:solidFill>
+                <a:schemeClr val="accent1"/>
+              </a:solidFill>
+              <a:ln w="19050">
+                <a:solidFill>
+                  <a:schemeClr val="lt1"/>
+                </a:solidFill>
+              </a:ln>
+              <a:effectLst/>
+            </c:spPr>
+          </c:dPt>
+          <c:dPt>
+            <c:idx val="1"/>
+            <c:bubble3D val="0"/>
+            <c:spPr>
+              <a:solidFill>
+                <a:schemeClr val="accent2"/>
+              </a:solidFill>
+              <a:ln w="19050">
+                <a:solidFill>
+                  <a:schemeClr val="lt1"/>
+                </a:solidFill>
+              </a:ln>
+              <a:effectLst/>
+            </c:spPr>
+          </c:dPt>
+          <c:dPt>
+            <c:idx val="2"/>
+            <c:bubble3D val="0"/>
+            <c:spPr>
+              <a:solidFill>
+                <a:schemeClr val="accent3"/>
+              </a:solidFill>
+              <a:ln w="19050">
+                <a:solidFill>
+                  <a:schemeClr val="lt1"/>
+                </a:solidFill>
+              </a:ln>
+              <a:effectLst/>
+            </c:spPr>
+          </c:dPt>
+          <c:dPt>
+            <c:idx val="3"/>
+            <c:bubble3D val="0"/>
+            <c:spPr>
+              <a:solidFill>
+                <a:schemeClr val="accent4"/>
+              </a:solidFill>
+              <a:ln w="19050">
+                <a:solidFill>
+                  <a:schemeClr val="lt1"/>
+                </a:solidFill>
+              </a:ln>
+              <a:effectLst/>
+            </c:spPr>
+          </c:dPt>
+          <c:cat>
+            <c:strRef>
+              <c:f>Лист1!$A$2:$A$5</c:f>
+              <c:strCache>
+                <c:ptCount val="2"/>
+                <c:pt idx="0">
+                  <c:v>Программирование</c:v>
+                </c:pt>
+                <c:pt idx="1">
+                  <c:v>Требования</c:v>
+                </c:pt>
+              </c:strCache>
+            </c:strRef>
+          </c:cat>
+          <c:val>
+            <c:numRef>
+              <c:f>Лист1!$B$2:$B$5</c:f>
+              <c:numCache>
+                <c:formatCode>General</c:formatCode>
+                <c:ptCount val="4"/>
+                <c:pt idx="0">
+                  <c:v>100</c:v>
+                </c:pt>
+                <c:pt idx="1">
+                  <c:v>20</c:v>
+                </c:pt>
+              </c:numCache>
+            </c:numRef>
+          </c:val>
+        </c:ser>
+        <c:dLbls>
+          <c:showLegendKey val="0"/>
+          <c:showVal val="0"/>
+          <c:showCatName val="0"/>
+          <c:showSerName val="0"/>
+          <c:showPercent val="0"/>
+          <c:showBubbleSize val="0"/>
+          <c:showLeaderLines val="1"/>
+        </c:dLbls>
+        <c:firstSliceAng val="0"/>
+      </c:pieChart>
+      <c:spPr>
+        <a:noFill/>
+        <a:ln>
+          <a:noFill/>
+        </a:ln>
+        <a:effectLst/>
+      </c:spPr>
+    </c:plotArea>
+    <c:legend>
+      <c:legendPos val="b"/>
+      <c:layout>
+        <c:manualLayout>
+          <c:xMode val="edge"/>
+          <c:yMode val="edge"/>
+          <c:x val="0.55859307441642259"/>
+          <c:y val="6.8092928277238327E-2"/>
+          <c:w val="0.43997971268084235"/>
+          <c:h val="0.32879311653096949"/>
+        </c:manualLayout>
+      </c:layout>
+      <c:overlay val="0"/>
+      <c:spPr>
+        <a:noFill/>
+        <a:ln>
+          <a:noFill/>
+        </a:ln>
+        <a:effectLst/>
+      </c:spPr>
+      <c:txPr>
+        <a:bodyPr rot="0" spcFirstLastPara="1" vertOverflow="ellipsis" vert="horz" wrap="square" anchor="ctr" anchorCtr="1"/>
+        <a:lstStyle/>
+        <a:p>
+          <a:pPr>
+            <a:defRPr sz="2400" b="0" i="0" u="none" strike="noStrike" kern="1200" baseline="0">
+              <a:solidFill>
+                <a:schemeClr val="tx1">
+                  <a:lumMod val="65000"/>
+                  <a:lumOff val="35000"/>
+                </a:schemeClr>
+              </a:solidFill>
+              <a:latin typeface="+mn-lt"/>
+              <a:ea typeface="+mn-ea"/>
+              <a:cs typeface="+mn-cs"/>
+            </a:defRPr>
+          </a:pPr>
+          <a:endParaRPr lang="ru-RU"/>
+        </a:p>
+      </c:txPr>
+    </c:legend>
+    <c:plotVisOnly val="1"/>
+    <c:dispBlanksAs val="gap"/>
+    <c:showDLblsOverMax val="0"/>
+  </c:chart>
+  <c:spPr>
+    <a:noFill/>
+    <a:ln>
+      <a:noFill/>
+    </a:ln>
+    <a:effectLst/>
+  </c:spPr>
+  <c:txPr>
+    <a:bodyPr/>
+    <a:lstStyle/>
+    <a:p>
+      <a:pPr>
+        <a:defRPr/>
+      </a:pPr>
+      <a:endParaRPr lang="ru-RU"/>
+    </a:p>
+  </c:txPr>
+  <c:externalData r:id="rId3">
+    <c:autoUpdate val="0"/>
+  </c:externalData>
+</c:chartSpace>
+</file>
+
+<file path=ppt/charts/chart3.xml><?xml version="1.0" encoding="utf-8"?>
+<c:chartSpace xmlns:c="http://schemas.openxmlformats.org/drawingml/2006/chart" xmlns:a="http://schemas.openxmlformats.org/drawingml/2006/main" xmlns:r="http://schemas.openxmlformats.org/officeDocument/2006/relationships">
+  <c:date1904 val="0"/>
+  <c:lang val="ru-RU"/>
+  <c:roundedCorners val="0"/>
+  <mc:AlternateContent xmlns:mc="http://schemas.openxmlformats.org/markup-compatibility/2006">
+    <mc:Choice xmlns:c14="http://schemas.microsoft.com/office/drawing/2007/8/2/chart" Requires="c14">
+      <c14:style val="102"/>
+    </mc:Choice>
+    <mc:Fallback>
+      <c:style val="2"/>
+    </mc:Fallback>
+  </mc:AlternateContent>
+  <c:chart>
+    <c:title>
+      <c:layout/>
+      <c:overlay val="0"/>
+      <c:spPr>
+        <a:noFill/>
+        <a:ln>
+          <a:noFill/>
+        </a:ln>
+        <a:effectLst/>
+      </c:spPr>
+      <c:txPr>
+        <a:bodyPr rot="0" spcFirstLastPara="1" vertOverflow="ellipsis" vert="horz" wrap="square" anchor="ctr" anchorCtr="1"/>
+        <a:lstStyle/>
+        <a:p>
+          <a:pPr>
+            <a:defRPr sz="1862" b="0" i="0" u="none" strike="noStrike" kern="1200" spc="0" baseline="0">
+              <a:solidFill>
+                <a:schemeClr val="tx1">
+                  <a:lumMod val="65000"/>
+                  <a:lumOff val="35000"/>
+                </a:schemeClr>
+              </a:solidFill>
+              <a:latin typeface="+mn-lt"/>
+              <a:ea typeface="+mn-ea"/>
+              <a:cs typeface="+mn-cs"/>
+            </a:defRPr>
+          </a:pPr>
+          <a:endParaRPr lang="ru-RU"/>
+        </a:p>
+      </c:txPr>
+    </c:title>
+    <c:autoTitleDeleted val="0"/>
+    <c:plotArea>
+      <c:layout/>
+      <c:pieChart>
+        <c:varyColors val="1"/>
+        <c:ser>
+          <c:idx val="0"/>
+          <c:order val="0"/>
+          <c:tx>
+            <c:strRef>
+              <c:f>Лист1!$B$1</c:f>
+              <c:strCache>
+                <c:ptCount val="1"/>
+                <c:pt idx="0">
+                  <c:v>Продажи</c:v>
+                </c:pt>
+              </c:strCache>
+            </c:strRef>
+          </c:tx>
+          <c:dPt>
+            <c:idx val="0"/>
+            <c:bubble3D val="0"/>
+            <c:explosion val="19"/>
+            <c:spPr>
+              <a:solidFill>
+                <a:schemeClr val="accent1"/>
+              </a:solidFill>
+              <a:ln w="19050">
+                <a:solidFill>
+                  <a:schemeClr val="lt1"/>
+                </a:solidFill>
+              </a:ln>
+              <a:effectLst/>
+            </c:spPr>
+          </c:dPt>
+          <c:dPt>
+            <c:idx val="1"/>
+            <c:bubble3D val="0"/>
+            <c:spPr>
+              <a:solidFill>
+                <a:schemeClr val="accent2"/>
+              </a:solidFill>
+              <a:ln w="19050">
+                <a:solidFill>
+                  <a:schemeClr val="lt1"/>
+                </a:solidFill>
+              </a:ln>
+              <a:effectLst/>
+            </c:spPr>
+          </c:dPt>
+          <c:dPt>
+            <c:idx val="2"/>
+            <c:bubble3D val="0"/>
+            <c:spPr>
+              <a:solidFill>
+                <a:schemeClr val="accent3"/>
+              </a:solidFill>
+              <a:ln w="19050">
+                <a:solidFill>
+                  <a:schemeClr val="lt1"/>
+                </a:solidFill>
+              </a:ln>
+              <a:effectLst/>
+            </c:spPr>
+          </c:dPt>
+          <c:dPt>
+            <c:idx val="3"/>
+            <c:bubble3D val="0"/>
+            <c:spPr>
+              <a:solidFill>
+                <a:schemeClr val="accent4"/>
+              </a:solidFill>
+              <a:ln w="19050">
+                <a:solidFill>
+                  <a:schemeClr val="lt1"/>
+                </a:solidFill>
+              </a:ln>
+              <a:effectLst/>
+            </c:spPr>
+          </c:dPt>
+          <c:cat>
+            <c:strRef>
+              <c:f>Лист1!$A$2:$A$5</c:f>
+              <c:strCache>
+                <c:ptCount val="3"/>
+                <c:pt idx="0">
+                  <c:v>Программирование</c:v>
+                </c:pt>
+                <c:pt idx="1">
+                  <c:v>Требования</c:v>
+                </c:pt>
+                <c:pt idx="2">
+                  <c:v>Тестирование ручное</c:v>
+                </c:pt>
+              </c:strCache>
+            </c:strRef>
+          </c:cat>
+          <c:val>
+            <c:numRef>
+              <c:f>Лист1!$B$2:$B$5</c:f>
+              <c:numCache>
+                <c:formatCode>General</c:formatCode>
+                <c:ptCount val="4"/>
+                <c:pt idx="0">
+                  <c:v>60</c:v>
+                </c:pt>
+                <c:pt idx="1">
+                  <c:v>20</c:v>
+                </c:pt>
+                <c:pt idx="2">
+                  <c:v>20</c:v>
+                </c:pt>
+              </c:numCache>
+            </c:numRef>
+          </c:val>
+        </c:ser>
+        <c:dLbls>
+          <c:showLegendKey val="0"/>
+          <c:showVal val="0"/>
+          <c:showCatName val="0"/>
+          <c:showSerName val="0"/>
+          <c:showPercent val="0"/>
+          <c:showBubbleSize val="0"/>
+          <c:showLeaderLines val="1"/>
+        </c:dLbls>
+        <c:firstSliceAng val="0"/>
+      </c:pieChart>
+      <c:spPr>
+        <a:noFill/>
+        <a:ln>
+          <a:noFill/>
+        </a:ln>
+        <a:effectLst/>
+      </c:spPr>
+    </c:plotArea>
+    <c:legend>
+      <c:legendPos val="b"/>
+      <c:layout>
+        <c:manualLayout>
+          <c:xMode val="edge"/>
+          <c:yMode val="edge"/>
+          <c:x val="0.55859307441642259"/>
+          <c:y val="6.8092928277238327E-2"/>
+          <c:w val="0.43997971268084235"/>
+          <c:h val="0.32879311653096949"/>
+        </c:manualLayout>
+      </c:layout>
+      <c:overlay val="0"/>
+      <c:spPr>
+        <a:noFill/>
+        <a:ln>
+          <a:noFill/>
+        </a:ln>
+        <a:effectLst/>
+      </c:spPr>
+      <c:txPr>
+        <a:bodyPr rot="0" spcFirstLastPara="1" vertOverflow="ellipsis" vert="horz" wrap="square" anchor="ctr" anchorCtr="1"/>
+        <a:lstStyle/>
+        <a:p>
+          <a:pPr>
+            <a:defRPr sz="2400" b="0" i="0" u="none" strike="noStrike" kern="1200" baseline="0">
+              <a:solidFill>
+                <a:schemeClr val="tx1">
+                  <a:lumMod val="65000"/>
+                  <a:lumOff val="35000"/>
+                </a:schemeClr>
+              </a:solidFill>
+              <a:latin typeface="+mn-lt"/>
+              <a:ea typeface="+mn-ea"/>
+              <a:cs typeface="+mn-cs"/>
+            </a:defRPr>
+          </a:pPr>
+          <a:endParaRPr lang="ru-RU"/>
+        </a:p>
+      </c:txPr>
+    </c:legend>
+    <c:plotVisOnly val="1"/>
+    <c:dispBlanksAs val="gap"/>
+    <c:showDLblsOverMax val="0"/>
+  </c:chart>
+  <c:spPr>
+    <a:noFill/>
+    <a:ln>
+      <a:noFill/>
+    </a:ln>
+    <a:effectLst/>
+  </c:spPr>
+  <c:txPr>
+    <a:bodyPr/>
+    <a:lstStyle/>
+    <a:p>
+      <a:pPr>
+        <a:defRPr/>
+      </a:pPr>
+      <a:endParaRPr lang="ru-RU"/>
+    </a:p>
+  </c:txPr>
+  <c:externalData r:id="rId3">
+    <c:autoUpdate val="0"/>
+  </c:externalData>
+</c:chartSpace>
+</file>
+
+<file path=ppt/charts/chart4.xml><?xml version="1.0" encoding="utf-8"?>
+<c:chartSpace xmlns:c="http://schemas.openxmlformats.org/drawingml/2006/chart" xmlns:a="http://schemas.openxmlformats.org/drawingml/2006/main" xmlns:r="http://schemas.openxmlformats.org/officeDocument/2006/relationships">
+  <c:date1904 val="0"/>
+  <c:lang val="ru-RU"/>
+  <c:roundedCorners val="0"/>
+  <mc:AlternateContent xmlns:mc="http://schemas.openxmlformats.org/markup-compatibility/2006">
+    <mc:Choice xmlns:c14="http://schemas.microsoft.com/office/drawing/2007/8/2/chart" Requires="c14">
+      <c14:style val="102"/>
+    </mc:Choice>
+    <mc:Fallback>
+      <c:style val="2"/>
+    </mc:Fallback>
+  </mc:AlternateContent>
+  <c:chart>
+    <c:title>
+      <c:layout/>
+      <c:overlay val="0"/>
+      <c:spPr>
+        <a:noFill/>
+        <a:ln>
+          <a:noFill/>
+        </a:ln>
+        <a:effectLst/>
+      </c:spPr>
+      <c:txPr>
+        <a:bodyPr rot="0" spcFirstLastPara="1" vertOverflow="ellipsis" vert="horz" wrap="square" anchor="ctr" anchorCtr="1"/>
+        <a:lstStyle/>
+        <a:p>
+          <a:pPr>
+            <a:defRPr sz="1862" b="0" i="0" u="none" strike="noStrike" kern="1200" spc="0" baseline="0">
+              <a:solidFill>
+                <a:schemeClr val="tx1">
+                  <a:lumMod val="65000"/>
+                  <a:lumOff val="35000"/>
+                </a:schemeClr>
+              </a:solidFill>
+              <a:latin typeface="+mn-lt"/>
+              <a:ea typeface="+mn-ea"/>
+              <a:cs typeface="+mn-cs"/>
+            </a:defRPr>
+          </a:pPr>
+          <a:endParaRPr lang="ru-RU"/>
+        </a:p>
+      </c:txPr>
+    </c:title>
+    <c:autoTitleDeleted val="0"/>
+    <c:plotArea>
+      <c:layout/>
+      <c:pieChart>
+        <c:varyColors val="1"/>
+        <c:ser>
+          <c:idx val="0"/>
+          <c:order val="0"/>
+          <c:tx>
+            <c:strRef>
+              <c:f>Лист1!$B$1</c:f>
+              <c:strCache>
+                <c:ptCount val="1"/>
+                <c:pt idx="0">
+                  <c:v>Продажи</c:v>
+                </c:pt>
+              </c:strCache>
+            </c:strRef>
+          </c:tx>
+          <c:dPt>
+            <c:idx val="0"/>
+            <c:bubble3D val="0"/>
+            <c:explosion val="19"/>
+            <c:spPr>
+              <a:solidFill>
+                <a:schemeClr val="accent1"/>
+              </a:solidFill>
+              <a:ln w="19050">
+                <a:solidFill>
+                  <a:schemeClr val="lt1"/>
+                </a:solidFill>
+              </a:ln>
+              <a:effectLst/>
+            </c:spPr>
+          </c:dPt>
+          <c:dPt>
+            <c:idx val="1"/>
+            <c:bubble3D val="0"/>
+            <c:spPr>
+              <a:solidFill>
+                <a:schemeClr val="accent2"/>
+              </a:solidFill>
+              <a:ln w="19050">
+                <a:solidFill>
+                  <a:schemeClr val="lt1"/>
+                </a:solidFill>
+              </a:ln>
+              <a:effectLst/>
+            </c:spPr>
+          </c:dPt>
+          <c:dPt>
+            <c:idx val="2"/>
+            <c:bubble3D val="0"/>
+            <c:spPr>
+              <a:solidFill>
+                <a:schemeClr val="accent3"/>
+              </a:solidFill>
+              <a:ln w="19050">
+                <a:solidFill>
+                  <a:schemeClr val="lt1"/>
+                </a:solidFill>
+              </a:ln>
+              <a:effectLst/>
+            </c:spPr>
+          </c:dPt>
+          <c:dPt>
+            <c:idx val="3"/>
+            <c:bubble3D val="0"/>
+            <c:spPr>
+              <a:solidFill>
+                <a:schemeClr val="accent4"/>
+              </a:solidFill>
+              <a:ln w="19050">
+                <a:solidFill>
+                  <a:schemeClr val="lt1"/>
+                </a:solidFill>
+              </a:ln>
+              <a:effectLst/>
+            </c:spPr>
+          </c:dPt>
+          <c:cat>
+            <c:strRef>
+              <c:f>Лист1!$A$2:$A$5</c:f>
+              <c:strCache>
+                <c:ptCount val="4"/>
+                <c:pt idx="0">
+                  <c:v>Программирование</c:v>
+                </c:pt>
+                <c:pt idx="1">
+                  <c:v>Требования</c:v>
+                </c:pt>
+                <c:pt idx="2">
+                  <c:v>Тестирование ручное</c:v>
+                </c:pt>
+                <c:pt idx="3">
+                  <c:v>Тестирование автоматизированное</c:v>
+                </c:pt>
+              </c:strCache>
+            </c:strRef>
+          </c:cat>
+          <c:val>
+            <c:numRef>
+              <c:f>Лист1!$B$2:$B$5</c:f>
+              <c:numCache>
+                <c:formatCode>General</c:formatCode>
+                <c:ptCount val="4"/>
+                <c:pt idx="0">
+                  <c:v>60</c:v>
+                </c:pt>
+                <c:pt idx="1">
+                  <c:v>25</c:v>
+                </c:pt>
+                <c:pt idx="2">
+                  <c:v>25</c:v>
+                </c:pt>
+                <c:pt idx="3">
+                  <c:v>25</c:v>
+                </c:pt>
+              </c:numCache>
+            </c:numRef>
+          </c:val>
+        </c:ser>
+        <c:dLbls>
+          <c:showLegendKey val="0"/>
+          <c:showVal val="0"/>
+          <c:showCatName val="0"/>
+          <c:showSerName val="0"/>
+          <c:showPercent val="0"/>
+          <c:showBubbleSize val="0"/>
+          <c:showLeaderLines val="1"/>
+        </c:dLbls>
+        <c:firstSliceAng val="0"/>
+      </c:pieChart>
+      <c:spPr>
+        <a:noFill/>
+        <a:ln>
+          <a:noFill/>
+        </a:ln>
+        <a:effectLst/>
+      </c:spPr>
+    </c:plotArea>
+    <c:legend>
+      <c:legendPos val="b"/>
+      <c:layout>
+        <c:manualLayout>
+          <c:xMode val="edge"/>
+          <c:yMode val="edge"/>
+          <c:x val="0.55859307441642259"/>
+          <c:y val="6.8092928277238327E-2"/>
+          <c:w val="0.43997971268084235"/>
+          <c:h val="0.85105483859922426"/>
+        </c:manualLayout>
+      </c:layout>
+      <c:overlay val="0"/>
+      <c:spPr>
+        <a:noFill/>
+        <a:ln>
+          <a:noFill/>
+        </a:ln>
+        <a:effectLst/>
+      </c:spPr>
+      <c:txPr>
+        <a:bodyPr rot="0" spcFirstLastPara="1" vertOverflow="ellipsis" vert="horz" wrap="square" anchor="ctr" anchorCtr="1"/>
+        <a:lstStyle/>
+        <a:p>
+          <a:pPr>
+            <a:defRPr sz="2400" b="0" i="0" u="none" strike="noStrike" kern="1200" baseline="0">
+              <a:solidFill>
+                <a:schemeClr val="tx1">
+                  <a:lumMod val="65000"/>
+                  <a:lumOff val="35000"/>
+                </a:schemeClr>
+              </a:solidFill>
+              <a:latin typeface="+mn-lt"/>
+              <a:ea typeface="+mn-ea"/>
+              <a:cs typeface="+mn-cs"/>
+            </a:defRPr>
+          </a:pPr>
+          <a:endParaRPr lang="ru-RU"/>
+        </a:p>
+      </c:txPr>
+    </c:legend>
+    <c:plotVisOnly val="1"/>
+    <c:dispBlanksAs val="gap"/>
+    <c:showDLblsOverMax val="0"/>
+  </c:chart>
+  <c:spPr>
+    <a:noFill/>
+    <a:ln>
+      <a:noFill/>
+    </a:ln>
+    <a:effectLst/>
+  </c:spPr>
+  <c:txPr>
+    <a:bodyPr/>
+    <a:lstStyle/>
+    <a:p>
+      <a:pPr>
+        <a:defRPr/>
+      </a:pPr>
+      <a:endParaRPr lang="ru-RU"/>
+    </a:p>
+  </c:txPr>
+  <c:externalData r:id="rId3">
+    <c:autoUpdate val="0"/>
+  </c:externalData>
+</c:chartSpace>
+</file>
+
+<file path=ppt/charts/chart5.xml><?xml version="1.0" encoding="utf-8"?>
+<c:chartSpace xmlns:c="http://schemas.openxmlformats.org/drawingml/2006/chart" xmlns:a="http://schemas.openxmlformats.org/drawingml/2006/main" xmlns:r="http://schemas.openxmlformats.org/officeDocument/2006/relationships">
+  <c:date1904 val="0"/>
+  <c:lang val="ru-RU"/>
+  <c:roundedCorners val="0"/>
+  <mc:AlternateContent xmlns:mc="http://schemas.openxmlformats.org/markup-compatibility/2006">
+    <mc:Choice xmlns:c14="http://schemas.microsoft.com/office/drawing/2007/8/2/chart" Requires="c14">
+      <c14:style val="102"/>
+    </mc:Choice>
+    <mc:Fallback>
+      <c:style val="2"/>
+    </mc:Fallback>
+  </mc:AlternateContent>
+  <c:chart>
+    <c:title>
+      <c:layout/>
+      <c:overlay val="0"/>
+      <c:spPr>
+        <a:noFill/>
+        <a:ln>
+          <a:noFill/>
+        </a:ln>
+        <a:effectLst/>
+      </c:spPr>
+      <c:txPr>
+        <a:bodyPr rot="0" spcFirstLastPara="1" vertOverflow="ellipsis" vert="horz" wrap="square" anchor="ctr" anchorCtr="1"/>
+        <a:lstStyle/>
+        <a:p>
+          <a:pPr>
+            <a:defRPr sz="1862" b="0" i="0" u="none" strike="noStrike" kern="1200" spc="0" baseline="0">
+              <a:solidFill>
+                <a:schemeClr val="tx1">
+                  <a:lumMod val="65000"/>
+                  <a:lumOff val="35000"/>
+                </a:schemeClr>
+              </a:solidFill>
+              <a:latin typeface="+mn-lt"/>
+              <a:ea typeface="+mn-ea"/>
+              <a:cs typeface="+mn-cs"/>
+            </a:defRPr>
+          </a:pPr>
+          <a:endParaRPr lang="ru-RU"/>
+        </a:p>
+      </c:txPr>
+    </c:title>
+    <c:autoTitleDeleted val="0"/>
+    <c:plotArea>
+      <c:layout/>
+      <c:pieChart>
+        <c:varyColors val="1"/>
+        <c:ser>
+          <c:idx val="0"/>
+          <c:order val="0"/>
+          <c:tx>
+            <c:strRef>
+              <c:f>Лист1!$B$1</c:f>
+              <c:strCache>
+                <c:ptCount val="1"/>
+                <c:pt idx="0">
+                  <c:v>Продажи</c:v>
+                </c:pt>
+              </c:strCache>
+            </c:strRef>
+          </c:tx>
+          <c:dPt>
+            <c:idx val="0"/>
+            <c:bubble3D val="0"/>
+            <c:explosion val="19"/>
+            <c:spPr>
+              <a:solidFill>
+                <a:schemeClr val="accent1"/>
+              </a:solidFill>
+              <a:ln w="19050">
+                <a:solidFill>
+                  <a:schemeClr val="lt1"/>
+                </a:solidFill>
+              </a:ln>
+              <a:effectLst/>
+            </c:spPr>
+          </c:dPt>
+          <c:dPt>
+            <c:idx val="1"/>
+            <c:bubble3D val="0"/>
+            <c:spPr>
+              <a:solidFill>
+                <a:schemeClr val="accent2"/>
+              </a:solidFill>
+              <a:ln w="19050">
+                <a:solidFill>
+                  <a:schemeClr val="lt1"/>
+                </a:solidFill>
+              </a:ln>
+              <a:effectLst/>
+            </c:spPr>
+          </c:dPt>
+          <c:dPt>
+            <c:idx val="2"/>
+            <c:bubble3D val="0"/>
+            <c:spPr>
+              <a:solidFill>
+                <a:schemeClr val="accent3"/>
+              </a:solidFill>
+              <a:ln w="19050">
+                <a:solidFill>
+                  <a:schemeClr val="lt1"/>
+                </a:solidFill>
+              </a:ln>
+              <a:effectLst/>
+            </c:spPr>
+          </c:dPt>
+          <c:dPt>
+            <c:idx val="3"/>
+            <c:bubble3D val="0"/>
+            <c:spPr>
+              <a:solidFill>
+                <a:schemeClr val="accent4"/>
+              </a:solidFill>
+              <a:ln w="19050">
+                <a:solidFill>
+                  <a:schemeClr val="lt1"/>
+                </a:solidFill>
+              </a:ln>
+              <a:effectLst/>
+            </c:spPr>
+          </c:dPt>
+          <c:dPt>
+            <c:idx val="4"/>
+            <c:bubble3D val="0"/>
+            <c:spPr>
+              <a:solidFill>
+                <a:schemeClr val="accent5"/>
+              </a:solidFill>
+              <a:ln w="19050">
+                <a:solidFill>
+                  <a:schemeClr val="lt1"/>
+                </a:solidFill>
+              </a:ln>
+              <a:effectLst/>
+            </c:spPr>
+          </c:dPt>
+          <c:cat>
+            <c:strRef>
+              <c:f>Лист1!$A$2:$A$6</c:f>
+              <c:strCache>
+                <c:ptCount val="5"/>
+                <c:pt idx="0">
+                  <c:v>Программирование</c:v>
+                </c:pt>
+                <c:pt idx="1">
+                  <c:v>Требования</c:v>
+                </c:pt>
+                <c:pt idx="2">
+                  <c:v>Тестирование ручное</c:v>
+                </c:pt>
+                <c:pt idx="3">
+                  <c:v>Тестирование автоматизированное</c:v>
+                </c:pt>
+                <c:pt idx="4">
+                  <c:v>обед</c:v>
+                </c:pt>
+              </c:strCache>
+            </c:strRef>
+          </c:cat>
+          <c:val>
+            <c:numRef>
+              <c:f>Лист1!$B$2:$B$6</c:f>
+              <c:numCache>
+                <c:formatCode>General</c:formatCode>
+                <c:ptCount val="5"/>
+                <c:pt idx="0">
+                  <c:v>60</c:v>
+                </c:pt>
+                <c:pt idx="1">
+                  <c:v>25</c:v>
+                </c:pt>
+                <c:pt idx="2">
+                  <c:v>25</c:v>
+                </c:pt>
+                <c:pt idx="3">
+                  <c:v>25</c:v>
+                </c:pt>
+                <c:pt idx="4">
+                  <c:v>14</c:v>
+                </c:pt>
+              </c:numCache>
+            </c:numRef>
+          </c:val>
+        </c:ser>
+        <c:dLbls>
+          <c:showLegendKey val="0"/>
+          <c:showVal val="0"/>
+          <c:showCatName val="0"/>
+          <c:showSerName val="0"/>
+          <c:showPercent val="0"/>
+          <c:showBubbleSize val="0"/>
+          <c:showLeaderLines val="1"/>
+        </c:dLbls>
+        <c:firstSliceAng val="0"/>
+      </c:pieChart>
+      <c:spPr>
+        <a:noFill/>
+        <a:ln>
+          <a:noFill/>
+        </a:ln>
+        <a:effectLst/>
+      </c:spPr>
+    </c:plotArea>
+    <c:legend>
+      <c:legendPos val="b"/>
+      <c:layout>
+        <c:manualLayout>
+          <c:xMode val="edge"/>
+          <c:yMode val="edge"/>
+          <c:x val="0.55859307441642259"/>
+          <c:y val="6.8092928277238327E-2"/>
+          <c:w val="0.43997971268084235"/>
+          <c:h val="0.85105483859922426"/>
+        </c:manualLayout>
+      </c:layout>
+      <c:overlay val="0"/>
+      <c:spPr>
+        <a:noFill/>
+        <a:ln>
+          <a:noFill/>
+        </a:ln>
+        <a:effectLst/>
+      </c:spPr>
+      <c:txPr>
+        <a:bodyPr rot="0" spcFirstLastPara="1" vertOverflow="ellipsis" vert="horz" wrap="square" anchor="ctr" anchorCtr="1"/>
+        <a:lstStyle/>
+        <a:p>
+          <a:pPr>
+            <a:defRPr sz="2400" b="0" i="0" u="none" strike="noStrike" kern="1200" baseline="0">
+              <a:solidFill>
+                <a:schemeClr val="tx1">
+                  <a:lumMod val="65000"/>
+                  <a:lumOff val="35000"/>
+                </a:schemeClr>
+              </a:solidFill>
+              <a:latin typeface="+mn-lt"/>
+              <a:ea typeface="+mn-ea"/>
+              <a:cs typeface="+mn-cs"/>
+            </a:defRPr>
+          </a:pPr>
+          <a:endParaRPr lang="ru-RU"/>
+        </a:p>
+      </c:txPr>
+    </c:legend>
+    <c:plotVisOnly val="1"/>
+    <c:dispBlanksAs val="gap"/>
+    <c:showDLblsOverMax val="0"/>
+  </c:chart>
+  <c:spPr>
+    <a:noFill/>
+    <a:ln>
+      <a:noFill/>
+    </a:ln>
+    <a:effectLst/>
+  </c:spPr>
+  <c:txPr>
+    <a:bodyPr/>
+    <a:lstStyle/>
+    <a:p>
+      <a:pPr>
+        <a:defRPr/>
+      </a:pPr>
+      <a:endParaRPr lang="ru-RU"/>
+    </a:p>
+  </c:txPr>
+  <c:externalData r:id="rId3">
+    <c:autoUpdate val="0"/>
+  </c:externalData>
+</c:chartSpace>
+</file>
+
+<file path=ppt/charts/colors1.xml><?xml version="1.0" encoding="utf-8"?>
+<cs:colorStyle xmlns:cs="http://schemas.microsoft.com/office/drawing/2012/chartStyle" xmlns:a="http://schemas.openxmlformats.org/drawingml/2006/main" meth="cycle" id="10">
+  <a:schemeClr val="accent1"/>
+  <a:schemeClr val="accent2"/>
+  <a:schemeClr val="accent3"/>
+  <a:schemeClr val="accent4"/>
+  <a:schemeClr val="accent5"/>
+  <a:schemeClr val="accent6"/>
+  <cs:variation/>
+  <cs:variation>
+    <a:lumMod val="60000"/>
+  </cs:variation>
+  <cs:variation>
+    <a:lumMod val="80000"/>
+    <a:lumOff val="20000"/>
+  </cs:variation>
+  <cs:variation>
+    <a:lumMod val="80000"/>
+  </cs:variation>
+  <cs:variation>
+    <a:lumMod val="60000"/>
+    <a:lumOff val="40000"/>
+  </cs:variation>
+  <cs:variation>
+    <a:lumMod val="50000"/>
+  </cs:variation>
+  <cs:variation>
+    <a:lumMod val="70000"/>
+    <a:lumOff val="30000"/>
+  </cs:variation>
+  <cs:variation>
+    <a:lumMod val="70000"/>
+  </cs:variation>
+  <cs:variation>
+    <a:lumMod val="50000"/>
+    <a:lumOff val="50000"/>
+  </cs:variation>
+</cs:colorStyle>
+</file>
+
+<file path=ppt/charts/colors2.xml><?xml version="1.0" encoding="utf-8"?>
+<cs:colorStyle xmlns:cs="http://schemas.microsoft.com/office/drawing/2012/chartStyle" xmlns:a="http://schemas.openxmlformats.org/drawingml/2006/main" meth="cycle" id="10">
+  <a:schemeClr val="accent1"/>
+  <a:schemeClr val="accent2"/>
+  <a:schemeClr val="accent3"/>
+  <a:schemeClr val="accent4"/>
+  <a:schemeClr val="accent5"/>
+  <a:schemeClr val="accent6"/>
+  <cs:variation/>
+  <cs:variation>
+    <a:lumMod val="60000"/>
+  </cs:variation>
+  <cs:variation>
+    <a:lumMod val="80000"/>
+    <a:lumOff val="20000"/>
+  </cs:variation>
+  <cs:variation>
+    <a:lumMod val="80000"/>
+  </cs:variation>
+  <cs:variation>
+    <a:lumMod val="60000"/>
+    <a:lumOff val="40000"/>
+  </cs:variation>
+  <cs:variation>
+    <a:lumMod val="50000"/>
+  </cs:variation>
+  <cs:variation>
+    <a:lumMod val="70000"/>
+    <a:lumOff val="30000"/>
+  </cs:variation>
+  <cs:variation>
+    <a:lumMod val="70000"/>
+  </cs:variation>
+  <cs:variation>
+    <a:lumMod val="50000"/>
+    <a:lumOff val="50000"/>
+  </cs:variation>
+</cs:colorStyle>
+</file>
+
+<file path=ppt/charts/colors3.xml><?xml version="1.0" encoding="utf-8"?>
+<cs:colorStyle xmlns:cs="http://schemas.microsoft.com/office/drawing/2012/chartStyle" xmlns:a="http://schemas.openxmlformats.org/drawingml/2006/main" meth="cycle" id="10">
+  <a:schemeClr val="accent1"/>
+  <a:schemeClr val="accent2"/>
+  <a:schemeClr val="accent3"/>
+  <a:schemeClr val="accent4"/>
+  <a:schemeClr val="accent5"/>
+  <a:schemeClr val="accent6"/>
+  <cs:variation/>
+  <cs:variation>
+    <a:lumMod val="60000"/>
+  </cs:variation>
+  <cs:variation>
+    <a:lumMod val="80000"/>
+    <a:lumOff val="20000"/>
+  </cs:variation>
+  <cs:variation>
+    <a:lumMod val="80000"/>
+  </cs:variation>
+  <cs:variation>
+    <a:lumMod val="60000"/>
+    <a:lumOff val="40000"/>
+  </cs:variation>
+  <cs:variation>
+    <a:lumMod val="50000"/>
+  </cs:variation>
+  <cs:variation>
+    <a:lumMod val="70000"/>
+    <a:lumOff val="30000"/>
+  </cs:variation>
+  <cs:variation>
+    <a:lumMod val="70000"/>
+  </cs:variation>
+  <cs:variation>
+    <a:lumMod val="50000"/>
+    <a:lumOff val="50000"/>
+  </cs:variation>
+</cs:colorStyle>
+</file>
+
+<file path=ppt/charts/colors4.xml><?xml version="1.0" encoding="utf-8"?>
+<cs:colorStyle xmlns:cs="http://schemas.microsoft.com/office/drawing/2012/chartStyle" xmlns:a="http://schemas.openxmlformats.org/drawingml/2006/main" meth="cycle" id="10">
+  <a:schemeClr val="accent1"/>
+  <a:schemeClr val="accent2"/>
+  <a:schemeClr val="accent3"/>
+  <a:schemeClr val="accent4"/>
+  <a:schemeClr val="accent5"/>
+  <a:schemeClr val="accent6"/>
+  <cs:variation/>
+  <cs:variation>
+    <a:lumMod val="60000"/>
+  </cs:variation>
+  <cs:variation>
+    <a:lumMod val="80000"/>
+    <a:lumOff val="20000"/>
+  </cs:variation>
+  <cs:variation>
+    <a:lumMod val="80000"/>
+  </cs:variation>
+  <cs:variation>
+    <a:lumMod val="60000"/>
+    <a:lumOff val="40000"/>
+  </cs:variation>
+  <cs:variation>
+    <a:lumMod val="50000"/>
+  </cs:variation>
+  <cs:variation>
+    <a:lumMod val="70000"/>
+    <a:lumOff val="30000"/>
+  </cs:variation>
+  <cs:variation>
+    <a:lumMod val="70000"/>
+  </cs:variation>
+  <cs:variation>
+    <a:lumMod val="50000"/>
+    <a:lumOff val="50000"/>
+  </cs:variation>
+</cs:colorStyle>
+</file>
+
+<file path=ppt/charts/colors5.xml><?xml version="1.0" encoding="utf-8"?>
+<cs:colorStyle xmlns:cs="http://schemas.microsoft.com/office/drawing/2012/chartStyle" xmlns:a="http://schemas.openxmlformats.org/drawingml/2006/main" meth="cycle" id="10">
+  <a:schemeClr val="accent1"/>
+  <a:schemeClr val="accent2"/>
+  <a:schemeClr val="accent3"/>
+  <a:schemeClr val="accent4"/>
+  <a:schemeClr val="accent5"/>
+  <a:schemeClr val="accent6"/>
+  <cs:variation/>
+  <cs:variation>
+    <a:lumMod val="60000"/>
+  </cs:variation>
+  <cs:variation>
+    <a:lumMod val="80000"/>
+    <a:lumOff val="20000"/>
+  </cs:variation>
+  <cs:variation>
+    <a:lumMod val="80000"/>
+  </cs:variation>
+  <cs:variation>
+    <a:lumMod val="60000"/>
+    <a:lumOff val="40000"/>
+  </cs:variation>
+  <cs:variation>
+    <a:lumMod val="50000"/>
+  </cs:variation>
+  <cs:variation>
+    <a:lumMod val="70000"/>
+    <a:lumOff val="30000"/>
+  </cs:variation>
+  <cs:variation>
+    <a:lumMod val="70000"/>
+  </cs:variation>
+  <cs:variation>
+    <a:lumMod val="50000"/>
+    <a:lumOff val="50000"/>
+  </cs:variation>
+</cs:colorStyle>
+</file>
+
+<file path=ppt/charts/style1.xml><?xml version="1.0" encoding="utf-8"?>
+<cs:chartStyle xmlns:cs="http://schemas.microsoft.com/office/drawing/2012/chartStyle" xmlns:a="http://schemas.openxmlformats.org/drawingml/2006/main" id="251">
+  <cs:axisTitle>
+    <cs:lnRef idx="0"/>
+    <cs:fillRef idx="0"/>
+    <cs:effectRef idx="0"/>
+    <cs:fontRef idx="minor">
+      <a:schemeClr val="tx1">
+        <a:lumMod val="65000"/>
+        <a:lumOff val="35000"/>
+      </a:schemeClr>
+    </cs:fontRef>
+    <cs:defRPr sz="1330" kern="1200"/>
+  </cs:axisTitle>
+  <cs:categoryAxis>
+    <cs:lnRef idx="0"/>
+    <cs:fillRef idx="0"/>
+    <cs:effectRef idx="0"/>
+    <cs:fontRef idx="minor">
+      <a:schemeClr val="tx1">
+        <a:lumMod val="65000"/>
+        <a:lumOff val="35000"/>
+      </a:schemeClr>
+    </cs:fontRef>
+    <cs:spPr>
+      <a:ln w="9525" cap="flat" cmpd="sng" algn="ctr">
+        <a:solidFill>
+          <a:schemeClr val="tx1">
+            <a:lumMod val="15000"/>
+            <a:lumOff val="85000"/>
+          </a:schemeClr>
+        </a:solidFill>
+        <a:round/>
+      </a:ln>
+    </cs:spPr>
+    <cs:defRPr sz="1197" kern="1200"/>
+  </cs:categoryAxis>
+  <cs:chartArea mods="allowNoFillOverride allowNoLineOverride">
+    <cs:lnRef idx="0"/>
+    <cs:fillRef idx="0"/>
+    <cs:effectRef idx="0"/>
+    <cs:fontRef idx="minor">
+      <a:schemeClr val="tx1"/>
+    </cs:fontRef>
+    <cs:spPr>
+      <a:solidFill>
+        <a:schemeClr val="bg1"/>
+      </a:solidFill>
+      <a:ln w="9525" cap="flat" cmpd="sng" algn="ctr">
+        <a:solidFill>
+          <a:schemeClr val="tx1">
+            <a:lumMod val="15000"/>
+            <a:lumOff val="85000"/>
+          </a:schemeClr>
+        </a:solidFill>
+        <a:round/>
+      </a:ln>
+    </cs:spPr>
+    <cs:defRPr sz="1197" kern="1200"/>
+  </cs:chartArea>
+  <cs:dataLabel>
+    <cs:lnRef idx="0"/>
+    <cs:fillRef idx="0"/>
+    <cs:effectRef idx="0"/>
+    <cs:fontRef idx="minor">
+      <a:schemeClr val="tx1">
+        <a:lumMod val="75000"/>
+        <a:lumOff val="25000"/>
+      </a:schemeClr>
+    </cs:fontRef>
+    <cs:defRPr sz="1197" kern="1200"/>
+  </cs:dataLabel>
+  <cs:dataLabelCallout>
+    <cs:lnRef idx="0"/>
+    <cs:fillRef idx="0"/>
+    <cs:effectRef idx="0"/>
+    <cs:fontRef idx="minor">
+      <a:schemeClr val="dk1">
+        <a:lumMod val="65000"/>
+        <a:lumOff val="35000"/>
+      </a:schemeClr>
+    </cs:fontRef>
+    <cs:spPr>
+      <a:solidFill>
+        <a:schemeClr val="lt1"/>
+      </a:solidFill>
+      <a:ln>
+        <a:solidFill>
+          <a:schemeClr val="dk1">
+            <a:lumMod val="25000"/>
+            <a:lumOff val="75000"/>
+          </a:schemeClr>
+        </a:solidFill>
+      </a:ln>
+    </cs:spPr>
+    <cs:defRPr sz="1197" kern="1200"/>
+    <cs:bodyPr rot="0" spcFirstLastPara="1" vertOverflow="clip" horzOverflow="clip" vert="horz" wrap="square" lIns="36576" tIns="18288" rIns="36576" bIns="18288" anchor="ctr" anchorCtr="1">
+      <a:spAutoFit/>
+    </cs:bodyPr>
+  </cs:dataLabelCallout>
+  <cs:dataPoint>
+    <cs:lnRef idx="0"/>
+    <cs:fillRef idx="1">
+      <cs:styleClr val="auto"/>
+    </cs:fillRef>
+    <cs:effectRef idx="0"/>
+    <cs:fontRef idx="minor">
+      <a:schemeClr val="tx1"/>
+    </cs:fontRef>
+    <cs:spPr>
+      <a:ln w="19050">
+        <a:solidFill>
+          <a:schemeClr val="lt1"/>
+        </a:solidFill>
+      </a:ln>
+    </cs:spPr>
+  </cs:dataPoint>
+  <cs:dataPoint3D>
+    <cs:lnRef idx="0"/>
+    <cs:fillRef idx="1">
+      <cs:styleClr val="auto"/>
+    </cs:fillRef>
+    <cs:effectRef idx="0"/>
+    <cs:fontRef idx="minor">
+      <a:schemeClr val="tx1"/>
+    </cs:fontRef>
+    <cs:spPr>
+      <a:ln w="25400">
+        <a:solidFill>
+          <a:schemeClr val="lt1"/>
+        </a:solidFill>
+      </a:ln>
+    </cs:spPr>
+  </cs:dataPoint3D>
+  <cs:dataPointLine>
+    <cs:lnRef idx="0">
+      <cs:styleClr val="auto"/>
+    </cs:lnRef>
+    <cs:fillRef idx="0"/>
+    <cs:effectRef idx="0"/>
+    <cs:fontRef idx="minor">
+      <a:schemeClr val="tx1"/>
+    </cs:fontRef>
+    <cs:spPr>
+      <a:ln w="28575" cap="rnd">
+        <a:solidFill>
+          <a:schemeClr val="phClr"/>
+        </a:solidFill>
+        <a:round/>
+      </a:ln>
+    </cs:spPr>
+  </cs:dataPointLine>
+  <cs:dataPointMarker>
+    <cs:lnRef idx="0">
+      <cs:styleClr val="auto"/>
+    </cs:lnRef>
+    <cs:fillRef idx="1">
+      <cs:styleClr val="auto"/>
+    </cs:fillRef>
+    <cs:effectRef idx="0"/>
+    <cs:fontRef idx="minor">
+      <a:schemeClr val="tx1"/>
+    </cs:fontRef>
+    <cs:spPr>
+      <a:ln w="9525">
+        <a:solidFill>
+          <a:schemeClr val="phClr"/>
+        </a:solidFill>
+      </a:ln>
+    </cs:spPr>
+  </cs:dataPointMarker>
+  <cs:dataPointMarkerLayout symbol="circle" size="5"/>
+  <cs:dataPointWireframe>
+    <cs:lnRef idx="0">
+      <cs:styleClr val="auto"/>
+    </cs:lnRef>
+    <cs:fillRef idx="0"/>
+    <cs:effectRef idx="0"/>
+    <cs:fontRef idx="minor">
+      <a:schemeClr val="tx1"/>
+    </cs:fontRef>
+    <cs:spPr>
+      <a:ln w="9525" cap="rnd">
+        <a:solidFill>
+          <a:schemeClr val="phClr"/>
+        </a:solidFill>
+        <a:round/>
+      </a:ln>
+    </cs:spPr>
+  </cs:dataPointWireframe>
+  <cs:dataTable>
+    <cs:lnRef idx="0"/>
+    <cs:fillRef idx="0"/>
+    <cs:effectRef idx="0"/>
+    <cs:fontRef idx="minor">
+      <a:schemeClr val="tx1">
+        <a:lumMod val="65000"/>
+        <a:lumOff val="35000"/>
+      </a:schemeClr>
+    </cs:fontRef>
+    <cs:spPr>
+      <a:noFill/>
+      <a:ln w="9525" cap="flat" cmpd="sng" algn="ctr">
+        <a:solidFill>
+          <a:schemeClr val="tx1">
+            <a:lumMod val="15000"/>
+            <a:lumOff val="85000"/>
+          </a:schemeClr>
+        </a:solidFill>
+        <a:round/>
+      </a:ln>
+    </cs:spPr>
+    <cs:defRPr sz="1197" kern="1200"/>
+  </cs:dataTable>
+  <cs:downBar>
+    <cs:lnRef idx="0"/>
+    <cs:fillRef idx="0"/>
+    <cs:effectRef idx="0"/>
+    <cs:fontRef idx="minor">
+      <a:schemeClr val="tx1"/>
+    </cs:fontRef>
+    <cs:spPr>
+      <a:solidFill>
+        <a:schemeClr val="dk1">
+          <a:lumMod val="75000"/>
+          <a:lumOff val="25000"/>
+        </a:schemeClr>
+      </a:solidFill>
+      <a:ln w="9525" cap="flat" cmpd="sng" algn="ctr">
+        <a:solidFill>
+          <a:schemeClr val="tx1">
+            <a:lumMod val="65000"/>
+            <a:lumOff val="35000"/>
+          </a:schemeClr>
+        </a:solidFill>
+        <a:round/>
+      </a:ln>
+    </cs:spPr>
+  </cs:downBar>
+  <cs:dropLine>
+    <cs:lnRef idx="0"/>
+    <cs:fillRef idx="0"/>
+    <cs:effectRef idx="0"/>
+    <cs:fontRef idx="minor">
+      <a:schemeClr val="tx1"/>
+    </cs:fontRef>
+    <cs:spPr>
+      <a:ln w="9525" cap="flat" cmpd="sng" algn="ctr">
+        <a:solidFill>
+          <a:schemeClr val="tx1">
+            <a:lumMod val="35000"/>
+            <a:lumOff val="65000"/>
+          </a:schemeClr>
+        </a:solidFill>
+        <a:round/>
+      </a:ln>
+    </cs:spPr>
+  </cs:dropLine>
+  <cs:errorBar>
+    <cs:lnRef idx="0"/>
+    <cs:fillRef idx="0"/>
+    <cs:effectRef idx="0"/>
+    <cs:fontRef idx="minor">
+      <a:schemeClr val="tx1"/>
+    </cs:fontRef>
+    <cs:spPr>
+      <a:ln w="9525" cap="flat" cmpd="sng" algn="ctr">
+        <a:solidFill>
+          <a:schemeClr val="tx1">
+            <a:lumMod val="65000"/>
+            <a:lumOff val="35000"/>
+          </a:schemeClr>
+        </a:solidFill>
+        <a:round/>
+      </a:ln>
+    </cs:spPr>
+  </cs:errorBar>
+  <cs:floor>
+    <cs:lnRef idx="0"/>
+    <cs:fillRef idx="0"/>
+    <cs:effectRef idx="0"/>
+    <cs:fontRef idx="minor">
+      <a:schemeClr val="tx1"/>
+    </cs:fontRef>
+    <cs:spPr>
+      <a:noFill/>
+      <a:ln>
+        <a:noFill/>
+      </a:ln>
+    </cs:spPr>
+  </cs:floor>
+  <cs:gridlineMajor>
+    <cs:lnRef idx="0"/>
+    <cs:fillRef idx="0"/>
+    <cs:effectRef idx="0"/>
+    <cs:fontRef idx="minor">
+      <a:schemeClr val="tx1"/>
+    </cs:fontRef>
+    <cs:spPr>
+      <a:ln w="9525" cap="flat" cmpd="sng" algn="ctr">
+        <a:solidFill>
+          <a:schemeClr val="tx1">
+            <a:lumMod val="15000"/>
+            <a:lumOff val="85000"/>
+          </a:schemeClr>
+        </a:solidFill>
+        <a:round/>
+      </a:ln>
+    </cs:spPr>
+  </cs:gridlineMajor>
+  <cs:gridlineMinor>
+    <cs:lnRef idx="0"/>
+    <cs:fillRef idx="0"/>
+    <cs:effectRef idx="0"/>
+    <cs:fontRef idx="minor">
+      <a:schemeClr val="tx1"/>
+    </cs:fontRef>
+    <cs:spPr>
+      <a:ln w="9525" cap="flat" cmpd="sng" algn="ctr">
+        <a:solidFill>
+          <a:schemeClr val="tx1">
+            <a:lumMod val="5000"/>
+            <a:lumOff val="95000"/>
+          </a:schemeClr>
+        </a:solidFill>
+        <a:round/>
+      </a:ln>
+    </cs:spPr>
+  </cs:gridlineMinor>
+  <cs:hiLoLine>
+    <cs:lnRef idx="0"/>
+    <cs:fillRef idx="0"/>
+    <cs:effectRef idx="0"/>
+    <cs:fontRef idx="minor">
+      <a:schemeClr val="tx1"/>
+    </cs:fontRef>
+    <cs:spPr>
+      <a:ln w="9525" cap="flat" cmpd="sng" algn="ctr">
+        <a:solidFill>
+          <a:schemeClr val="tx1">
+            <a:lumMod val="50000"/>
+            <a:lumOff val="50000"/>
+          </a:schemeClr>
+        </a:solidFill>
+        <a:round/>
+      </a:ln>
+    </cs:spPr>
+  </cs:hiLoLine>
+  <cs:leaderLine>
+    <cs:lnRef idx="0"/>
+    <cs:fillRef idx="0"/>
+    <cs:effectRef idx="0"/>
+    <cs:fontRef idx="minor">
+      <a:schemeClr val="tx1"/>
+    </cs:fontRef>
+    <cs:spPr>
+      <a:ln w="9525" cap="flat" cmpd="sng" algn="ctr">
+        <a:solidFill>
+          <a:schemeClr val="tx1">
+            <a:lumMod val="35000"/>
+            <a:lumOff val="65000"/>
+          </a:schemeClr>
+        </a:solidFill>
+        <a:round/>
+      </a:ln>
+    </cs:spPr>
+  </cs:leaderLine>
+  <cs:legend>
+    <cs:lnRef idx="0"/>
+    <cs:fillRef idx="0"/>
+    <cs:effectRef idx="0"/>
+    <cs:fontRef idx="minor">
+      <a:schemeClr val="tx1">
+        <a:lumMod val="65000"/>
+        <a:lumOff val="35000"/>
+      </a:schemeClr>
+    </cs:fontRef>
+    <cs:defRPr sz="1197" kern="1200"/>
+  </cs:legend>
+  <cs:plotArea mods="allowNoFillOverride allowNoLineOverride">
+    <cs:lnRef idx="0"/>
+    <cs:fillRef idx="0"/>
+    <cs:effectRef idx="0"/>
+    <cs:fontRef idx="minor">
+      <a:schemeClr val="tx1"/>
+    </cs:fontRef>
+  </cs:plotArea>
+  <cs:plotArea3D mods="allowNoFillOverride allowNoLineOverride">
+    <cs:lnRef idx="0"/>
+    <cs:fillRef idx="0"/>
+    <cs:effectRef idx="0"/>
+    <cs:fontRef idx="minor">
+      <a:schemeClr val="tx1"/>
+    </cs:fontRef>
+  </cs:plotArea3D>
+  <cs:seriesAxis>
+    <cs:lnRef idx="0"/>
+    <cs:fillRef idx="0"/>
+    <cs:effectRef idx="0"/>
+    <cs:fontRef idx="minor">
+      <a:schemeClr val="tx1">
+        <a:lumMod val="65000"/>
+        <a:lumOff val="35000"/>
+      </a:schemeClr>
+    </cs:fontRef>
+    <cs:defRPr sz="1197" kern="1200"/>
+  </cs:seriesAxis>
+  <cs:seriesLine>
+    <cs:lnRef idx="0"/>
+    <cs:fillRef idx="0"/>
+    <cs:effectRef idx="0"/>
+    <cs:fontRef idx="minor">
+      <a:schemeClr val="tx1"/>
+    </cs:fontRef>
+    <cs:spPr>
+      <a:ln w="9525" cap="flat" cmpd="sng" algn="ctr">
+        <a:solidFill>
+          <a:schemeClr val="tx1">
+            <a:lumMod val="35000"/>
+            <a:lumOff val="65000"/>
+          </a:schemeClr>
+        </a:solidFill>
+        <a:round/>
+      </a:ln>
+    </cs:spPr>
+  </cs:seriesLine>
+  <cs:title>
+    <cs:lnRef idx="0"/>
+    <cs:fillRef idx="0"/>
+    <cs:effectRef idx="0"/>
+    <cs:fontRef idx="minor">
+      <a:schemeClr val="tx1">
+        <a:lumMod val="65000"/>
+        <a:lumOff val="35000"/>
+      </a:schemeClr>
+    </cs:fontRef>
+    <cs:defRPr sz="1862" b="0" kern="1200" spc="0" baseline="0"/>
+  </cs:title>
+  <cs:trendline>
+    <cs:lnRef idx="0">
+      <cs:styleClr val="auto"/>
+    </cs:lnRef>
+    <cs:fillRef idx="0"/>
+    <cs:effectRef idx="0"/>
+    <cs:fontRef idx="minor">
+      <a:schemeClr val="tx1"/>
+    </cs:fontRef>
+    <cs:spPr>
+      <a:ln w="19050" cap="rnd">
+        <a:solidFill>
+          <a:schemeClr val="phClr"/>
+        </a:solidFill>
+        <a:prstDash val="sysDot"/>
+      </a:ln>
+    </cs:spPr>
+  </cs:trendline>
+  <cs:trendlineLabel>
+    <cs:lnRef idx="0"/>
+    <cs:fillRef idx="0"/>
+    <cs:effectRef idx="0"/>
+    <cs:fontRef idx="minor">
+      <a:schemeClr val="tx1">
+        <a:lumMod val="65000"/>
+        <a:lumOff val="35000"/>
+      </a:schemeClr>
+    </cs:fontRef>
+    <cs:defRPr sz="1197" kern="1200"/>
+  </cs:trendlineLabel>
+  <cs:upBar>
+    <cs:lnRef idx="0"/>
+    <cs:fillRef idx="0"/>
+    <cs:effectRef idx="0"/>
+    <cs:fontRef idx="minor">
+      <a:schemeClr val="tx1"/>
+    </cs:fontRef>
+    <cs:spPr>
+      <a:solidFill>
+        <a:schemeClr val="lt1"/>
+      </a:solidFill>
+      <a:ln w="9525" cap="flat" cmpd="sng" algn="ctr">
+        <a:solidFill>
+          <a:schemeClr val="tx1">
+            <a:lumMod val="65000"/>
+            <a:lumOff val="35000"/>
+          </a:schemeClr>
+        </a:solidFill>
+        <a:round/>
+      </a:ln>
+    </cs:spPr>
+  </cs:upBar>
+  <cs:valueAxis>
+    <cs:lnRef idx="0"/>
+    <cs:fillRef idx="0"/>
+    <cs:effectRef idx="0"/>
+    <cs:fontRef idx="minor">
+      <a:schemeClr val="tx1">
+        <a:lumMod val="65000"/>
+        <a:lumOff val="35000"/>
+      </a:schemeClr>
+    </cs:fontRef>
+    <cs:defRPr sz="1197" kern="1200"/>
+  </cs:valueAxis>
+  <cs:wall>
+    <cs:lnRef idx="0"/>
+    <cs:fillRef idx="0"/>
+    <cs:effectRef idx="0"/>
+    <cs:fontRef idx="minor">
+      <a:schemeClr val="tx1"/>
+    </cs:fontRef>
+    <cs:spPr>
+      <a:noFill/>
+      <a:ln>
+        <a:noFill/>
+      </a:ln>
+    </cs:spPr>
+  </cs:wall>
+</cs:chartStyle>
+</file>
+
+<file path=ppt/charts/style2.xml><?xml version="1.0" encoding="utf-8"?>
+<cs:chartStyle xmlns:cs="http://schemas.microsoft.com/office/drawing/2012/chartStyle" xmlns:a="http://schemas.openxmlformats.org/drawingml/2006/main" id="251">
+  <cs:axisTitle>
+    <cs:lnRef idx="0"/>
+    <cs:fillRef idx="0"/>
+    <cs:effectRef idx="0"/>
+    <cs:fontRef idx="minor">
+      <a:schemeClr val="tx1">
+        <a:lumMod val="65000"/>
+        <a:lumOff val="35000"/>
+      </a:schemeClr>
+    </cs:fontRef>
+    <cs:defRPr sz="1330" kern="1200"/>
+  </cs:axisTitle>
+  <cs:categoryAxis>
+    <cs:lnRef idx="0"/>
+    <cs:fillRef idx="0"/>
+    <cs:effectRef idx="0"/>
+    <cs:fontRef idx="minor">
+      <a:schemeClr val="tx1">
+        <a:lumMod val="65000"/>
+        <a:lumOff val="35000"/>
+      </a:schemeClr>
+    </cs:fontRef>
+    <cs:spPr>
+      <a:ln w="9525" cap="flat" cmpd="sng" algn="ctr">
+        <a:solidFill>
+          <a:schemeClr val="tx1">
+            <a:lumMod val="15000"/>
+            <a:lumOff val="85000"/>
+          </a:schemeClr>
+        </a:solidFill>
+        <a:round/>
+      </a:ln>
+    </cs:spPr>
+    <cs:defRPr sz="1197" kern="1200"/>
+  </cs:categoryAxis>
+  <cs:chartArea mods="allowNoFillOverride allowNoLineOverride">
+    <cs:lnRef idx="0"/>
+    <cs:fillRef idx="0"/>
+    <cs:effectRef idx="0"/>
+    <cs:fontRef idx="minor">
+      <a:schemeClr val="tx1"/>
+    </cs:fontRef>
+    <cs:spPr>
+      <a:solidFill>
+        <a:schemeClr val="bg1"/>
+      </a:solidFill>
+      <a:ln w="9525" cap="flat" cmpd="sng" algn="ctr">
+        <a:solidFill>
+          <a:schemeClr val="tx1">
+            <a:lumMod val="15000"/>
+            <a:lumOff val="85000"/>
+          </a:schemeClr>
+        </a:solidFill>
+        <a:round/>
+      </a:ln>
+    </cs:spPr>
+    <cs:defRPr sz="1197" kern="1200"/>
+  </cs:chartArea>
+  <cs:dataLabel>
+    <cs:lnRef idx="0"/>
+    <cs:fillRef idx="0"/>
+    <cs:effectRef idx="0"/>
+    <cs:fontRef idx="minor">
+      <a:schemeClr val="tx1">
+        <a:lumMod val="75000"/>
+        <a:lumOff val="25000"/>
+      </a:schemeClr>
+    </cs:fontRef>
+    <cs:defRPr sz="1197" kern="1200"/>
+  </cs:dataLabel>
+  <cs:dataLabelCallout>
+    <cs:lnRef idx="0"/>
+    <cs:fillRef idx="0"/>
+    <cs:effectRef idx="0"/>
+    <cs:fontRef idx="minor">
+      <a:schemeClr val="dk1">
+        <a:lumMod val="65000"/>
+        <a:lumOff val="35000"/>
+      </a:schemeClr>
+    </cs:fontRef>
+    <cs:spPr>
+      <a:solidFill>
+        <a:schemeClr val="lt1"/>
+      </a:solidFill>
+      <a:ln>
+        <a:solidFill>
+          <a:schemeClr val="dk1">
+            <a:lumMod val="25000"/>
+            <a:lumOff val="75000"/>
+          </a:schemeClr>
+        </a:solidFill>
+      </a:ln>
+    </cs:spPr>
+    <cs:defRPr sz="1197" kern="1200"/>
+    <cs:bodyPr rot="0" spcFirstLastPara="1" vertOverflow="clip" horzOverflow="clip" vert="horz" wrap="square" lIns="36576" tIns="18288" rIns="36576" bIns="18288" anchor="ctr" anchorCtr="1">
+      <a:spAutoFit/>
+    </cs:bodyPr>
+  </cs:dataLabelCallout>
+  <cs:dataPoint>
+    <cs:lnRef idx="0"/>
+    <cs:fillRef idx="1">
+      <cs:styleClr val="auto"/>
+    </cs:fillRef>
+    <cs:effectRef idx="0"/>
+    <cs:fontRef idx="minor">
+      <a:schemeClr val="tx1"/>
+    </cs:fontRef>
+    <cs:spPr>
+      <a:ln w="19050">
+        <a:solidFill>
+          <a:schemeClr val="lt1"/>
+        </a:solidFill>
+      </a:ln>
+    </cs:spPr>
+  </cs:dataPoint>
+  <cs:dataPoint3D>
+    <cs:lnRef idx="0"/>
+    <cs:fillRef idx="1">
+      <cs:styleClr val="auto"/>
+    </cs:fillRef>
+    <cs:effectRef idx="0"/>
+    <cs:fontRef idx="minor">
+      <a:schemeClr val="tx1"/>
+    </cs:fontRef>
+    <cs:spPr>
+      <a:ln w="25400">
+        <a:solidFill>
+          <a:schemeClr val="lt1"/>
+        </a:solidFill>
+      </a:ln>
+    </cs:spPr>
+  </cs:dataPoint3D>
+  <cs:dataPointLine>
+    <cs:lnRef idx="0">
+      <cs:styleClr val="auto"/>
+    </cs:lnRef>
+    <cs:fillRef idx="0"/>
+    <cs:effectRef idx="0"/>
+    <cs:fontRef idx="minor">
+      <a:schemeClr val="tx1"/>
+    </cs:fontRef>
+    <cs:spPr>
+      <a:ln w="28575" cap="rnd">
+        <a:solidFill>
+          <a:schemeClr val="phClr"/>
+        </a:solidFill>
+        <a:round/>
+      </a:ln>
+    </cs:spPr>
+  </cs:dataPointLine>
+  <cs:dataPointMarker>
+    <cs:lnRef idx="0">
+      <cs:styleClr val="auto"/>
+    </cs:lnRef>
+    <cs:fillRef idx="1">
+      <cs:styleClr val="auto"/>
+    </cs:fillRef>
+    <cs:effectRef idx="0"/>
+    <cs:fontRef idx="minor">
+      <a:schemeClr val="tx1"/>
+    </cs:fontRef>
+    <cs:spPr>
+      <a:ln w="9525">
+        <a:solidFill>
+          <a:schemeClr val="phClr"/>
+        </a:solidFill>
+      </a:ln>
+    </cs:spPr>
+  </cs:dataPointMarker>
+  <cs:dataPointMarkerLayout symbol="circle" size="5"/>
+  <cs:dataPointWireframe>
+    <cs:lnRef idx="0">
+      <cs:styleClr val="auto"/>
+    </cs:lnRef>
+    <cs:fillRef idx="0"/>
+    <cs:effectRef idx="0"/>
+    <cs:fontRef idx="minor">
+      <a:schemeClr val="tx1"/>
+    </cs:fontRef>
+    <cs:spPr>
+      <a:ln w="9525" cap="rnd">
+        <a:solidFill>
+          <a:schemeClr val="phClr"/>
+        </a:solidFill>
+        <a:round/>
+      </a:ln>
+    </cs:spPr>
+  </cs:dataPointWireframe>
+  <cs:dataTable>
+    <cs:lnRef idx="0"/>
+    <cs:fillRef idx="0"/>
+    <cs:effectRef idx="0"/>
+    <cs:fontRef idx="minor">
+      <a:schemeClr val="tx1">
+        <a:lumMod val="65000"/>
+        <a:lumOff val="35000"/>
+      </a:schemeClr>
+    </cs:fontRef>
+    <cs:spPr>
+      <a:noFill/>
+      <a:ln w="9525" cap="flat" cmpd="sng" algn="ctr">
+        <a:solidFill>
+          <a:schemeClr val="tx1">
+            <a:lumMod val="15000"/>
+            <a:lumOff val="85000"/>
+          </a:schemeClr>
+        </a:solidFill>
+        <a:round/>
+      </a:ln>
+    </cs:spPr>
+    <cs:defRPr sz="1197" kern="1200"/>
+  </cs:dataTable>
+  <cs:downBar>
+    <cs:lnRef idx="0"/>
+    <cs:fillRef idx="0"/>
+    <cs:effectRef idx="0"/>
+    <cs:fontRef idx="minor">
+      <a:schemeClr val="tx1"/>
+    </cs:fontRef>
+    <cs:spPr>
+      <a:solidFill>
+        <a:schemeClr val="dk1">
+          <a:lumMod val="75000"/>
+          <a:lumOff val="25000"/>
+        </a:schemeClr>
+      </a:solidFill>
+      <a:ln w="9525" cap="flat" cmpd="sng" algn="ctr">
+        <a:solidFill>
+          <a:schemeClr val="tx1">
+            <a:lumMod val="65000"/>
+            <a:lumOff val="35000"/>
+          </a:schemeClr>
+        </a:solidFill>
+        <a:round/>
+      </a:ln>
+    </cs:spPr>
+  </cs:downBar>
+  <cs:dropLine>
+    <cs:lnRef idx="0"/>
+    <cs:fillRef idx="0"/>
+    <cs:effectRef idx="0"/>
+    <cs:fontRef idx="minor">
+      <a:schemeClr val="tx1"/>
+    </cs:fontRef>
+    <cs:spPr>
+      <a:ln w="9525" cap="flat" cmpd="sng" algn="ctr">
+        <a:solidFill>
+          <a:schemeClr val="tx1">
+            <a:lumMod val="35000"/>
+            <a:lumOff val="65000"/>
+          </a:schemeClr>
+        </a:solidFill>
+        <a:round/>
+      </a:ln>
+    </cs:spPr>
+  </cs:dropLine>
+  <cs:errorBar>
+    <cs:lnRef idx="0"/>
+    <cs:fillRef idx="0"/>
+    <cs:effectRef idx="0"/>
+    <cs:fontRef idx="minor">
+      <a:schemeClr val="tx1"/>
+    </cs:fontRef>
+    <cs:spPr>
+      <a:ln w="9525" cap="flat" cmpd="sng" algn="ctr">
+        <a:solidFill>
+          <a:schemeClr val="tx1">
+            <a:lumMod val="65000"/>
+            <a:lumOff val="35000"/>
+          </a:schemeClr>
+        </a:solidFill>
+        <a:round/>
+      </a:ln>
+    </cs:spPr>
+  </cs:errorBar>
+  <cs:floor>
+    <cs:lnRef idx="0"/>
+    <cs:fillRef idx="0"/>
+    <cs:effectRef idx="0"/>
+    <cs:fontRef idx="minor">
+      <a:schemeClr val="tx1"/>
+    </cs:fontRef>
+    <cs:spPr>
+      <a:noFill/>
+      <a:ln>
+        <a:noFill/>
+      </a:ln>
+    </cs:spPr>
+  </cs:floor>
+  <cs:gridlineMajor>
+    <cs:lnRef idx="0"/>
+    <cs:fillRef idx="0"/>
+    <cs:effectRef idx="0"/>
+    <cs:fontRef idx="minor">
+      <a:schemeClr val="tx1"/>
+    </cs:fontRef>
+    <cs:spPr>
+      <a:ln w="9525" cap="flat" cmpd="sng" algn="ctr">
+        <a:solidFill>
+          <a:schemeClr val="tx1">
+            <a:lumMod val="15000"/>
+            <a:lumOff val="85000"/>
+          </a:schemeClr>
+        </a:solidFill>
+        <a:round/>
+      </a:ln>
+    </cs:spPr>
+  </cs:gridlineMajor>
+  <cs:gridlineMinor>
+    <cs:lnRef idx="0"/>
+    <cs:fillRef idx="0"/>
+    <cs:effectRef idx="0"/>
+    <cs:fontRef idx="minor">
+      <a:schemeClr val="tx1"/>
+    </cs:fontRef>
+    <cs:spPr>
+      <a:ln w="9525" cap="flat" cmpd="sng" algn="ctr">
+        <a:solidFill>
+          <a:schemeClr val="tx1">
+            <a:lumMod val="5000"/>
+            <a:lumOff val="95000"/>
+          </a:schemeClr>
+        </a:solidFill>
+        <a:round/>
+      </a:ln>
+    </cs:spPr>
+  </cs:gridlineMinor>
+  <cs:hiLoLine>
+    <cs:lnRef idx="0"/>
+    <cs:fillRef idx="0"/>
+    <cs:effectRef idx="0"/>
+    <cs:fontRef idx="minor">
+      <a:schemeClr val="tx1"/>
+    </cs:fontRef>
+    <cs:spPr>
+      <a:ln w="9525" cap="flat" cmpd="sng" algn="ctr">
+        <a:solidFill>
+          <a:schemeClr val="tx1">
+            <a:lumMod val="50000"/>
+            <a:lumOff val="50000"/>
+          </a:schemeClr>
+        </a:solidFill>
+        <a:round/>
+      </a:ln>
+    </cs:spPr>
+  </cs:hiLoLine>
+  <cs:leaderLine>
+    <cs:lnRef idx="0"/>
+    <cs:fillRef idx="0"/>
+    <cs:effectRef idx="0"/>
+    <cs:fontRef idx="minor">
+      <a:schemeClr val="tx1"/>
+    </cs:fontRef>
+    <cs:spPr>
+      <a:ln w="9525" cap="flat" cmpd="sng" algn="ctr">
+        <a:solidFill>
+          <a:schemeClr val="tx1">
+            <a:lumMod val="35000"/>
+            <a:lumOff val="65000"/>
+          </a:schemeClr>
+        </a:solidFill>
+        <a:round/>
+      </a:ln>
+    </cs:spPr>
+  </cs:leaderLine>
+  <cs:legend>
+    <cs:lnRef idx="0"/>
+    <cs:fillRef idx="0"/>
+    <cs:effectRef idx="0"/>
+    <cs:fontRef idx="minor">
+      <a:schemeClr val="tx1">
+        <a:lumMod val="65000"/>
+        <a:lumOff val="35000"/>
+      </a:schemeClr>
+    </cs:fontRef>
+    <cs:defRPr sz="1197" kern="1200"/>
+  </cs:legend>
+  <cs:plotArea mods="allowNoFillOverride allowNoLineOverride">
+    <cs:lnRef idx="0"/>
+    <cs:fillRef idx="0"/>
+    <cs:effectRef idx="0"/>
+    <cs:fontRef idx="minor">
+      <a:schemeClr val="tx1"/>
+    </cs:fontRef>
+  </cs:plotArea>
+  <cs:plotArea3D mods="allowNoFillOverride allowNoLineOverride">
+    <cs:lnRef idx="0"/>
+    <cs:fillRef idx="0"/>
+    <cs:effectRef idx="0"/>
+    <cs:fontRef idx="minor">
+      <a:schemeClr val="tx1"/>
+    </cs:fontRef>
+  </cs:plotArea3D>
+  <cs:seriesAxis>
+    <cs:lnRef idx="0"/>
+    <cs:fillRef idx="0"/>
+    <cs:effectRef idx="0"/>
+    <cs:fontRef idx="minor">
+      <a:schemeClr val="tx1">
+        <a:lumMod val="65000"/>
+        <a:lumOff val="35000"/>
+      </a:schemeClr>
+    </cs:fontRef>
+    <cs:defRPr sz="1197" kern="1200"/>
+  </cs:seriesAxis>
+  <cs:seriesLine>
+    <cs:lnRef idx="0"/>
+    <cs:fillRef idx="0"/>
+    <cs:effectRef idx="0"/>
+    <cs:fontRef idx="minor">
+      <a:schemeClr val="tx1"/>
+    </cs:fontRef>
+    <cs:spPr>
+      <a:ln w="9525" cap="flat" cmpd="sng" algn="ctr">
+        <a:solidFill>
+          <a:schemeClr val="tx1">
+            <a:lumMod val="35000"/>
+            <a:lumOff val="65000"/>
+          </a:schemeClr>
+        </a:solidFill>
+        <a:round/>
+      </a:ln>
+    </cs:spPr>
+  </cs:seriesLine>
+  <cs:title>
+    <cs:lnRef idx="0"/>
+    <cs:fillRef idx="0"/>
+    <cs:effectRef idx="0"/>
+    <cs:fontRef idx="minor">
+      <a:schemeClr val="tx1">
+        <a:lumMod val="65000"/>
+        <a:lumOff val="35000"/>
+      </a:schemeClr>
+    </cs:fontRef>
+    <cs:defRPr sz="1862" b="0" kern="1200" spc="0" baseline="0"/>
+  </cs:title>
+  <cs:trendline>
+    <cs:lnRef idx="0">
+      <cs:styleClr val="auto"/>
+    </cs:lnRef>
+    <cs:fillRef idx="0"/>
+    <cs:effectRef idx="0"/>
+    <cs:fontRef idx="minor">
+      <a:schemeClr val="tx1"/>
+    </cs:fontRef>
+    <cs:spPr>
+      <a:ln w="19050" cap="rnd">
+        <a:solidFill>
+          <a:schemeClr val="phClr"/>
+        </a:solidFill>
+        <a:prstDash val="sysDot"/>
+      </a:ln>
+    </cs:spPr>
+  </cs:trendline>
+  <cs:trendlineLabel>
+    <cs:lnRef idx="0"/>
+    <cs:fillRef idx="0"/>
+    <cs:effectRef idx="0"/>
+    <cs:fontRef idx="minor">
+      <a:schemeClr val="tx1">
+        <a:lumMod val="65000"/>
+        <a:lumOff val="35000"/>
+      </a:schemeClr>
+    </cs:fontRef>
+    <cs:defRPr sz="1197" kern="1200"/>
+  </cs:trendlineLabel>
+  <cs:upBar>
+    <cs:lnRef idx="0"/>
+    <cs:fillRef idx="0"/>
+    <cs:effectRef idx="0"/>
+    <cs:fontRef idx="minor">
+      <a:schemeClr val="tx1"/>
+    </cs:fontRef>
+    <cs:spPr>
+      <a:solidFill>
+        <a:schemeClr val="lt1"/>
+      </a:solidFill>
+      <a:ln w="9525" cap="flat" cmpd="sng" algn="ctr">
+        <a:solidFill>
+          <a:schemeClr val="tx1">
+            <a:lumMod val="65000"/>
+            <a:lumOff val="35000"/>
+          </a:schemeClr>
+        </a:solidFill>
+        <a:round/>
+      </a:ln>
+    </cs:spPr>
+  </cs:upBar>
+  <cs:valueAxis>
+    <cs:lnRef idx="0"/>
+    <cs:fillRef idx="0"/>
+    <cs:effectRef idx="0"/>
+    <cs:fontRef idx="minor">
+      <a:schemeClr val="tx1">
+        <a:lumMod val="65000"/>
+        <a:lumOff val="35000"/>
+      </a:schemeClr>
+    </cs:fontRef>
+    <cs:defRPr sz="1197" kern="1200"/>
+  </cs:valueAxis>
+  <cs:wall>
+    <cs:lnRef idx="0"/>
+    <cs:fillRef idx="0"/>
+    <cs:effectRef idx="0"/>
+    <cs:fontRef idx="minor">
+      <a:schemeClr val="tx1"/>
+    </cs:fontRef>
+    <cs:spPr>
+      <a:noFill/>
+      <a:ln>
+        <a:noFill/>
+      </a:ln>
+    </cs:spPr>
+  </cs:wall>
+</cs:chartStyle>
+</file>
+
+<file path=ppt/charts/style3.xml><?xml version="1.0" encoding="utf-8"?>
+<cs:chartStyle xmlns:cs="http://schemas.microsoft.com/office/drawing/2012/chartStyle" xmlns:a="http://schemas.openxmlformats.org/drawingml/2006/main" id="251">
+  <cs:axisTitle>
+    <cs:lnRef idx="0"/>
+    <cs:fillRef idx="0"/>
+    <cs:effectRef idx="0"/>
+    <cs:fontRef idx="minor">
+      <a:schemeClr val="tx1">
+        <a:lumMod val="65000"/>
+        <a:lumOff val="35000"/>
+      </a:schemeClr>
+    </cs:fontRef>
+    <cs:defRPr sz="1330" kern="1200"/>
+  </cs:axisTitle>
+  <cs:categoryAxis>
+    <cs:lnRef idx="0"/>
+    <cs:fillRef idx="0"/>
+    <cs:effectRef idx="0"/>
+    <cs:fontRef idx="minor">
+      <a:schemeClr val="tx1">
+        <a:lumMod val="65000"/>
+        <a:lumOff val="35000"/>
+      </a:schemeClr>
+    </cs:fontRef>
+    <cs:spPr>
+      <a:ln w="9525" cap="flat" cmpd="sng" algn="ctr">
+        <a:solidFill>
+          <a:schemeClr val="tx1">
+            <a:lumMod val="15000"/>
+            <a:lumOff val="85000"/>
+          </a:schemeClr>
+        </a:solidFill>
+        <a:round/>
+      </a:ln>
+    </cs:spPr>
+    <cs:defRPr sz="1197" kern="1200"/>
+  </cs:categoryAxis>
+  <cs:chartArea mods="allowNoFillOverride allowNoLineOverride">
+    <cs:lnRef idx="0"/>
+    <cs:fillRef idx="0"/>
+    <cs:effectRef idx="0"/>
+    <cs:fontRef idx="minor">
+      <a:schemeClr val="tx1"/>
+    </cs:fontRef>
+    <cs:spPr>
+      <a:solidFill>
+        <a:schemeClr val="bg1"/>
+      </a:solidFill>
+      <a:ln w="9525" cap="flat" cmpd="sng" algn="ctr">
+        <a:solidFill>
+          <a:schemeClr val="tx1">
+            <a:lumMod val="15000"/>
+            <a:lumOff val="85000"/>
+          </a:schemeClr>
+        </a:solidFill>
+        <a:round/>
+      </a:ln>
+    </cs:spPr>
+    <cs:defRPr sz="1197" kern="1200"/>
+  </cs:chartArea>
+  <cs:dataLabel>
+    <cs:lnRef idx="0"/>
+    <cs:fillRef idx="0"/>
+    <cs:effectRef idx="0"/>
+    <cs:fontRef idx="minor">
+      <a:schemeClr val="tx1">
+        <a:lumMod val="75000"/>
+        <a:lumOff val="25000"/>
+      </a:schemeClr>
+    </cs:fontRef>
+    <cs:defRPr sz="1197" kern="1200"/>
+  </cs:dataLabel>
+  <cs:dataLabelCallout>
+    <cs:lnRef idx="0"/>
+    <cs:fillRef idx="0"/>
+    <cs:effectRef idx="0"/>
+    <cs:fontRef idx="minor">
+      <a:schemeClr val="dk1">
+        <a:lumMod val="65000"/>
+        <a:lumOff val="35000"/>
+      </a:schemeClr>
+    </cs:fontRef>
+    <cs:spPr>
+      <a:solidFill>
+        <a:schemeClr val="lt1"/>
+      </a:solidFill>
+      <a:ln>
+        <a:solidFill>
+          <a:schemeClr val="dk1">
+            <a:lumMod val="25000"/>
+            <a:lumOff val="75000"/>
+          </a:schemeClr>
+        </a:solidFill>
+      </a:ln>
+    </cs:spPr>
+    <cs:defRPr sz="1197" kern="1200"/>
+    <cs:bodyPr rot="0" spcFirstLastPara="1" vertOverflow="clip" horzOverflow="clip" vert="horz" wrap="square" lIns="36576" tIns="18288" rIns="36576" bIns="18288" anchor="ctr" anchorCtr="1">
+      <a:spAutoFit/>
+    </cs:bodyPr>
+  </cs:dataLabelCallout>
+  <cs:dataPoint>
+    <cs:lnRef idx="0"/>
+    <cs:fillRef idx="1">
+      <cs:styleClr val="auto"/>
+    </cs:fillRef>
+    <cs:effectRef idx="0"/>
+    <cs:fontRef idx="minor">
+      <a:schemeClr val="tx1"/>
+    </cs:fontRef>
+    <cs:spPr>
+      <a:ln w="19050">
+        <a:solidFill>
+          <a:schemeClr val="lt1"/>
+        </a:solidFill>
+      </a:ln>
+    </cs:spPr>
+  </cs:dataPoint>
+  <cs:dataPoint3D>
+    <cs:lnRef idx="0"/>
+    <cs:fillRef idx="1">
+      <cs:styleClr val="auto"/>
+    </cs:fillRef>
+    <cs:effectRef idx="0"/>
+    <cs:fontRef idx="minor">
+      <a:schemeClr val="tx1"/>
+    </cs:fontRef>
+    <cs:spPr>
+      <a:ln w="25400">
+        <a:solidFill>
+          <a:schemeClr val="lt1"/>
+        </a:solidFill>
+      </a:ln>
+    </cs:spPr>
+  </cs:dataPoint3D>
+  <cs:dataPointLine>
+    <cs:lnRef idx="0">
+      <cs:styleClr val="auto"/>
+    </cs:lnRef>
+    <cs:fillRef idx="0"/>
+    <cs:effectRef idx="0"/>
+    <cs:fontRef idx="minor">
+      <a:schemeClr val="tx1"/>
+    </cs:fontRef>
+    <cs:spPr>
+      <a:ln w="28575" cap="rnd">
+        <a:solidFill>
+          <a:schemeClr val="phClr"/>
+        </a:solidFill>
+        <a:round/>
+      </a:ln>
+    </cs:spPr>
+  </cs:dataPointLine>
+  <cs:dataPointMarker>
+    <cs:lnRef idx="0">
+      <cs:styleClr val="auto"/>
+    </cs:lnRef>
+    <cs:fillRef idx="1">
+      <cs:styleClr val="auto"/>
+    </cs:fillRef>
+    <cs:effectRef idx="0"/>
+    <cs:fontRef idx="minor">
+      <a:schemeClr val="tx1"/>
+    </cs:fontRef>
+    <cs:spPr>
+      <a:ln w="9525">
+        <a:solidFill>
+          <a:schemeClr val="phClr"/>
+        </a:solidFill>
+      </a:ln>
+    </cs:spPr>
+  </cs:dataPointMarker>
+  <cs:dataPointMarkerLayout symbol="circle" size="5"/>
+  <cs:dataPointWireframe>
+    <cs:lnRef idx="0">
+      <cs:styleClr val="auto"/>
+    </cs:lnRef>
+    <cs:fillRef idx="0"/>
+    <cs:effectRef idx="0"/>
+    <cs:fontRef idx="minor">
+      <a:schemeClr val="tx1"/>
+    </cs:fontRef>
+    <cs:spPr>
+      <a:ln w="9525" cap="rnd">
+        <a:solidFill>
+          <a:schemeClr val="phClr"/>
+        </a:solidFill>
+        <a:round/>
+      </a:ln>
+    </cs:spPr>
+  </cs:dataPointWireframe>
+  <cs:dataTable>
+    <cs:lnRef idx="0"/>
+    <cs:fillRef idx="0"/>
+    <cs:effectRef idx="0"/>
+    <cs:fontRef idx="minor">
+      <a:schemeClr val="tx1">
+        <a:lumMod val="65000"/>
+        <a:lumOff val="35000"/>
+      </a:schemeClr>
+    </cs:fontRef>
+    <cs:spPr>
+      <a:noFill/>
+      <a:ln w="9525" cap="flat" cmpd="sng" algn="ctr">
+        <a:solidFill>
+          <a:schemeClr val="tx1">
+            <a:lumMod val="15000"/>
+            <a:lumOff val="85000"/>
+          </a:schemeClr>
+        </a:solidFill>
+        <a:round/>
+      </a:ln>
+    </cs:spPr>
+    <cs:defRPr sz="1197" kern="1200"/>
+  </cs:dataTable>
+  <cs:downBar>
+    <cs:lnRef idx="0"/>
+    <cs:fillRef idx="0"/>
+    <cs:effectRef idx="0"/>
+    <cs:fontRef idx="minor">
+      <a:schemeClr val="tx1"/>
+    </cs:fontRef>
+    <cs:spPr>
+      <a:solidFill>
+        <a:schemeClr val="dk1">
+          <a:lumMod val="75000"/>
+          <a:lumOff val="25000"/>
+        </a:schemeClr>
+      </a:solidFill>
+      <a:ln w="9525" cap="flat" cmpd="sng" algn="ctr">
+        <a:solidFill>
+          <a:schemeClr val="tx1">
+            <a:lumMod val="65000"/>
+            <a:lumOff val="35000"/>
+          </a:schemeClr>
+        </a:solidFill>
+        <a:round/>
+      </a:ln>
+    </cs:spPr>
+  </cs:downBar>
+  <cs:dropLine>
+    <cs:lnRef idx="0"/>
+    <cs:fillRef idx="0"/>
+    <cs:effectRef idx="0"/>
+    <cs:fontRef idx="minor">
+      <a:schemeClr val="tx1"/>
+    </cs:fontRef>
+    <cs:spPr>
+      <a:ln w="9525" cap="flat" cmpd="sng" algn="ctr">
+        <a:solidFill>
+          <a:schemeClr val="tx1">
+            <a:lumMod val="35000"/>
+            <a:lumOff val="65000"/>
+          </a:schemeClr>
+        </a:solidFill>
+        <a:round/>
+      </a:ln>
+    </cs:spPr>
+  </cs:dropLine>
+  <cs:errorBar>
+    <cs:lnRef idx="0"/>
+    <cs:fillRef idx="0"/>
+    <cs:effectRef idx="0"/>
+    <cs:fontRef idx="minor">
+      <a:schemeClr val="tx1"/>
+    </cs:fontRef>
+    <cs:spPr>
+      <a:ln w="9525" cap="flat" cmpd="sng" algn="ctr">
+        <a:solidFill>
+          <a:schemeClr val="tx1">
+            <a:lumMod val="65000"/>
+            <a:lumOff val="35000"/>
+          </a:schemeClr>
+        </a:solidFill>
+        <a:round/>
+      </a:ln>
+    </cs:spPr>
+  </cs:errorBar>
+  <cs:floor>
+    <cs:lnRef idx="0"/>
+    <cs:fillRef idx="0"/>
+    <cs:effectRef idx="0"/>
+    <cs:fontRef idx="minor">
+      <a:schemeClr val="tx1"/>
+    </cs:fontRef>
+    <cs:spPr>
+      <a:noFill/>
+      <a:ln>
+        <a:noFill/>
+      </a:ln>
+    </cs:spPr>
+  </cs:floor>
+  <cs:gridlineMajor>
+    <cs:lnRef idx="0"/>
+    <cs:fillRef idx="0"/>
+    <cs:effectRef idx="0"/>
+    <cs:fontRef idx="minor">
+      <a:schemeClr val="tx1"/>
+    </cs:fontRef>
+    <cs:spPr>
+      <a:ln w="9525" cap="flat" cmpd="sng" algn="ctr">
+        <a:solidFill>
+          <a:schemeClr val="tx1">
+            <a:lumMod val="15000"/>
+            <a:lumOff val="85000"/>
+          </a:schemeClr>
+        </a:solidFill>
+        <a:round/>
+      </a:ln>
+    </cs:spPr>
+  </cs:gridlineMajor>
+  <cs:gridlineMinor>
+    <cs:lnRef idx="0"/>
+    <cs:fillRef idx="0"/>
+    <cs:effectRef idx="0"/>
+    <cs:fontRef idx="minor">
+      <a:schemeClr val="tx1"/>
+    </cs:fontRef>
+    <cs:spPr>
+      <a:ln w="9525" cap="flat" cmpd="sng" algn="ctr">
+        <a:solidFill>
+          <a:schemeClr val="tx1">
+            <a:lumMod val="5000"/>
+            <a:lumOff val="95000"/>
+          </a:schemeClr>
+        </a:solidFill>
+        <a:round/>
+      </a:ln>
+    </cs:spPr>
+  </cs:gridlineMinor>
+  <cs:hiLoLine>
+    <cs:lnRef idx="0"/>
+    <cs:fillRef idx="0"/>
+    <cs:effectRef idx="0"/>
+    <cs:fontRef idx="minor">
+      <a:schemeClr val="tx1"/>
+    </cs:fontRef>
+    <cs:spPr>
+      <a:ln w="9525" cap="flat" cmpd="sng" algn="ctr">
+        <a:solidFill>
+          <a:schemeClr val="tx1">
+            <a:lumMod val="50000"/>
+            <a:lumOff val="50000"/>
+          </a:schemeClr>
+        </a:solidFill>
+        <a:round/>
+      </a:ln>
+    </cs:spPr>
+  </cs:hiLoLine>
+  <cs:leaderLine>
+    <cs:lnRef idx="0"/>
+    <cs:fillRef idx="0"/>
+    <cs:effectRef idx="0"/>
+    <cs:fontRef idx="minor">
+      <a:schemeClr val="tx1"/>
+    </cs:fontRef>
+    <cs:spPr>
+      <a:ln w="9525" cap="flat" cmpd="sng" algn="ctr">
+        <a:solidFill>
+          <a:schemeClr val="tx1">
+            <a:lumMod val="35000"/>
+            <a:lumOff val="65000"/>
+          </a:schemeClr>
+        </a:solidFill>
+        <a:round/>
+      </a:ln>
+    </cs:spPr>
+  </cs:leaderLine>
+  <cs:legend>
+    <cs:lnRef idx="0"/>
+    <cs:fillRef idx="0"/>
+    <cs:effectRef idx="0"/>
+    <cs:fontRef idx="minor">
+      <a:schemeClr val="tx1">
+        <a:lumMod val="65000"/>
+        <a:lumOff val="35000"/>
+      </a:schemeClr>
+    </cs:fontRef>
+    <cs:defRPr sz="1197" kern="1200"/>
+  </cs:legend>
+  <cs:plotArea mods="allowNoFillOverride allowNoLineOverride">
+    <cs:lnRef idx="0"/>
+    <cs:fillRef idx="0"/>
+    <cs:effectRef idx="0"/>
+    <cs:fontRef idx="minor">
+      <a:schemeClr val="tx1"/>
+    </cs:fontRef>
+  </cs:plotArea>
+  <cs:plotArea3D mods="allowNoFillOverride allowNoLineOverride">
+    <cs:lnRef idx="0"/>
+    <cs:fillRef idx="0"/>
+    <cs:effectRef idx="0"/>
+    <cs:fontRef idx="minor">
+      <a:schemeClr val="tx1"/>
+    </cs:fontRef>
+  </cs:plotArea3D>
+  <cs:seriesAxis>
+    <cs:lnRef idx="0"/>
+    <cs:fillRef idx="0"/>
+    <cs:effectRef idx="0"/>
+    <cs:fontRef idx="minor">
+      <a:schemeClr val="tx1">
+        <a:lumMod val="65000"/>
+        <a:lumOff val="35000"/>
+      </a:schemeClr>
+    </cs:fontRef>
+    <cs:defRPr sz="1197" kern="1200"/>
+  </cs:seriesAxis>
+  <cs:seriesLine>
+    <cs:lnRef idx="0"/>
+    <cs:fillRef idx="0"/>
+    <cs:effectRef idx="0"/>
+    <cs:fontRef idx="minor">
+      <a:schemeClr val="tx1"/>
+    </cs:fontRef>
+    <cs:spPr>
+      <a:ln w="9525" cap="flat" cmpd="sng" algn="ctr">
+        <a:solidFill>
+          <a:schemeClr val="tx1">
+            <a:lumMod val="35000"/>
+            <a:lumOff val="65000"/>
+          </a:schemeClr>
+        </a:solidFill>
+        <a:round/>
+      </a:ln>
+    </cs:spPr>
+  </cs:seriesLine>
+  <cs:title>
+    <cs:lnRef idx="0"/>
+    <cs:fillRef idx="0"/>
+    <cs:effectRef idx="0"/>
+    <cs:fontRef idx="minor">
+      <a:schemeClr val="tx1">
+        <a:lumMod val="65000"/>
+        <a:lumOff val="35000"/>
+      </a:schemeClr>
+    </cs:fontRef>
+    <cs:defRPr sz="1862" b="0" kern="1200" spc="0" baseline="0"/>
+  </cs:title>
+  <cs:trendline>
+    <cs:lnRef idx="0">
+      <cs:styleClr val="auto"/>
+    </cs:lnRef>
+    <cs:fillRef idx="0"/>
+    <cs:effectRef idx="0"/>
+    <cs:fontRef idx="minor">
+      <a:schemeClr val="tx1"/>
+    </cs:fontRef>
+    <cs:spPr>
+      <a:ln w="19050" cap="rnd">
+        <a:solidFill>
+          <a:schemeClr val="phClr"/>
+        </a:solidFill>
+        <a:prstDash val="sysDot"/>
+      </a:ln>
+    </cs:spPr>
+  </cs:trendline>
+  <cs:trendlineLabel>
+    <cs:lnRef idx="0"/>
+    <cs:fillRef idx="0"/>
+    <cs:effectRef idx="0"/>
+    <cs:fontRef idx="minor">
+      <a:schemeClr val="tx1">
+        <a:lumMod val="65000"/>
+        <a:lumOff val="35000"/>
+      </a:schemeClr>
+    </cs:fontRef>
+    <cs:defRPr sz="1197" kern="1200"/>
+  </cs:trendlineLabel>
+  <cs:upBar>
+    <cs:lnRef idx="0"/>
+    <cs:fillRef idx="0"/>
+    <cs:effectRef idx="0"/>
+    <cs:fontRef idx="minor">
+      <a:schemeClr val="tx1"/>
+    </cs:fontRef>
+    <cs:spPr>
+      <a:solidFill>
+        <a:schemeClr val="lt1"/>
+      </a:solidFill>
+      <a:ln w="9525" cap="flat" cmpd="sng" algn="ctr">
+        <a:solidFill>
+          <a:schemeClr val="tx1">
+            <a:lumMod val="65000"/>
+            <a:lumOff val="35000"/>
+          </a:schemeClr>
+        </a:solidFill>
+        <a:round/>
+      </a:ln>
+    </cs:spPr>
+  </cs:upBar>
+  <cs:valueAxis>
+    <cs:lnRef idx="0"/>
+    <cs:fillRef idx="0"/>
+    <cs:effectRef idx="0"/>
+    <cs:fontRef idx="minor">
+      <a:schemeClr val="tx1">
+        <a:lumMod val="65000"/>
+        <a:lumOff val="35000"/>
+      </a:schemeClr>
+    </cs:fontRef>
+    <cs:defRPr sz="1197" kern="1200"/>
+  </cs:valueAxis>
+  <cs:wall>
+    <cs:lnRef idx="0"/>
+    <cs:fillRef idx="0"/>
+    <cs:effectRef idx="0"/>
+    <cs:fontRef idx="minor">
+      <a:schemeClr val="tx1"/>
+    </cs:fontRef>
+    <cs:spPr>
+      <a:noFill/>
+      <a:ln>
+        <a:noFill/>
+      </a:ln>
+    </cs:spPr>
+  </cs:wall>
+</cs:chartStyle>
+</file>
+
+<file path=ppt/charts/style4.xml><?xml version="1.0" encoding="utf-8"?>
+<cs:chartStyle xmlns:cs="http://schemas.microsoft.com/office/drawing/2012/chartStyle" xmlns:a="http://schemas.openxmlformats.org/drawingml/2006/main" id="251">
+  <cs:axisTitle>
+    <cs:lnRef idx="0"/>
+    <cs:fillRef idx="0"/>
+    <cs:effectRef idx="0"/>
+    <cs:fontRef idx="minor">
+      <a:schemeClr val="tx1">
+        <a:lumMod val="65000"/>
+        <a:lumOff val="35000"/>
+      </a:schemeClr>
+    </cs:fontRef>
+    <cs:defRPr sz="1330" kern="1200"/>
+  </cs:axisTitle>
+  <cs:categoryAxis>
+    <cs:lnRef idx="0"/>
+    <cs:fillRef idx="0"/>
+    <cs:effectRef idx="0"/>
+    <cs:fontRef idx="minor">
+      <a:schemeClr val="tx1">
+        <a:lumMod val="65000"/>
+        <a:lumOff val="35000"/>
+      </a:schemeClr>
+    </cs:fontRef>
+    <cs:spPr>
+      <a:ln w="9525" cap="flat" cmpd="sng" algn="ctr">
+        <a:solidFill>
+          <a:schemeClr val="tx1">
+            <a:lumMod val="15000"/>
+            <a:lumOff val="85000"/>
+          </a:schemeClr>
+        </a:solidFill>
+        <a:round/>
+      </a:ln>
+    </cs:spPr>
+    <cs:defRPr sz="1197" kern="1200"/>
+  </cs:categoryAxis>
+  <cs:chartArea mods="allowNoFillOverride allowNoLineOverride">
+    <cs:lnRef idx="0"/>
+    <cs:fillRef idx="0"/>
+    <cs:effectRef idx="0"/>
+    <cs:fontRef idx="minor">
+      <a:schemeClr val="tx1"/>
+    </cs:fontRef>
+    <cs:spPr>
+      <a:solidFill>
+        <a:schemeClr val="bg1"/>
+      </a:solidFill>
+      <a:ln w="9525" cap="flat" cmpd="sng" algn="ctr">
+        <a:solidFill>
+          <a:schemeClr val="tx1">
+            <a:lumMod val="15000"/>
+            <a:lumOff val="85000"/>
+          </a:schemeClr>
+        </a:solidFill>
+        <a:round/>
+      </a:ln>
+    </cs:spPr>
+    <cs:defRPr sz="1197" kern="1200"/>
+  </cs:chartArea>
+  <cs:dataLabel>
+    <cs:lnRef idx="0"/>
+    <cs:fillRef idx="0"/>
+    <cs:effectRef idx="0"/>
+    <cs:fontRef idx="minor">
+      <a:schemeClr val="tx1">
+        <a:lumMod val="75000"/>
+        <a:lumOff val="25000"/>
+      </a:schemeClr>
+    </cs:fontRef>
+    <cs:defRPr sz="1197" kern="1200"/>
+  </cs:dataLabel>
+  <cs:dataLabelCallout>
+    <cs:lnRef idx="0"/>
+    <cs:fillRef idx="0"/>
+    <cs:effectRef idx="0"/>
+    <cs:fontRef idx="minor">
+      <a:schemeClr val="dk1">
+        <a:lumMod val="65000"/>
+        <a:lumOff val="35000"/>
+      </a:schemeClr>
+    </cs:fontRef>
+    <cs:spPr>
+      <a:solidFill>
+        <a:schemeClr val="lt1"/>
+      </a:solidFill>
+      <a:ln>
+        <a:solidFill>
+          <a:schemeClr val="dk1">
+            <a:lumMod val="25000"/>
+            <a:lumOff val="75000"/>
+          </a:schemeClr>
+        </a:solidFill>
+      </a:ln>
+    </cs:spPr>
+    <cs:defRPr sz="1197" kern="1200"/>
+    <cs:bodyPr rot="0" spcFirstLastPara="1" vertOverflow="clip" horzOverflow="clip" vert="horz" wrap="square" lIns="36576" tIns="18288" rIns="36576" bIns="18288" anchor="ctr" anchorCtr="1">
+      <a:spAutoFit/>
+    </cs:bodyPr>
+  </cs:dataLabelCallout>
+  <cs:dataPoint>
+    <cs:lnRef idx="0"/>
+    <cs:fillRef idx="1">
+      <cs:styleClr val="auto"/>
+    </cs:fillRef>
+    <cs:effectRef idx="0"/>
+    <cs:fontRef idx="minor">
+      <a:schemeClr val="tx1"/>
+    </cs:fontRef>
+    <cs:spPr>
+      <a:ln w="19050">
+        <a:solidFill>
+          <a:schemeClr val="lt1"/>
+        </a:solidFill>
+      </a:ln>
+    </cs:spPr>
+  </cs:dataPoint>
+  <cs:dataPoint3D>
+    <cs:lnRef idx="0"/>
+    <cs:fillRef idx="1">
+      <cs:styleClr val="auto"/>
+    </cs:fillRef>
+    <cs:effectRef idx="0"/>
+    <cs:fontRef idx="minor">
+      <a:schemeClr val="tx1"/>
+    </cs:fontRef>
+    <cs:spPr>
+      <a:ln w="25400">
+        <a:solidFill>
+          <a:schemeClr val="lt1"/>
+        </a:solidFill>
+      </a:ln>
+    </cs:spPr>
+  </cs:dataPoint3D>
+  <cs:dataPointLine>
+    <cs:lnRef idx="0">
+      <cs:styleClr val="auto"/>
+    </cs:lnRef>
+    <cs:fillRef idx="0"/>
+    <cs:effectRef idx="0"/>
+    <cs:fontRef idx="minor">
+      <a:schemeClr val="tx1"/>
+    </cs:fontRef>
+    <cs:spPr>
+      <a:ln w="28575" cap="rnd">
+        <a:solidFill>
+          <a:schemeClr val="phClr"/>
+        </a:solidFill>
+        <a:round/>
+      </a:ln>
+    </cs:spPr>
+  </cs:dataPointLine>
+  <cs:dataPointMarker>
+    <cs:lnRef idx="0">
+      <cs:styleClr val="auto"/>
+    </cs:lnRef>
+    <cs:fillRef idx="1">
+      <cs:styleClr val="auto"/>
+    </cs:fillRef>
+    <cs:effectRef idx="0"/>
+    <cs:fontRef idx="minor">
+      <a:schemeClr val="tx1"/>
+    </cs:fontRef>
+    <cs:spPr>
+      <a:ln w="9525">
+        <a:solidFill>
+          <a:schemeClr val="phClr"/>
+        </a:solidFill>
+      </a:ln>
+    </cs:spPr>
+  </cs:dataPointMarker>
+  <cs:dataPointMarkerLayout symbol="circle" size="5"/>
+  <cs:dataPointWireframe>
+    <cs:lnRef idx="0">
+      <cs:styleClr val="auto"/>
+    </cs:lnRef>
+    <cs:fillRef idx="0"/>
+    <cs:effectRef idx="0"/>
+    <cs:fontRef idx="minor">
+      <a:schemeClr val="tx1"/>
+    </cs:fontRef>
+    <cs:spPr>
+      <a:ln w="9525" cap="rnd">
+        <a:solidFill>
+          <a:schemeClr val="phClr"/>
+        </a:solidFill>
+        <a:round/>
+      </a:ln>
+    </cs:spPr>
+  </cs:dataPointWireframe>
+  <cs:dataTable>
+    <cs:lnRef idx="0"/>
+    <cs:fillRef idx="0"/>
+    <cs:effectRef idx="0"/>
+    <cs:fontRef idx="minor">
+      <a:schemeClr val="tx1">
+        <a:lumMod val="65000"/>
+        <a:lumOff val="35000"/>
+      </a:schemeClr>
+    </cs:fontRef>
+    <cs:spPr>
+      <a:noFill/>
+      <a:ln w="9525" cap="flat" cmpd="sng" algn="ctr">
+        <a:solidFill>
+          <a:schemeClr val="tx1">
+            <a:lumMod val="15000"/>
+            <a:lumOff val="85000"/>
+          </a:schemeClr>
+        </a:solidFill>
+        <a:round/>
+      </a:ln>
+    </cs:spPr>
+    <cs:defRPr sz="1197" kern="1200"/>
+  </cs:dataTable>
+  <cs:downBar>
+    <cs:lnRef idx="0"/>
+    <cs:fillRef idx="0"/>
+    <cs:effectRef idx="0"/>
+    <cs:fontRef idx="minor">
+      <a:schemeClr val="tx1"/>
+    </cs:fontRef>
+    <cs:spPr>
+      <a:solidFill>
+        <a:schemeClr val="dk1">
+          <a:lumMod val="75000"/>
+          <a:lumOff val="25000"/>
+        </a:schemeClr>
+      </a:solidFill>
+      <a:ln w="9525" cap="flat" cmpd="sng" algn="ctr">
+        <a:solidFill>
+          <a:schemeClr val="tx1">
+            <a:lumMod val="65000"/>
+            <a:lumOff val="35000"/>
+          </a:schemeClr>
+        </a:solidFill>
+        <a:round/>
+      </a:ln>
+    </cs:spPr>
+  </cs:downBar>
+  <cs:dropLine>
+    <cs:lnRef idx="0"/>
+    <cs:fillRef idx="0"/>
+    <cs:effectRef idx="0"/>
+    <cs:fontRef idx="minor">
+      <a:schemeClr val="tx1"/>
+    </cs:fontRef>
+    <cs:spPr>
+      <a:ln w="9525" cap="flat" cmpd="sng" algn="ctr">
+        <a:solidFill>
+          <a:schemeClr val="tx1">
+            <a:lumMod val="35000"/>
+            <a:lumOff val="65000"/>
+          </a:schemeClr>
+        </a:solidFill>
+        <a:round/>
+      </a:ln>
+    </cs:spPr>
+  </cs:dropLine>
+  <cs:errorBar>
+    <cs:lnRef idx="0"/>
+    <cs:fillRef idx="0"/>
+    <cs:effectRef idx="0"/>
+    <cs:fontRef idx="minor">
+      <a:schemeClr val="tx1"/>
+    </cs:fontRef>
+    <cs:spPr>
+      <a:ln w="9525" cap="flat" cmpd="sng" algn="ctr">
+        <a:solidFill>
+          <a:schemeClr val="tx1">
+            <a:lumMod val="65000"/>
+            <a:lumOff val="35000"/>
+          </a:schemeClr>
+        </a:solidFill>
+        <a:round/>
+      </a:ln>
+    </cs:spPr>
+  </cs:errorBar>
+  <cs:floor>
+    <cs:lnRef idx="0"/>
+    <cs:fillRef idx="0"/>
+    <cs:effectRef idx="0"/>
+    <cs:fontRef idx="minor">
+      <a:schemeClr val="tx1"/>
+    </cs:fontRef>
+    <cs:spPr>
+      <a:noFill/>
+      <a:ln>
+        <a:noFill/>
+      </a:ln>
+    </cs:spPr>
+  </cs:floor>
+  <cs:gridlineMajor>
+    <cs:lnRef idx="0"/>
+    <cs:fillRef idx="0"/>
+    <cs:effectRef idx="0"/>
+    <cs:fontRef idx="minor">
+      <a:schemeClr val="tx1"/>
+    </cs:fontRef>
+    <cs:spPr>
+      <a:ln w="9525" cap="flat" cmpd="sng" algn="ctr">
+        <a:solidFill>
+          <a:schemeClr val="tx1">
+            <a:lumMod val="15000"/>
+            <a:lumOff val="85000"/>
+          </a:schemeClr>
+        </a:solidFill>
+        <a:round/>
+      </a:ln>
+    </cs:spPr>
+  </cs:gridlineMajor>
+  <cs:gridlineMinor>
+    <cs:lnRef idx="0"/>
+    <cs:fillRef idx="0"/>
+    <cs:effectRef idx="0"/>
+    <cs:fontRef idx="minor">
+      <a:schemeClr val="tx1"/>
+    </cs:fontRef>
+    <cs:spPr>
+      <a:ln w="9525" cap="flat" cmpd="sng" algn="ctr">
+        <a:solidFill>
+          <a:schemeClr val="tx1">
+            <a:lumMod val="5000"/>
+            <a:lumOff val="95000"/>
+          </a:schemeClr>
+        </a:solidFill>
+        <a:round/>
+      </a:ln>
+    </cs:spPr>
+  </cs:gridlineMinor>
+  <cs:hiLoLine>
+    <cs:lnRef idx="0"/>
+    <cs:fillRef idx="0"/>
+    <cs:effectRef idx="0"/>
+    <cs:fontRef idx="minor">
+      <a:schemeClr val="tx1"/>
+    </cs:fontRef>
+    <cs:spPr>
+      <a:ln w="9525" cap="flat" cmpd="sng" algn="ctr">
+        <a:solidFill>
+          <a:schemeClr val="tx1">
+            <a:lumMod val="50000"/>
+            <a:lumOff val="50000"/>
+          </a:schemeClr>
+        </a:solidFill>
+        <a:round/>
+      </a:ln>
+    </cs:spPr>
+  </cs:hiLoLine>
+  <cs:leaderLine>
+    <cs:lnRef idx="0"/>
+    <cs:fillRef idx="0"/>
+    <cs:effectRef idx="0"/>
+    <cs:fontRef idx="minor">
+      <a:schemeClr val="tx1"/>
+    </cs:fontRef>
+    <cs:spPr>
+      <a:ln w="9525" cap="flat" cmpd="sng" algn="ctr">
+        <a:solidFill>
+          <a:schemeClr val="tx1">
+            <a:lumMod val="35000"/>
+            <a:lumOff val="65000"/>
+          </a:schemeClr>
+        </a:solidFill>
+        <a:round/>
+      </a:ln>
+    </cs:spPr>
+  </cs:leaderLine>
+  <cs:legend>
+    <cs:lnRef idx="0"/>
+    <cs:fillRef idx="0"/>
+    <cs:effectRef idx="0"/>
+    <cs:fontRef idx="minor">
+      <a:schemeClr val="tx1">
+        <a:lumMod val="65000"/>
+        <a:lumOff val="35000"/>
+      </a:schemeClr>
+    </cs:fontRef>
+    <cs:defRPr sz="1197" kern="1200"/>
+  </cs:legend>
+  <cs:plotArea mods="allowNoFillOverride allowNoLineOverride">
+    <cs:lnRef idx="0"/>
+    <cs:fillRef idx="0"/>
+    <cs:effectRef idx="0"/>
+    <cs:fontRef idx="minor">
+      <a:schemeClr val="tx1"/>
+    </cs:fontRef>
+  </cs:plotArea>
+  <cs:plotArea3D mods="allowNoFillOverride allowNoLineOverride">
+    <cs:lnRef idx="0"/>
+    <cs:fillRef idx="0"/>
+    <cs:effectRef idx="0"/>
+    <cs:fontRef idx="minor">
+      <a:schemeClr val="tx1"/>
+    </cs:fontRef>
+  </cs:plotArea3D>
+  <cs:seriesAxis>
+    <cs:lnRef idx="0"/>
+    <cs:fillRef idx="0"/>
+    <cs:effectRef idx="0"/>
+    <cs:fontRef idx="minor">
+      <a:schemeClr val="tx1">
+        <a:lumMod val="65000"/>
+        <a:lumOff val="35000"/>
+      </a:schemeClr>
+    </cs:fontRef>
+    <cs:defRPr sz="1197" kern="1200"/>
+  </cs:seriesAxis>
+  <cs:seriesLine>
+    <cs:lnRef idx="0"/>
+    <cs:fillRef idx="0"/>
+    <cs:effectRef idx="0"/>
+    <cs:fontRef idx="minor">
+      <a:schemeClr val="tx1"/>
+    </cs:fontRef>
+    <cs:spPr>
+      <a:ln w="9525" cap="flat" cmpd="sng" algn="ctr">
+        <a:solidFill>
+          <a:schemeClr val="tx1">
+            <a:lumMod val="35000"/>
+            <a:lumOff val="65000"/>
+          </a:schemeClr>
+        </a:solidFill>
+        <a:round/>
+      </a:ln>
+    </cs:spPr>
+  </cs:seriesLine>
+  <cs:title>
+    <cs:lnRef idx="0"/>
+    <cs:fillRef idx="0"/>
+    <cs:effectRef idx="0"/>
+    <cs:fontRef idx="minor">
+      <a:schemeClr val="tx1">
+        <a:lumMod val="65000"/>
+        <a:lumOff val="35000"/>
+      </a:schemeClr>
+    </cs:fontRef>
+    <cs:defRPr sz="1862" b="0" kern="1200" spc="0" baseline="0"/>
+  </cs:title>
+  <cs:trendline>
+    <cs:lnRef idx="0">
+      <cs:styleClr val="auto"/>
+    </cs:lnRef>
+    <cs:fillRef idx="0"/>
+    <cs:effectRef idx="0"/>
+    <cs:fontRef idx="minor">
+      <a:schemeClr val="tx1"/>
+    </cs:fontRef>
+    <cs:spPr>
+      <a:ln w="19050" cap="rnd">
+        <a:solidFill>
+          <a:schemeClr val="phClr"/>
+        </a:solidFill>
+        <a:prstDash val="sysDot"/>
+      </a:ln>
+    </cs:spPr>
+  </cs:trendline>
+  <cs:trendlineLabel>
+    <cs:lnRef idx="0"/>
+    <cs:fillRef idx="0"/>
+    <cs:effectRef idx="0"/>
+    <cs:fontRef idx="minor">
+      <a:schemeClr val="tx1">
+        <a:lumMod val="65000"/>
+        <a:lumOff val="35000"/>
+      </a:schemeClr>
+    </cs:fontRef>
+    <cs:defRPr sz="1197" kern="1200"/>
+  </cs:trendlineLabel>
+  <cs:upBar>
+    <cs:lnRef idx="0"/>
+    <cs:fillRef idx="0"/>
+    <cs:effectRef idx="0"/>
+    <cs:fontRef idx="minor">
+      <a:schemeClr val="tx1"/>
+    </cs:fontRef>
+    <cs:spPr>
+      <a:solidFill>
+        <a:schemeClr val="lt1"/>
+      </a:solidFill>
+      <a:ln w="9525" cap="flat" cmpd="sng" algn="ctr">
+        <a:solidFill>
+          <a:schemeClr val="tx1">
+            <a:lumMod val="65000"/>
+            <a:lumOff val="35000"/>
+          </a:schemeClr>
+        </a:solidFill>
+        <a:round/>
+      </a:ln>
+    </cs:spPr>
+  </cs:upBar>
+  <cs:valueAxis>
+    <cs:lnRef idx="0"/>
+    <cs:fillRef idx="0"/>
+    <cs:effectRef idx="0"/>
+    <cs:fontRef idx="minor">
+      <a:schemeClr val="tx1">
+        <a:lumMod val="65000"/>
+        <a:lumOff val="35000"/>
+      </a:schemeClr>
+    </cs:fontRef>
+    <cs:defRPr sz="1197" kern="1200"/>
+  </cs:valueAxis>
+  <cs:wall>
+    <cs:lnRef idx="0"/>
+    <cs:fillRef idx="0"/>
+    <cs:effectRef idx="0"/>
+    <cs:fontRef idx="minor">
+      <a:schemeClr val="tx1"/>
+    </cs:fontRef>
+    <cs:spPr>
+      <a:noFill/>
+      <a:ln>
+        <a:noFill/>
+      </a:ln>
+    </cs:spPr>
+  </cs:wall>
+</cs:chartStyle>
+</file>
+
+<file path=ppt/charts/style5.xml><?xml version="1.0" encoding="utf-8"?>
+<cs:chartStyle xmlns:cs="http://schemas.microsoft.com/office/drawing/2012/chartStyle" xmlns:a="http://schemas.openxmlformats.org/drawingml/2006/main" id="251">
+  <cs:axisTitle>
+    <cs:lnRef idx="0"/>
+    <cs:fillRef idx="0"/>
+    <cs:effectRef idx="0"/>
+    <cs:fontRef idx="minor">
+      <a:schemeClr val="tx1">
+        <a:lumMod val="65000"/>
+        <a:lumOff val="35000"/>
+      </a:schemeClr>
+    </cs:fontRef>
+    <cs:defRPr sz="1330" kern="1200"/>
+  </cs:axisTitle>
+  <cs:categoryAxis>
+    <cs:lnRef idx="0"/>
+    <cs:fillRef idx="0"/>
+    <cs:effectRef idx="0"/>
+    <cs:fontRef idx="minor">
+      <a:schemeClr val="tx1">
+        <a:lumMod val="65000"/>
+        <a:lumOff val="35000"/>
+      </a:schemeClr>
+    </cs:fontRef>
+    <cs:spPr>
+      <a:ln w="9525" cap="flat" cmpd="sng" algn="ctr">
+        <a:solidFill>
+          <a:schemeClr val="tx1">
+            <a:lumMod val="15000"/>
+            <a:lumOff val="85000"/>
+          </a:schemeClr>
+        </a:solidFill>
+        <a:round/>
+      </a:ln>
+    </cs:spPr>
+    <cs:defRPr sz="1197" kern="1200"/>
+  </cs:categoryAxis>
+  <cs:chartArea mods="allowNoFillOverride allowNoLineOverride">
+    <cs:lnRef idx="0"/>
+    <cs:fillRef idx="0"/>
+    <cs:effectRef idx="0"/>
+    <cs:fontRef idx="minor">
+      <a:schemeClr val="tx1"/>
+    </cs:fontRef>
+    <cs:spPr>
+      <a:solidFill>
+        <a:schemeClr val="bg1"/>
+      </a:solidFill>
+      <a:ln w="9525" cap="flat" cmpd="sng" algn="ctr">
+        <a:solidFill>
+          <a:schemeClr val="tx1">
+            <a:lumMod val="15000"/>
+            <a:lumOff val="85000"/>
+          </a:schemeClr>
+        </a:solidFill>
+        <a:round/>
+      </a:ln>
+    </cs:spPr>
+    <cs:defRPr sz="1197" kern="1200"/>
+  </cs:chartArea>
+  <cs:dataLabel>
+    <cs:lnRef idx="0"/>
+    <cs:fillRef idx="0"/>
+    <cs:effectRef idx="0"/>
+    <cs:fontRef idx="minor">
+      <a:schemeClr val="tx1">
+        <a:lumMod val="75000"/>
+        <a:lumOff val="25000"/>
+      </a:schemeClr>
+    </cs:fontRef>
+    <cs:defRPr sz="1197" kern="1200"/>
+  </cs:dataLabel>
+  <cs:dataLabelCallout>
+    <cs:lnRef idx="0"/>
+    <cs:fillRef idx="0"/>
+    <cs:effectRef idx="0"/>
+    <cs:fontRef idx="minor">
+      <a:schemeClr val="dk1">
+        <a:lumMod val="65000"/>
+        <a:lumOff val="35000"/>
+      </a:schemeClr>
+    </cs:fontRef>
+    <cs:spPr>
+      <a:solidFill>
+        <a:schemeClr val="lt1"/>
+      </a:solidFill>
+      <a:ln>
+        <a:solidFill>
+          <a:schemeClr val="dk1">
+            <a:lumMod val="25000"/>
+            <a:lumOff val="75000"/>
+          </a:schemeClr>
+        </a:solidFill>
+      </a:ln>
+    </cs:spPr>
+    <cs:defRPr sz="1197" kern="1200"/>
+    <cs:bodyPr rot="0" spcFirstLastPara="1" vertOverflow="clip" horzOverflow="clip" vert="horz" wrap="square" lIns="36576" tIns="18288" rIns="36576" bIns="18288" anchor="ctr" anchorCtr="1">
+      <a:spAutoFit/>
+    </cs:bodyPr>
+  </cs:dataLabelCallout>
+  <cs:dataPoint>
+    <cs:lnRef idx="0"/>
+    <cs:fillRef idx="1">
+      <cs:styleClr val="auto"/>
+    </cs:fillRef>
+    <cs:effectRef idx="0"/>
+    <cs:fontRef idx="minor">
+      <a:schemeClr val="tx1"/>
+    </cs:fontRef>
+    <cs:spPr>
+      <a:ln w="19050">
+        <a:solidFill>
+          <a:schemeClr val="lt1"/>
+        </a:solidFill>
+      </a:ln>
+    </cs:spPr>
+  </cs:dataPoint>
+  <cs:dataPoint3D>
+    <cs:lnRef idx="0"/>
+    <cs:fillRef idx="1">
+      <cs:styleClr val="auto"/>
+    </cs:fillRef>
+    <cs:effectRef idx="0"/>
+    <cs:fontRef idx="minor">
+      <a:schemeClr val="tx1"/>
+    </cs:fontRef>
+    <cs:spPr>
+      <a:ln w="25400">
+        <a:solidFill>
+          <a:schemeClr val="lt1"/>
+        </a:solidFill>
+      </a:ln>
+    </cs:spPr>
+  </cs:dataPoint3D>
+  <cs:dataPointLine>
+    <cs:lnRef idx="0">
+      <cs:styleClr val="auto"/>
+    </cs:lnRef>
+    <cs:fillRef idx="0"/>
+    <cs:effectRef idx="0"/>
+    <cs:fontRef idx="minor">
+      <a:schemeClr val="tx1"/>
+    </cs:fontRef>
+    <cs:spPr>
+      <a:ln w="28575" cap="rnd">
+        <a:solidFill>
+          <a:schemeClr val="phClr"/>
+        </a:solidFill>
+        <a:round/>
+      </a:ln>
+    </cs:spPr>
+  </cs:dataPointLine>
+  <cs:dataPointMarker>
+    <cs:lnRef idx="0">
+      <cs:styleClr val="auto"/>
+    </cs:lnRef>
+    <cs:fillRef idx="1">
+      <cs:styleClr val="auto"/>
+    </cs:fillRef>
+    <cs:effectRef idx="0"/>
+    <cs:fontRef idx="minor">
+      <a:schemeClr val="tx1"/>
+    </cs:fontRef>
+    <cs:spPr>
+      <a:ln w="9525">
+        <a:solidFill>
+          <a:schemeClr val="phClr"/>
+        </a:solidFill>
+      </a:ln>
+    </cs:spPr>
+  </cs:dataPointMarker>
+  <cs:dataPointMarkerLayout symbol="circle" size="5"/>
+  <cs:dataPointWireframe>
+    <cs:lnRef idx="0">
+      <cs:styleClr val="auto"/>
+    </cs:lnRef>
+    <cs:fillRef idx="0"/>
+    <cs:effectRef idx="0"/>
+    <cs:fontRef idx="minor">
+      <a:schemeClr val="tx1"/>
+    </cs:fontRef>
+    <cs:spPr>
+      <a:ln w="9525" cap="rnd">
+        <a:solidFill>
+          <a:schemeClr val="phClr"/>
+        </a:solidFill>
+        <a:round/>
+      </a:ln>
+    </cs:spPr>
+  </cs:dataPointWireframe>
+  <cs:dataTable>
+    <cs:lnRef idx="0"/>
+    <cs:fillRef idx="0"/>
+    <cs:effectRef idx="0"/>
+    <cs:fontRef idx="minor">
+      <a:schemeClr val="tx1">
+        <a:lumMod val="65000"/>
+        <a:lumOff val="35000"/>
+      </a:schemeClr>
+    </cs:fontRef>
+    <cs:spPr>
+      <a:noFill/>
+      <a:ln w="9525" cap="flat" cmpd="sng" algn="ctr">
+        <a:solidFill>
+          <a:schemeClr val="tx1">
+            <a:lumMod val="15000"/>
+            <a:lumOff val="85000"/>
+          </a:schemeClr>
+        </a:solidFill>
+        <a:round/>
+      </a:ln>
+    </cs:spPr>
+    <cs:defRPr sz="1197" kern="1200"/>
+  </cs:dataTable>
+  <cs:downBar>
+    <cs:lnRef idx="0"/>
+    <cs:fillRef idx="0"/>
+    <cs:effectRef idx="0"/>
+    <cs:fontRef idx="minor">
+      <a:schemeClr val="tx1"/>
+    </cs:fontRef>
+    <cs:spPr>
+      <a:solidFill>
+        <a:schemeClr val="dk1">
+          <a:lumMod val="75000"/>
+          <a:lumOff val="25000"/>
+        </a:schemeClr>
+      </a:solidFill>
+      <a:ln w="9525" cap="flat" cmpd="sng" algn="ctr">
+        <a:solidFill>
+          <a:schemeClr val="tx1">
+            <a:lumMod val="65000"/>
+            <a:lumOff val="35000"/>
+          </a:schemeClr>
+        </a:solidFill>
+        <a:round/>
+      </a:ln>
+    </cs:spPr>
+  </cs:downBar>
+  <cs:dropLine>
+    <cs:lnRef idx="0"/>
+    <cs:fillRef idx="0"/>
+    <cs:effectRef idx="0"/>
+    <cs:fontRef idx="minor">
+      <a:schemeClr val="tx1"/>
+    </cs:fontRef>
+    <cs:spPr>
+      <a:ln w="9525" cap="flat" cmpd="sng" algn="ctr">
+        <a:solidFill>
+          <a:schemeClr val="tx1">
+            <a:lumMod val="35000"/>
+            <a:lumOff val="65000"/>
+          </a:schemeClr>
+        </a:solidFill>
+        <a:round/>
+      </a:ln>
+    </cs:spPr>
+  </cs:dropLine>
+  <cs:errorBar>
+    <cs:lnRef idx="0"/>
+    <cs:fillRef idx="0"/>
+    <cs:effectRef idx="0"/>
+    <cs:fontRef idx="minor">
+      <a:schemeClr val="tx1"/>
+    </cs:fontRef>
+    <cs:spPr>
+      <a:ln w="9525" cap="flat" cmpd="sng" algn="ctr">
+        <a:solidFill>
+          <a:schemeClr val="tx1">
+            <a:lumMod val="65000"/>
+            <a:lumOff val="35000"/>
+          </a:schemeClr>
+        </a:solidFill>
+        <a:round/>
+      </a:ln>
+    </cs:spPr>
+  </cs:errorBar>
+  <cs:floor>
+    <cs:lnRef idx="0"/>
+    <cs:fillRef idx="0"/>
+    <cs:effectRef idx="0"/>
+    <cs:fontRef idx="minor">
+      <a:schemeClr val="tx1"/>
+    </cs:fontRef>
+    <cs:spPr>
+      <a:noFill/>
+      <a:ln>
+        <a:noFill/>
+      </a:ln>
+    </cs:spPr>
+  </cs:floor>
+  <cs:gridlineMajor>
+    <cs:lnRef idx="0"/>
+    <cs:fillRef idx="0"/>
+    <cs:effectRef idx="0"/>
+    <cs:fontRef idx="minor">
+      <a:schemeClr val="tx1"/>
+    </cs:fontRef>
+    <cs:spPr>
+      <a:ln w="9525" cap="flat" cmpd="sng" algn="ctr">
+        <a:solidFill>
+          <a:schemeClr val="tx1">
+            <a:lumMod val="15000"/>
+            <a:lumOff val="85000"/>
+          </a:schemeClr>
+        </a:solidFill>
+        <a:round/>
+      </a:ln>
+    </cs:spPr>
+  </cs:gridlineMajor>
+  <cs:gridlineMinor>
+    <cs:lnRef idx="0"/>
+    <cs:fillRef idx="0"/>
+    <cs:effectRef idx="0"/>
+    <cs:fontRef idx="minor">
+      <a:schemeClr val="tx1"/>
+    </cs:fontRef>
+    <cs:spPr>
+      <a:ln w="9525" cap="flat" cmpd="sng" algn="ctr">
+        <a:solidFill>
+          <a:schemeClr val="tx1">
+            <a:lumMod val="5000"/>
+            <a:lumOff val="95000"/>
+          </a:schemeClr>
+        </a:solidFill>
+        <a:round/>
+      </a:ln>
+    </cs:spPr>
+  </cs:gridlineMinor>
+  <cs:hiLoLine>
+    <cs:lnRef idx="0"/>
+    <cs:fillRef idx="0"/>
+    <cs:effectRef idx="0"/>
+    <cs:fontRef idx="minor">
+      <a:schemeClr val="tx1"/>
+    </cs:fontRef>
+    <cs:spPr>
+      <a:ln w="9525" cap="flat" cmpd="sng" algn="ctr">
+        <a:solidFill>
+          <a:schemeClr val="tx1">
+            <a:lumMod val="50000"/>
+            <a:lumOff val="50000"/>
+          </a:schemeClr>
+        </a:solidFill>
+        <a:round/>
+      </a:ln>
+    </cs:spPr>
+  </cs:hiLoLine>
+  <cs:leaderLine>
+    <cs:lnRef idx="0"/>
+    <cs:fillRef idx="0"/>
+    <cs:effectRef idx="0"/>
+    <cs:fontRef idx="minor">
+      <a:schemeClr val="tx1"/>
+    </cs:fontRef>
+    <cs:spPr>
+      <a:ln w="9525" cap="flat" cmpd="sng" algn="ctr">
+        <a:solidFill>
+          <a:schemeClr val="tx1">
+            <a:lumMod val="35000"/>
+            <a:lumOff val="65000"/>
+          </a:schemeClr>
+        </a:solidFill>
+        <a:round/>
+      </a:ln>
+    </cs:spPr>
+  </cs:leaderLine>
+  <cs:legend>
+    <cs:lnRef idx="0"/>
+    <cs:fillRef idx="0"/>
+    <cs:effectRef idx="0"/>
+    <cs:fontRef idx="minor">
+      <a:schemeClr val="tx1">
+        <a:lumMod val="65000"/>
+        <a:lumOff val="35000"/>
+      </a:schemeClr>
+    </cs:fontRef>
+    <cs:defRPr sz="1197" kern="1200"/>
+  </cs:legend>
+  <cs:plotArea mods="allowNoFillOverride allowNoLineOverride">
+    <cs:lnRef idx="0"/>
+    <cs:fillRef idx="0"/>
+    <cs:effectRef idx="0"/>
+    <cs:fontRef idx="minor">
+      <a:schemeClr val="tx1"/>
+    </cs:fontRef>
+  </cs:plotArea>
+  <cs:plotArea3D mods="allowNoFillOverride allowNoLineOverride">
+    <cs:lnRef idx="0"/>
+    <cs:fillRef idx="0"/>
+    <cs:effectRef idx="0"/>
+    <cs:fontRef idx="minor">
+      <a:schemeClr val="tx1"/>
+    </cs:fontRef>
+  </cs:plotArea3D>
+  <cs:seriesAxis>
+    <cs:lnRef idx="0"/>
+    <cs:fillRef idx="0"/>
+    <cs:effectRef idx="0"/>
+    <cs:fontRef idx="minor">
+      <a:schemeClr val="tx1">
+        <a:lumMod val="65000"/>
+        <a:lumOff val="35000"/>
+      </a:schemeClr>
+    </cs:fontRef>
+    <cs:defRPr sz="1197" kern="1200"/>
+  </cs:seriesAxis>
+  <cs:seriesLine>
+    <cs:lnRef idx="0"/>
+    <cs:fillRef idx="0"/>
+    <cs:effectRef idx="0"/>
+    <cs:fontRef idx="minor">
+      <a:schemeClr val="tx1"/>
+    </cs:fontRef>
+    <cs:spPr>
+      <a:ln w="9525" cap="flat" cmpd="sng" algn="ctr">
+        <a:solidFill>
+          <a:schemeClr val="tx1">
+            <a:lumMod val="35000"/>
+            <a:lumOff val="65000"/>
+          </a:schemeClr>
+        </a:solidFill>
+        <a:round/>
+      </a:ln>
+    </cs:spPr>
+  </cs:seriesLine>
+  <cs:title>
+    <cs:lnRef idx="0"/>
+    <cs:fillRef idx="0"/>
+    <cs:effectRef idx="0"/>
+    <cs:fontRef idx="minor">
+      <a:schemeClr val="tx1">
+        <a:lumMod val="65000"/>
+        <a:lumOff val="35000"/>
+      </a:schemeClr>
+    </cs:fontRef>
+    <cs:defRPr sz="1862" b="0" kern="1200" spc="0" baseline="0"/>
+  </cs:title>
+  <cs:trendline>
+    <cs:lnRef idx="0">
+      <cs:styleClr val="auto"/>
+    </cs:lnRef>
+    <cs:fillRef idx="0"/>
+    <cs:effectRef idx="0"/>
+    <cs:fontRef idx="minor">
+      <a:schemeClr val="tx1"/>
+    </cs:fontRef>
+    <cs:spPr>
+      <a:ln w="19050" cap="rnd">
+        <a:solidFill>
+          <a:schemeClr val="phClr"/>
+        </a:solidFill>
+        <a:prstDash val="sysDot"/>
+      </a:ln>
+    </cs:spPr>
+  </cs:trendline>
+  <cs:trendlineLabel>
+    <cs:lnRef idx="0"/>
+    <cs:fillRef idx="0"/>
+    <cs:effectRef idx="0"/>
+    <cs:fontRef idx="minor">
+      <a:schemeClr val="tx1">
+        <a:lumMod val="65000"/>
+        <a:lumOff val="35000"/>
+      </a:schemeClr>
+    </cs:fontRef>
+    <cs:defRPr sz="1197" kern="1200"/>
+  </cs:trendlineLabel>
+  <cs:upBar>
+    <cs:lnRef idx="0"/>
+    <cs:fillRef idx="0"/>
+    <cs:effectRef idx="0"/>
+    <cs:fontRef idx="minor">
+      <a:schemeClr val="tx1"/>
+    </cs:fontRef>
+    <cs:spPr>
+      <a:solidFill>
+        <a:schemeClr val="lt1"/>
+      </a:solidFill>
+      <a:ln w="9525" cap="flat" cmpd="sng" algn="ctr">
+        <a:solidFill>
+          <a:schemeClr val="tx1">
+            <a:lumMod val="65000"/>
+            <a:lumOff val="35000"/>
+          </a:schemeClr>
+        </a:solidFill>
+        <a:round/>
+      </a:ln>
+    </cs:spPr>
+  </cs:upBar>
+  <cs:valueAxis>
+    <cs:lnRef idx="0"/>
+    <cs:fillRef idx="0"/>
+    <cs:effectRef idx="0"/>
+    <cs:fontRef idx="minor">
+      <a:schemeClr val="tx1">
+        <a:lumMod val="65000"/>
+        <a:lumOff val="35000"/>
+      </a:schemeClr>
+    </cs:fontRef>
+    <cs:defRPr sz="1197" kern="1200"/>
+  </cs:valueAxis>
+  <cs:wall>
+    <cs:lnRef idx="0"/>
+    <cs:fillRef idx="0"/>
+    <cs:effectRef idx="0"/>
+    <cs:fontRef idx="minor">
+      <a:schemeClr val="tx1"/>
+    </cs:fontRef>
+    <cs:spPr>
+      <a:noFill/>
+      <a:ln>
+        <a:noFill/>
+      </a:ln>
+    </cs:spPr>
+  </cs:wall>
+</cs:chartStyle>
 </file>
 
 <file path=ppt/notesMasters/notesMaster1.xml><?xml version="1.0" encoding="utf-8"?>
@@ -224,7 +4310,7 @@
           <a:p>
             <a:fld id="{8B9C45F6-0AEB-4DC2-90E5-18A18839626C}" type="datetimeFigureOut">
               <a:rPr lang="ru-RU" smtClean="0"/>
-              <a:t>05.03.2017</a:t>
+              <a:t>13.03.2017</a:t>
             </a:fld>
             <a:endParaRPr lang="ru-RU"/>
           </a:p>
@@ -492,6 +4578,1254 @@
 </p:notesMaster>
 </file>
 
+<file path=ppt/notesSlides/notesSlide1.xml><?xml version="1.0" encoding="utf-8"?>
+<p:notes xmlns:a="http://schemas.openxmlformats.org/drawingml/2006/main" xmlns:r="http://schemas.openxmlformats.org/officeDocument/2006/relationships" xmlns:p="http://schemas.openxmlformats.org/presentationml/2006/main">
+  <p:cSld>
+    <p:spTree>
+      <p:nvGrpSpPr>
+        <p:cNvPr id="1" name=""/>
+        <p:cNvGrpSpPr/>
+        <p:nvPr/>
+      </p:nvGrpSpPr>
+      <p:grpSpPr>
+        <a:xfrm>
+          <a:off x="0" y="0"/>
+          <a:ext cx="0" cy="0"/>
+          <a:chOff x="0" y="0"/>
+          <a:chExt cx="0" cy="0"/>
+        </a:xfrm>
+      </p:grpSpPr>
+      <p:sp>
+        <p:nvSpPr>
+          <p:cNvPr id="2" name="Образ слайда 1"/>
+          <p:cNvSpPr>
+            <a:spLocks noGrp="1" noRot="1" noChangeAspect="1"/>
+          </p:cNvSpPr>
+          <p:nvPr>
+            <p:ph type="sldImg"/>
+          </p:nvPr>
+        </p:nvSpPr>
+        <p:spPr/>
+      </p:sp>
+      <p:sp>
+        <p:nvSpPr>
+          <p:cNvPr id="3" name="Заметки 2"/>
+          <p:cNvSpPr>
+            <a:spLocks noGrp="1"/>
+          </p:cNvSpPr>
+          <p:nvPr>
+            <p:ph type="body" idx="1"/>
+          </p:nvPr>
+        </p:nvSpPr>
+        <p:spPr/>
+        <p:txBody>
+          <a:bodyPr/>
+          <a:lstStyle/>
+          <a:p>
+            <a:r>
+              <a:rPr lang="ru-RU" dirty="0" smtClean="0"/>
+              <a:t>Учеба на программиста</a:t>
+            </a:r>
+          </a:p>
+          <a:p>
+            <a:pPr lvl="1"/>
+            <a:r>
+              <a:rPr lang="ru-RU" dirty="0" smtClean="0"/>
+              <a:t>Сильно помогает</a:t>
+            </a:r>
+          </a:p>
+          <a:p>
+            <a:pPr lvl="1"/>
+            <a:r>
+              <a:rPr lang="ru-RU" dirty="0" smtClean="0"/>
+              <a:t>Не обязательна</a:t>
+            </a:r>
+          </a:p>
+          <a:p>
+            <a:endParaRPr lang="ru-RU" dirty="0"/>
+          </a:p>
+        </p:txBody>
+      </p:sp>
+      <p:sp>
+        <p:nvSpPr>
+          <p:cNvPr id="4" name="Номер слайда 3"/>
+          <p:cNvSpPr>
+            <a:spLocks noGrp="1"/>
+          </p:cNvSpPr>
+          <p:nvPr>
+            <p:ph type="sldNum" sz="quarter" idx="10"/>
+          </p:nvPr>
+        </p:nvSpPr>
+        <p:spPr/>
+        <p:txBody>
+          <a:bodyPr/>
+          <a:lstStyle/>
+          <a:p>
+            <a:fld id="{8ECB1CBD-3302-4BCA-82F2-2D3160A62E8C}" type="slidenum">
+              <a:rPr lang="ru-RU" smtClean="0"/>
+              <a:t>6</a:t>
+            </a:fld>
+            <a:endParaRPr lang="ru-RU"/>
+          </a:p>
+        </p:txBody>
+      </p:sp>
+    </p:spTree>
+    <p:extLst>
+      <p:ext uri="{BB962C8B-B14F-4D97-AF65-F5344CB8AC3E}">
+        <p14:creationId xmlns:p14="http://schemas.microsoft.com/office/powerpoint/2010/main" val="3728770702"/>
+      </p:ext>
+    </p:extLst>
+  </p:cSld>
+  <p:clrMapOvr>
+    <a:masterClrMapping/>
+  </p:clrMapOvr>
+</p:notes>
+</file>
+
+<file path=ppt/notesSlides/notesSlide10.xml><?xml version="1.0" encoding="utf-8"?>
+<p:notes xmlns:a="http://schemas.openxmlformats.org/drawingml/2006/main" xmlns:r="http://schemas.openxmlformats.org/officeDocument/2006/relationships" xmlns:p="http://schemas.openxmlformats.org/presentationml/2006/main">
+  <p:cSld>
+    <p:spTree>
+      <p:nvGrpSpPr>
+        <p:cNvPr id="1" name=""/>
+        <p:cNvGrpSpPr/>
+        <p:nvPr/>
+      </p:nvGrpSpPr>
+      <p:grpSpPr>
+        <a:xfrm>
+          <a:off x="0" y="0"/>
+          <a:ext cx="0" cy="0"/>
+          <a:chOff x="0" y="0"/>
+          <a:chExt cx="0" cy="0"/>
+        </a:xfrm>
+      </p:grpSpPr>
+      <p:sp>
+        <p:nvSpPr>
+          <p:cNvPr id="2" name="Образ слайда 1"/>
+          <p:cNvSpPr>
+            <a:spLocks noGrp="1" noRot="1" noChangeAspect="1"/>
+          </p:cNvSpPr>
+          <p:nvPr>
+            <p:ph type="sldImg"/>
+          </p:nvPr>
+        </p:nvSpPr>
+        <p:spPr/>
+      </p:sp>
+      <p:sp>
+        <p:nvSpPr>
+          <p:cNvPr id="3" name="Заметки 2"/>
+          <p:cNvSpPr>
+            <a:spLocks noGrp="1"/>
+          </p:cNvSpPr>
+          <p:nvPr>
+            <p:ph type="body" idx="1"/>
+          </p:nvPr>
+        </p:nvSpPr>
+        <p:spPr/>
+        <p:txBody>
+          <a:bodyPr/>
+          <a:lstStyle/>
+          <a:p>
+            <a:r>
+              <a:rPr lang="ru-RU" dirty="0" smtClean="0"/>
+              <a:t>Кто заметил что я дважды</a:t>
+            </a:r>
+            <a:r>
+              <a:rPr lang="ru-RU" baseline="0" dirty="0" smtClean="0"/>
+              <a:t> упомянул способность к анализу – у меня явно не хватает креативности</a:t>
+            </a:r>
+            <a:endParaRPr lang="ru-RU" dirty="0"/>
+          </a:p>
+        </p:txBody>
+      </p:sp>
+      <p:sp>
+        <p:nvSpPr>
+          <p:cNvPr id="4" name="Номер слайда 3"/>
+          <p:cNvSpPr>
+            <a:spLocks noGrp="1"/>
+          </p:cNvSpPr>
+          <p:nvPr>
+            <p:ph type="sldNum" sz="quarter" idx="10"/>
+          </p:nvPr>
+        </p:nvSpPr>
+        <p:spPr/>
+        <p:txBody>
+          <a:bodyPr/>
+          <a:lstStyle/>
+          <a:p>
+            <a:fld id="{8ECB1CBD-3302-4BCA-82F2-2D3160A62E8C}" type="slidenum">
+              <a:rPr lang="ru-RU" smtClean="0"/>
+              <a:t>26</a:t>
+            </a:fld>
+            <a:endParaRPr lang="ru-RU"/>
+          </a:p>
+        </p:txBody>
+      </p:sp>
+    </p:spTree>
+    <p:extLst>
+      <p:ext uri="{BB962C8B-B14F-4D97-AF65-F5344CB8AC3E}">
+        <p14:creationId xmlns:p14="http://schemas.microsoft.com/office/powerpoint/2010/main" val="974547320"/>
+      </p:ext>
+    </p:extLst>
+  </p:cSld>
+  <p:clrMapOvr>
+    <a:masterClrMapping/>
+  </p:clrMapOvr>
+</p:notes>
+</file>
+
+<file path=ppt/notesSlides/notesSlide11.xml><?xml version="1.0" encoding="utf-8"?>
+<p:notes xmlns:a="http://schemas.openxmlformats.org/drawingml/2006/main" xmlns:r="http://schemas.openxmlformats.org/officeDocument/2006/relationships" xmlns:p="http://schemas.openxmlformats.org/presentationml/2006/main">
+  <p:cSld>
+    <p:spTree>
+      <p:nvGrpSpPr>
+        <p:cNvPr id="1" name=""/>
+        <p:cNvGrpSpPr/>
+        <p:nvPr/>
+      </p:nvGrpSpPr>
+      <p:grpSpPr>
+        <a:xfrm>
+          <a:off x="0" y="0"/>
+          <a:ext cx="0" cy="0"/>
+          <a:chOff x="0" y="0"/>
+          <a:chExt cx="0" cy="0"/>
+        </a:xfrm>
+      </p:grpSpPr>
+      <p:sp>
+        <p:nvSpPr>
+          <p:cNvPr id="2" name="Образ слайда 1"/>
+          <p:cNvSpPr>
+            <a:spLocks noGrp="1" noRot="1" noChangeAspect="1"/>
+          </p:cNvSpPr>
+          <p:nvPr>
+            <p:ph type="sldImg"/>
+          </p:nvPr>
+        </p:nvSpPr>
+        <p:spPr/>
+      </p:sp>
+      <p:sp>
+        <p:nvSpPr>
+          <p:cNvPr id="3" name="Заметки 2"/>
+          <p:cNvSpPr>
+            <a:spLocks noGrp="1"/>
+          </p:cNvSpPr>
+          <p:nvPr>
+            <p:ph type="body" idx="1"/>
+          </p:nvPr>
+        </p:nvSpPr>
+        <p:spPr/>
+        <p:txBody>
+          <a:bodyPr/>
+          <a:lstStyle/>
+          <a:p>
+            <a:r>
+              <a:rPr lang="ru-RU" dirty="0" smtClean="0"/>
+              <a:t>Если ничего с предыдущего</a:t>
+            </a:r>
+            <a:r>
+              <a:rPr lang="ru-RU" baseline="0" dirty="0" smtClean="0"/>
+              <a:t> слайда не вызывает у вас отвращение, если к наиболее важным навыкам (логическое мышление, точные науки) у вас есть способности, то возможно да</a:t>
+            </a:r>
+          </a:p>
+          <a:p>
+            <a:r>
+              <a:rPr lang="ru-RU" baseline="0" dirty="0" smtClean="0"/>
+              <a:t>Лучший вариант – попробовать.</a:t>
+            </a:r>
+          </a:p>
+          <a:p>
+            <a:endParaRPr lang="ru-RU" b="1" dirty="0"/>
+          </a:p>
+        </p:txBody>
+      </p:sp>
+      <p:sp>
+        <p:nvSpPr>
+          <p:cNvPr id="4" name="Номер слайда 3"/>
+          <p:cNvSpPr>
+            <a:spLocks noGrp="1"/>
+          </p:cNvSpPr>
+          <p:nvPr>
+            <p:ph type="sldNum" sz="quarter" idx="10"/>
+          </p:nvPr>
+        </p:nvSpPr>
+        <p:spPr/>
+        <p:txBody>
+          <a:bodyPr/>
+          <a:lstStyle/>
+          <a:p>
+            <a:fld id="{8ECB1CBD-3302-4BCA-82F2-2D3160A62E8C}" type="slidenum">
+              <a:rPr lang="ru-RU" smtClean="0"/>
+              <a:t>27</a:t>
+            </a:fld>
+            <a:endParaRPr lang="ru-RU"/>
+          </a:p>
+        </p:txBody>
+      </p:sp>
+    </p:spTree>
+    <p:extLst>
+      <p:ext uri="{BB962C8B-B14F-4D97-AF65-F5344CB8AC3E}">
+        <p14:creationId xmlns:p14="http://schemas.microsoft.com/office/powerpoint/2010/main" val="1078592692"/>
+      </p:ext>
+    </p:extLst>
+  </p:cSld>
+  <p:clrMapOvr>
+    <a:masterClrMapping/>
+  </p:clrMapOvr>
+</p:notes>
+</file>
+
+<file path=ppt/notesSlides/notesSlide2.xml><?xml version="1.0" encoding="utf-8"?>
+<p:notes xmlns:a="http://schemas.openxmlformats.org/drawingml/2006/main" xmlns:r="http://schemas.openxmlformats.org/officeDocument/2006/relationships" xmlns:p="http://schemas.openxmlformats.org/presentationml/2006/main">
+  <p:cSld>
+    <p:spTree>
+      <p:nvGrpSpPr>
+        <p:cNvPr id="1" name=""/>
+        <p:cNvGrpSpPr/>
+        <p:nvPr/>
+      </p:nvGrpSpPr>
+      <p:grpSpPr>
+        <a:xfrm>
+          <a:off x="0" y="0"/>
+          <a:ext cx="0" cy="0"/>
+          <a:chOff x="0" y="0"/>
+          <a:chExt cx="0" cy="0"/>
+        </a:xfrm>
+      </p:grpSpPr>
+      <p:sp>
+        <p:nvSpPr>
+          <p:cNvPr id="2" name="Образ слайда 1"/>
+          <p:cNvSpPr>
+            <a:spLocks noGrp="1" noRot="1" noChangeAspect="1"/>
+          </p:cNvSpPr>
+          <p:nvPr>
+            <p:ph type="sldImg"/>
+          </p:nvPr>
+        </p:nvSpPr>
+        <p:spPr/>
+      </p:sp>
+      <p:sp>
+        <p:nvSpPr>
+          <p:cNvPr id="3" name="Заметки 2"/>
+          <p:cNvSpPr>
+            <a:spLocks noGrp="1"/>
+          </p:cNvSpPr>
+          <p:nvPr>
+            <p:ph type="body" idx="1"/>
+          </p:nvPr>
+        </p:nvSpPr>
+        <p:spPr/>
+        <p:txBody>
+          <a:bodyPr/>
+          <a:lstStyle/>
+          <a:p>
+            <a:r>
+              <a:rPr lang="ru-RU" dirty="0" smtClean="0"/>
+              <a:t>Ничего</a:t>
+            </a:r>
+            <a:r>
+              <a:rPr lang="ru-RU" baseline="0" dirty="0" smtClean="0"/>
+              <a:t> я не забыл?</a:t>
+            </a:r>
+            <a:endParaRPr lang="ru-RU" dirty="0"/>
+          </a:p>
+        </p:txBody>
+      </p:sp>
+      <p:sp>
+        <p:nvSpPr>
+          <p:cNvPr id="4" name="Номер слайда 3"/>
+          <p:cNvSpPr>
+            <a:spLocks noGrp="1"/>
+          </p:cNvSpPr>
+          <p:nvPr>
+            <p:ph type="sldNum" sz="quarter" idx="10"/>
+          </p:nvPr>
+        </p:nvSpPr>
+        <p:spPr/>
+        <p:txBody>
+          <a:bodyPr/>
+          <a:lstStyle/>
+          <a:p>
+            <a:fld id="{8ECB1CBD-3302-4BCA-82F2-2D3160A62E8C}" type="slidenum">
+              <a:rPr lang="ru-RU" smtClean="0"/>
+              <a:t>7</a:t>
+            </a:fld>
+            <a:endParaRPr lang="ru-RU"/>
+          </a:p>
+        </p:txBody>
+      </p:sp>
+    </p:spTree>
+    <p:extLst>
+      <p:ext uri="{BB962C8B-B14F-4D97-AF65-F5344CB8AC3E}">
+        <p14:creationId xmlns:p14="http://schemas.microsoft.com/office/powerpoint/2010/main" val="2609124808"/>
+      </p:ext>
+    </p:extLst>
+  </p:cSld>
+  <p:clrMapOvr>
+    <a:masterClrMapping/>
+  </p:clrMapOvr>
+</p:notes>
+</file>
+
+<file path=ppt/notesSlides/notesSlide3.xml><?xml version="1.0" encoding="utf-8"?>
+<p:notes xmlns:a="http://schemas.openxmlformats.org/drawingml/2006/main" xmlns:r="http://schemas.openxmlformats.org/officeDocument/2006/relationships" xmlns:p="http://schemas.openxmlformats.org/presentationml/2006/main">
+  <p:cSld>
+    <p:spTree>
+      <p:nvGrpSpPr>
+        <p:cNvPr id="1" name=""/>
+        <p:cNvGrpSpPr/>
+        <p:nvPr/>
+      </p:nvGrpSpPr>
+      <p:grpSpPr>
+        <a:xfrm>
+          <a:off x="0" y="0"/>
+          <a:ext cx="0" cy="0"/>
+          <a:chOff x="0" y="0"/>
+          <a:chExt cx="0" cy="0"/>
+        </a:xfrm>
+      </p:grpSpPr>
+      <p:sp>
+        <p:nvSpPr>
+          <p:cNvPr id="2" name="Образ слайда 1"/>
+          <p:cNvSpPr>
+            <a:spLocks noGrp="1" noRot="1" noChangeAspect="1"/>
+          </p:cNvSpPr>
+          <p:nvPr>
+            <p:ph type="sldImg"/>
+          </p:nvPr>
+        </p:nvSpPr>
+        <p:spPr/>
+      </p:sp>
+      <p:sp>
+        <p:nvSpPr>
+          <p:cNvPr id="3" name="Заметки 2"/>
+          <p:cNvSpPr>
+            <a:spLocks noGrp="1"/>
+          </p:cNvSpPr>
+          <p:nvPr>
+            <p:ph type="body" idx="1"/>
+          </p:nvPr>
+        </p:nvSpPr>
+        <p:spPr/>
+        <p:txBody>
+          <a:bodyPr/>
+          <a:lstStyle/>
+          <a:p>
+            <a:r>
+              <a:rPr lang="en-US" dirty="0" smtClean="0"/>
+              <a:t>TODO:</a:t>
+            </a:r>
+            <a:r>
+              <a:rPr lang="en-US" baseline="0" dirty="0" smtClean="0"/>
+              <a:t> charts + </a:t>
+            </a:r>
+            <a:r>
+              <a:rPr lang="ru-RU" baseline="0" dirty="0" smtClean="0"/>
+              <a:t>обед</a:t>
+            </a:r>
+            <a:endParaRPr lang="ru-RU" dirty="0"/>
+          </a:p>
+        </p:txBody>
+      </p:sp>
+      <p:sp>
+        <p:nvSpPr>
+          <p:cNvPr id="4" name="Номер слайда 3"/>
+          <p:cNvSpPr>
+            <a:spLocks noGrp="1"/>
+          </p:cNvSpPr>
+          <p:nvPr>
+            <p:ph type="sldNum" sz="quarter" idx="10"/>
+          </p:nvPr>
+        </p:nvSpPr>
+        <p:spPr/>
+        <p:txBody>
+          <a:bodyPr/>
+          <a:lstStyle/>
+          <a:p>
+            <a:fld id="{8ECB1CBD-3302-4BCA-82F2-2D3160A62E8C}" type="slidenum">
+              <a:rPr lang="ru-RU" smtClean="0"/>
+              <a:t>10</a:t>
+            </a:fld>
+            <a:endParaRPr lang="ru-RU"/>
+          </a:p>
+        </p:txBody>
+      </p:sp>
+    </p:spTree>
+    <p:extLst>
+      <p:ext uri="{BB962C8B-B14F-4D97-AF65-F5344CB8AC3E}">
+        <p14:creationId xmlns:p14="http://schemas.microsoft.com/office/powerpoint/2010/main" val="3725082525"/>
+      </p:ext>
+    </p:extLst>
+  </p:cSld>
+  <p:clrMapOvr>
+    <a:masterClrMapping/>
+  </p:clrMapOvr>
+</p:notes>
+</file>
+
+<file path=ppt/notesSlides/notesSlide4.xml><?xml version="1.0" encoding="utf-8"?>
+<p:notes xmlns:a="http://schemas.openxmlformats.org/drawingml/2006/main" xmlns:r="http://schemas.openxmlformats.org/officeDocument/2006/relationships" xmlns:p="http://schemas.openxmlformats.org/presentationml/2006/main">
+  <p:cSld>
+    <p:spTree>
+      <p:nvGrpSpPr>
+        <p:cNvPr id="1" name=""/>
+        <p:cNvGrpSpPr/>
+        <p:nvPr/>
+      </p:nvGrpSpPr>
+      <p:grpSpPr>
+        <a:xfrm>
+          <a:off x="0" y="0"/>
+          <a:ext cx="0" cy="0"/>
+          <a:chOff x="0" y="0"/>
+          <a:chExt cx="0" cy="0"/>
+        </a:xfrm>
+      </p:grpSpPr>
+      <p:sp>
+        <p:nvSpPr>
+          <p:cNvPr id="2" name="Образ слайда 1"/>
+          <p:cNvSpPr>
+            <a:spLocks noGrp="1" noRot="1" noChangeAspect="1"/>
+          </p:cNvSpPr>
+          <p:nvPr>
+            <p:ph type="sldImg"/>
+          </p:nvPr>
+        </p:nvSpPr>
+        <p:spPr/>
+      </p:sp>
+      <p:sp>
+        <p:nvSpPr>
+          <p:cNvPr id="3" name="Заметки 2"/>
+          <p:cNvSpPr>
+            <a:spLocks noGrp="1"/>
+          </p:cNvSpPr>
+          <p:nvPr>
+            <p:ph type="body" idx="1"/>
+          </p:nvPr>
+        </p:nvSpPr>
+        <p:spPr/>
+        <p:txBody>
+          <a:bodyPr/>
+          <a:lstStyle/>
+          <a:p>
+            <a:r>
+              <a:rPr lang="en-US" dirty="0" smtClean="0"/>
+              <a:t>Hard skills</a:t>
+            </a:r>
+            <a:r>
+              <a:rPr lang="en-US" baseline="0" dirty="0" smtClean="0"/>
+              <a:t> – </a:t>
+            </a:r>
+            <a:r>
+              <a:rPr lang="ru-RU" baseline="0" dirty="0" smtClean="0"/>
+              <a:t>это умение программировать на </a:t>
+            </a:r>
+            <a:r>
+              <a:rPr lang="en-US" baseline="0" dirty="0" smtClean="0"/>
+              <a:t>Java, </a:t>
+            </a:r>
+            <a:r>
+              <a:rPr lang="ru-RU" baseline="0" dirty="0" smtClean="0"/>
+              <a:t>вышивать крестиком, водить автомобиль</a:t>
+            </a:r>
+          </a:p>
+          <a:p>
+            <a:r>
+              <a:rPr lang="en-US" baseline="0" dirty="0" smtClean="0"/>
+              <a:t>Soft Skills – </a:t>
+            </a:r>
+            <a:r>
+              <a:rPr lang="ru-RU" baseline="0" dirty="0" smtClean="0"/>
+              <a:t>это умение вести переговоры, вести за собой людей как лидер, </a:t>
+            </a:r>
+            <a:r>
+              <a:rPr lang="ru-RU" sz="1200" b="0" i="0" kern="1200" dirty="0" smtClean="0">
+                <a:solidFill>
+                  <a:schemeClr val="tx1"/>
+                </a:solidFill>
+                <a:effectLst/>
+                <a:latin typeface="+mn-lt"/>
+                <a:ea typeface="+mn-ea"/>
+                <a:cs typeface="+mn-cs"/>
+              </a:rPr>
+              <a:t>умение работать в команде, развитие себя как личности, управление временем, эрудированность, креативность</a:t>
+            </a:r>
+          </a:p>
+          <a:p>
+            <a:endParaRPr lang="ru-RU" dirty="0"/>
+          </a:p>
+        </p:txBody>
+      </p:sp>
+      <p:sp>
+        <p:nvSpPr>
+          <p:cNvPr id="4" name="Номер слайда 3"/>
+          <p:cNvSpPr>
+            <a:spLocks noGrp="1"/>
+          </p:cNvSpPr>
+          <p:nvPr>
+            <p:ph type="sldNum" sz="quarter" idx="10"/>
+          </p:nvPr>
+        </p:nvSpPr>
+        <p:spPr/>
+        <p:txBody>
+          <a:bodyPr/>
+          <a:lstStyle/>
+          <a:p>
+            <a:fld id="{8ECB1CBD-3302-4BCA-82F2-2D3160A62E8C}" type="slidenum">
+              <a:rPr lang="ru-RU" smtClean="0"/>
+              <a:t>18</a:t>
+            </a:fld>
+            <a:endParaRPr lang="ru-RU"/>
+          </a:p>
+        </p:txBody>
+      </p:sp>
+    </p:spTree>
+    <p:extLst>
+      <p:ext uri="{BB962C8B-B14F-4D97-AF65-F5344CB8AC3E}">
+        <p14:creationId xmlns:p14="http://schemas.microsoft.com/office/powerpoint/2010/main" val="898074354"/>
+      </p:ext>
+    </p:extLst>
+  </p:cSld>
+  <p:clrMapOvr>
+    <a:masterClrMapping/>
+  </p:clrMapOvr>
+</p:notes>
+</file>
+
+<file path=ppt/notesSlides/notesSlide5.xml><?xml version="1.0" encoding="utf-8"?>
+<p:notes xmlns:a="http://schemas.openxmlformats.org/drawingml/2006/main" xmlns:r="http://schemas.openxmlformats.org/officeDocument/2006/relationships" xmlns:p="http://schemas.openxmlformats.org/presentationml/2006/main">
+  <p:cSld>
+    <p:spTree>
+      <p:nvGrpSpPr>
+        <p:cNvPr id="1" name=""/>
+        <p:cNvGrpSpPr/>
+        <p:nvPr/>
+      </p:nvGrpSpPr>
+      <p:grpSpPr>
+        <a:xfrm>
+          <a:off x="0" y="0"/>
+          <a:ext cx="0" cy="0"/>
+          <a:chOff x="0" y="0"/>
+          <a:chExt cx="0" cy="0"/>
+        </a:xfrm>
+      </p:grpSpPr>
+      <p:sp>
+        <p:nvSpPr>
+          <p:cNvPr id="2" name="Образ слайда 1"/>
+          <p:cNvSpPr>
+            <a:spLocks noGrp="1" noRot="1" noChangeAspect="1"/>
+          </p:cNvSpPr>
+          <p:nvPr>
+            <p:ph type="sldImg"/>
+          </p:nvPr>
+        </p:nvSpPr>
+        <p:spPr/>
+      </p:sp>
+      <p:sp>
+        <p:nvSpPr>
+          <p:cNvPr id="3" name="Заметки 2"/>
+          <p:cNvSpPr>
+            <a:spLocks noGrp="1"/>
+          </p:cNvSpPr>
+          <p:nvPr>
+            <p:ph type="body" idx="1"/>
+          </p:nvPr>
+        </p:nvSpPr>
+        <p:spPr/>
+        <p:txBody>
+          <a:bodyPr/>
+          <a:lstStyle/>
+          <a:p>
+            <a:r>
+              <a:rPr lang="ru-RU" dirty="0" smtClean="0"/>
+              <a:t>Любят на интервью задавать</a:t>
+            </a:r>
+            <a:r>
+              <a:rPr lang="ru-RU" baseline="0" dirty="0" smtClean="0"/>
+              <a:t> вот такие задачи</a:t>
+            </a:r>
+            <a:endParaRPr lang="ru-RU" dirty="0"/>
+          </a:p>
+        </p:txBody>
+      </p:sp>
+      <p:sp>
+        <p:nvSpPr>
+          <p:cNvPr id="4" name="Номер слайда 3"/>
+          <p:cNvSpPr>
+            <a:spLocks noGrp="1"/>
+          </p:cNvSpPr>
+          <p:nvPr>
+            <p:ph type="sldNum" sz="quarter" idx="10"/>
+          </p:nvPr>
+        </p:nvSpPr>
+        <p:spPr/>
+        <p:txBody>
+          <a:bodyPr/>
+          <a:lstStyle/>
+          <a:p>
+            <a:fld id="{8ECB1CBD-3302-4BCA-82F2-2D3160A62E8C}" type="slidenum">
+              <a:rPr lang="ru-RU" smtClean="0"/>
+              <a:t>21</a:t>
+            </a:fld>
+            <a:endParaRPr lang="ru-RU"/>
+          </a:p>
+        </p:txBody>
+      </p:sp>
+    </p:spTree>
+    <p:extLst>
+      <p:ext uri="{BB962C8B-B14F-4D97-AF65-F5344CB8AC3E}">
+        <p14:creationId xmlns:p14="http://schemas.microsoft.com/office/powerpoint/2010/main" val="3829046402"/>
+      </p:ext>
+    </p:extLst>
+  </p:cSld>
+  <p:clrMapOvr>
+    <a:masterClrMapping/>
+  </p:clrMapOvr>
+</p:notes>
+</file>
+
+<file path=ppt/notesSlides/notesSlide6.xml><?xml version="1.0" encoding="utf-8"?>
+<p:notes xmlns:a="http://schemas.openxmlformats.org/drawingml/2006/main" xmlns:r="http://schemas.openxmlformats.org/officeDocument/2006/relationships" xmlns:p="http://schemas.openxmlformats.org/presentationml/2006/main">
+  <p:cSld>
+    <p:spTree>
+      <p:nvGrpSpPr>
+        <p:cNvPr id="1" name=""/>
+        <p:cNvGrpSpPr/>
+        <p:nvPr/>
+      </p:nvGrpSpPr>
+      <p:grpSpPr>
+        <a:xfrm>
+          <a:off x="0" y="0"/>
+          <a:ext cx="0" cy="0"/>
+          <a:chOff x="0" y="0"/>
+          <a:chExt cx="0" cy="0"/>
+        </a:xfrm>
+      </p:grpSpPr>
+      <p:sp>
+        <p:nvSpPr>
+          <p:cNvPr id="2" name="Образ слайда 1"/>
+          <p:cNvSpPr>
+            <a:spLocks noGrp="1" noRot="1" noChangeAspect="1"/>
+          </p:cNvSpPr>
+          <p:nvPr>
+            <p:ph type="sldImg"/>
+          </p:nvPr>
+        </p:nvSpPr>
+        <p:spPr/>
+      </p:sp>
+      <p:sp>
+        <p:nvSpPr>
+          <p:cNvPr id="3" name="Заметки 2"/>
+          <p:cNvSpPr>
+            <a:spLocks noGrp="1"/>
+          </p:cNvSpPr>
+          <p:nvPr>
+            <p:ph type="body" idx="1"/>
+          </p:nvPr>
+        </p:nvSpPr>
+        <p:spPr/>
+        <p:txBody>
+          <a:bodyPr/>
+          <a:lstStyle/>
+          <a:p>
+            <a:r>
+              <a:rPr lang="ru-RU" dirty="0" smtClean="0"/>
+              <a:t>Способность</a:t>
+            </a:r>
+            <a:r>
+              <a:rPr lang="ru-RU" baseline="0" dirty="0" smtClean="0"/>
+              <a:t> к анализу – почему это так работает.</a:t>
+            </a:r>
+          </a:p>
+          <a:p>
+            <a:r>
+              <a:rPr lang="ru-RU" baseline="0" dirty="0" smtClean="0"/>
+              <a:t>Когда я перехожу дорогу на зеленый, все машины останавливаются. Почему? Потому что видят меня? Будут ли они останавливаться если я не буду переходить дорогу на зеленый? Будут ли они останавливаться если я буду переходить дорогу на красный?</a:t>
+            </a:r>
+          </a:p>
+          <a:p>
+            <a:r>
+              <a:rPr lang="ru-RU" baseline="0" dirty="0" smtClean="0"/>
+              <a:t>Только пожалуйста, не надо этого пробовать – для этого у нас в </a:t>
+            </a:r>
+            <a:r>
+              <a:rPr lang="en-US" baseline="0" dirty="0" smtClean="0"/>
+              <a:t>IT </a:t>
+            </a:r>
+            <a:r>
+              <a:rPr lang="ru-RU" baseline="0" dirty="0" smtClean="0"/>
+              <a:t>есть специальные люди которых называют </a:t>
+            </a:r>
+            <a:r>
+              <a:rPr lang="ru-RU" baseline="0" dirty="0" err="1" smtClean="0"/>
+              <a:t>тестировщками</a:t>
+            </a:r>
+            <a:r>
+              <a:rPr lang="ru-RU" baseline="0" dirty="0" smtClean="0"/>
+              <a:t>. Они задаются порой казалось бы самыми нелепыми вопросами.</a:t>
+            </a:r>
+          </a:p>
+          <a:p>
+            <a:r>
+              <a:rPr lang="ru-RU" baseline="0" dirty="0" smtClean="0"/>
+              <a:t>А ведь ответ простой – машины останавливаются, потому что им показывается красный свет. И уже зная это, вы можете ответить на все предыдущие вопросы</a:t>
+            </a:r>
+          </a:p>
+          <a:p>
+            <a:r>
+              <a:rPr lang="ru-RU" baseline="0" dirty="0" smtClean="0"/>
+              <a:t>И вот умея вот так абстрагироваться, находить взаимосвязи и выводить правила, вы сможете </a:t>
+            </a:r>
+            <a:r>
+              <a:rPr lang="ru-RU" b="1" baseline="0" dirty="0" smtClean="0"/>
+              <a:t>решить проблему просто и элегантно</a:t>
+            </a:r>
+            <a:endParaRPr lang="ru-RU" b="1" dirty="0"/>
+          </a:p>
+        </p:txBody>
+      </p:sp>
+      <p:sp>
+        <p:nvSpPr>
+          <p:cNvPr id="4" name="Номер слайда 3"/>
+          <p:cNvSpPr>
+            <a:spLocks noGrp="1"/>
+          </p:cNvSpPr>
+          <p:nvPr>
+            <p:ph type="sldNum" sz="quarter" idx="10"/>
+          </p:nvPr>
+        </p:nvSpPr>
+        <p:spPr/>
+        <p:txBody>
+          <a:bodyPr/>
+          <a:lstStyle/>
+          <a:p>
+            <a:fld id="{8ECB1CBD-3302-4BCA-82F2-2D3160A62E8C}" type="slidenum">
+              <a:rPr lang="ru-RU" smtClean="0"/>
+              <a:t>22</a:t>
+            </a:fld>
+            <a:endParaRPr lang="ru-RU"/>
+          </a:p>
+        </p:txBody>
+      </p:sp>
+    </p:spTree>
+    <p:extLst>
+      <p:ext uri="{BB962C8B-B14F-4D97-AF65-F5344CB8AC3E}">
+        <p14:creationId xmlns:p14="http://schemas.microsoft.com/office/powerpoint/2010/main" val="1372522176"/>
+      </p:ext>
+    </p:extLst>
+  </p:cSld>
+  <p:clrMapOvr>
+    <a:masterClrMapping/>
+  </p:clrMapOvr>
+</p:notes>
+</file>
+
+<file path=ppt/notesSlides/notesSlide7.xml><?xml version="1.0" encoding="utf-8"?>
+<p:notes xmlns:a="http://schemas.openxmlformats.org/drawingml/2006/main" xmlns:r="http://schemas.openxmlformats.org/officeDocument/2006/relationships" xmlns:p="http://schemas.openxmlformats.org/presentationml/2006/main">
+  <p:cSld>
+    <p:spTree>
+      <p:nvGrpSpPr>
+        <p:cNvPr id="1" name=""/>
+        <p:cNvGrpSpPr/>
+        <p:nvPr/>
+      </p:nvGrpSpPr>
+      <p:grpSpPr>
+        <a:xfrm>
+          <a:off x="0" y="0"/>
+          <a:ext cx="0" cy="0"/>
+          <a:chOff x="0" y="0"/>
+          <a:chExt cx="0" cy="0"/>
+        </a:xfrm>
+      </p:grpSpPr>
+      <p:sp>
+        <p:nvSpPr>
+          <p:cNvPr id="2" name="Образ слайда 1"/>
+          <p:cNvSpPr>
+            <a:spLocks noGrp="1" noRot="1" noChangeAspect="1"/>
+          </p:cNvSpPr>
+          <p:nvPr>
+            <p:ph type="sldImg"/>
+          </p:nvPr>
+        </p:nvSpPr>
+        <p:spPr/>
+      </p:sp>
+      <p:sp>
+        <p:nvSpPr>
+          <p:cNvPr id="3" name="Заметки 2"/>
+          <p:cNvSpPr>
+            <a:spLocks noGrp="1"/>
+          </p:cNvSpPr>
+          <p:nvPr>
+            <p:ph type="body" idx="1"/>
+          </p:nvPr>
+        </p:nvSpPr>
+        <p:spPr/>
+        <p:txBody>
+          <a:bodyPr/>
+          <a:lstStyle/>
+          <a:p>
+            <a:r>
+              <a:rPr lang="ru-RU" dirty="0" smtClean="0"/>
+              <a:t>Способность</a:t>
+            </a:r>
+            <a:r>
+              <a:rPr lang="ru-RU" baseline="0" dirty="0" smtClean="0"/>
+              <a:t> к анализу – почему это так работает.</a:t>
+            </a:r>
+          </a:p>
+          <a:p>
+            <a:r>
+              <a:rPr lang="ru-RU" baseline="0" dirty="0" smtClean="0"/>
+              <a:t>Когда я перехожу дорогу на зеленый, все машины останавливаются. Почему? Потому что видят меня? Будут ли они останавливаться если я не буду переходить дорогу на зеленый? Будут ли они останавливаться если я буду переходить дорогу на красный?</a:t>
+            </a:r>
+          </a:p>
+          <a:p>
+            <a:r>
+              <a:rPr lang="ru-RU" baseline="0" dirty="0" smtClean="0"/>
+              <a:t>Только пожалуйста, не надо этого пробовать – для этого у нас в </a:t>
+            </a:r>
+            <a:r>
+              <a:rPr lang="en-US" baseline="0" dirty="0" smtClean="0"/>
+              <a:t>IT </a:t>
+            </a:r>
+            <a:r>
+              <a:rPr lang="ru-RU" baseline="0" dirty="0" smtClean="0"/>
+              <a:t>есть специальные люди которых называют </a:t>
+            </a:r>
+            <a:r>
+              <a:rPr lang="ru-RU" baseline="0" dirty="0" err="1" smtClean="0"/>
+              <a:t>тестировщками</a:t>
+            </a:r>
+            <a:r>
+              <a:rPr lang="ru-RU" baseline="0" dirty="0" smtClean="0"/>
+              <a:t>. Они задаются порой казалось бы самыми нелепыми вопросами.</a:t>
+            </a:r>
+          </a:p>
+          <a:p>
+            <a:r>
+              <a:rPr lang="ru-RU" baseline="0" dirty="0" smtClean="0"/>
+              <a:t>А ведь ответ простой – машины останавливаются, потому что им показывается красный свет. И уже зная это, вы можете ответить на все предыдущие вопросы</a:t>
+            </a:r>
+          </a:p>
+          <a:p>
+            <a:r>
+              <a:rPr lang="ru-RU" baseline="0" dirty="0" smtClean="0"/>
+              <a:t>И вот умея вот так абстрагироваться, находить взаимосвязи и выводить правила, вы сможете </a:t>
+            </a:r>
+            <a:r>
+              <a:rPr lang="ru-RU" b="1" baseline="0" dirty="0" smtClean="0"/>
+              <a:t>решить проблему просто и элегантно</a:t>
+            </a:r>
+            <a:endParaRPr lang="ru-RU" b="1" dirty="0"/>
+          </a:p>
+        </p:txBody>
+      </p:sp>
+      <p:sp>
+        <p:nvSpPr>
+          <p:cNvPr id="4" name="Номер слайда 3"/>
+          <p:cNvSpPr>
+            <a:spLocks noGrp="1"/>
+          </p:cNvSpPr>
+          <p:nvPr>
+            <p:ph type="sldNum" sz="quarter" idx="10"/>
+          </p:nvPr>
+        </p:nvSpPr>
+        <p:spPr/>
+        <p:txBody>
+          <a:bodyPr/>
+          <a:lstStyle/>
+          <a:p>
+            <a:fld id="{8ECB1CBD-3302-4BCA-82F2-2D3160A62E8C}" type="slidenum">
+              <a:rPr lang="ru-RU" smtClean="0"/>
+              <a:t>23</a:t>
+            </a:fld>
+            <a:endParaRPr lang="ru-RU"/>
+          </a:p>
+        </p:txBody>
+      </p:sp>
+    </p:spTree>
+    <p:extLst>
+      <p:ext uri="{BB962C8B-B14F-4D97-AF65-F5344CB8AC3E}">
+        <p14:creationId xmlns:p14="http://schemas.microsoft.com/office/powerpoint/2010/main" val="1511465883"/>
+      </p:ext>
+    </p:extLst>
+  </p:cSld>
+  <p:clrMapOvr>
+    <a:masterClrMapping/>
+  </p:clrMapOvr>
+</p:notes>
+</file>
+
+<file path=ppt/notesSlides/notesSlide8.xml><?xml version="1.0" encoding="utf-8"?>
+<p:notes xmlns:a="http://schemas.openxmlformats.org/drawingml/2006/main" xmlns:r="http://schemas.openxmlformats.org/officeDocument/2006/relationships" xmlns:p="http://schemas.openxmlformats.org/presentationml/2006/main">
+  <p:cSld>
+    <p:spTree>
+      <p:nvGrpSpPr>
+        <p:cNvPr id="1" name=""/>
+        <p:cNvGrpSpPr/>
+        <p:nvPr/>
+      </p:nvGrpSpPr>
+      <p:grpSpPr>
+        <a:xfrm>
+          <a:off x="0" y="0"/>
+          <a:ext cx="0" cy="0"/>
+          <a:chOff x="0" y="0"/>
+          <a:chExt cx="0" cy="0"/>
+        </a:xfrm>
+      </p:grpSpPr>
+      <p:sp>
+        <p:nvSpPr>
+          <p:cNvPr id="2" name="Образ слайда 1"/>
+          <p:cNvSpPr>
+            <a:spLocks noGrp="1" noRot="1" noChangeAspect="1"/>
+          </p:cNvSpPr>
+          <p:nvPr>
+            <p:ph type="sldImg"/>
+          </p:nvPr>
+        </p:nvSpPr>
+        <p:spPr/>
+      </p:sp>
+      <p:sp>
+        <p:nvSpPr>
+          <p:cNvPr id="3" name="Заметки 2"/>
+          <p:cNvSpPr>
+            <a:spLocks noGrp="1"/>
+          </p:cNvSpPr>
+          <p:nvPr>
+            <p:ph type="body" idx="1"/>
+          </p:nvPr>
+        </p:nvSpPr>
+        <p:spPr/>
+        <p:txBody>
+          <a:bodyPr/>
+          <a:lstStyle/>
+          <a:p>
+            <a:r>
+              <a:rPr lang="ru-RU" dirty="0" smtClean="0"/>
+              <a:t>Способность</a:t>
+            </a:r>
+            <a:r>
+              <a:rPr lang="ru-RU" baseline="0" dirty="0" smtClean="0"/>
+              <a:t> к анализу – почему это так работает.</a:t>
+            </a:r>
+          </a:p>
+          <a:p>
+            <a:r>
+              <a:rPr lang="ru-RU" baseline="0" dirty="0" smtClean="0"/>
+              <a:t>Когда я перехожу дорогу на зеленый, все машины останавливаются. Почему? Потому что видят меня? Будут ли они останавливаться если я не буду переходить дорогу на зеленый? Будут ли они останавливаться если я буду переходить дорогу на красный?</a:t>
+            </a:r>
+          </a:p>
+          <a:p>
+            <a:r>
+              <a:rPr lang="ru-RU" baseline="0" dirty="0" smtClean="0"/>
+              <a:t>Только пожалуйста, не надо этого пробовать – для этого у нас в </a:t>
+            </a:r>
+            <a:r>
+              <a:rPr lang="en-US" baseline="0" dirty="0" smtClean="0"/>
+              <a:t>IT </a:t>
+            </a:r>
+            <a:r>
+              <a:rPr lang="ru-RU" baseline="0" dirty="0" smtClean="0"/>
+              <a:t>есть специальные люди которых называют </a:t>
+            </a:r>
+            <a:r>
+              <a:rPr lang="ru-RU" baseline="0" dirty="0" err="1" smtClean="0"/>
+              <a:t>тестировщками</a:t>
+            </a:r>
+            <a:r>
+              <a:rPr lang="ru-RU" baseline="0" dirty="0" smtClean="0"/>
+              <a:t>. Они задаются порой казалось бы самыми нелепыми вопросами.</a:t>
+            </a:r>
+          </a:p>
+          <a:p>
+            <a:r>
+              <a:rPr lang="ru-RU" baseline="0" dirty="0" smtClean="0"/>
+              <a:t>А ведь ответ простой – машины останавливаются, потому что им показывается красный свет. И уже зная это, вы можете ответить на все предыдущие вопросы</a:t>
+            </a:r>
+          </a:p>
+          <a:p>
+            <a:r>
+              <a:rPr lang="ru-RU" baseline="0" dirty="0" smtClean="0"/>
+              <a:t>И вот умея вот так абстрагироваться, находить взаимосвязи и выводить правила, вы сможете </a:t>
+            </a:r>
+            <a:r>
+              <a:rPr lang="ru-RU" b="1" baseline="0" dirty="0" smtClean="0"/>
+              <a:t>решить проблему просто и элегантно</a:t>
+            </a:r>
+            <a:endParaRPr lang="ru-RU" b="1" dirty="0"/>
+          </a:p>
+        </p:txBody>
+      </p:sp>
+      <p:sp>
+        <p:nvSpPr>
+          <p:cNvPr id="4" name="Номер слайда 3"/>
+          <p:cNvSpPr>
+            <a:spLocks noGrp="1"/>
+          </p:cNvSpPr>
+          <p:nvPr>
+            <p:ph type="sldNum" sz="quarter" idx="10"/>
+          </p:nvPr>
+        </p:nvSpPr>
+        <p:spPr/>
+        <p:txBody>
+          <a:bodyPr/>
+          <a:lstStyle/>
+          <a:p>
+            <a:fld id="{8ECB1CBD-3302-4BCA-82F2-2D3160A62E8C}" type="slidenum">
+              <a:rPr lang="ru-RU" smtClean="0"/>
+              <a:t>24</a:t>
+            </a:fld>
+            <a:endParaRPr lang="ru-RU"/>
+          </a:p>
+        </p:txBody>
+      </p:sp>
+    </p:spTree>
+    <p:extLst>
+      <p:ext uri="{BB962C8B-B14F-4D97-AF65-F5344CB8AC3E}">
+        <p14:creationId xmlns:p14="http://schemas.microsoft.com/office/powerpoint/2010/main" val="2500172318"/>
+      </p:ext>
+    </p:extLst>
+  </p:cSld>
+  <p:clrMapOvr>
+    <a:masterClrMapping/>
+  </p:clrMapOvr>
+</p:notes>
+</file>
+
+<file path=ppt/notesSlides/notesSlide9.xml><?xml version="1.0" encoding="utf-8"?>
+<p:notes xmlns:a="http://schemas.openxmlformats.org/drawingml/2006/main" xmlns:r="http://schemas.openxmlformats.org/officeDocument/2006/relationships" xmlns:p="http://schemas.openxmlformats.org/presentationml/2006/main">
+  <p:cSld>
+    <p:spTree>
+      <p:nvGrpSpPr>
+        <p:cNvPr id="1" name=""/>
+        <p:cNvGrpSpPr/>
+        <p:nvPr/>
+      </p:nvGrpSpPr>
+      <p:grpSpPr>
+        <a:xfrm>
+          <a:off x="0" y="0"/>
+          <a:ext cx="0" cy="0"/>
+          <a:chOff x="0" y="0"/>
+          <a:chExt cx="0" cy="0"/>
+        </a:xfrm>
+      </p:grpSpPr>
+      <p:sp>
+        <p:nvSpPr>
+          <p:cNvPr id="2" name="Образ слайда 1"/>
+          <p:cNvSpPr>
+            <a:spLocks noGrp="1" noRot="1" noChangeAspect="1"/>
+          </p:cNvSpPr>
+          <p:nvPr>
+            <p:ph type="sldImg"/>
+          </p:nvPr>
+        </p:nvSpPr>
+        <p:spPr/>
+      </p:sp>
+      <p:sp>
+        <p:nvSpPr>
+          <p:cNvPr id="3" name="Заметки 2"/>
+          <p:cNvSpPr>
+            <a:spLocks noGrp="1"/>
+          </p:cNvSpPr>
+          <p:nvPr>
+            <p:ph type="body" idx="1"/>
+          </p:nvPr>
+        </p:nvSpPr>
+        <p:spPr/>
+        <p:txBody>
+          <a:bodyPr/>
+          <a:lstStyle/>
+          <a:p>
+            <a:r>
+              <a:rPr lang="ru-RU" dirty="0" smtClean="0"/>
+              <a:t>Способность</a:t>
+            </a:r>
+            <a:r>
+              <a:rPr lang="ru-RU" baseline="0" dirty="0" smtClean="0"/>
+              <a:t> к анализу – почему это так работает.</a:t>
+            </a:r>
+          </a:p>
+          <a:p>
+            <a:r>
+              <a:rPr lang="ru-RU" baseline="0" dirty="0" smtClean="0"/>
+              <a:t>Когда я перехожу дорогу на зеленый, все машины останавливаются. Почему? Потому что видят меня? Будут ли они останавливаться если я не буду переходить дорогу на зеленый? Будут ли они останавливаться если я буду переходить дорогу на красный?</a:t>
+            </a:r>
+          </a:p>
+          <a:p>
+            <a:r>
+              <a:rPr lang="ru-RU" baseline="0" dirty="0" smtClean="0"/>
+              <a:t>Только пожалуйста, не надо этого пробовать – для этого у нас в </a:t>
+            </a:r>
+            <a:r>
+              <a:rPr lang="en-US" baseline="0" dirty="0" smtClean="0"/>
+              <a:t>IT </a:t>
+            </a:r>
+            <a:r>
+              <a:rPr lang="ru-RU" baseline="0" dirty="0" smtClean="0"/>
+              <a:t>есть специальные люди которых называют </a:t>
+            </a:r>
+            <a:r>
+              <a:rPr lang="ru-RU" baseline="0" dirty="0" err="1" smtClean="0"/>
+              <a:t>тестировщками</a:t>
+            </a:r>
+            <a:r>
+              <a:rPr lang="ru-RU" baseline="0" dirty="0" smtClean="0"/>
+              <a:t>. Они задаются порой казалось бы самыми нелепыми вопросами.</a:t>
+            </a:r>
+          </a:p>
+          <a:p>
+            <a:r>
+              <a:rPr lang="ru-RU" baseline="0" dirty="0" smtClean="0"/>
+              <a:t>А ведь ответ простой – машины останавливаются, потому что им показывается красный свет. И уже зная это, вы можете ответить на все предыдущие вопросы</a:t>
+            </a:r>
+          </a:p>
+          <a:p>
+            <a:r>
+              <a:rPr lang="ru-RU" baseline="0" dirty="0" smtClean="0"/>
+              <a:t>И вот умея вот так абстрагироваться, находить взаимосвязи и выводить правила, вы сможете </a:t>
+            </a:r>
+            <a:r>
+              <a:rPr lang="ru-RU" b="1" baseline="0" dirty="0" smtClean="0"/>
+              <a:t>решить проблему просто и элегантно</a:t>
+            </a:r>
+            <a:endParaRPr lang="ru-RU" b="1" dirty="0"/>
+          </a:p>
+        </p:txBody>
+      </p:sp>
+      <p:sp>
+        <p:nvSpPr>
+          <p:cNvPr id="4" name="Номер слайда 3"/>
+          <p:cNvSpPr>
+            <a:spLocks noGrp="1"/>
+          </p:cNvSpPr>
+          <p:nvPr>
+            <p:ph type="sldNum" sz="quarter" idx="10"/>
+          </p:nvPr>
+        </p:nvSpPr>
+        <p:spPr/>
+        <p:txBody>
+          <a:bodyPr/>
+          <a:lstStyle/>
+          <a:p>
+            <a:fld id="{8ECB1CBD-3302-4BCA-82F2-2D3160A62E8C}" type="slidenum">
+              <a:rPr lang="ru-RU" smtClean="0"/>
+              <a:t>25</a:t>
+            </a:fld>
+            <a:endParaRPr lang="ru-RU"/>
+          </a:p>
+        </p:txBody>
+      </p:sp>
+    </p:spTree>
+    <p:extLst>
+      <p:ext uri="{BB962C8B-B14F-4D97-AF65-F5344CB8AC3E}">
+        <p14:creationId xmlns:p14="http://schemas.microsoft.com/office/powerpoint/2010/main" val="330844995"/>
+      </p:ext>
+    </p:extLst>
+  </p:cSld>
+  <p:clrMapOvr>
+    <a:masterClrMapping/>
+  </p:clrMapOvr>
+</p:notes>
+</file>
+
 <file path=ppt/slideLayouts/slideLayout1.xml><?xml version="1.0" encoding="utf-8"?>
 <p:sldLayout xmlns:a="http://schemas.openxmlformats.org/drawingml/2006/main" xmlns:r="http://schemas.openxmlformats.org/officeDocument/2006/relationships" xmlns:p="http://schemas.openxmlformats.org/presentationml/2006/main" type="title" preserve="1">
   <p:cSld name="Титульный слайд">
@@ -623,7 +5957,7 @@
           <a:p>
             <a:fld id="{0F64EEF6-A7EF-4ACA-ADF7-1618DD6B7A0C}" type="datetimeFigureOut">
               <a:rPr lang="ru-RU" smtClean="0"/>
-              <a:t>05.03.2017</a:t>
+              <a:t>13.03.2017</a:t>
             </a:fld>
             <a:endParaRPr lang="ru-RU"/>
           </a:p>
@@ -793,7 +6127,7 @@
           <a:p>
             <a:fld id="{0F64EEF6-A7EF-4ACA-ADF7-1618DD6B7A0C}" type="datetimeFigureOut">
               <a:rPr lang="ru-RU" smtClean="0"/>
-              <a:t>05.03.2017</a:t>
+              <a:t>13.03.2017</a:t>
             </a:fld>
             <a:endParaRPr lang="ru-RU"/>
           </a:p>
@@ -973,7 +6307,7 @@
           <a:p>
             <a:fld id="{0F64EEF6-A7EF-4ACA-ADF7-1618DD6B7A0C}" type="datetimeFigureOut">
               <a:rPr lang="ru-RU" smtClean="0"/>
-              <a:t>05.03.2017</a:t>
+              <a:t>13.03.2017</a:t>
             </a:fld>
             <a:endParaRPr lang="ru-RU"/>
           </a:p>
@@ -1143,7 +6477,7 @@
           <a:p>
             <a:fld id="{0F64EEF6-A7EF-4ACA-ADF7-1618DD6B7A0C}" type="datetimeFigureOut">
               <a:rPr lang="ru-RU" smtClean="0"/>
-              <a:t>05.03.2017</a:t>
+              <a:t>13.03.2017</a:t>
             </a:fld>
             <a:endParaRPr lang="ru-RU"/>
           </a:p>
@@ -1387,7 +6721,7 @@
           <a:p>
             <a:fld id="{0F64EEF6-A7EF-4ACA-ADF7-1618DD6B7A0C}" type="datetimeFigureOut">
               <a:rPr lang="ru-RU" smtClean="0"/>
-              <a:t>05.03.2017</a:t>
+              <a:t>13.03.2017</a:t>
             </a:fld>
             <a:endParaRPr lang="ru-RU"/>
           </a:p>
@@ -1619,7 +6953,7 @@
           <a:p>
             <a:fld id="{0F64EEF6-A7EF-4ACA-ADF7-1618DD6B7A0C}" type="datetimeFigureOut">
               <a:rPr lang="ru-RU" smtClean="0"/>
-              <a:t>05.03.2017</a:t>
+              <a:t>13.03.2017</a:t>
             </a:fld>
             <a:endParaRPr lang="ru-RU"/>
           </a:p>
@@ -1986,7 +7320,7 @@
           <a:p>
             <a:fld id="{0F64EEF6-A7EF-4ACA-ADF7-1618DD6B7A0C}" type="datetimeFigureOut">
               <a:rPr lang="ru-RU" smtClean="0"/>
-              <a:t>05.03.2017</a:t>
+              <a:t>13.03.2017</a:t>
             </a:fld>
             <a:endParaRPr lang="ru-RU"/>
           </a:p>
@@ -2104,7 +7438,7 @@
           <a:p>
             <a:fld id="{0F64EEF6-A7EF-4ACA-ADF7-1618DD6B7A0C}" type="datetimeFigureOut">
               <a:rPr lang="ru-RU" smtClean="0"/>
-              <a:t>05.03.2017</a:t>
+              <a:t>13.03.2017</a:t>
             </a:fld>
             <a:endParaRPr lang="ru-RU"/>
           </a:p>
@@ -2199,7 +7533,7 @@
           <a:p>
             <a:fld id="{0F64EEF6-A7EF-4ACA-ADF7-1618DD6B7A0C}" type="datetimeFigureOut">
               <a:rPr lang="ru-RU" smtClean="0"/>
-              <a:t>05.03.2017</a:t>
+              <a:t>13.03.2017</a:t>
             </a:fld>
             <a:endParaRPr lang="ru-RU"/>
           </a:p>
@@ -2476,7 +7810,7 @@
           <a:p>
             <a:fld id="{0F64EEF6-A7EF-4ACA-ADF7-1618DD6B7A0C}" type="datetimeFigureOut">
               <a:rPr lang="ru-RU" smtClean="0"/>
-              <a:t>05.03.2017</a:t>
+              <a:t>13.03.2017</a:t>
             </a:fld>
             <a:endParaRPr lang="ru-RU"/>
           </a:p>
@@ -2733,7 +8067,7 @@
           <a:p>
             <a:fld id="{0F64EEF6-A7EF-4ACA-ADF7-1618DD6B7A0C}" type="datetimeFigureOut">
               <a:rPr lang="ru-RU" smtClean="0"/>
-              <a:t>05.03.2017</a:t>
+              <a:t>13.03.2017</a:t>
             </a:fld>
             <a:endParaRPr lang="ru-RU"/>
           </a:p>
@@ -2946,7 +8280,7 @@
           <a:p>
             <a:fld id="{0F64EEF6-A7EF-4ACA-ADF7-1618DD6B7A0C}" type="datetimeFigureOut">
               <a:rPr lang="ru-RU" smtClean="0"/>
-              <a:t>05.03.2017</a:t>
+              <a:t>13.03.2017</a:t>
             </a:fld>
             <a:endParaRPr lang="ru-RU"/>
           </a:p>
@@ -3439,10 +8773,10 @@
           <a:lstStyle/>
           <a:p>
             <a:r>
-              <a:rPr lang="ru-RU" smtClean="0"/>
-              <a:t>Последний слайд / Вывод?</a:t>
-            </a:r>
-            <a:endParaRPr lang="ru-RU"/>
+              <a:rPr lang="ru-RU" dirty="0" smtClean="0"/>
+              <a:t>Мой день</a:t>
+            </a:r>
+            <a:endParaRPr lang="ru-RU" dirty="0"/>
           </a:p>
         </p:txBody>
       </p:sp>
@@ -3461,14 +8795,690 @@
           <a:bodyPr/>
           <a:lstStyle/>
           <a:p>
-            <a:endParaRPr lang="ru-RU"/>
+            <a:r>
+              <a:rPr lang="ru-RU" dirty="0" smtClean="0"/>
+              <a:t>Программирование</a:t>
+            </a:r>
+          </a:p>
+          <a:p>
+            <a:r>
+              <a:rPr lang="ru-RU" dirty="0" smtClean="0"/>
+              <a:t>Обсуждение </a:t>
+            </a:r>
+            <a:r>
+              <a:rPr lang="ru-RU" dirty="0" smtClean="0"/>
+              <a:t>требований</a:t>
+            </a:r>
+          </a:p>
+          <a:p>
+            <a:r>
+              <a:rPr lang="ru-RU" dirty="0" smtClean="0"/>
+              <a:t>Тестирование (ручное)</a:t>
+            </a:r>
+          </a:p>
+          <a:p>
+            <a:r>
+              <a:rPr lang="ru-RU" dirty="0" smtClean="0"/>
+              <a:t>Тестирование (автоматизация)</a:t>
+            </a:r>
+            <a:endParaRPr lang="ru-RU" dirty="0"/>
           </a:p>
         </p:txBody>
       </p:sp>
     </p:spTree>
     <p:extLst>
       <p:ext uri="{BB962C8B-B14F-4D97-AF65-F5344CB8AC3E}">
-        <p14:creationId xmlns:p14="http://schemas.microsoft.com/office/powerpoint/2010/main" val="2121546825"/>
+        <p14:creationId xmlns:p14="http://schemas.microsoft.com/office/powerpoint/2010/main" val="29119012"/>
+      </p:ext>
+    </p:extLst>
+  </p:cSld>
+  <p:clrMapOvr>
+    <a:masterClrMapping/>
+  </p:clrMapOvr>
+</p:sld>
+</file>
+
+<file path=ppt/slides/slide11.xml><?xml version="1.0" encoding="utf-8"?>
+<p:sld xmlns:a="http://schemas.openxmlformats.org/drawingml/2006/main" xmlns:r="http://schemas.openxmlformats.org/officeDocument/2006/relationships" xmlns:p="http://schemas.openxmlformats.org/presentationml/2006/main">
+  <p:cSld>
+    <p:spTree>
+      <p:nvGrpSpPr>
+        <p:cNvPr id="1" name=""/>
+        <p:cNvGrpSpPr/>
+        <p:nvPr/>
+      </p:nvGrpSpPr>
+      <p:grpSpPr>
+        <a:xfrm>
+          <a:off x="0" y="0"/>
+          <a:ext cx="0" cy="0"/>
+          <a:chOff x="0" y="0"/>
+          <a:chExt cx="0" cy="0"/>
+        </a:xfrm>
+      </p:grpSpPr>
+      <p:sp>
+        <p:nvSpPr>
+          <p:cNvPr id="2" name="Заголовок 1"/>
+          <p:cNvSpPr>
+            <a:spLocks noGrp="1"/>
+          </p:cNvSpPr>
+          <p:nvPr>
+            <p:ph type="title"/>
+          </p:nvPr>
+        </p:nvSpPr>
+        <p:spPr/>
+        <p:txBody>
+          <a:bodyPr/>
+          <a:lstStyle/>
+          <a:p>
+            <a:r>
+              <a:rPr lang="ru-RU" dirty="0" smtClean="0"/>
+              <a:t>Мой день</a:t>
+            </a:r>
+            <a:endParaRPr lang="ru-RU" dirty="0"/>
+          </a:p>
+        </p:txBody>
+      </p:sp>
+      <p:graphicFrame>
+        <p:nvGraphicFramePr>
+          <p:cNvPr id="7" name="Объект 6"/>
+          <p:cNvGraphicFramePr>
+            <a:graphicFrameLocks noGrp="1"/>
+          </p:cNvGraphicFramePr>
+          <p:nvPr>
+            <p:ph idx="1"/>
+            <p:extLst>
+              <p:ext uri="{D42A27DB-BD31-4B8C-83A1-F6EECF244321}">
+                <p14:modId xmlns:p14="http://schemas.microsoft.com/office/powerpoint/2010/main" val="4104306570"/>
+              </p:ext>
+            </p:extLst>
+          </p:nvPr>
+        </p:nvGraphicFramePr>
+        <p:xfrm>
+          <a:off x="628650" y="365126"/>
+          <a:ext cx="7886700" cy="5811837"/>
+        </p:xfrm>
+        <a:graphic>
+          <a:graphicData uri="http://schemas.openxmlformats.org/drawingml/2006/chart">
+            <c:chart xmlns:c="http://schemas.openxmlformats.org/drawingml/2006/chart" xmlns:r="http://schemas.openxmlformats.org/officeDocument/2006/relationships" r:id="rId2"/>
+          </a:graphicData>
+        </a:graphic>
+      </p:graphicFrame>
+    </p:spTree>
+    <p:extLst>
+      <p:ext uri="{BB962C8B-B14F-4D97-AF65-F5344CB8AC3E}">
+        <p14:creationId xmlns:p14="http://schemas.microsoft.com/office/powerpoint/2010/main" val="2664157467"/>
+      </p:ext>
+    </p:extLst>
+  </p:cSld>
+  <p:clrMapOvr>
+    <a:masterClrMapping/>
+  </p:clrMapOvr>
+</p:sld>
+</file>
+
+<file path=ppt/slides/slide12.xml><?xml version="1.0" encoding="utf-8"?>
+<p:sld xmlns:a="http://schemas.openxmlformats.org/drawingml/2006/main" xmlns:r="http://schemas.openxmlformats.org/officeDocument/2006/relationships" xmlns:p="http://schemas.openxmlformats.org/presentationml/2006/main">
+  <p:cSld>
+    <p:spTree>
+      <p:nvGrpSpPr>
+        <p:cNvPr id="1" name=""/>
+        <p:cNvGrpSpPr/>
+        <p:nvPr/>
+      </p:nvGrpSpPr>
+      <p:grpSpPr>
+        <a:xfrm>
+          <a:off x="0" y="0"/>
+          <a:ext cx="0" cy="0"/>
+          <a:chOff x="0" y="0"/>
+          <a:chExt cx="0" cy="0"/>
+        </a:xfrm>
+      </p:grpSpPr>
+      <p:sp>
+        <p:nvSpPr>
+          <p:cNvPr id="2" name="Заголовок 1"/>
+          <p:cNvSpPr>
+            <a:spLocks noGrp="1"/>
+          </p:cNvSpPr>
+          <p:nvPr>
+            <p:ph type="title"/>
+          </p:nvPr>
+        </p:nvSpPr>
+        <p:spPr/>
+        <p:txBody>
+          <a:bodyPr/>
+          <a:lstStyle/>
+          <a:p>
+            <a:r>
+              <a:rPr lang="ru-RU" dirty="0" smtClean="0"/>
+              <a:t>Мой день</a:t>
+            </a:r>
+            <a:endParaRPr lang="ru-RU" dirty="0"/>
+          </a:p>
+        </p:txBody>
+      </p:sp>
+      <p:graphicFrame>
+        <p:nvGraphicFramePr>
+          <p:cNvPr id="7" name="Объект 6"/>
+          <p:cNvGraphicFramePr>
+            <a:graphicFrameLocks noGrp="1"/>
+          </p:cNvGraphicFramePr>
+          <p:nvPr>
+            <p:ph idx="1"/>
+            <p:extLst>
+              <p:ext uri="{D42A27DB-BD31-4B8C-83A1-F6EECF244321}">
+                <p14:modId xmlns:p14="http://schemas.microsoft.com/office/powerpoint/2010/main" val="806384936"/>
+              </p:ext>
+            </p:extLst>
+          </p:nvPr>
+        </p:nvGraphicFramePr>
+        <p:xfrm>
+          <a:off x="628650" y="365126"/>
+          <a:ext cx="7886700" cy="5811837"/>
+        </p:xfrm>
+        <a:graphic>
+          <a:graphicData uri="http://schemas.openxmlformats.org/drawingml/2006/chart">
+            <c:chart xmlns:c="http://schemas.openxmlformats.org/drawingml/2006/chart" xmlns:r="http://schemas.openxmlformats.org/officeDocument/2006/relationships" r:id="rId2"/>
+          </a:graphicData>
+        </a:graphic>
+      </p:graphicFrame>
+    </p:spTree>
+    <p:extLst>
+      <p:ext uri="{BB962C8B-B14F-4D97-AF65-F5344CB8AC3E}">
+        <p14:creationId xmlns:p14="http://schemas.microsoft.com/office/powerpoint/2010/main" val="3615002775"/>
+      </p:ext>
+    </p:extLst>
+  </p:cSld>
+  <p:clrMapOvr>
+    <a:masterClrMapping/>
+  </p:clrMapOvr>
+</p:sld>
+</file>
+
+<file path=ppt/slides/slide13.xml><?xml version="1.0" encoding="utf-8"?>
+<p:sld xmlns:a="http://schemas.openxmlformats.org/drawingml/2006/main" xmlns:r="http://schemas.openxmlformats.org/officeDocument/2006/relationships" xmlns:p="http://schemas.openxmlformats.org/presentationml/2006/main">
+  <p:cSld>
+    <p:spTree>
+      <p:nvGrpSpPr>
+        <p:cNvPr id="1" name=""/>
+        <p:cNvGrpSpPr/>
+        <p:nvPr/>
+      </p:nvGrpSpPr>
+      <p:grpSpPr>
+        <a:xfrm>
+          <a:off x="0" y="0"/>
+          <a:ext cx="0" cy="0"/>
+          <a:chOff x="0" y="0"/>
+          <a:chExt cx="0" cy="0"/>
+        </a:xfrm>
+      </p:grpSpPr>
+      <p:sp>
+        <p:nvSpPr>
+          <p:cNvPr id="2" name="Заголовок 1"/>
+          <p:cNvSpPr>
+            <a:spLocks noGrp="1"/>
+          </p:cNvSpPr>
+          <p:nvPr>
+            <p:ph type="title"/>
+          </p:nvPr>
+        </p:nvSpPr>
+        <p:spPr/>
+        <p:txBody>
+          <a:bodyPr/>
+          <a:lstStyle/>
+          <a:p>
+            <a:r>
+              <a:rPr lang="ru-RU" dirty="0" smtClean="0"/>
+              <a:t>Мой день</a:t>
+            </a:r>
+            <a:endParaRPr lang="ru-RU" dirty="0"/>
+          </a:p>
+        </p:txBody>
+      </p:sp>
+      <p:graphicFrame>
+        <p:nvGraphicFramePr>
+          <p:cNvPr id="7" name="Объект 6"/>
+          <p:cNvGraphicFramePr>
+            <a:graphicFrameLocks noGrp="1"/>
+          </p:cNvGraphicFramePr>
+          <p:nvPr>
+            <p:ph idx="1"/>
+            <p:extLst>
+              <p:ext uri="{D42A27DB-BD31-4B8C-83A1-F6EECF244321}">
+                <p14:modId xmlns:p14="http://schemas.microsoft.com/office/powerpoint/2010/main" val="3543443495"/>
+              </p:ext>
+            </p:extLst>
+          </p:nvPr>
+        </p:nvGraphicFramePr>
+        <p:xfrm>
+          <a:off x="628650" y="365126"/>
+          <a:ext cx="7886700" cy="5811837"/>
+        </p:xfrm>
+        <a:graphic>
+          <a:graphicData uri="http://schemas.openxmlformats.org/drawingml/2006/chart">
+            <c:chart xmlns:c="http://schemas.openxmlformats.org/drawingml/2006/chart" xmlns:r="http://schemas.openxmlformats.org/officeDocument/2006/relationships" r:id="rId2"/>
+          </a:graphicData>
+        </a:graphic>
+      </p:graphicFrame>
+    </p:spTree>
+    <p:extLst>
+      <p:ext uri="{BB962C8B-B14F-4D97-AF65-F5344CB8AC3E}">
+        <p14:creationId xmlns:p14="http://schemas.microsoft.com/office/powerpoint/2010/main" val="243841676"/>
+      </p:ext>
+    </p:extLst>
+  </p:cSld>
+  <p:clrMapOvr>
+    <a:masterClrMapping/>
+  </p:clrMapOvr>
+</p:sld>
+</file>
+
+<file path=ppt/slides/slide14.xml><?xml version="1.0" encoding="utf-8"?>
+<p:sld xmlns:a="http://schemas.openxmlformats.org/drawingml/2006/main" xmlns:r="http://schemas.openxmlformats.org/officeDocument/2006/relationships" xmlns:p="http://schemas.openxmlformats.org/presentationml/2006/main">
+  <p:cSld>
+    <p:spTree>
+      <p:nvGrpSpPr>
+        <p:cNvPr id="1" name=""/>
+        <p:cNvGrpSpPr/>
+        <p:nvPr/>
+      </p:nvGrpSpPr>
+      <p:grpSpPr>
+        <a:xfrm>
+          <a:off x="0" y="0"/>
+          <a:ext cx="0" cy="0"/>
+          <a:chOff x="0" y="0"/>
+          <a:chExt cx="0" cy="0"/>
+        </a:xfrm>
+      </p:grpSpPr>
+      <p:sp>
+        <p:nvSpPr>
+          <p:cNvPr id="2" name="Заголовок 1"/>
+          <p:cNvSpPr>
+            <a:spLocks noGrp="1"/>
+          </p:cNvSpPr>
+          <p:nvPr>
+            <p:ph type="title"/>
+          </p:nvPr>
+        </p:nvSpPr>
+        <p:spPr/>
+        <p:txBody>
+          <a:bodyPr/>
+          <a:lstStyle/>
+          <a:p>
+            <a:r>
+              <a:rPr lang="ru-RU" dirty="0" smtClean="0"/>
+              <a:t>Мой день</a:t>
+            </a:r>
+            <a:endParaRPr lang="ru-RU" dirty="0"/>
+          </a:p>
+        </p:txBody>
+      </p:sp>
+      <p:graphicFrame>
+        <p:nvGraphicFramePr>
+          <p:cNvPr id="7" name="Объект 6"/>
+          <p:cNvGraphicFramePr>
+            <a:graphicFrameLocks noGrp="1"/>
+          </p:cNvGraphicFramePr>
+          <p:nvPr>
+            <p:ph idx="1"/>
+            <p:extLst>
+              <p:ext uri="{D42A27DB-BD31-4B8C-83A1-F6EECF244321}">
+                <p14:modId xmlns:p14="http://schemas.microsoft.com/office/powerpoint/2010/main" val="950867416"/>
+              </p:ext>
+            </p:extLst>
+          </p:nvPr>
+        </p:nvGraphicFramePr>
+        <p:xfrm>
+          <a:off x="628650" y="365126"/>
+          <a:ext cx="7886700" cy="5811837"/>
+        </p:xfrm>
+        <a:graphic>
+          <a:graphicData uri="http://schemas.openxmlformats.org/drawingml/2006/chart">
+            <c:chart xmlns:c="http://schemas.openxmlformats.org/drawingml/2006/chart" xmlns:r="http://schemas.openxmlformats.org/officeDocument/2006/relationships" r:id="rId2"/>
+          </a:graphicData>
+        </a:graphic>
+      </p:graphicFrame>
+    </p:spTree>
+    <p:extLst>
+      <p:ext uri="{BB962C8B-B14F-4D97-AF65-F5344CB8AC3E}">
+        <p14:creationId xmlns:p14="http://schemas.microsoft.com/office/powerpoint/2010/main" val="695862180"/>
+      </p:ext>
+    </p:extLst>
+  </p:cSld>
+  <p:clrMapOvr>
+    <a:masterClrMapping/>
+  </p:clrMapOvr>
+</p:sld>
+</file>
+
+<file path=ppt/slides/slide15.xml><?xml version="1.0" encoding="utf-8"?>
+<p:sld xmlns:a="http://schemas.openxmlformats.org/drawingml/2006/main" xmlns:r="http://schemas.openxmlformats.org/officeDocument/2006/relationships" xmlns:p="http://schemas.openxmlformats.org/presentationml/2006/main">
+  <p:cSld>
+    <p:spTree>
+      <p:nvGrpSpPr>
+        <p:cNvPr id="1" name=""/>
+        <p:cNvGrpSpPr/>
+        <p:nvPr/>
+      </p:nvGrpSpPr>
+      <p:grpSpPr>
+        <a:xfrm>
+          <a:off x="0" y="0"/>
+          <a:ext cx="0" cy="0"/>
+          <a:chOff x="0" y="0"/>
+          <a:chExt cx="0" cy="0"/>
+        </a:xfrm>
+      </p:grpSpPr>
+      <p:sp>
+        <p:nvSpPr>
+          <p:cNvPr id="2" name="Заголовок 1"/>
+          <p:cNvSpPr>
+            <a:spLocks noGrp="1"/>
+          </p:cNvSpPr>
+          <p:nvPr>
+            <p:ph type="title"/>
+          </p:nvPr>
+        </p:nvSpPr>
+        <p:spPr/>
+        <p:txBody>
+          <a:bodyPr/>
+          <a:lstStyle/>
+          <a:p>
+            <a:r>
+              <a:rPr lang="ru-RU" dirty="0" smtClean="0"/>
+              <a:t>Мой день</a:t>
+            </a:r>
+            <a:endParaRPr lang="ru-RU" dirty="0"/>
+          </a:p>
+        </p:txBody>
+      </p:sp>
+      <p:graphicFrame>
+        <p:nvGraphicFramePr>
+          <p:cNvPr id="7" name="Объект 6"/>
+          <p:cNvGraphicFramePr>
+            <a:graphicFrameLocks noGrp="1"/>
+          </p:cNvGraphicFramePr>
+          <p:nvPr>
+            <p:ph idx="1"/>
+            <p:extLst>
+              <p:ext uri="{D42A27DB-BD31-4B8C-83A1-F6EECF244321}">
+                <p14:modId xmlns:p14="http://schemas.microsoft.com/office/powerpoint/2010/main" val="1247451615"/>
+              </p:ext>
+            </p:extLst>
+          </p:nvPr>
+        </p:nvGraphicFramePr>
+        <p:xfrm>
+          <a:off x="628650" y="365126"/>
+          <a:ext cx="7886700" cy="5811837"/>
+        </p:xfrm>
+        <a:graphic>
+          <a:graphicData uri="http://schemas.openxmlformats.org/drawingml/2006/chart">
+            <c:chart xmlns:c="http://schemas.openxmlformats.org/drawingml/2006/chart" xmlns:r="http://schemas.openxmlformats.org/officeDocument/2006/relationships" r:id="rId2"/>
+          </a:graphicData>
+        </a:graphic>
+      </p:graphicFrame>
+    </p:spTree>
+    <p:extLst>
+      <p:ext uri="{BB962C8B-B14F-4D97-AF65-F5344CB8AC3E}">
+        <p14:creationId xmlns:p14="http://schemas.microsoft.com/office/powerpoint/2010/main" val="536218154"/>
+      </p:ext>
+    </p:extLst>
+  </p:cSld>
+  <p:clrMapOvr>
+    <a:masterClrMapping/>
+  </p:clrMapOvr>
+</p:sld>
+</file>
+
+<file path=ppt/slides/slide16.xml><?xml version="1.0" encoding="utf-8"?>
+<p:sld xmlns:a="http://schemas.openxmlformats.org/drawingml/2006/main" xmlns:r="http://schemas.openxmlformats.org/officeDocument/2006/relationships" xmlns:p="http://schemas.openxmlformats.org/presentationml/2006/main">
+  <p:cSld>
+    <p:spTree>
+      <p:nvGrpSpPr>
+        <p:cNvPr id="1" name=""/>
+        <p:cNvGrpSpPr/>
+        <p:nvPr/>
+      </p:nvGrpSpPr>
+      <p:grpSpPr>
+        <a:xfrm>
+          <a:off x="0" y="0"/>
+          <a:ext cx="0" cy="0"/>
+          <a:chOff x="0" y="0"/>
+          <a:chExt cx="0" cy="0"/>
+        </a:xfrm>
+      </p:grpSpPr>
+      <p:sp>
+        <p:nvSpPr>
+          <p:cNvPr id="2" name="Заголовок 1"/>
+          <p:cNvSpPr>
+            <a:spLocks noGrp="1"/>
+          </p:cNvSpPr>
+          <p:nvPr>
+            <p:ph type="title"/>
+          </p:nvPr>
+        </p:nvSpPr>
+        <p:spPr/>
+        <p:txBody>
+          <a:bodyPr/>
+          <a:lstStyle/>
+          <a:p>
+            <a:r>
+              <a:rPr lang="ru-RU" dirty="0" smtClean="0"/>
+              <a:t>Что необходимо для успеха?</a:t>
+            </a:r>
+            <a:endParaRPr lang="ru-RU" dirty="0"/>
+          </a:p>
+        </p:txBody>
+      </p:sp>
+    </p:spTree>
+    <p:extLst>
+      <p:ext uri="{BB962C8B-B14F-4D97-AF65-F5344CB8AC3E}">
+        <p14:creationId xmlns:p14="http://schemas.microsoft.com/office/powerpoint/2010/main" val="1642945991"/>
+      </p:ext>
+    </p:extLst>
+  </p:cSld>
+  <p:clrMapOvr>
+    <a:masterClrMapping/>
+  </p:clrMapOvr>
+</p:sld>
+</file>
+
+<file path=ppt/slides/slide17.xml><?xml version="1.0" encoding="utf-8"?>
+<p:sld xmlns:a="http://schemas.openxmlformats.org/drawingml/2006/main" xmlns:r="http://schemas.openxmlformats.org/officeDocument/2006/relationships" xmlns:p="http://schemas.openxmlformats.org/presentationml/2006/main">
+  <p:cSld>
+    <p:spTree>
+      <p:nvGrpSpPr>
+        <p:cNvPr id="1" name=""/>
+        <p:cNvGrpSpPr/>
+        <p:nvPr/>
+      </p:nvGrpSpPr>
+      <p:grpSpPr>
+        <a:xfrm>
+          <a:off x="0" y="0"/>
+          <a:ext cx="0" cy="0"/>
+          <a:chOff x="0" y="0"/>
+          <a:chExt cx="0" cy="0"/>
+        </a:xfrm>
+      </p:grpSpPr>
+      <p:pic>
+        <p:nvPicPr>
+          <p:cNvPr id="1026" name="Picture 2" descr="Geek_Resume-Cloud.png (542×284)"/>
+          <p:cNvPicPr>
+            <a:picLocks noChangeAspect="1" noChangeArrowheads="1"/>
+          </p:cNvPicPr>
+          <p:nvPr/>
+        </p:nvPicPr>
+        <p:blipFill>
+          <a:blip r:embed="rId2">
+            <a:extLst>
+              <a:ext uri="{28A0092B-C50C-407E-A947-70E740481C1C}">
+                <a14:useLocalDpi xmlns:a14="http://schemas.microsoft.com/office/drawing/2010/main" val="0"/>
+              </a:ext>
+            </a:extLst>
+          </a:blip>
+          <a:srcRect/>
+          <a:stretch>
+            <a:fillRect/>
+          </a:stretch>
+        </p:blipFill>
+        <p:spPr bwMode="auto">
+          <a:xfrm>
+            <a:off x="176190" y="753533"/>
+            <a:ext cx="8967810" cy="4699000"/>
+          </a:xfrm>
+          <a:prstGeom prst="rect">
+            <a:avLst/>
+          </a:prstGeom>
+          <a:noFill/>
+          <a:extLst>
+            <a:ext uri="{909E8E84-426E-40DD-AFC4-6F175D3DCCD1}">
+              <a14:hiddenFill xmlns:a14="http://schemas.microsoft.com/office/drawing/2010/main">
+                <a:solidFill>
+                  <a:srgbClr val="FFFFFF"/>
+                </a:solidFill>
+              </a14:hiddenFill>
+            </a:ext>
+          </a:extLst>
+        </p:spPr>
+      </p:pic>
+    </p:spTree>
+    <p:extLst>
+      <p:ext uri="{BB962C8B-B14F-4D97-AF65-F5344CB8AC3E}">
+        <p14:creationId xmlns:p14="http://schemas.microsoft.com/office/powerpoint/2010/main" val="1740162416"/>
+      </p:ext>
+    </p:extLst>
+  </p:cSld>
+  <p:clrMapOvr>
+    <a:masterClrMapping/>
+  </p:clrMapOvr>
+</p:sld>
+</file>
+
+<file path=ppt/slides/slide18.xml><?xml version="1.0" encoding="utf-8"?>
+<p:sld xmlns:a="http://schemas.openxmlformats.org/drawingml/2006/main" xmlns:r="http://schemas.openxmlformats.org/officeDocument/2006/relationships" xmlns:p="http://schemas.openxmlformats.org/presentationml/2006/main">
+  <p:cSld>
+    <p:spTree>
+      <p:nvGrpSpPr>
+        <p:cNvPr id="1" name=""/>
+        <p:cNvGrpSpPr/>
+        <p:nvPr/>
+      </p:nvGrpSpPr>
+      <p:grpSpPr>
+        <a:xfrm>
+          <a:off x="0" y="0"/>
+          <a:ext cx="0" cy="0"/>
+          <a:chOff x="0" y="0"/>
+          <a:chExt cx="0" cy="0"/>
+        </a:xfrm>
+      </p:grpSpPr>
+      <p:sp>
+        <p:nvSpPr>
+          <p:cNvPr id="2" name="Заголовок 1"/>
+          <p:cNvSpPr>
+            <a:spLocks noGrp="1"/>
+          </p:cNvSpPr>
+          <p:nvPr>
+            <p:ph type="title"/>
+          </p:nvPr>
+        </p:nvSpPr>
+        <p:spPr>
+          <a:xfrm>
+            <a:off x="645583" y="2735793"/>
+            <a:ext cx="7886700" cy="1325563"/>
+          </a:xfrm>
+        </p:spPr>
+        <p:txBody>
+          <a:bodyPr>
+            <a:normAutofit/>
+          </a:bodyPr>
+          <a:lstStyle/>
+          <a:p>
+            <a:pPr algn="ctr"/>
+            <a:r>
+              <a:rPr lang="en-US" sz="6600" dirty="0" smtClean="0"/>
+              <a:t>Hard Skills / Soft Skills</a:t>
+            </a:r>
+            <a:endParaRPr lang="ru-RU" sz="6600" dirty="0"/>
+          </a:p>
+        </p:txBody>
+      </p:sp>
+    </p:spTree>
+    <p:extLst>
+      <p:ext uri="{BB962C8B-B14F-4D97-AF65-F5344CB8AC3E}">
+        <p14:creationId xmlns:p14="http://schemas.microsoft.com/office/powerpoint/2010/main" val="4128484078"/>
+      </p:ext>
+    </p:extLst>
+  </p:cSld>
+  <p:clrMapOvr>
+    <a:masterClrMapping/>
+  </p:clrMapOvr>
+</p:sld>
+</file>
+
+<file path=ppt/slides/slide19.xml><?xml version="1.0" encoding="utf-8"?>
+<p:sld xmlns:a="http://schemas.openxmlformats.org/drawingml/2006/main" xmlns:r="http://schemas.openxmlformats.org/officeDocument/2006/relationships" xmlns:p="http://schemas.openxmlformats.org/presentationml/2006/main">
+  <p:cSld>
+    <p:spTree>
+      <p:nvGrpSpPr>
+        <p:cNvPr id="1" name=""/>
+        <p:cNvGrpSpPr/>
+        <p:nvPr/>
+      </p:nvGrpSpPr>
+      <p:grpSpPr>
+        <a:xfrm>
+          <a:off x="0" y="0"/>
+          <a:ext cx="0" cy="0"/>
+          <a:chOff x="0" y="0"/>
+          <a:chExt cx="0" cy="0"/>
+        </a:xfrm>
+      </p:grpSpPr>
+      <p:sp>
+        <p:nvSpPr>
+          <p:cNvPr id="2" name="Заголовок 1"/>
+          <p:cNvSpPr>
+            <a:spLocks noGrp="1"/>
+          </p:cNvSpPr>
+          <p:nvPr>
+            <p:ph type="title"/>
+          </p:nvPr>
+        </p:nvSpPr>
+        <p:spPr/>
+        <p:txBody>
+          <a:bodyPr/>
+          <a:lstStyle/>
+          <a:p>
+            <a:r>
+              <a:rPr lang="en-US" dirty="0" smtClean="0"/>
+              <a:t>Soft Skills</a:t>
+            </a:r>
+            <a:endParaRPr lang="ru-RU" dirty="0"/>
+          </a:p>
+        </p:txBody>
+      </p:sp>
+      <p:sp>
+        <p:nvSpPr>
+          <p:cNvPr id="3" name="Объект 2"/>
+          <p:cNvSpPr>
+            <a:spLocks noGrp="1"/>
+          </p:cNvSpPr>
+          <p:nvPr>
+            <p:ph idx="1"/>
+          </p:nvPr>
+        </p:nvSpPr>
+        <p:spPr/>
+        <p:txBody>
+          <a:bodyPr/>
+          <a:lstStyle/>
+          <a:p>
+            <a:r>
+              <a:rPr lang="en-US" dirty="0" smtClean="0"/>
+              <a:t>English</a:t>
+            </a:r>
+          </a:p>
+        </p:txBody>
+      </p:sp>
+    </p:spTree>
+    <p:extLst>
+      <p:ext uri="{BB962C8B-B14F-4D97-AF65-F5344CB8AC3E}">
+        <p14:creationId xmlns:p14="http://schemas.microsoft.com/office/powerpoint/2010/main" val="2442484311"/>
       </p:ext>
     </p:extLst>
   </p:cSld>
@@ -3550,6 +9560,1022 @@
 </p:sld>
 </file>
 
+<file path=ppt/slides/slide20.xml><?xml version="1.0" encoding="utf-8"?>
+<p:sld xmlns:a="http://schemas.openxmlformats.org/drawingml/2006/main" xmlns:r="http://schemas.openxmlformats.org/officeDocument/2006/relationships" xmlns:p="http://schemas.openxmlformats.org/presentationml/2006/main">
+  <p:cSld>
+    <p:spTree>
+      <p:nvGrpSpPr>
+        <p:cNvPr id="1" name=""/>
+        <p:cNvGrpSpPr/>
+        <p:nvPr/>
+      </p:nvGrpSpPr>
+      <p:grpSpPr>
+        <a:xfrm>
+          <a:off x="0" y="0"/>
+          <a:ext cx="0" cy="0"/>
+          <a:chOff x="0" y="0"/>
+          <a:chExt cx="0" cy="0"/>
+        </a:xfrm>
+      </p:grpSpPr>
+      <p:sp>
+        <p:nvSpPr>
+          <p:cNvPr id="2" name="Заголовок 1"/>
+          <p:cNvSpPr>
+            <a:spLocks noGrp="1"/>
+          </p:cNvSpPr>
+          <p:nvPr>
+            <p:ph type="title"/>
+          </p:nvPr>
+        </p:nvSpPr>
+        <p:spPr/>
+        <p:txBody>
+          <a:bodyPr/>
+          <a:lstStyle/>
+          <a:p>
+            <a:r>
+              <a:rPr lang="en-US" dirty="0" smtClean="0"/>
+              <a:t>Soft Skills</a:t>
+            </a:r>
+            <a:endParaRPr lang="ru-RU" dirty="0"/>
+          </a:p>
+        </p:txBody>
+      </p:sp>
+      <p:sp>
+        <p:nvSpPr>
+          <p:cNvPr id="3" name="Объект 2"/>
+          <p:cNvSpPr>
+            <a:spLocks noGrp="1"/>
+          </p:cNvSpPr>
+          <p:nvPr>
+            <p:ph idx="1"/>
+          </p:nvPr>
+        </p:nvSpPr>
+        <p:spPr/>
+        <p:txBody>
+          <a:bodyPr/>
+          <a:lstStyle/>
+          <a:p>
+            <a:r>
+              <a:rPr lang="en-US" dirty="0" smtClean="0"/>
+              <a:t>English</a:t>
+            </a:r>
+          </a:p>
+          <a:p>
+            <a:r>
+              <a:rPr lang="ru-RU" dirty="0" smtClean="0"/>
+              <a:t>Абстрактное и логическое мышление</a:t>
+            </a:r>
+            <a:endParaRPr lang="ru-RU" dirty="0"/>
+          </a:p>
+        </p:txBody>
+      </p:sp>
+    </p:spTree>
+    <p:extLst>
+      <p:ext uri="{BB962C8B-B14F-4D97-AF65-F5344CB8AC3E}">
+        <p14:creationId xmlns:p14="http://schemas.microsoft.com/office/powerpoint/2010/main" val="1217169791"/>
+      </p:ext>
+    </p:extLst>
+  </p:cSld>
+  <p:clrMapOvr>
+    <a:masterClrMapping/>
+  </p:clrMapOvr>
+</p:sld>
+</file>
+
+<file path=ppt/slides/slide21.xml><?xml version="1.0" encoding="utf-8"?>
+<p:sld xmlns:a="http://schemas.openxmlformats.org/drawingml/2006/main" xmlns:r="http://schemas.openxmlformats.org/officeDocument/2006/relationships" xmlns:p="http://schemas.openxmlformats.org/presentationml/2006/main">
+  <p:cSld>
+    <p:spTree>
+      <p:nvGrpSpPr>
+        <p:cNvPr id="1" name=""/>
+        <p:cNvGrpSpPr/>
+        <p:nvPr/>
+      </p:nvGrpSpPr>
+      <p:grpSpPr>
+        <a:xfrm>
+          <a:off x="0" y="0"/>
+          <a:ext cx="0" cy="0"/>
+          <a:chOff x="0" y="0"/>
+          <a:chExt cx="0" cy="0"/>
+        </a:xfrm>
+      </p:grpSpPr>
+      <p:sp>
+        <p:nvSpPr>
+          <p:cNvPr id="2" name="Заголовок 1"/>
+          <p:cNvSpPr>
+            <a:spLocks noGrp="1"/>
+          </p:cNvSpPr>
+          <p:nvPr>
+            <p:ph type="title"/>
+          </p:nvPr>
+        </p:nvSpPr>
+        <p:spPr/>
+        <p:txBody>
+          <a:bodyPr/>
+          <a:lstStyle/>
+          <a:p>
+            <a:r>
+              <a:rPr lang="ru-RU" dirty="0" smtClean="0"/>
+              <a:t>Логическое мышление</a:t>
+            </a:r>
+            <a:endParaRPr lang="ru-RU" dirty="0"/>
+          </a:p>
+        </p:txBody>
+      </p:sp>
+      <p:sp>
+        <p:nvSpPr>
+          <p:cNvPr id="3" name="Объект 2"/>
+          <p:cNvSpPr>
+            <a:spLocks noGrp="1"/>
+          </p:cNvSpPr>
+          <p:nvPr>
+            <p:ph idx="1"/>
+          </p:nvPr>
+        </p:nvSpPr>
+        <p:spPr/>
+        <p:txBody>
+          <a:bodyPr>
+            <a:normAutofit/>
+          </a:bodyPr>
+          <a:lstStyle/>
+          <a:p>
+            <a:pPr marL="0" indent="0">
+              <a:buNone/>
+            </a:pPr>
+            <a:r>
+              <a:rPr lang="ru-RU" sz="3200" dirty="0"/>
+              <a:t>Некоторые улитки являются горами. </a:t>
+            </a:r>
+            <a:endParaRPr lang="ru-RU" sz="3200" dirty="0" smtClean="0"/>
+          </a:p>
+          <a:p>
+            <a:pPr marL="0" indent="0">
+              <a:buNone/>
+            </a:pPr>
+            <a:r>
+              <a:rPr lang="ru-RU" sz="3200" dirty="0" smtClean="0"/>
+              <a:t>Все </a:t>
+            </a:r>
+            <a:r>
+              <a:rPr lang="ru-RU" sz="3200" dirty="0"/>
+              <a:t>горы любят кошек. </a:t>
+            </a:r>
+            <a:endParaRPr lang="ru-RU" sz="3200" dirty="0" smtClean="0"/>
+          </a:p>
+          <a:p>
+            <a:pPr marL="0" indent="0">
+              <a:buNone/>
+            </a:pPr>
+            <a:r>
+              <a:rPr lang="ru-RU" sz="3200" dirty="0" smtClean="0"/>
+              <a:t>Значит</a:t>
+            </a:r>
+            <a:r>
+              <a:rPr lang="ru-RU" sz="3200" dirty="0"/>
+              <a:t>, все улитки любят кошек</a:t>
+            </a:r>
+            <a:r>
+              <a:rPr lang="ru-RU" sz="3200" dirty="0" smtClean="0"/>
+              <a:t>.</a:t>
+            </a:r>
+          </a:p>
+          <a:p>
+            <a:pPr marL="0" indent="0">
+              <a:buNone/>
+            </a:pPr>
+            <a:r>
+              <a:rPr lang="ru-RU" sz="3200" dirty="0"/>
+              <a:t/>
+            </a:r>
+            <a:br>
+              <a:rPr lang="ru-RU" sz="3200" dirty="0"/>
+            </a:br>
+            <a:r>
+              <a:rPr lang="ru-RU" sz="3200" dirty="0"/>
+              <a:t>а) </a:t>
+            </a:r>
+            <a:r>
+              <a:rPr lang="ru-RU" sz="3200" dirty="0" smtClean="0"/>
+              <a:t>правильно</a:t>
+            </a:r>
+          </a:p>
+          <a:p>
+            <a:pPr marL="0" indent="0">
+              <a:buNone/>
+            </a:pPr>
+            <a:r>
+              <a:rPr lang="ru-RU" sz="3200" dirty="0"/>
+              <a:t/>
+            </a:r>
+            <a:br>
+              <a:rPr lang="ru-RU" sz="3200" dirty="0"/>
+            </a:br>
+            <a:r>
+              <a:rPr lang="ru-RU" sz="3200" dirty="0"/>
+              <a:t>б) неправильно</a:t>
+            </a:r>
+            <a:endParaRPr lang="ru-RU" sz="3200" dirty="0"/>
+          </a:p>
+        </p:txBody>
+      </p:sp>
+    </p:spTree>
+    <p:extLst>
+      <p:ext uri="{BB962C8B-B14F-4D97-AF65-F5344CB8AC3E}">
+        <p14:creationId xmlns:p14="http://schemas.microsoft.com/office/powerpoint/2010/main" val="179286603"/>
+      </p:ext>
+    </p:extLst>
+  </p:cSld>
+  <p:clrMapOvr>
+    <a:masterClrMapping/>
+  </p:clrMapOvr>
+</p:sld>
+</file>
+
+<file path=ppt/slides/slide22.xml><?xml version="1.0" encoding="utf-8"?>
+<p:sld xmlns:a="http://schemas.openxmlformats.org/drawingml/2006/main" xmlns:r="http://schemas.openxmlformats.org/officeDocument/2006/relationships" xmlns:p="http://schemas.openxmlformats.org/presentationml/2006/main">
+  <p:cSld>
+    <p:spTree>
+      <p:nvGrpSpPr>
+        <p:cNvPr id="1" name=""/>
+        <p:cNvGrpSpPr/>
+        <p:nvPr/>
+      </p:nvGrpSpPr>
+      <p:grpSpPr>
+        <a:xfrm>
+          <a:off x="0" y="0"/>
+          <a:ext cx="0" cy="0"/>
+          <a:chOff x="0" y="0"/>
+          <a:chExt cx="0" cy="0"/>
+        </a:xfrm>
+      </p:grpSpPr>
+      <p:sp>
+        <p:nvSpPr>
+          <p:cNvPr id="2" name="Заголовок 1"/>
+          <p:cNvSpPr>
+            <a:spLocks noGrp="1"/>
+          </p:cNvSpPr>
+          <p:nvPr>
+            <p:ph type="title"/>
+          </p:nvPr>
+        </p:nvSpPr>
+        <p:spPr/>
+        <p:txBody>
+          <a:bodyPr/>
+          <a:lstStyle/>
+          <a:p>
+            <a:r>
+              <a:rPr lang="en-US" dirty="0" smtClean="0"/>
+              <a:t>Soft Skills</a:t>
+            </a:r>
+            <a:endParaRPr lang="ru-RU" dirty="0"/>
+          </a:p>
+        </p:txBody>
+      </p:sp>
+      <p:sp>
+        <p:nvSpPr>
+          <p:cNvPr id="3" name="Объект 2"/>
+          <p:cNvSpPr>
+            <a:spLocks noGrp="1"/>
+          </p:cNvSpPr>
+          <p:nvPr>
+            <p:ph idx="1"/>
+          </p:nvPr>
+        </p:nvSpPr>
+        <p:spPr/>
+        <p:txBody>
+          <a:bodyPr/>
+          <a:lstStyle/>
+          <a:p>
+            <a:r>
+              <a:rPr lang="en-US" dirty="0" smtClean="0"/>
+              <a:t>English</a:t>
+            </a:r>
+          </a:p>
+          <a:p>
+            <a:r>
+              <a:rPr lang="ru-RU" dirty="0" smtClean="0"/>
+              <a:t>Абстрактное и логическое мышление</a:t>
+            </a:r>
+          </a:p>
+          <a:p>
+            <a:r>
+              <a:rPr lang="ru-RU" dirty="0" smtClean="0"/>
+              <a:t>Способность к анализу</a:t>
+            </a:r>
+          </a:p>
+          <a:p>
+            <a:pPr lvl="1"/>
+            <a:r>
+              <a:rPr lang="ru-RU" dirty="0" smtClean="0"/>
+              <a:t>Почему это так работает?</a:t>
+            </a:r>
+          </a:p>
+          <a:p>
+            <a:pPr marL="457200" lvl="1" indent="0">
+              <a:buNone/>
+            </a:pPr>
+            <a:endParaRPr lang="ru-RU" dirty="0" smtClean="0"/>
+          </a:p>
+          <a:p>
+            <a:pPr lvl="1"/>
+            <a:endParaRPr lang="ru-RU" dirty="0"/>
+          </a:p>
+        </p:txBody>
+      </p:sp>
+    </p:spTree>
+    <p:extLst>
+      <p:ext uri="{BB962C8B-B14F-4D97-AF65-F5344CB8AC3E}">
+        <p14:creationId xmlns:p14="http://schemas.microsoft.com/office/powerpoint/2010/main" val="687501788"/>
+      </p:ext>
+    </p:extLst>
+  </p:cSld>
+  <p:clrMapOvr>
+    <a:masterClrMapping/>
+  </p:clrMapOvr>
+</p:sld>
+</file>
+
+<file path=ppt/slides/slide23.xml><?xml version="1.0" encoding="utf-8"?>
+<p:sld xmlns:a="http://schemas.openxmlformats.org/drawingml/2006/main" xmlns:r="http://schemas.openxmlformats.org/officeDocument/2006/relationships" xmlns:p="http://schemas.openxmlformats.org/presentationml/2006/main">
+  <p:cSld>
+    <p:spTree>
+      <p:nvGrpSpPr>
+        <p:cNvPr id="1" name=""/>
+        <p:cNvGrpSpPr/>
+        <p:nvPr/>
+      </p:nvGrpSpPr>
+      <p:grpSpPr>
+        <a:xfrm>
+          <a:off x="0" y="0"/>
+          <a:ext cx="0" cy="0"/>
+          <a:chOff x="0" y="0"/>
+          <a:chExt cx="0" cy="0"/>
+        </a:xfrm>
+      </p:grpSpPr>
+      <p:sp>
+        <p:nvSpPr>
+          <p:cNvPr id="2" name="Заголовок 1"/>
+          <p:cNvSpPr>
+            <a:spLocks noGrp="1"/>
+          </p:cNvSpPr>
+          <p:nvPr>
+            <p:ph type="title"/>
+          </p:nvPr>
+        </p:nvSpPr>
+        <p:spPr/>
+        <p:txBody>
+          <a:bodyPr/>
+          <a:lstStyle/>
+          <a:p>
+            <a:r>
+              <a:rPr lang="en-US" dirty="0" smtClean="0"/>
+              <a:t>Soft Skills</a:t>
+            </a:r>
+            <a:endParaRPr lang="ru-RU" dirty="0"/>
+          </a:p>
+        </p:txBody>
+      </p:sp>
+      <p:sp>
+        <p:nvSpPr>
+          <p:cNvPr id="3" name="Объект 2"/>
+          <p:cNvSpPr>
+            <a:spLocks noGrp="1"/>
+          </p:cNvSpPr>
+          <p:nvPr>
+            <p:ph idx="1"/>
+          </p:nvPr>
+        </p:nvSpPr>
+        <p:spPr/>
+        <p:txBody>
+          <a:bodyPr/>
+          <a:lstStyle/>
+          <a:p>
+            <a:r>
+              <a:rPr lang="en-US" dirty="0" smtClean="0"/>
+              <a:t>English</a:t>
+            </a:r>
+          </a:p>
+          <a:p>
+            <a:r>
+              <a:rPr lang="ru-RU" dirty="0" smtClean="0"/>
+              <a:t>Абстрактное и логическое мышление</a:t>
+            </a:r>
+          </a:p>
+          <a:p>
+            <a:r>
+              <a:rPr lang="ru-RU" dirty="0" smtClean="0"/>
+              <a:t>Способность к анализу</a:t>
+            </a:r>
+          </a:p>
+          <a:p>
+            <a:pPr lvl="1"/>
+            <a:r>
+              <a:rPr lang="ru-RU" dirty="0" smtClean="0"/>
+              <a:t>Почему это так работает?</a:t>
+            </a:r>
+          </a:p>
+          <a:p>
+            <a:r>
+              <a:rPr lang="ru-RU" strike="sngStrike" dirty="0" smtClean="0"/>
+              <a:t>Способность учиться</a:t>
+            </a:r>
+          </a:p>
+          <a:p>
+            <a:pPr marL="457200" lvl="1" indent="0">
+              <a:buNone/>
+            </a:pPr>
+            <a:endParaRPr lang="ru-RU" dirty="0" smtClean="0"/>
+          </a:p>
+          <a:p>
+            <a:pPr lvl="1"/>
+            <a:endParaRPr lang="ru-RU" dirty="0"/>
+          </a:p>
+        </p:txBody>
+      </p:sp>
+    </p:spTree>
+    <p:extLst>
+      <p:ext uri="{BB962C8B-B14F-4D97-AF65-F5344CB8AC3E}">
+        <p14:creationId xmlns:p14="http://schemas.microsoft.com/office/powerpoint/2010/main" val="3914421873"/>
+      </p:ext>
+    </p:extLst>
+  </p:cSld>
+  <p:clrMapOvr>
+    <a:masterClrMapping/>
+  </p:clrMapOvr>
+</p:sld>
+</file>
+
+<file path=ppt/slides/slide24.xml><?xml version="1.0" encoding="utf-8"?>
+<p:sld xmlns:a="http://schemas.openxmlformats.org/drawingml/2006/main" xmlns:r="http://schemas.openxmlformats.org/officeDocument/2006/relationships" xmlns:p="http://schemas.openxmlformats.org/presentationml/2006/main">
+  <p:cSld>
+    <p:spTree>
+      <p:nvGrpSpPr>
+        <p:cNvPr id="1" name=""/>
+        <p:cNvGrpSpPr/>
+        <p:nvPr/>
+      </p:nvGrpSpPr>
+      <p:grpSpPr>
+        <a:xfrm>
+          <a:off x="0" y="0"/>
+          <a:ext cx="0" cy="0"/>
+          <a:chOff x="0" y="0"/>
+          <a:chExt cx="0" cy="0"/>
+        </a:xfrm>
+      </p:grpSpPr>
+      <p:sp>
+        <p:nvSpPr>
+          <p:cNvPr id="2" name="Заголовок 1"/>
+          <p:cNvSpPr>
+            <a:spLocks noGrp="1"/>
+          </p:cNvSpPr>
+          <p:nvPr>
+            <p:ph type="title"/>
+          </p:nvPr>
+        </p:nvSpPr>
+        <p:spPr/>
+        <p:txBody>
+          <a:bodyPr/>
+          <a:lstStyle/>
+          <a:p>
+            <a:r>
+              <a:rPr lang="en-US" dirty="0" smtClean="0"/>
+              <a:t>Soft Skills</a:t>
+            </a:r>
+            <a:endParaRPr lang="ru-RU" dirty="0"/>
+          </a:p>
+        </p:txBody>
+      </p:sp>
+      <p:sp>
+        <p:nvSpPr>
+          <p:cNvPr id="3" name="Объект 2"/>
+          <p:cNvSpPr>
+            <a:spLocks noGrp="1"/>
+          </p:cNvSpPr>
+          <p:nvPr>
+            <p:ph idx="1"/>
+          </p:nvPr>
+        </p:nvSpPr>
+        <p:spPr/>
+        <p:txBody>
+          <a:bodyPr/>
+          <a:lstStyle/>
+          <a:p>
+            <a:r>
+              <a:rPr lang="en-US" dirty="0" smtClean="0"/>
+              <a:t>English</a:t>
+            </a:r>
+          </a:p>
+          <a:p>
+            <a:r>
+              <a:rPr lang="ru-RU" dirty="0" smtClean="0"/>
+              <a:t>Абстрактное и логическое мышление</a:t>
+            </a:r>
+          </a:p>
+          <a:p>
+            <a:r>
+              <a:rPr lang="ru-RU" dirty="0" smtClean="0"/>
+              <a:t>Способность к анализу</a:t>
+            </a:r>
+          </a:p>
+          <a:p>
+            <a:pPr lvl="1"/>
+            <a:r>
+              <a:rPr lang="ru-RU" dirty="0" smtClean="0"/>
+              <a:t>Почему это так работает?</a:t>
+            </a:r>
+          </a:p>
+          <a:p>
+            <a:r>
+              <a:rPr lang="ru-RU" strike="sngStrike" dirty="0" smtClean="0"/>
+              <a:t>Способность учиться</a:t>
+            </a:r>
+          </a:p>
+          <a:p>
+            <a:r>
+              <a:rPr lang="ru-RU" dirty="0" smtClean="0"/>
+              <a:t>Способность учиться </a:t>
+            </a:r>
+            <a:r>
+              <a:rPr lang="ru-RU" b="1" dirty="0" smtClean="0"/>
+              <a:t>самостоятельно</a:t>
+            </a:r>
+          </a:p>
+          <a:p>
+            <a:pPr marL="457200" lvl="1" indent="0">
+              <a:buNone/>
+            </a:pPr>
+            <a:endParaRPr lang="ru-RU" dirty="0" smtClean="0"/>
+          </a:p>
+          <a:p>
+            <a:pPr lvl="1"/>
+            <a:endParaRPr lang="ru-RU" dirty="0"/>
+          </a:p>
+        </p:txBody>
+      </p:sp>
+    </p:spTree>
+    <p:extLst>
+      <p:ext uri="{BB962C8B-B14F-4D97-AF65-F5344CB8AC3E}">
+        <p14:creationId xmlns:p14="http://schemas.microsoft.com/office/powerpoint/2010/main" val="2234887265"/>
+      </p:ext>
+    </p:extLst>
+  </p:cSld>
+  <p:clrMapOvr>
+    <a:masterClrMapping/>
+  </p:clrMapOvr>
+</p:sld>
+</file>
+
+<file path=ppt/slides/slide25.xml><?xml version="1.0" encoding="utf-8"?>
+<p:sld xmlns:a="http://schemas.openxmlformats.org/drawingml/2006/main" xmlns:r="http://schemas.openxmlformats.org/officeDocument/2006/relationships" xmlns:p="http://schemas.openxmlformats.org/presentationml/2006/main">
+  <p:cSld>
+    <p:spTree>
+      <p:nvGrpSpPr>
+        <p:cNvPr id="1" name=""/>
+        <p:cNvGrpSpPr/>
+        <p:nvPr/>
+      </p:nvGrpSpPr>
+      <p:grpSpPr>
+        <a:xfrm>
+          <a:off x="0" y="0"/>
+          <a:ext cx="0" cy="0"/>
+          <a:chOff x="0" y="0"/>
+          <a:chExt cx="0" cy="0"/>
+        </a:xfrm>
+      </p:grpSpPr>
+      <p:sp>
+        <p:nvSpPr>
+          <p:cNvPr id="2" name="Заголовок 1"/>
+          <p:cNvSpPr>
+            <a:spLocks noGrp="1"/>
+          </p:cNvSpPr>
+          <p:nvPr>
+            <p:ph type="title"/>
+          </p:nvPr>
+        </p:nvSpPr>
+        <p:spPr/>
+        <p:txBody>
+          <a:bodyPr/>
+          <a:lstStyle/>
+          <a:p>
+            <a:r>
+              <a:rPr lang="en-US" dirty="0" smtClean="0"/>
+              <a:t>Soft Skills</a:t>
+            </a:r>
+            <a:endParaRPr lang="ru-RU" dirty="0"/>
+          </a:p>
+        </p:txBody>
+      </p:sp>
+      <p:sp>
+        <p:nvSpPr>
+          <p:cNvPr id="3" name="Объект 2"/>
+          <p:cNvSpPr>
+            <a:spLocks noGrp="1"/>
+          </p:cNvSpPr>
+          <p:nvPr>
+            <p:ph idx="1"/>
+          </p:nvPr>
+        </p:nvSpPr>
+        <p:spPr/>
+        <p:txBody>
+          <a:bodyPr>
+            <a:normAutofit fontScale="92500" lnSpcReduction="10000"/>
+          </a:bodyPr>
+          <a:lstStyle/>
+          <a:p>
+            <a:r>
+              <a:rPr lang="en-US" dirty="0" smtClean="0"/>
+              <a:t>English</a:t>
+            </a:r>
+          </a:p>
+          <a:p>
+            <a:r>
+              <a:rPr lang="ru-RU" dirty="0" smtClean="0"/>
+              <a:t>Абстрактное и логическое мышление</a:t>
+            </a:r>
+          </a:p>
+          <a:p>
+            <a:r>
+              <a:rPr lang="ru-RU" dirty="0" smtClean="0"/>
+              <a:t>Способность к анализу</a:t>
+            </a:r>
+          </a:p>
+          <a:p>
+            <a:pPr lvl="1"/>
+            <a:r>
+              <a:rPr lang="ru-RU" dirty="0" smtClean="0"/>
+              <a:t>Почему это так работает?</a:t>
+            </a:r>
+          </a:p>
+          <a:p>
+            <a:r>
+              <a:rPr lang="ru-RU" strike="sngStrike" dirty="0" smtClean="0"/>
+              <a:t>Способность учиться</a:t>
+            </a:r>
+          </a:p>
+          <a:p>
+            <a:r>
+              <a:rPr lang="ru-RU" dirty="0" smtClean="0"/>
+              <a:t>Способность учиться </a:t>
+            </a:r>
+            <a:r>
+              <a:rPr lang="ru-RU" b="1" dirty="0" smtClean="0"/>
+              <a:t>самостоятельно</a:t>
+            </a:r>
+          </a:p>
+          <a:p>
+            <a:r>
+              <a:rPr lang="ru-RU" dirty="0"/>
+              <a:t>Самостоятельность</a:t>
+            </a:r>
+          </a:p>
+          <a:p>
+            <a:r>
+              <a:rPr lang="ru-RU" dirty="0" smtClean="0"/>
+              <a:t>Ответственность</a:t>
+            </a:r>
+            <a:endParaRPr lang="ru-RU" dirty="0"/>
+          </a:p>
+          <a:p>
+            <a:r>
+              <a:rPr lang="ru-RU" dirty="0" smtClean="0"/>
+              <a:t>Общение</a:t>
+            </a:r>
+            <a:endParaRPr lang="ru-RU" dirty="0"/>
+          </a:p>
+          <a:p>
+            <a:r>
+              <a:rPr lang="ru-RU" dirty="0"/>
+              <a:t>Работа в команде</a:t>
+            </a:r>
+          </a:p>
+          <a:p>
+            <a:endParaRPr lang="ru-RU" b="1" dirty="0" smtClean="0"/>
+          </a:p>
+          <a:p>
+            <a:pPr marL="457200" lvl="1" indent="0">
+              <a:buNone/>
+            </a:pPr>
+            <a:endParaRPr lang="ru-RU" dirty="0" smtClean="0"/>
+          </a:p>
+          <a:p>
+            <a:pPr lvl="1"/>
+            <a:endParaRPr lang="ru-RU" dirty="0"/>
+          </a:p>
+        </p:txBody>
+      </p:sp>
+    </p:spTree>
+    <p:extLst>
+      <p:ext uri="{BB962C8B-B14F-4D97-AF65-F5344CB8AC3E}">
+        <p14:creationId xmlns:p14="http://schemas.microsoft.com/office/powerpoint/2010/main" val="4193671674"/>
+      </p:ext>
+    </p:extLst>
+  </p:cSld>
+  <p:clrMapOvr>
+    <a:masterClrMapping/>
+  </p:clrMapOvr>
+</p:sld>
+</file>
+
+<file path=ppt/slides/slide26.xml><?xml version="1.0" encoding="utf-8"?>
+<p:sld xmlns:a="http://schemas.openxmlformats.org/drawingml/2006/main" xmlns:r="http://schemas.openxmlformats.org/officeDocument/2006/relationships" xmlns:p="http://schemas.openxmlformats.org/presentationml/2006/main">
+  <p:cSld>
+    <p:spTree>
+      <p:nvGrpSpPr>
+        <p:cNvPr id="1" name=""/>
+        <p:cNvGrpSpPr/>
+        <p:nvPr/>
+      </p:nvGrpSpPr>
+      <p:grpSpPr>
+        <a:xfrm>
+          <a:off x="0" y="0"/>
+          <a:ext cx="0" cy="0"/>
+          <a:chOff x="0" y="0"/>
+          <a:chExt cx="0" cy="0"/>
+        </a:xfrm>
+      </p:grpSpPr>
+      <p:sp>
+        <p:nvSpPr>
+          <p:cNvPr id="2" name="Заголовок 1"/>
+          <p:cNvSpPr>
+            <a:spLocks noGrp="1"/>
+          </p:cNvSpPr>
+          <p:nvPr>
+            <p:ph type="title"/>
+          </p:nvPr>
+        </p:nvSpPr>
+        <p:spPr/>
+        <p:txBody>
+          <a:bodyPr/>
+          <a:lstStyle/>
+          <a:p>
+            <a:r>
+              <a:rPr lang="ru-RU" dirty="0" smtClean="0"/>
+              <a:t>Мой день</a:t>
+            </a:r>
+            <a:endParaRPr lang="ru-RU" dirty="0"/>
+          </a:p>
+        </p:txBody>
+      </p:sp>
+      <p:sp>
+        <p:nvSpPr>
+          <p:cNvPr id="3" name="Объект 2"/>
+          <p:cNvSpPr>
+            <a:spLocks noGrp="1"/>
+          </p:cNvSpPr>
+          <p:nvPr>
+            <p:ph idx="1"/>
+          </p:nvPr>
+        </p:nvSpPr>
+        <p:spPr/>
+        <p:txBody>
+          <a:bodyPr>
+            <a:normAutofit/>
+          </a:bodyPr>
+          <a:lstStyle/>
+          <a:p>
+            <a:r>
+              <a:rPr lang="ru-RU" dirty="0" smtClean="0"/>
+              <a:t>Программирование</a:t>
+            </a:r>
+          </a:p>
+          <a:p>
+            <a:pPr lvl="1"/>
+            <a:r>
+              <a:rPr lang="ru-RU" dirty="0" smtClean="0"/>
+              <a:t>Работа в команде</a:t>
+            </a:r>
+          </a:p>
+          <a:p>
+            <a:pPr lvl="1"/>
+            <a:r>
+              <a:rPr lang="ru-RU" dirty="0" smtClean="0"/>
+              <a:t>Самостоятельность</a:t>
+            </a:r>
+          </a:p>
+          <a:p>
+            <a:pPr lvl="1"/>
+            <a:r>
+              <a:rPr lang="ru-RU" dirty="0" err="1" smtClean="0"/>
+              <a:t>Самообучаемость</a:t>
+            </a:r>
+            <a:endParaRPr lang="ru-RU" dirty="0" smtClean="0"/>
+          </a:p>
+          <a:p>
+            <a:r>
+              <a:rPr lang="ru-RU" dirty="0" smtClean="0"/>
+              <a:t>Обсуждение </a:t>
+            </a:r>
+            <a:r>
+              <a:rPr lang="ru-RU" dirty="0" smtClean="0"/>
+              <a:t>требований</a:t>
+            </a:r>
+          </a:p>
+          <a:p>
+            <a:pPr lvl="1"/>
+            <a:r>
+              <a:rPr lang="ru-RU" dirty="0" smtClean="0"/>
+              <a:t>Общение</a:t>
+            </a:r>
+          </a:p>
+          <a:p>
+            <a:pPr lvl="1"/>
+            <a:r>
+              <a:rPr lang="ru-RU" dirty="0" smtClean="0"/>
+              <a:t>Переговоры</a:t>
+            </a:r>
+          </a:p>
+          <a:p>
+            <a:pPr lvl="1"/>
+            <a:r>
+              <a:rPr lang="ru-RU" dirty="0" smtClean="0"/>
+              <a:t>Способность к анализу</a:t>
+            </a:r>
+            <a:endParaRPr lang="ru-RU" dirty="0" smtClean="0"/>
+          </a:p>
+          <a:p>
+            <a:r>
+              <a:rPr lang="ru-RU" dirty="0" smtClean="0"/>
+              <a:t>Тестирование</a:t>
+            </a:r>
+          </a:p>
+          <a:p>
+            <a:pPr lvl="1"/>
+            <a:r>
+              <a:rPr lang="ru-RU" dirty="0" smtClean="0"/>
+              <a:t>Способность к анализу</a:t>
+            </a:r>
+            <a:endParaRPr lang="ru-RU" dirty="0" smtClean="0"/>
+          </a:p>
+        </p:txBody>
+      </p:sp>
+    </p:spTree>
+    <p:extLst>
+      <p:ext uri="{BB962C8B-B14F-4D97-AF65-F5344CB8AC3E}">
+        <p14:creationId xmlns:p14="http://schemas.microsoft.com/office/powerpoint/2010/main" val="1169510648"/>
+      </p:ext>
+    </p:extLst>
+  </p:cSld>
+  <p:clrMapOvr>
+    <a:masterClrMapping/>
+  </p:clrMapOvr>
+</p:sld>
+</file>
+
+<file path=ppt/slides/slide27.xml><?xml version="1.0" encoding="utf-8"?>
+<p:sld xmlns:a="http://schemas.openxmlformats.org/drawingml/2006/main" xmlns:r="http://schemas.openxmlformats.org/officeDocument/2006/relationships" xmlns:p="http://schemas.openxmlformats.org/presentationml/2006/main">
+  <p:cSld>
+    <p:spTree>
+      <p:nvGrpSpPr>
+        <p:cNvPr id="1" name=""/>
+        <p:cNvGrpSpPr/>
+        <p:nvPr/>
+      </p:nvGrpSpPr>
+      <p:grpSpPr>
+        <a:xfrm>
+          <a:off x="0" y="0"/>
+          <a:ext cx="0" cy="0"/>
+          <a:chOff x="0" y="0"/>
+          <a:chExt cx="0" cy="0"/>
+        </a:xfrm>
+      </p:grpSpPr>
+      <p:sp>
+        <p:nvSpPr>
+          <p:cNvPr id="2" name="Заголовок 1"/>
+          <p:cNvSpPr>
+            <a:spLocks noGrp="1"/>
+          </p:cNvSpPr>
+          <p:nvPr>
+            <p:ph type="title"/>
+          </p:nvPr>
+        </p:nvSpPr>
+        <p:spPr/>
+        <p:txBody>
+          <a:bodyPr/>
+          <a:lstStyle/>
+          <a:p>
+            <a:r>
+              <a:rPr lang="ru-RU" dirty="0"/>
+              <a:t>Подойдет ли вам?</a:t>
+            </a:r>
+          </a:p>
+        </p:txBody>
+      </p:sp>
+      <p:sp>
+        <p:nvSpPr>
+          <p:cNvPr id="3" name="Объект 2"/>
+          <p:cNvSpPr>
+            <a:spLocks noGrp="1"/>
+          </p:cNvSpPr>
+          <p:nvPr>
+            <p:ph idx="1"/>
+          </p:nvPr>
+        </p:nvSpPr>
+        <p:spPr/>
+        <p:txBody>
+          <a:bodyPr>
+            <a:normAutofit/>
+          </a:bodyPr>
+          <a:lstStyle/>
+          <a:p>
+            <a:endParaRPr lang="ru-RU" b="1" dirty="0" smtClean="0"/>
+          </a:p>
+          <a:p>
+            <a:pPr marL="457200" lvl="1" indent="0">
+              <a:buNone/>
+            </a:pPr>
+            <a:endParaRPr lang="ru-RU" dirty="0" smtClean="0"/>
+          </a:p>
+          <a:p>
+            <a:pPr lvl="1"/>
+            <a:endParaRPr lang="ru-RU" dirty="0"/>
+          </a:p>
+        </p:txBody>
+      </p:sp>
+    </p:spTree>
+    <p:extLst>
+      <p:ext uri="{BB962C8B-B14F-4D97-AF65-F5344CB8AC3E}">
+        <p14:creationId xmlns:p14="http://schemas.microsoft.com/office/powerpoint/2010/main" val="3430468611"/>
+      </p:ext>
+    </p:extLst>
+  </p:cSld>
+  <p:clrMapOvr>
+    <a:masterClrMapping/>
+  </p:clrMapOvr>
+</p:sld>
+</file>
+
+<file path=ppt/slides/slide28.xml><?xml version="1.0" encoding="utf-8"?>
+<p:sld xmlns:a="http://schemas.openxmlformats.org/drawingml/2006/main" xmlns:r="http://schemas.openxmlformats.org/officeDocument/2006/relationships" xmlns:p="http://schemas.openxmlformats.org/presentationml/2006/main">
+  <p:cSld>
+    <p:spTree>
+      <p:nvGrpSpPr>
+        <p:cNvPr id="1" name=""/>
+        <p:cNvGrpSpPr/>
+        <p:nvPr/>
+      </p:nvGrpSpPr>
+      <p:grpSpPr>
+        <a:xfrm>
+          <a:off x="0" y="0"/>
+          <a:ext cx="0" cy="0"/>
+          <a:chOff x="0" y="0"/>
+          <a:chExt cx="0" cy="0"/>
+        </a:xfrm>
+      </p:grpSpPr>
+      <p:sp>
+        <p:nvSpPr>
+          <p:cNvPr id="2" name="Заголовок 1"/>
+          <p:cNvSpPr>
+            <a:spLocks noGrp="1"/>
+          </p:cNvSpPr>
+          <p:nvPr>
+            <p:ph type="title"/>
+          </p:nvPr>
+        </p:nvSpPr>
+        <p:spPr/>
+        <p:txBody>
+          <a:bodyPr/>
+          <a:lstStyle/>
+          <a:p>
+            <a:r>
+              <a:rPr lang="ru-RU" smtClean="0"/>
+              <a:t>Последний слайд / Вывод?</a:t>
+            </a:r>
+            <a:endParaRPr lang="ru-RU"/>
+          </a:p>
+        </p:txBody>
+      </p:sp>
+      <p:sp>
+        <p:nvSpPr>
+          <p:cNvPr id="3" name="Объект 2"/>
+          <p:cNvSpPr>
+            <a:spLocks noGrp="1"/>
+          </p:cNvSpPr>
+          <p:nvPr>
+            <p:ph idx="1"/>
+          </p:nvPr>
+        </p:nvSpPr>
+        <p:spPr/>
+        <p:txBody>
+          <a:bodyPr/>
+          <a:lstStyle/>
+          <a:p>
+            <a:endParaRPr lang="ru-RU"/>
+          </a:p>
+        </p:txBody>
+      </p:sp>
+    </p:spTree>
+    <p:extLst>
+      <p:ext uri="{BB962C8B-B14F-4D97-AF65-F5344CB8AC3E}">
+        <p14:creationId xmlns:p14="http://schemas.microsoft.com/office/powerpoint/2010/main" val="2121546825"/>
+      </p:ext>
+    </p:extLst>
+  </p:cSld>
+  <p:clrMapOvr>
+    <a:masterClrMapping/>
+  </p:clrMapOvr>
+</p:sld>
+</file>
+
 <file path=ppt/slides/slide3.xml><?xml version="1.0" encoding="utf-8"?>
 <p:sld xmlns:a="http://schemas.openxmlformats.org/drawingml/2006/main" xmlns:r="http://schemas.openxmlformats.org/officeDocument/2006/relationships" xmlns:p="http://schemas.openxmlformats.org/presentationml/2006/main">
   <p:cSld>
@@ -3605,7 +10631,17 @@
           <a:bodyPr/>
           <a:lstStyle/>
           <a:p>
-            <a:endParaRPr lang="ru-RU"/>
+            <a:r>
+              <a:rPr lang="ru-RU" dirty="0"/>
+              <a:t>Интересно</a:t>
+            </a:r>
+          </a:p>
+          <a:p>
+            <a:r>
+              <a:rPr lang="ru-RU" dirty="0" smtClean="0"/>
+              <a:t>Подходит по характеру</a:t>
+            </a:r>
+            <a:endParaRPr lang="ru-RU" dirty="0"/>
           </a:p>
         </p:txBody>
       </p:sp>
@@ -3908,12 +10944,8 @@
           <a:lstStyle/>
           <a:p>
             <a:r>
-              <a:rPr lang="en-US" dirty="0" err="1" smtClean="0"/>
-              <a:t>FrontEnd</a:t>
-            </a:r>
-            <a:r>
-              <a:rPr lang="en-US" dirty="0" smtClean="0"/>
-              <a:t> / Backend</a:t>
+              <a:rPr lang="ru-RU" dirty="0" smtClean="0"/>
+              <a:t>Мой путь</a:t>
             </a:r>
             <a:endParaRPr lang="ru-RU" dirty="0"/>
           </a:p>
@@ -3921,58 +10953,108 @@
       </p:sp>
       <p:sp>
         <p:nvSpPr>
-          <p:cNvPr id="3" name="Объект 2"/>
-          <p:cNvSpPr>
-            <a:spLocks noGrp="1"/>
-          </p:cNvSpPr>
-          <p:nvPr>
-            <p:ph idx="1"/>
-          </p:nvPr>
-        </p:nvSpPr>
-        <p:spPr/>
-        <p:txBody>
-          <a:bodyPr/>
-          <a:lstStyle/>
-          <a:p>
-            <a:r>
-              <a:rPr lang="en-US" dirty="0" smtClean="0"/>
-              <a:t>Frontend</a:t>
-            </a:r>
-          </a:p>
-          <a:p>
-            <a:pPr lvl="1"/>
-            <a:r>
-              <a:rPr lang="en-US" dirty="0" smtClean="0"/>
-              <a:t>HTML / CSS / JS</a:t>
-            </a:r>
-          </a:p>
-          <a:p>
-            <a:pPr lvl="1"/>
-            <a:r>
-              <a:rPr lang="ru-RU" dirty="0" smtClean="0"/>
-              <a:t>Внешний вид (кузов) автомобиля</a:t>
-            </a:r>
-          </a:p>
-          <a:p>
-            <a:r>
-              <a:rPr lang="en-US" dirty="0" smtClean="0"/>
-              <a:t>Backend</a:t>
-            </a:r>
-          </a:p>
-          <a:p>
-            <a:pPr lvl="1"/>
-            <a:r>
-              <a:rPr lang="ru-RU" dirty="0" smtClean="0"/>
-              <a:t>двигатель</a:t>
-            </a:r>
-            <a:endParaRPr lang="ru-RU" dirty="0"/>
+          <p:cNvPr id="4" name="TextBox 3"/>
+          <p:cNvSpPr txBox="1"/>
+          <p:nvPr/>
+        </p:nvSpPr>
+        <p:spPr>
+          <a:xfrm>
+            <a:off x="1320800" y="2837133"/>
+            <a:ext cx="1908215" cy="923330"/>
+          </a:xfrm>
+          <a:prstGeom prst="rect">
+            <a:avLst/>
+          </a:prstGeom>
+          <a:noFill/>
+        </p:spPr>
+        <p:txBody>
+          <a:bodyPr wrap="none" rtlCol="0">
+            <a:spAutoFit/>
+          </a:bodyPr>
+          <a:lstStyle/>
+          <a:p>
+            <a:r>
+              <a:rPr lang="ru-RU" sz="5400" dirty="0" smtClean="0"/>
+              <a:t>Учеба</a:t>
+            </a:r>
+            <a:endParaRPr lang="ru-RU" sz="5400" dirty="0"/>
+          </a:p>
+        </p:txBody>
+      </p:sp>
+      <p:sp>
+        <p:nvSpPr>
+          <p:cNvPr id="5" name="Стрелка вправо 4"/>
+          <p:cNvSpPr/>
+          <p:nvPr/>
+        </p:nvSpPr>
+        <p:spPr>
+          <a:xfrm>
+            <a:off x="3883574" y="3061731"/>
+            <a:ext cx="1066800" cy="474134"/>
+          </a:xfrm>
+          <a:prstGeom prst="rightArrow">
+            <a:avLst/>
+          </a:prstGeom>
+        </p:spPr>
+        <p:style>
+          <a:lnRef idx="2">
+            <a:schemeClr val="accent1">
+              <a:shade val="50000"/>
+            </a:schemeClr>
+          </a:lnRef>
+          <a:fillRef idx="1">
+            <a:schemeClr val="accent1"/>
+          </a:fillRef>
+          <a:effectRef idx="0">
+            <a:schemeClr val="accent1"/>
+          </a:effectRef>
+          <a:fontRef idx="minor">
+            <a:schemeClr val="lt1"/>
+          </a:fontRef>
+        </p:style>
+        <p:txBody>
+          <a:bodyPr rtlCol="0" anchor="ctr"/>
+          <a:lstStyle/>
+          <a:p>
+            <a:pPr algn="ctr"/>
+            <a:endParaRPr lang="ru-RU"/>
+          </a:p>
+        </p:txBody>
+      </p:sp>
+      <p:sp>
+        <p:nvSpPr>
+          <p:cNvPr id="6" name="TextBox 5"/>
+          <p:cNvSpPr txBox="1"/>
+          <p:nvPr/>
+        </p:nvSpPr>
+        <p:spPr>
+          <a:xfrm>
+            <a:off x="5604933" y="2837133"/>
+            <a:ext cx="2202591" cy="923330"/>
+          </a:xfrm>
+          <a:prstGeom prst="rect">
+            <a:avLst/>
+          </a:prstGeom>
+          <a:noFill/>
+        </p:spPr>
+        <p:txBody>
+          <a:bodyPr wrap="none" rtlCol="0">
+            <a:spAutoFit/>
+          </a:bodyPr>
+          <a:lstStyle/>
+          <a:p>
+            <a:r>
+              <a:rPr lang="ru-RU" sz="5400" dirty="0" smtClean="0"/>
+              <a:t>Работа</a:t>
+            </a:r>
+            <a:endParaRPr lang="ru-RU" sz="5400" dirty="0"/>
           </a:p>
         </p:txBody>
       </p:sp>
     </p:spTree>
     <p:extLst>
       <p:ext uri="{BB962C8B-B14F-4D97-AF65-F5344CB8AC3E}">
-        <p14:creationId xmlns:p14="http://schemas.microsoft.com/office/powerpoint/2010/main" val="3140336889"/>
+        <p14:creationId xmlns:p14="http://schemas.microsoft.com/office/powerpoint/2010/main" val="3618331363"/>
       </p:ext>
     </p:extLst>
   </p:cSld>
@@ -3999,126 +11081,141 @@
           <a:chExt cx="0" cy="0"/>
         </a:xfrm>
       </p:grpSpPr>
-      <p:sp>
-        <p:nvSpPr>
-          <p:cNvPr id="2" name="Заголовок 1"/>
-          <p:cNvSpPr>
-            <a:spLocks noGrp="1"/>
-          </p:cNvSpPr>
-          <p:nvPr>
-            <p:ph type="title"/>
-          </p:nvPr>
-        </p:nvSpPr>
-        <p:spPr/>
-        <p:txBody>
-          <a:bodyPr/>
-          <a:lstStyle/>
-          <a:p>
-            <a:r>
-              <a:rPr lang="ru-RU" dirty="0" smtClean="0"/>
-              <a:t>Что необходимо для успеха?</a:t>
-            </a:r>
-            <a:endParaRPr lang="ru-RU" dirty="0"/>
-          </a:p>
-        </p:txBody>
-      </p:sp>
-      <p:sp>
-        <p:nvSpPr>
-          <p:cNvPr id="3" name="Объект 2"/>
-          <p:cNvSpPr>
-            <a:spLocks noGrp="1"/>
-          </p:cNvSpPr>
-          <p:nvPr>
-            <p:ph idx="1"/>
-          </p:nvPr>
-        </p:nvSpPr>
-        <p:spPr/>
-        <p:txBody>
-          <a:bodyPr>
-            <a:normAutofit/>
+      <p:pic>
+        <p:nvPicPr>
+          <p:cNvPr id="2050" name="Picture 2" descr="Картинки по запросу bulbasaur evolution"/>
+          <p:cNvPicPr>
+            <a:picLocks noChangeAspect="1" noChangeArrowheads="1"/>
+          </p:cNvPicPr>
+          <p:nvPr/>
+        </p:nvPicPr>
+        <p:blipFill>
+          <a:blip r:embed="rId3">
+            <a:extLst>
+              <a:ext uri="{28A0092B-C50C-407E-A947-70E740481C1C}">
+                <a14:useLocalDpi xmlns:a14="http://schemas.microsoft.com/office/drawing/2010/main" val="0"/>
+              </a:ext>
+            </a:extLst>
+          </a:blip>
+          <a:srcRect/>
+          <a:stretch>
+            <a:fillRect/>
+          </a:stretch>
+        </p:blipFill>
+        <p:spPr bwMode="auto">
+          <a:xfrm>
+            <a:off x="341842" y="2540000"/>
+            <a:ext cx="8736344" cy="4110038"/>
+          </a:xfrm>
+          <a:prstGeom prst="rect">
+            <a:avLst/>
+          </a:prstGeom>
+          <a:noFill/>
+          <a:extLst>
+            <a:ext uri="{909E8E84-426E-40DD-AFC4-6F175D3DCCD1}">
+              <a14:hiddenFill xmlns:a14="http://schemas.microsoft.com/office/drawing/2010/main">
+                <a:solidFill>
+                  <a:srgbClr val="FFFFFF"/>
+                </a:solidFill>
+              </a14:hiddenFill>
+            </a:ext>
+          </a:extLst>
+        </p:spPr>
+      </p:pic>
+      <p:sp>
+        <p:nvSpPr>
+          <p:cNvPr id="4" name="TextBox 3"/>
+          <p:cNvSpPr txBox="1"/>
+          <p:nvPr/>
+        </p:nvSpPr>
+        <p:spPr>
+          <a:xfrm>
+            <a:off x="643467" y="3708399"/>
+            <a:ext cx="885179" cy="830997"/>
+          </a:xfrm>
+          <a:prstGeom prst="rect">
+            <a:avLst/>
+          </a:prstGeom>
+          <a:noFill/>
+        </p:spPr>
+        <p:txBody>
+          <a:bodyPr wrap="none" rtlCol="0">
+            <a:spAutoFit/>
           </a:bodyPr>
           <a:lstStyle/>
           <a:p>
             <a:r>
-              <a:rPr lang="en-US" dirty="0" smtClean="0"/>
-              <a:t>Soft Skills vs Hard Skills</a:t>
-            </a:r>
-          </a:p>
-          <a:p>
-            <a:r>
-              <a:rPr lang="en-US" dirty="0" smtClean="0"/>
-              <a:t>Hard skills </a:t>
-            </a:r>
-            <a:r>
-              <a:rPr lang="ru-RU" dirty="0" smtClean="0"/>
-              <a:t>важны</a:t>
-            </a:r>
-          </a:p>
-          <a:p>
-            <a:r>
-              <a:rPr lang="en-US" dirty="0" smtClean="0"/>
-              <a:t>Soft Skills </a:t>
-            </a:r>
-            <a:r>
-              <a:rPr lang="ru-RU" dirty="0" smtClean="0"/>
-              <a:t>важнее</a:t>
-            </a:r>
-          </a:p>
-          <a:p>
-            <a:pPr lvl="1"/>
-            <a:r>
-              <a:rPr lang="ru-RU" dirty="0" smtClean="0"/>
-              <a:t>Из </a:t>
-            </a:r>
-            <a:r>
-              <a:rPr lang="ru-RU" dirty="0" err="1" smtClean="0"/>
-              <a:t>харда</a:t>
-            </a:r>
-            <a:r>
-              <a:rPr lang="ru-RU" dirty="0" smtClean="0"/>
-              <a:t> в основном общее понимание принципов программирования (легко ли заходит)</a:t>
-            </a:r>
-          </a:p>
-          <a:p>
-            <a:r>
-              <a:rPr lang="ru-RU" dirty="0" smtClean="0"/>
-              <a:t>Ответственность</a:t>
-            </a:r>
-          </a:p>
-          <a:p>
-            <a:r>
-              <a:rPr lang="ru-RU" dirty="0" smtClean="0"/>
-              <a:t>Самостоятельность</a:t>
-            </a:r>
-          </a:p>
-          <a:p>
-            <a:r>
-              <a:rPr lang="ru-RU" dirty="0" smtClean="0"/>
-              <a:t>Коммуникация</a:t>
-            </a:r>
-          </a:p>
-          <a:p>
-            <a:r>
-              <a:rPr lang="ru-RU" dirty="0" smtClean="0"/>
-              <a:t>Работа в команде</a:t>
-            </a:r>
-          </a:p>
-          <a:p>
-            <a:pPr marL="0" indent="0">
-              <a:buNone/>
-            </a:pPr>
-            <a:endParaRPr lang="ru-RU" dirty="0" smtClean="0"/>
-          </a:p>
-          <a:p>
-            <a:pPr lvl="1"/>
-            <a:endParaRPr lang="ru-RU" dirty="0"/>
+              <a:rPr lang="en-US" sz="4800" b="1" dirty="0" smtClean="0"/>
+              <a:t>D1</a:t>
+            </a:r>
+            <a:endParaRPr lang="ru-RU" sz="4000" b="1" dirty="0"/>
+          </a:p>
+        </p:txBody>
+      </p:sp>
+      <p:sp>
+        <p:nvSpPr>
+          <p:cNvPr id="5" name="TextBox 4"/>
+          <p:cNvSpPr txBox="1"/>
+          <p:nvPr/>
+        </p:nvSpPr>
+        <p:spPr>
+          <a:xfrm>
+            <a:off x="2556934" y="2124501"/>
+            <a:ext cx="885179" cy="830997"/>
+          </a:xfrm>
+          <a:prstGeom prst="rect">
+            <a:avLst/>
+          </a:prstGeom>
+          <a:noFill/>
+        </p:spPr>
+        <p:txBody>
+          <a:bodyPr wrap="none" rtlCol="0">
+            <a:spAutoFit/>
+          </a:bodyPr>
+          <a:lstStyle/>
+          <a:p>
+            <a:r>
+              <a:rPr lang="en-US" sz="4800" b="1" dirty="0" smtClean="0"/>
+              <a:t>D2</a:t>
+            </a:r>
+            <a:endParaRPr lang="ru-RU" sz="4800" b="1" dirty="0"/>
+          </a:p>
+        </p:txBody>
+      </p:sp>
+      <p:sp>
+        <p:nvSpPr>
+          <p:cNvPr id="6" name="TextBox 5"/>
+          <p:cNvSpPr txBox="1"/>
+          <p:nvPr/>
+        </p:nvSpPr>
+        <p:spPr>
+          <a:xfrm>
+            <a:off x="5808133" y="592667"/>
+            <a:ext cx="1059906" cy="1015663"/>
+          </a:xfrm>
+          <a:prstGeom prst="rect">
+            <a:avLst/>
+          </a:prstGeom>
+          <a:noFill/>
+        </p:spPr>
+        <p:txBody>
+          <a:bodyPr wrap="none" rtlCol="0">
+            <a:spAutoFit/>
+          </a:bodyPr>
+          <a:lstStyle/>
+          <a:p>
+            <a:r>
+              <a:rPr lang="en-US" sz="6000" b="1" dirty="0" smtClean="0"/>
+              <a:t>D3</a:t>
+            </a:r>
+            <a:endParaRPr lang="ru-RU" sz="7200" b="1" dirty="0"/>
           </a:p>
         </p:txBody>
       </p:sp>
     </p:spTree>
     <p:extLst>
       <p:ext uri="{BB962C8B-B14F-4D97-AF65-F5344CB8AC3E}">
-        <p14:creationId xmlns:p14="http://schemas.microsoft.com/office/powerpoint/2010/main" val="1642945991"/>
+        <p14:creationId xmlns:p14="http://schemas.microsoft.com/office/powerpoint/2010/main" val="14903895"/>
       </p:ext>
     </p:extLst>
   </p:cSld>
@@ -4145,70 +11242,236 @@
           <a:chExt cx="0" cy="0"/>
         </a:xfrm>
       </p:grpSpPr>
-      <p:sp>
-        <p:nvSpPr>
-          <p:cNvPr id="2" name="Заголовок 1"/>
-          <p:cNvSpPr>
-            <a:spLocks noGrp="1"/>
-          </p:cNvSpPr>
-          <p:nvPr>
-            <p:ph type="title"/>
-          </p:nvPr>
-        </p:nvSpPr>
-        <p:spPr/>
-        <p:txBody>
-          <a:bodyPr/>
-          <a:lstStyle/>
-          <a:p>
-            <a:endParaRPr lang="ru-RU"/>
-          </a:p>
-        </p:txBody>
-      </p:sp>
-      <p:sp>
-        <p:nvSpPr>
-          <p:cNvPr id="3" name="Объект 2"/>
-          <p:cNvSpPr>
-            <a:spLocks noGrp="1"/>
-          </p:cNvSpPr>
-          <p:nvPr>
-            <p:ph idx="1"/>
-          </p:nvPr>
-        </p:nvSpPr>
-        <p:spPr/>
-        <p:txBody>
-          <a:bodyPr/>
+      <p:pic>
+        <p:nvPicPr>
+          <p:cNvPr id="2050" name="Picture 2" descr="Картинки по запросу bulbasaur evolution"/>
+          <p:cNvPicPr>
+            <a:picLocks noChangeAspect="1" noChangeArrowheads="1"/>
+          </p:cNvPicPr>
+          <p:nvPr/>
+        </p:nvPicPr>
+        <p:blipFill>
+          <a:blip r:embed="rId2">
+            <a:extLst>
+              <a:ext uri="{28A0092B-C50C-407E-A947-70E740481C1C}">
+                <a14:useLocalDpi xmlns:a14="http://schemas.microsoft.com/office/drawing/2010/main" val="0"/>
+              </a:ext>
+            </a:extLst>
+          </a:blip>
+          <a:srcRect/>
+          <a:stretch>
+            <a:fillRect/>
+          </a:stretch>
+        </p:blipFill>
+        <p:spPr bwMode="auto">
+          <a:xfrm>
+            <a:off x="1776081" y="3292901"/>
+            <a:ext cx="7367919" cy="3466258"/>
+          </a:xfrm>
+          <a:prstGeom prst="rect">
+            <a:avLst/>
+          </a:prstGeom>
+          <a:noFill/>
+          <a:extLst>
+            <a:ext uri="{909E8E84-426E-40DD-AFC4-6F175D3DCCD1}">
+              <a14:hiddenFill xmlns:a14="http://schemas.microsoft.com/office/drawing/2010/main">
+                <a:solidFill>
+                  <a:srgbClr val="FFFFFF"/>
+                </a:solidFill>
+              </a14:hiddenFill>
+            </a:ext>
+          </a:extLst>
+        </p:spPr>
+      </p:pic>
+      <p:sp>
+        <p:nvSpPr>
+          <p:cNvPr id="4" name="TextBox 3"/>
+          <p:cNvSpPr txBox="1"/>
+          <p:nvPr/>
+        </p:nvSpPr>
+        <p:spPr>
+          <a:xfrm>
+            <a:off x="2004526" y="4334933"/>
+            <a:ext cx="1111208" cy="830997"/>
+          </a:xfrm>
+          <a:prstGeom prst="rect">
+            <a:avLst/>
+          </a:prstGeom>
+          <a:noFill/>
+        </p:spPr>
+        <p:txBody>
+          <a:bodyPr wrap="square" rtlCol="0">
+            <a:spAutoFit/>
+          </a:bodyPr>
+          <a:lstStyle/>
+          <a:p>
+            <a:r>
+              <a:rPr lang="en-US" sz="4800" b="1" dirty="0" smtClean="0"/>
+              <a:t>D1</a:t>
+            </a:r>
+            <a:endParaRPr lang="ru-RU" sz="4000" b="1" dirty="0"/>
+          </a:p>
+        </p:txBody>
+      </p:sp>
+      <p:sp>
+        <p:nvSpPr>
+          <p:cNvPr id="5" name="TextBox 4"/>
+          <p:cNvSpPr txBox="1"/>
+          <p:nvPr/>
+        </p:nvSpPr>
+        <p:spPr>
+          <a:xfrm>
+            <a:off x="3562391" y="3503936"/>
+            <a:ext cx="1026541" cy="830997"/>
+          </a:xfrm>
+          <a:prstGeom prst="rect">
+            <a:avLst/>
+          </a:prstGeom>
+          <a:noFill/>
+        </p:spPr>
+        <p:txBody>
+          <a:bodyPr wrap="square" rtlCol="0">
+            <a:spAutoFit/>
+          </a:bodyPr>
+          <a:lstStyle/>
+          <a:p>
+            <a:r>
+              <a:rPr lang="en-US" sz="4800" b="1" dirty="0" smtClean="0"/>
+              <a:t>D2</a:t>
+            </a:r>
+            <a:endParaRPr lang="ru-RU" sz="4800" b="1" dirty="0"/>
+          </a:p>
+        </p:txBody>
+      </p:sp>
+      <p:sp>
+        <p:nvSpPr>
+          <p:cNvPr id="6" name="TextBox 5"/>
+          <p:cNvSpPr txBox="1"/>
+          <p:nvPr/>
+        </p:nvSpPr>
+        <p:spPr>
+          <a:xfrm>
+            <a:off x="6532372" y="2372461"/>
+            <a:ext cx="952162" cy="769441"/>
+          </a:xfrm>
+          <a:prstGeom prst="rect">
+            <a:avLst/>
+          </a:prstGeom>
+          <a:noFill/>
+        </p:spPr>
+        <p:txBody>
+          <a:bodyPr wrap="square" rtlCol="0">
+            <a:spAutoFit/>
+          </a:bodyPr>
+          <a:lstStyle/>
+          <a:p>
+            <a:r>
+              <a:rPr lang="en-US" sz="4400" b="1" dirty="0" smtClean="0"/>
+              <a:t>D3</a:t>
+            </a:r>
+            <a:endParaRPr lang="ru-RU" sz="7200" b="1" dirty="0"/>
+          </a:p>
+        </p:txBody>
+      </p:sp>
+      <p:pic>
+        <p:nvPicPr>
+          <p:cNvPr id="3074" name="Picture 2" descr="Картинки по запросу pocket ball"/>
+          <p:cNvPicPr>
+            <a:picLocks noChangeAspect="1" noChangeArrowheads="1"/>
+          </p:cNvPicPr>
+          <p:nvPr/>
+        </p:nvPicPr>
+        <p:blipFill>
+          <a:blip r:embed="rId3">
+            <a:extLst>
+              <a:ext uri="{28A0092B-C50C-407E-A947-70E740481C1C}">
+                <a14:useLocalDpi xmlns:a14="http://schemas.microsoft.com/office/drawing/2010/main" val="0"/>
+              </a:ext>
+            </a:extLst>
+          </a:blip>
+          <a:srcRect/>
+          <a:stretch>
+            <a:fillRect/>
+          </a:stretch>
+        </p:blipFill>
+        <p:spPr bwMode="auto">
+          <a:xfrm>
+            <a:off x="273248" y="5165930"/>
+            <a:ext cx="1357426" cy="1357426"/>
+          </a:xfrm>
+          <a:prstGeom prst="rect">
+            <a:avLst/>
+          </a:prstGeom>
+          <a:noFill/>
+          <a:extLst>
+            <a:ext uri="{909E8E84-426E-40DD-AFC4-6F175D3DCCD1}">
+              <a14:hiddenFill xmlns:a14="http://schemas.microsoft.com/office/drawing/2010/main">
+                <a:solidFill>
+                  <a:srgbClr val="FFFFFF"/>
+                </a:solidFill>
+              </a14:hiddenFill>
+            </a:ext>
+          </a:extLst>
+        </p:spPr>
+      </p:pic>
+      <p:cxnSp>
+        <p:nvCxnSpPr>
+          <p:cNvPr id="3" name="Прямая со стрелкой 2"/>
+          <p:cNvCxnSpPr/>
+          <p:nvPr/>
+        </p:nvCxnSpPr>
+        <p:spPr>
+          <a:xfrm flipH="1">
+            <a:off x="1211591" y="2048933"/>
+            <a:ext cx="792935" cy="2701498"/>
+          </a:xfrm>
+          <a:prstGeom prst="straightConnector1">
+            <a:avLst/>
+          </a:prstGeom>
+          <a:ln>
+            <a:tailEnd type="triangle"/>
+          </a:ln>
+        </p:spPr>
+        <p:style>
+          <a:lnRef idx="1">
+            <a:schemeClr val="accent1"/>
+          </a:lnRef>
+          <a:fillRef idx="0">
+            <a:schemeClr val="accent1"/>
+          </a:fillRef>
+          <a:effectRef idx="0">
+            <a:schemeClr val="accent1"/>
+          </a:effectRef>
+          <a:fontRef idx="minor">
+            <a:schemeClr val="tx1"/>
+          </a:fontRef>
+        </p:style>
+      </p:cxnSp>
+      <p:sp>
+        <p:nvSpPr>
+          <p:cNvPr id="7" name="TextBox 6"/>
+          <p:cNvSpPr txBox="1"/>
+          <p:nvPr/>
+        </p:nvSpPr>
+        <p:spPr>
+          <a:xfrm>
+            <a:off x="2272769" y="762000"/>
+            <a:ext cx="4784836" cy="369332"/>
+          </a:xfrm>
+          <a:prstGeom prst="rect">
+            <a:avLst/>
+          </a:prstGeom>
+          <a:noFill/>
+        </p:spPr>
+        <p:txBody>
+          <a:bodyPr wrap="none" rtlCol="0">
+            <a:spAutoFit/>
+          </a:bodyPr>
           <a:lstStyle/>
           <a:p>
             <a:r>
               <a:rPr lang="ru-RU" dirty="0" smtClean="0"/>
-              <a:t>Способность к абстрактному и аналитическому мышлению</a:t>
-            </a:r>
-          </a:p>
-          <a:p>
-            <a:pPr lvl="1"/>
-            <a:r>
-              <a:rPr lang="ru-RU" dirty="0" smtClean="0"/>
-              <a:t>Понимать суть вещей</a:t>
-            </a:r>
-          </a:p>
-          <a:p>
-            <a:pPr lvl="1"/>
-            <a:r>
-              <a:rPr lang="ru-RU" dirty="0" smtClean="0"/>
-              <a:t>Почему они так работают</a:t>
-            </a:r>
-          </a:p>
-          <a:p>
-            <a:r>
-              <a:rPr lang="en-US" dirty="0" smtClean="0"/>
-              <a:t>English</a:t>
-            </a:r>
-            <a:endParaRPr lang="ru-RU" dirty="0" smtClean="0"/>
-          </a:p>
-          <a:p>
-            <a:r>
-              <a:rPr lang="ru-RU" dirty="0" err="1" smtClean="0"/>
-              <a:t>самообучаемость</a:t>
+              <a:t>Практика / лаборатория / испытательный срок</a:t>
             </a:r>
             <a:endParaRPr lang="ru-RU" dirty="0"/>
           </a:p>
@@ -4217,7 +11480,7 @@
     </p:spTree>
     <p:extLst>
       <p:ext uri="{BB962C8B-B14F-4D97-AF65-F5344CB8AC3E}">
-        <p14:creationId xmlns:p14="http://schemas.microsoft.com/office/powerpoint/2010/main" val="3125473947"/>
+        <p14:creationId xmlns:p14="http://schemas.microsoft.com/office/powerpoint/2010/main" val="3893388859"/>
       </p:ext>
     </p:extLst>
   </p:cSld>
@@ -4260,71 +11523,62 @@
           <a:lstStyle/>
           <a:p>
             <a:r>
+              <a:rPr lang="en-US" dirty="0" err="1" smtClean="0"/>
+              <a:t>FrontEnd</a:t>
+            </a:r>
+            <a:r>
+              <a:rPr lang="en-US" dirty="0" smtClean="0"/>
+              <a:t> / Backend</a:t>
+            </a:r>
+            <a:endParaRPr lang="ru-RU" dirty="0"/>
+          </a:p>
+        </p:txBody>
+      </p:sp>
+      <p:sp>
+        <p:nvSpPr>
+          <p:cNvPr id="3" name="Объект 2"/>
+          <p:cNvSpPr>
+            <a:spLocks noGrp="1"/>
+          </p:cNvSpPr>
+          <p:nvPr>
+            <p:ph idx="1"/>
+          </p:nvPr>
+        </p:nvSpPr>
+        <p:spPr/>
+        <p:txBody>
+          <a:bodyPr/>
+          <a:lstStyle/>
+          <a:p>
+            <a:r>
+              <a:rPr lang="en-US" dirty="0" smtClean="0"/>
+              <a:t>Frontend</a:t>
+            </a:r>
+          </a:p>
+          <a:p>
+            <a:pPr lvl="1"/>
+            <a:r>
+              <a:rPr lang="en-US" dirty="0" smtClean="0"/>
+              <a:t>HTML / CSS / JS</a:t>
+            </a:r>
+          </a:p>
+          <a:p>
+            <a:pPr lvl="1"/>
+            <a:r>
               <a:rPr lang="ru-RU" dirty="0" smtClean="0"/>
-              <a:t>Мой день</a:t>
-            </a:r>
-            <a:endParaRPr lang="ru-RU" dirty="0"/>
-          </a:p>
-        </p:txBody>
-      </p:sp>
-      <p:sp>
-        <p:nvSpPr>
-          <p:cNvPr id="3" name="Объект 2"/>
-          <p:cNvSpPr>
-            <a:spLocks noGrp="1"/>
-          </p:cNvSpPr>
-          <p:nvPr>
-            <p:ph idx="1"/>
-          </p:nvPr>
-        </p:nvSpPr>
-        <p:spPr/>
-        <p:txBody>
-          <a:bodyPr/>
-          <a:lstStyle/>
-          <a:p>
+              <a:t>Внешний вид (кузов) автомобиля</a:t>
+            </a:r>
+          </a:p>
+          <a:p>
+            <a:r>
+              <a:rPr lang="en-US" dirty="0" smtClean="0"/>
+              <a:t>Backend</a:t>
+            </a:r>
+          </a:p>
+          <a:p>
+            <a:pPr lvl="1"/>
             <a:r>
               <a:rPr lang="ru-RU" dirty="0" smtClean="0"/>
-              <a:t>Программирование</a:t>
-            </a:r>
-          </a:p>
-          <a:p>
-            <a:pPr lvl="1"/>
-            <a:r>
-              <a:rPr lang="ru-RU" dirty="0" smtClean="0"/>
-              <a:t>Работа в команде</a:t>
-            </a:r>
-          </a:p>
-          <a:p>
-            <a:pPr lvl="1"/>
-            <a:r>
-              <a:rPr lang="ru-RU" dirty="0" smtClean="0"/>
-              <a:t>Самостоятельность</a:t>
-            </a:r>
-          </a:p>
-          <a:p>
-            <a:pPr lvl="1"/>
-            <a:r>
-              <a:rPr lang="ru-RU" dirty="0" err="1" smtClean="0"/>
-              <a:t>Самообучаемость</a:t>
-            </a:r>
-            <a:endParaRPr lang="ru-RU" dirty="0" smtClean="0"/>
-          </a:p>
-          <a:p>
-            <a:r>
-              <a:rPr lang="ru-RU" dirty="0" smtClean="0"/>
-              <a:t>Обсуждение требований</a:t>
-            </a:r>
-          </a:p>
-          <a:p>
-            <a:r>
-              <a:rPr lang="ru-RU" dirty="0" smtClean="0"/>
-              <a:t>Тестирование (ручное)</a:t>
-            </a:r>
-          </a:p>
-          <a:p>
-            <a:r>
-              <a:rPr lang="ru-RU" dirty="0" smtClean="0"/>
-              <a:t>Тестирование (автоматизация)</a:t>
+              <a:t>двигатель</a:t>
             </a:r>
             <a:endParaRPr lang="ru-RU" dirty="0"/>
           </a:p>
@@ -4333,7 +11587,7 @@
     </p:spTree>
     <p:extLst>
       <p:ext uri="{BB962C8B-B14F-4D97-AF65-F5344CB8AC3E}">
-        <p14:creationId xmlns:p14="http://schemas.microsoft.com/office/powerpoint/2010/main" val="29119012"/>
+        <p14:creationId xmlns:p14="http://schemas.microsoft.com/office/powerpoint/2010/main" val="3140336889"/>
       </p:ext>
     </p:extLst>
   </p:cSld>

--- a/epamkids/EPAMKids.pptx
+++ b/epamkids/EPAMKids.pptx
@@ -2,40 +2,38 @@
 <file path=ppt/presentation.xml><?xml version="1.0" encoding="utf-8"?>
 <p:presentation xmlns:a="http://schemas.openxmlformats.org/drawingml/2006/main" xmlns:r="http://schemas.openxmlformats.org/officeDocument/2006/relationships" xmlns:p="http://schemas.openxmlformats.org/presentationml/2006/main" saveSubsetFonts="1">
   <p:sldMasterIdLst>
-    <p:sldMasterId id="2147483660" r:id="rId1"/>
+    <p:sldMasterId id="2147483672" r:id="rId1"/>
   </p:sldMasterIdLst>
   <p:notesMasterIdLst>
-    <p:notesMasterId r:id="rId30"/>
+    <p:notesMasterId r:id="rId28"/>
   </p:notesMasterIdLst>
   <p:sldIdLst>
     <p:sldId id="256" r:id="rId2"/>
     <p:sldId id="257" r:id="rId3"/>
     <p:sldId id="258" r:id="rId4"/>
     <p:sldId id="259" r:id="rId5"/>
-    <p:sldId id="260" r:id="rId6"/>
-    <p:sldId id="283" r:id="rId7"/>
-    <p:sldId id="284" r:id="rId8"/>
-    <p:sldId id="285" r:id="rId9"/>
-    <p:sldId id="261" r:id="rId10"/>
-    <p:sldId id="264" r:id="rId11"/>
-    <p:sldId id="278" r:id="rId12"/>
-    <p:sldId id="279" r:id="rId13"/>
-    <p:sldId id="280" r:id="rId14"/>
-    <p:sldId id="281" r:id="rId15"/>
-    <p:sldId id="282" r:id="rId16"/>
-    <p:sldId id="262" r:id="rId17"/>
-    <p:sldId id="268" r:id="rId18"/>
-    <p:sldId id="269" r:id="rId19"/>
-    <p:sldId id="270" r:id="rId20"/>
-    <p:sldId id="272" r:id="rId21"/>
-    <p:sldId id="267" r:id="rId22"/>
-    <p:sldId id="271" r:id="rId23"/>
-    <p:sldId id="273" r:id="rId24"/>
-    <p:sldId id="274" r:id="rId25"/>
-    <p:sldId id="275" r:id="rId26"/>
-    <p:sldId id="277" r:id="rId27"/>
-    <p:sldId id="276" r:id="rId28"/>
-    <p:sldId id="265" r:id="rId29"/>
+    <p:sldId id="283" r:id="rId6"/>
+    <p:sldId id="284" r:id="rId7"/>
+    <p:sldId id="285" r:id="rId8"/>
+    <p:sldId id="261" r:id="rId9"/>
+    <p:sldId id="278" r:id="rId10"/>
+    <p:sldId id="286" r:id="rId11"/>
+    <p:sldId id="287" r:id="rId12"/>
+    <p:sldId id="288" r:id="rId13"/>
+    <p:sldId id="289" r:id="rId14"/>
+    <p:sldId id="262" r:id="rId15"/>
+    <p:sldId id="268" r:id="rId16"/>
+    <p:sldId id="269" r:id="rId17"/>
+    <p:sldId id="270" r:id="rId18"/>
+    <p:sldId id="272" r:id="rId19"/>
+    <p:sldId id="267" r:id="rId20"/>
+    <p:sldId id="271" r:id="rId21"/>
+    <p:sldId id="273" r:id="rId22"/>
+    <p:sldId id="274" r:id="rId23"/>
+    <p:sldId id="275" r:id="rId24"/>
+    <p:sldId id="277" r:id="rId25"/>
+    <p:sldId id="276" r:id="rId26"/>
+    <p:sldId id="265" r:id="rId27"/>
   </p:sldIdLst>
   <p:sldSz cx="9144000" cy="6858000" type="screen4x3"/>
   <p:notesSz cx="6858000" cy="9144000"/>
@@ -143,17 +141,15 @@
             <p14:sldId id="257"/>
             <p14:sldId id="258"/>
             <p14:sldId id="259"/>
-            <p14:sldId id="260"/>
             <p14:sldId id="283"/>
             <p14:sldId id="284"/>
             <p14:sldId id="285"/>
             <p14:sldId id="261"/>
-            <p14:sldId id="264"/>
             <p14:sldId id="278"/>
-            <p14:sldId id="279"/>
-            <p14:sldId id="280"/>
-            <p14:sldId id="281"/>
-            <p14:sldId id="282"/>
+            <p14:sldId id="286"/>
+            <p14:sldId id="287"/>
+            <p14:sldId id="288"/>
+            <p14:sldId id="289"/>
             <p14:sldId id="262"/>
             <p14:sldId id="268"/>
             <p14:sldId id="269"/>
@@ -192,38 +188,7 @@
     </mc:Fallback>
   </mc:AlternateContent>
   <c:chart>
-    <c:title>
-      <c:layout/>
-      <c:overlay val="0"/>
-      <c:spPr>
-        <a:noFill/>
-        <a:ln>
-          <a:noFill/>
-        </a:ln>
-        <a:effectLst/>
-      </c:spPr>
-      <c:txPr>
-        <a:bodyPr rot="0" spcFirstLastPara="1" vertOverflow="ellipsis" vert="horz" wrap="square" anchor="ctr" anchorCtr="1"/>
-        <a:lstStyle/>
-        <a:p>
-          <a:pPr>
-            <a:defRPr sz="1862" b="0" i="0" u="none" strike="noStrike" kern="1200" spc="0" baseline="0">
-              <a:solidFill>
-                <a:schemeClr val="tx1">
-                  <a:lumMod val="65000"/>
-                  <a:lumOff val="35000"/>
-                </a:schemeClr>
-              </a:solidFill>
-              <a:latin typeface="+mn-lt"/>
-              <a:ea typeface="+mn-ea"/>
-              <a:cs typeface="+mn-cs"/>
-            </a:defRPr>
-          </a:pPr>
-          <a:endParaRPr lang="ru-RU"/>
-        </a:p>
-      </c:txPr>
-    </c:title>
-    <c:autoTitleDeleted val="0"/>
+    <c:autoTitleDeleted val="1"/>
     <c:plotArea>
       <c:layout/>
       <c:pieChart>
@@ -237,7 +202,7 @@
               <c:strCache>
                 <c:ptCount val="1"/>
                 <c:pt idx="0">
-                  <c:v>Продажи</c:v>
+                  <c:v>Столбец1</c:v>
                 </c:pt>
               </c:strCache>
             </c:strRef>
@@ -258,54 +223,9 @@
               <a:effectLst/>
             </c:spPr>
           </c:dPt>
-          <c:dPt>
-            <c:idx val="1"/>
-            <c:bubble3D val="0"/>
-            <c:spPr>
-              <a:solidFill>
-                <a:schemeClr val="accent2"/>
-              </a:solidFill>
-              <a:ln w="19050">
-                <a:solidFill>
-                  <a:schemeClr val="lt1"/>
-                </a:solidFill>
-              </a:ln>
-              <a:effectLst/>
-            </c:spPr>
-          </c:dPt>
-          <c:dPt>
-            <c:idx val="2"/>
-            <c:bubble3D val="0"/>
-            <c:spPr>
-              <a:solidFill>
-                <a:schemeClr val="accent3"/>
-              </a:solidFill>
-              <a:ln w="19050">
-                <a:solidFill>
-                  <a:schemeClr val="lt1"/>
-                </a:solidFill>
-              </a:ln>
-              <a:effectLst/>
-            </c:spPr>
-          </c:dPt>
-          <c:dPt>
-            <c:idx val="3"/>
-            <c:bubble3D val="0"/>
-            <c:spPr>
-              <a:solidFill>
-                <a:schemeClr val="accent4"/>
-              </a:solidFill>
-              <a:ln w="19050">
-                <a:solidFill>
-                  <a:schemeClr val="lt1"/>
-                </a:solidFill>
-              </a:ln>
-              <a:effectLst/>
-            </c:spPr>
-          </c:dPt>
           <c:cat>
             <c:strRef>
-              <c:f>Лист1!$A$2:$A$5</c:f>
+              <c:f>Лист1!$A$2</c:f>
               <c:strCache>
                 <c:ptCount val="1"/>
                 <c:pt idx="0">
@@ -316,10 +236,10 @@
           </c:cat>
           <c:val>
             <c:numRef>
-              <c:f>Лист1!$B$2:$B$5</c:f>
+              <c:f>Лист1!$B$2</c:f>
               <c:numCache>
                 <c:formatCode>General</c:formatCode>
-                <c:ptCount val="4"/>
+                <c:ptCount val="1"/>
                 <c:pt idx="0">
                   <c:v>100</c:v>
                 </c:pt>
@@ -352,10 +272,10 @@
         <c:manualLayout>
           <c:xMode val="edge"/>
           <c:yMode val="edge"/>
-          <c:x val="0.55859307441642259"/>
-          <c:y val="6.8092928277238327E-2"/>
+          <c:x val="9.1558973266625317E-3"/>
+          <c:y val="0.83165764490621985"/>
           <c:w val="0.43997971268084235"/>
-          <c:h val="0.32879311653096949"/>
+          <c:h val="0.15942050848491487"/>
         </c:manualLayout>
       </c:layout>
       <c:overlay val="0"/>
@@ -371,7 +291,7 @@
         <a:lstStyle/>
         <a:p>
           <a:pPr>
-            <a:defRPr sz="2400" b="0" i="0" u="none" strike="noStrike" kern="1200" baseline="0">
+            <a:defRPr sz="2400" b="1" i="0" u="none" strike="noStrike" kern="1200" baseline="0">
               <a:solidFill>
                 <a:schemeClr val="tx1">
                   <a:lumMod val="65000"/>
@@ -428,40 +348,19 @@
     </mc:Fallback>
   </mc:AlternateContent>
   <c:chart>
-    <c:title>
-      <c:layout/>
-      <c:overlay val="0"/>
-      <c:spPr>
-        <a:noFill/>
-        <a:ln>
-          <a:noFill/>
-        </a:ln>
-        <a:effectLst/>
-      </c:spPr>
-      <c:txPr>
-        <a:bodyPr rot="0" spcFirstLastPara="1" vertOverflow="ellipsis" vert="horz" wrap="square" anchor="ctr" anchorCtr="1"/>
-        <a:lstStyle/>
-        <a:p>
-          <a:pPr>
-            <a:defRPr sz="1862" b="0" i="0" u="none" strike="noStrike" kern="1200" spc="0" baseline="0">
-              <a:solidFill>
-                <a:schemeClr val="tx1">
-                  <a:lumMod val="65000"/>
-                  <a:lumOff val="35000"/>
-                </a:schemeClr>
-              </a:solidFill>
-              <a:latin typeface="+mn-lt"/>
-              <a:ea typeface="+mn-ea"/>
-              <a:cs typeface="+mn-cs"/>
-            </a:defRPr>
-          </a:pPr>
-          <a:endParaRPr lang="ru-RU"/>
-        </a:p>
-      </c:txPr>
-    </c:title>
-    <c:autoTitleDeleted val="0"/>
+    <c:autoTitleDeleted val="1"/>
     <c:plotArea>
-      <c:layout/>
+      <c:layout>
+        <c:manualLayout>
+          <c:layoutTarget val="inner"/>
+          <c:xMode val="edge"/>
+          <c:yMode val="edge"/>
+          <c:x val="0.20871542194210177"/>
+          <c:y val="3.3319187982529724E-2"/>
+          <c:w val="0.5424109552261932"/>
+          <c:h val="0.8250685787158164"/>
+        </c:manualLayout>
+      </c:layout>
       <c:pieChart>
         <c:varyColors val="1"/>
         <c:ser>
@@ -473,7 +372,7 @@
               <c:strCache>
                 <c:ptCount val="1"/>
                 <c:pt idx="0">
-                  <c:v>Продажи</c:v>
+                  <c:v>Столбец1</c:v>
                 </c:pt>
               </c:strCache>
             </c:strRef>
@@ -509,39 +408,9 @@
               <a:effectLst/>
             </c:spPr>
           </c:dPt>
-          <c:dPt>
-            <c:idx val="2"/>
-            <c:bubble3D val="0"/>
-            <c:spPr>
-              <a:solidFill>
-                <a:schemeClr val="accent3"/>
-              </a:solidFill>
-              <a:ln w="19050">
-                <a:solidFill>
-                  <a:schemeClr val="lt1"/>
-                </a:solidFill>
-              </a:ln>
-              <a:effectLst/>
-            </c:spPr>
-          </c:dPt>
-          <c:dPt>
-            <c:idx val="3"/>
-            <c:bubble3D val="0"/>
-            <c:spPr>
-              <a:solidFill>
-                <a:schemeClr val="accent4"/>
-              </a:solidFill>
-              <a:ln w="19050">
-                <a:solidFill>
-                  <a:schemeClr val="lt1"/>
-                </a:solidFill>
-              </a:ln>
-              <a:effectLst/>
-            </c:spPr>
-          </c:dPt>
           <c:cat>
             <c:strRef>
-              <c:f>Лист1!$A$2:$A$5</c:f>
+              <c:f>Лист1!$A$2:$A$3</c:f>
               <c:strCache>
                 <c:ptCount val="2"/>
                 <c:pt idx="0">
@@ -555,10 +424,10 @@
           </c:cat>
           <c:val>
             <c:numRef>
-              <c:f>Лист1!$B$2:$B$5</c:f>
+              <c:f>Лист1!$B$2:$B$3</c:f>
               <c:numCache>
                 <c:formatCode>General</c:formatCode>
-                <c:ptCount val="4"/>
+                <c:ptCount val="2"/>
                 <c:pt idx="0">
                   <c:v>100</c:v>
                 </c:pt>
@@ -594,10 +463,10 @@
         <c:manualLayout>
           <c:xMode val="edge"/>
           <c:yMode val="edge"/>
-          <c:x val="0.55859307441642259"/>
-          <c:y val="6.8092928277238327E-2"/>
+          <c:x val="9.1558973266625317E-3"/>
+          <c:y val="0.83165764490621985"/>
           <c:w val="0.43997971268084235"/>
-          <c:h val="0.32879311653096949"/>
+          <c:h val="0.15942050848491487"/>
         </c:manualLayout>
       </c:layout>
       <c:overlay val="0"/>
@@ -613,7 +482,7 @@
         <a:lstStyle/>
         <a:p>
           <a:pPr>
-            <a:defRPr sz="2400" b="0" i="0" u="none" strike="noStrike" kern="1200" baseline="0">
+            <a:defRPr sz="2400" b="1" i="0" u="none" strike="noStrike" kern="1200" baseline="0">
               <a:solidFill>
                 <a:schemeClr val="tx1">
                   <a:lumMod val="65000"/>
@@ -670,40 +539,19 @@
     </mc:Fallback>
   </mc:AlternateContent>
   <c:chart>
-    <c:title>
-      <c:layout/>
-      <c:overlay val="0"/>
-      <c:spPr>
-        <a:noFill/>
-        <a:ln>
-          <a:noFill/>
-        </a:ln>
-        <a:effectLst/>
-      </c:spPr>
-      <c:txPr>
-        <a:bodyPr rot="0" spcFirstLastPara="1" vertOverflow="ellipsis" vert="horz" wrap="square" anchor="ctr" anchorCtr="1"/>
-        <a:lstStyle/>
-        <a:p>
-          <a:pPr>
-            <a:defRPr sz="1862" b="0" i="0" u="none" strike="noStrike" kern="1200" spc="0" baseline="0">
-              <a:solidFill>
-                <a:schemeClr val="tx1">
-                  <a:lumMod val="65000"/>
-                  <a:lumOff val="35000"/>
-                </a:schemeClr>
-              </a:solidFill>
-              <a:latin typeface="+mn-lt"/>
-              <a:ea typeface="+mn-ea"/>
-              <a:cs typeface="+mn-cs"/>
-            </a:defRPr>
-          </a:pPr>
-          <a:endParaRPr lang="ru-RU"/>
-        </a:p>
-      </c:txPr>
-    </c:title>
-    <c:autoTitleDeleted val="0"/>
+    <c:autoTitleDeleted val="1"/>
     <c:plotArea>
-      <c:layout/>
+      <c:layout>
+        <c:manualLayout>
+          <c:layoutTarget val="inner"/>
+          <c:xMode val="edge"/>
+          <c:yMode val="edge"/>
+          <c:x val="0.24158725103778989"/>
+          <c:y val="8.3297969956324311E-2"/>
+          <c:w val="0.56522437783893975"/>
+          <c:h val="0.85977038182171572"/>
+        </c:manualLayout>
+      </c:layout>
       <c:pieChart>
         <c:varyColors val="1"/>
         <c:ser>
@@ -715,7 +563,7 @@
               <c:strCache>
                 <c:ptCount val="1"/>
                 <c:pt idx="0">
-                  <c:v>Продажи</c:v>
+                  <c:v>Столбец1</c:v>
                 </c:pt>
               </c:strCache>
             </c:strRef>
@@ -723,7 +571,6 @@
           <c:dPt>
             <c:idx val="0"/>
             <c:bubble3D val="0"/>
-            <c:explosion val="19"/>
             <c:spPr>
               <a:solidFill>
                 <a:schemeClr val="accent1"/>
@@ -754,6 +601,7 @@
           <c:dPt>
             <c:idx val="2"/>
             <c:bubble3D val="0"/>
+            <c:explosion val="11"/>
             <c:spPr>
               <a:solidFill>
                 <a:schemeClr val="accent3"/>
@@ -766,24 +614,9 @@
               <a:effectLst/>
             </c:spPr>
           </c:dPt>
-          <c:dPt>
-            <c:idx val="3"/>
-            <c:bubble3D val="0"/>
-            <c:spPr>
-              <a:solidFill>
-                <a:schemeClr val="accent4"/>
-              </a:solidFill>
-              <a:ln w="19050">
-                <a:solidFill>
-                  <a:schemeClr val="lt1"/>
-                </a:solidFill>
-              </a:ln>
-              <a:effectLst/>
-            </c:spPr>
-          </c:dPt>
           <c:cat>
             <c:strRef>
-              <c:f>Лист1!$A$2:$A$5</c:f>
+              <c:f>Лист1!$A$2:$A$4</c:f>
               <c:strCache>
                 <c:ptCount val="3"/>
                 <c:pt idx="0">
@@ -793,25 +626,25 @@
                   <c:v>Требования</c:v>
                 </c:pt>
                 <c:pt idx="2">
-                  <c:v>Тестирование ручное</c:v>
+                  <c:v>Тестирование</c:v>
                 </c:pt>
               </c:strCache>
             </c:strRef>
           </c:cat>
           <c:val>
             <c:numRef>
-              <c:f>Лист1!$B$2:$B$5</c:f>
+              <c:f>Лист1!$B$2:$B$4</c:f>
               <c:numCache>
                 <c:formatCode>General</c:formatCode>
-                <c:ptCount val="4"/>
+                <c:ptCount val="3"/>
                 <c:pt idx="0">
-                  <c:v>60</c:v>
+                  <c:v>100</c:v>
                 </c:pt>
                 <c:pt idx="1">
                   <c:v>20</c:v>
                 </c:pt>
                 <c:pt idx="2">
-                  <c:v>20</c:v>
+                  <c:v>30</c:v>
                 </c:pt>
               </c:numCache>
             </c:numRef>
@@ -842,10 +675,10 @@
         <c:manualLayout>
           <c:xMode val="edge"/>
           <c:yMode val="edge"/>
-          <c:x val="0.55859307441642259"/>
-          <c:y val="6.8092928277238327E-2"/>
-          <c:w val="0.43997971268084235"/>
-          <c:h val="0.32879311653096949"/>
+          <c:x val="0"/>
+          <c:y val="0.78723206092951348"/>
+          <c:w val="0.40242753499539408"/>
+          <c:h val="0.21276793907048647"/>
         </c:manualLayout>
       </c:layout>
       <c:overlay val="0"/>
@@ -861,7 +694,7 @@
         <a:lstStyle/>
         <a:p>
           <a:pPr>
-            <a:defRPr sz="2400" b="0" i="0" u="none" strike="noStrike" kern="1200" baseline="0">
+            <a:defRPr sz="2400" b="1" i="0" u="none" strike="noStrike" kern="1200" baseline="0">
               <a:solidFill>
                 <a:schemeClr val="tx1">
                   <a:lumMod val="65000"/>
@@ -918,40 +751,19 @@
     </mc:Fallback>
   </mc:AlternateContent>
   <c:chart>
-    <c:title>
-      <c:layout/>
-      <c:overlay val="0"/>
-      <c:spPr>
-        <a:noFill/>
-        <a:ln>
-          <a:noFill/>
-        </a:ln>
-        <a:effectLst/>
-      </c:spPr>
-      <c:txPr>
-        <a:bodyPr rot="0" spcFirstLastPara="1" vertOverflow="ellipsis" vert="horz" wrap="square" anchor="ctr" anchorCtr="1"/>
-        <a:lstStyle/>
-        <a:p>
-          <a:pPr>
-            <a:defRPr sz="1862" b="0" i="0" u="none" strike="noStrike" kern="1200" spc="0" baseline="0">
-              <a:solidFill>
-                <a:schemeClr val="tx1">
-                  <a:lumMod val="65000"/>
-                  <a:lumOff val="35000"/>
-                </a:schemeClr>
-              </a:solidFill>
-              <a:latin typeface="+mn-lt"/>
-              <a:ea typeface="+mn-ea"/>
-              <a:cs typeface="+mn-cs"/>
-            </a:defRPr>
-          </a:pPr>
-          <a:endParaRPr lang="ru-RU"/>
-        </a:p>
-      </c:txPr>
-    </c:title>
-    <c:autoTitleDeleted val="0"/>
+    <c:autoTitleDeleted val="1"/>
     <c:plotArea>
-      <c:layout/>
+      <c:layout>
+        <c:manualLayout>
+          <c:layoutTarget val="inner"/>
+          <c:xMode val="edge"/>
+          <c:yMode val="edge"/>
+          <c:x val="0.24553079682965856"/>
+          <c:y val="8.8851167953412608E-2"/>
+          <c:w val="0.56522437783893975"/>
+          <c:h val="0.85977038182171572"/>
+        </c:manualLayout>
+      </c:layout>
       <c:pieChart>
         <c:varyColors val="1"/>
         <c:ser>
@@ -963,7 +775,7 @@
               <c:strCache>
                 <c:ptCount val="1"/>
                 <c:pt idx="0">
-                  <c:v>Продажи</c:v>
+                  <c:v>Столбец1</c:v>
                 </c:pt>
               </c:strCache>
             </c:strRef>
@@ -971,7 +783,6 @@
           <c:dPt>
             <c:idx val="0"/>
             <c:bubble3D val="0"/>
-            <c:explosion val="19"/>
             <c:spPr>
               <a:solidFill>
                 <a:schemeClr val="accent1"/>
@@ -1017,6 +828,7 @@
           <c:dPt>
             <c:idx val="3"/>
             <c:bubble3D val="0"/>
+            <c:explosion val="10"/>
             <c:spPr>
               <a:solidFill>
                 <a:schemeClr val="accent4"/>
@@ -1041,10 +853,10 @@
                   <c:v>Требования</c:v>
                 </c:pt>
                 <c:pt idx="2">
-                  <c:v>Тестирование ручное</c:v>
+                  <c:v>Тестирование</c:v>
                 </c:pt>
                 <c:pt idx="3">
-                  <c:v>Тестирование автоматизированное</c:v>
+                  <c:v>Автотесты</c:v>
                 </c:pt>
               </c:strCache>
             </c:strRef>
@@ -1056,16 +868,16 @@
                 <c:formatCode>General</c:formatCode>
                 <c:ptCount val="4"/>
                 <c:pt idx="0">
-                  <c:v>60</c:v>
+                  <c:v>100</c:v>
                 </c:pt>
                 <c:pt idx="1">
-                  <c:v>25</c:v>
+                  <c:v>20</c:v>
                 </c:pt>
                 <c:pt idx="2">
-                  <c:v>25</c:v>
+                  <c:v>30</c:v>
                 </c:pt>
                 <c:pt idx="3">
-                  <c:v>25</c:v>
+                  <c:v>30</c:v>
                 </c:pt>
               </c:numCache>
             </c:numRef>
@@ -1096,10 +908,10 @@
         <c:manualLayout>
           <c:xMode val="edge"/>
           <c:yMode val="edge"/>
-          <c:x val="0.55859307441642259"/>
-          <c:y val="6.8092928277238327E-2"/>
-          <c:w val="0.43997971268084235"/>
-          <c:h val="0.85105483859922426"/>
+          <c:x val="0"/>
+          <c:y val="0.6567319079979389"/>
+          <c:w val="0.37534224298118635"/>
+          <c:h val="0.32879304739610765"/>
         </c:manualLayout>
       </c:layout>
       <c:overlay val="0"/>
@@ -1115,7 +927,7 @@
         <a:lstStyle/>
         <a:p>
           <a:pPr>
-            <a:defRPr sz="2400" b="0" i="0" u="none" strike="noStrike" kern="1200" baseline="0">
+            <a:defRPr sz="2400" b="1" i="0" u="none" strike="noStrike" kern="1200" baseline="0">
               <a:solidFill>
                 <a:schemeClr val="tx1">
                   <a:lumMod val="65000"/>
@@ -1172,40 +984,19 @@
     </mc:Fallback>
   </mc:AlternateContent>
   <c:chart>
-    <c:title>
-      <c:layout/>
-      <c:overlay val="0"/>
-      <c:spPr>
-        <a:noFill/>
-        <a:ln>
-          <a:noFill/>
-        </a:ln>
-        <a:effectLst/>
-      </c:spPr>
-      <c:txPr>
-        <a:bodyPr rot="0" spcFirstLastPara="1" vertOverflow="ellipsis" vert="horz" wrap="square" anchor="ctr" anchorCtr="1"/>
-        <a:lstStyle/>
-        <a:p>
-          <a:pPr>
-            <a:defRPr sz="1862" b="0" i="0" u="none" strike="noStrike" kern="1200" spc="0" baseline="0">
-              <a:solidFill>
-                <a:schemeClr val="tx1">
-                  <a:lumMod val="65000"/>
-                  <a:lumOff val="35000"/>
-                </a:schemeClr>
-              </a:solidFill>
-              <a:latin typeface="+mn-lt"/>
-              <a:ea typeface="+mn-ea"/>
-              <a:cs typeface="+mn-cs"/>
-            </a:defRPr>
-          </a:pPr>
-          <a:endParaRPr lang="ru-RU"/>
-        </a:p>
-      </c:txPr>
-    </c:title>
-    <c:autoTitleDeleted val="0"/>
+    <c:autoTitleDeleted val="1"/>
     <c:plotArea>
-      <c:layout/>
+      <c:layout>
+        <c:manualLayout>
+          <c:layoutTarget val="inner"/>
+          <c:xMode val="edge"/>
+          <c:yMode val="edge"/>
+          <c:x val="0.24553079682965856"/>
+          <c:y val="8.8851167953412608E-2"/>
+          <c:w val="0.56522437783893975"/>
+          <c:h val="0.85977038182171572"/>
+        </c:manualLayout>
+      </c:layout>
       <c:pieChart>
         <c:varyColors val="1"/>
         <c:ser>
@@ -1217,7 +1008,7 @@
               <c:strCache>
                 <c:ptCount val="1"/>
                 <c:pt idx="0">
-                  <c:v>Продажи</c:v>
+                  <c:v>Столбец1</c:v>
                 </c:pt>
               </c:strCache>
             </c:strRef>
@@ -1225,7 +1016,6 @@
           <c:dPt>
             <c:idx val="0"/>
             <c:bubble3D val="0"/>
-            <c:explosion val="19"/>
             <c:spPr>
               <a:solidFill>
                 <a:schemeClr val="accent1"/>
@@ -1286,6 +1076,7 @@
           <c:dPt>
             <c:idx val="4"/>
             <c:bubble3D val="0"/>
+            <c:explosion val="19"/>
             <c:spPr>
               <a:solidFill>
                 <a:schemeClr val="accent5"/>
@@ -1310,13 +1101,13 @@
                   <c:v>Требования</c:v>
                 </c:pt>
                 <c:pt idx="2">
-                  <c:v>Тестирование ручное</c:v>
+                  <c:v>Тестирование</c:v>
                 </c:pt>
                 <c:pt idx="3">
-                  <c:v>Тестирование автоматизированное</c:v>
+                  <c:v>Автотесты</c:v>
                 </c:pt>
                 <c:pt idx="4">
-                  <c:v>обед</c:v>
+                  <c:v>Обед</c:v>
                 </c:pt>
               </c:strCache>
             </c:strRef>
@@ -1328,19 +1119,19 @@
                 <c:formatCode>General</c:formatCode>
                 <c:ptCount val="5"/>
                 <c:pt idx="0">
-                  <c:v>60</c:v>
+                  <c:v>100</c:v>
                 </c:pt>
                 <c:pt idx="1">
-                  <c:v>25</c:v>
+                  <c:v>20</c:v>
                 </c:pt>
                 <c:pt idx="2">
-                  <c:v>25</c:v>
+                  <c:v>30</c:v>
                 </c:pt>
                 <c:pt idx="3">
-                  <c:v>25</c:v>
+                  <c:v>30</c:v>
                 </c:pt>
                 <c:pt idx="4">
-                  <c:v>14</c:v>
+                  <c:v>20</c:v>
                 </c:pt>
               </c:numCache>
             </c:numRef>
@@ -1371,10 +1162,10 @@
         <c:manualLayout>
           <c:xMode val="edge"/>
           <c:yMode val="edge"/>
-          <c:x val="0.55859307441642259"/>
-          <c:y val="6.8092928277238327E-2"/>
-          <c:w val="0.43997971268084235"/>
-          <c:h val="0.85105483859922426"/>
+          <c:x val="0"/>
+          <c:y val="0.5956467300299676"/>
+          <c:w val="0.37443093431918573"/>
+          <c:h val="0.38987822536407885"/>
         </c:manualLayout>
       </c:layout>
       <c:overlay val="0"/>
@@ -1390,7 +1181,7 @@
         <a:lstStyle/>
         <a:p>
           <a:pPr>
-            <a:defRPr sz="2400" b="0" i="0" u="none" strike="noStrike" kern="1200" baseline="0">
+            <a:defRPr sz="2400" b="1" i="0" u="none" strike="noStrike" kern="1200" baseline="0">
               <a:solidFill>
                 <a:schemeClr val="tx1">
                   <a:lumMod val="65000"/>
@@ -4310,7 +4101,7 @@
           <a:p>
             <a:fld id="{8B9C45F6-0AEB-4DC2-90E5-18A18839626C}" type="datetimeFigureOut">
               <a:rPr lang="ru-RU" smtClean="0"/>
-              <a:t>13.03.2017</a:t>
+              <a:t>18.03.2017</a:t>
             </a:fld>
             <a:endParaRPr lang="ru-RU"/>
           </a:p>
@@ -4624,22 +4415,61 @@
           <a:p>
             <a:r>
               <a:rPr lang="ru-RU" dirty="0" smtClean="0"/>
-              <a:t>Учеба на программиста</a:t>
-            </a:r>
-          </a:p>
-          <a:p>
-            <a:pPr lvl="1"/>
+              <a:t>Виталий, я работаю в </a:t>
+            </a:r>
+            <a:r>
+              <a:rPr lang="ru-RU" dirty="0" err="1" smtClean="0"/>
+              <a:t>епаме</a:t>
+            </a:r>
             <a:r>
               <a:rPr lang="ru-RU" dirty="0" smtClean="0"/>
-              <a:t>Сильно помогает</a:t>
-            </a:r>
-          </a:p>
-          <a:p>
-            <a:pPr lvl="1"/>
+              <a:t>. Уже как 9 лет</a:t>
+            </a:r>
+            <a:r>
+              <a:rPr lang="ru-RU" baseline="0" dirty="0" smtClean="0"/>
+              <a:t> работаю. В </a:t>
+            </a:r>
+            <a:r>
+              <a:rPr lang="en-US" baseline="0" dirty="0" smtClean="0"/>
+              <a:t>IT </a:t>
+            </a:r>
+            <a:r>
+              <a:rPr lang="ru-RU" baseline="0" dirty="0" smtClean="0"/>
+              <a:t>индустрии примерно столько же. Сейчас руковожу командой разработки на таком довольно известном языке как </a:t>
+            </a:r>
+            <a:r>
+              <a:rPr lang="en-US" baseline="0" dirty="0" smtClean="0"/>
+              <a:t>Java</a:t>
+            </a:r>
+            <a:endParaRPr lang="ru-RU" baseline="0" dirty="0" smtClean="0"/>
+          </a:p>
+          <a:p>
+            <a:pPr marL="0" marR="0" indent="0" algn="l" defTabSz="914400" rtl="0" eaLnBrk="1" fontAlgn="auto" latinLnBrk="0" hangingPunct="1">
+              <a:lnSpc>
+                <a:spcPct val="100000"/>
+              </a:lnSpc>
+              <a:spcBef>
+                <a:spcPts val="0"/>
+              </a:spcBef>
+              <a:spcAft>
+                <a:spcPts val="0"/>
+              </a:spcAft>
+              <a:buClrTx/>
+              <a:buSzTx/>
+              <a:buFontTx/>
+              <a:buNone/>
+              <a:tabLst/>
+              <a:defRPr/>
+            </a:pPr>
             <a:r>
               <a:rPr lang="ru-RU" dirty="0" smtClean="0"/>
-              <a:t>Не обязательна</a:t>
-            </a:r>
+              <a:t>Я</a:t>
+            </a:r>
+            <a:r>
+              <a:rPr lang="ru-RU" baseline="0" dirty="0" smtClean="0"/>
+              <a:t> бы хотел рассказать вам о том, почему я стал программистом, что я делаю, как выглядит мой рабочий день и что нужно чтобы стать программистом</a:t>
+            </a:r>
+            <a:endParaRPr lang="ru-RU" dirty="0" smtClean="0"/>
           </a:p>
           <a:p>
             <a:endParaRPr lang="ru-RU" dirty="0"/>
@@ -4663,7 +4493,7 @@
           <a:p>
             <a:fld id="{8ECB1CBD-3302-4BCA-82F2-2D3160A62E8C}" type="slidenum">
               <a:rPr lang="ru-RU" smtClean="0"/>
-              <a:t>6</a:t>
+              <a:t>2</a:t>
             </a:fld>
             <a:endParaRPr lang="ru-RU"/>
           </a:p>
@@ -4672,7 +4502,7 @@
     </p:spTree>
     <p:extLst>
       <p:ext uri="{BB962C8B-B14F-4D97-AF65-F5344CB8AC3E}">
-        <p14:creationId xmlns:p14="http://schemas.microsoft.com/office/powerpoint/2010/main" val="3728770702"/>
+        <p14:creationId xmlns:p14="http://schemas.microsoft.com/office/powerpoint/2010/main" val="3891436914"/>
       </p:ext>
     </p:extLst>
   </p:cSld>
@@ -4728,11 +4558,11 @@
           <a:p>
             <a:r>
               <a:rPr lang="ru-RU" dirty="0" smtClean="0"/>
-              <a:t>Кто заметил что я дважды</a:t>
+              <a:t>Но</a:t>
             </a:r>
             <a:r>
               <a:rPr lang="ru-RU" baseline="0" dirty="0" smtClean="0"/>
-              <a:t> упомянул способность к анализу – у меня явно не хватает креативности</a:t>
+              <a:t> это не все. Программист должен еще и тестировать свой код. Как вручную, </a:t>
             </a:r>
             <a:endParaRPr lang="ru-RU" dirty="0"/>
           </a:p>
@@ -4755,7 +4585,7 @@
           <a:p>
             <a:fld id="{8ECB1CBD-3302-4BCA-82F2-2D3160A62E8C}" type="slidenum">
               <a:rPr lang="ru-RU" smtClean="0"/>
-              <a:t>26</a:t>
+              <a:t>11</a:t>
             </a:fld>
             <a:endParaRPr lang="ru-RU"/>
           </a:p>
@@ -4764,7 +4594,7 @@
     </p:spTree>
     <p:extLst>
       <p:ext uri="{BB962C8B-B14F-4D97-AF65-F5344CB8AC3E}">
-        <p14:creationId xmlns:p14="http://schemas.microsoft.com/office/powerpoint/2010/main" val="974547320"/>
+        <p14:creationId xmlns:p14="http://schemas.microsoft.com/office/powerpoint/2010/main" val="2538339627"/>
       </p:ext>
     </p:extLst>
   </p:cSld>
@@ -4820,21 +4650,13 @@
           <a:p>
             <a:r>
               <a:rPr lang="ru-RU" dirty="0" smtClean="0"/>
-              <a:t>Если ничего с предыдущего</a:t>
+              <a:t>Так и создавать автоматизированные</a:t>
             </a:r>
             <a:r>
               <a:rPr lang="ru-RU" baseline="0" dirty="0" smtClean="0"/>
-              <a:t> слайда не вызывает у вас отвращение, если к наиболее важным навыкам (логическое мышление, точные науки) у вас есть способности, то возможно да</a:t>
-            </a:r>
-          </a:p>
-          <a:p>
-            <a:r>
-              <a:rPr lang="ru-RU" baseline="0" dirty="0" smtClean="0"/>
-              <a:t>Лучший вариант – попробовать.</a:t>
-            </a:r>
-          </a:p>
-          <a:p>
-            <a:endParaRPr lang="ru-RU" b="1" dirty="0"/>
+              <a:t> тесты</a:t>
+            </a:r>
+            <a:endParaRPr lang="ru-RU" dirty="0"/>
           </a:p>
         </p:txBody>
       </p:sp>
@@ -4855,7 +4677,7 @@
           <a:p>
             <a:fld id="{8ECB1CBD-3302-4BCA-82F2-2D3160A62E8C}" type="slidenum">
               <a:rPr lang="ru-RU" smtClean="0"/>
-              <a:t>27</a:t>
+              <a:t>12</a:t>
             </a:fld>
             <a:endParaRPr lang="ru-RU"/>
           </a:p>
@@ -4864,7 +4686,940 @@
     </p:spTree>
     <p:extLst>
       <p:ext uri="{BB962C8B-B14F-4D97-AF65-F5344CB8AC3E}">
-        <p14:creationId xmlns:p14="http://schemas.microsoft.com/office/powerpoint/2010/main" val="1078592692"/>
+        <p14:creationId xmlns:p14="http://schemas.microsoft.com/office/powerpoint/2010/main" val="1294505744"/>
+      </p:ext>
+    </p:extLst>
+  </p:cSld>
+  <p:clrMapOvr>
+    <a:masterClrMapping/>
+  </p:clrMapOvr>
+</p:notes>
+</file>
+
+<file path=ppt/notesSlides/notesSlide12.xml><?xml version="1.0" encoding="utf-8"?>
+<p:notes xmlns:a="http://schemas.openxmlformats.org/drawingml/2006/main" xmlns:r="http://schemas.openxmlformats.org/officeDocument/2006/relationships" xmlns:p="http://schemas.openxmlformats.org/presentationml/2006/main">
+  <p:cSld>
+    <p:spTree>
+      <p:nvGrpSpPr>
+        <p:cNvPr id="1" name=""/>
+        <p:cNvGrpSpPr/>
+        <p:nvPr/>
+      </p:nvGrpSpPr>
+      <p:grpSpPr>
+        <a:xfrm>
+          <a:off x="0" y="0"/>
+          <a:ext cx="0" cy="0"/>
+          <a:chOff x="0" y="0"/>
+          <a:chExt cx="0" cy="0"/>
+        </a:xfrm>
+      </p:grpSpPr>
+      <p:sp>
+        <p:nvSpPr>
+          <p:cNvPr id="2" name="Образ слайда 1"/>
+          <p:cNvSpPr>
+            <a:spLocks noGrp="1" noRot="1" noChangeAspect="1"/>
+          </p:cNvSpPr>
+          <p:nvPr>
+            <p:ph type="sldImg"/>
+          </p:nvPr>
+        </p:nvSpPr>
+        <p:spPr/>
+      </p:sp>
+      <p:sp>
+        <p:nvSpPr>
+          <p:cNvPr id="3" name="Заметки 2"/>
+          <p:cNvSpPr>
+            <a:spLocks noGrp="1"/>
+          </p:cNvSpPr>
+          <p:nvPr>
+            <p:ph type="body" idx="1"/>
+          </p:nvPr>
+        </p:nvSpPr>
+        <p:spPr/>
+        <p:txBody>
+          <a:bodyPr/>
+          <a:lstStyle/>
+          <a:p>
+            <a:r>
+              <a:rPr lang="ru-RU" dirty="0" smtClean="0"/>
+              <a:t>Как вы думаете?</a:t>
+            </a:r>
+            <a:endParaRPr lang="ru-RU" dirty="0"/>
+          </a:p>
+        </p:txBody>
+      </p:sp>
+      <p:sp>
+        <p:nvSpPr>
+          <p:cNvPr id="4" name="Номер слайда 3"/>
+          <p:cNvSpPr>
+            <a:spLocks noGrp="1"/>
+          </p:cNvSpPr>
+          <p:nvPr>
+            <p:ph type="sldNum" sz="quarter" idx="10"/>
+          </p:nvPr>
+        </p:nvSpPr>
+        <p:spPr/>
+        <p:txBody>
+          <a:bodyPr/>
+          <a:lstStyle/>
+          <a:p>
+            <a:fld id="{8ECB1CBD-3302-4BCA-82F2-2D3160A62E8C}" type="slidenum">
+              <a:rPr lang="ru-RU" smtClean="0"/>
+              <a:t>14</a:t>
+            </a:fld>
+            <a:endParaRPr lang="ru-RU"/>
+          </a:p>
+        </p:txBody>
+      </p:sp>
+    </p:spTree>
+    <p:extLst>
+      <p:ext uri="{BB962C8B-B14F-4D97-AF65-F5344CB8AC3E}">
+        <p14:creationId xmlns:p14="http://schemas.microsoft.com/office/powerpoint/2010/main" val="684427956"/>
+      </p:ext>
+    </p:extLst>
+  </p:cSld>
+  <p:clrMapOvr>
+    <a:masterClrMapping/>
+  </p:clrMapOvr>
+</p:notes>
+</file>
+
+<file path=ppt/notesSlides/notesSlide13.xml><?xml version="1.0" encoding="utf-8"?>
+<p:notes xmlns:a="http://schemas.openxmlformats.org/drawingml/2006/main" xmlns:r="http://schemas.openxmlformats.org/officeDocument/2006/relationships" xmlns:p="http://schemas.openxmlformats.org/presentationml/2006/main">
+  <p:cSld>
+    <p:spTree>
+      <p:nvGrpSpPr>
+        <p:cNvPr id="1" name=""/>
+        <p:cNvGrpSpPr/>
+        <p:nvPr/>
+      </p:nvGrpSpPr>
+      <p:grpSpPr>
+        <a:xfrm>
+          <a:off x="0" y="0"/>
+          <a:ext cx="0" cy="0"/>
+          <a:chOff x="0" y="0"/>
+          <a:chExt cx="0" cy="0"/>
+        </a:xfrm>
+      </p:grpSpPr>
+      <p:sp>
+        <p:nvSpPr>
+          <p:cNvPr id="2" name="Образ слайда 1"/>
+          <p:cNvSpPr>
+            <a:spLocks noGrp="1" noRot="1" noChangeAspect="1"/>
+          </p:cNvSpPr>
+          <p:nvPr>
+            <p:ph type="sldImg"/>
+          </p:nvPr>
+        </p:nvSpPr>
+        <p:spPr/>
+      </p:sp>
+      <p:sp>
+        <p:nvSpPr>
+          <p:cNvPr id="3" name="Заметки 2"/>
+          <p:cNvSpPr>
+            <a:spLocks noGrp="1"/>
+          </p:cNvSpPr>
+          <p:nvPr>
+            <p:ph type="body" idx="1"/>
+          </p:nvPr>
+        </p:nvSpPr>
+        <p:spPr/>
+        <p:txBody>
+          <a:bodyPr/>
+          <a:lstStyle/>
+          <a:p>
+            <a:r>
+              <a:rPr lang="ru-RU" dirty="0" smtClean="0"/>
+              <a:t>Что-то</a:t>
+            </a:r>
+            <a:r>
+              <a:rPr lang="ru-RU" baseline="0" dirty="0" smtClean="0"/>
+              <a:t> вроде этого? Кто скажет, что из этого нужно знать? На самом деле не совсем</a:t>
+            </a:r>
+            <a:endParaRPr lang="ru-RU" dirty="0"/>
+          </a:p>
+        </p:txBody>
+      </p:sp>
+      <p:sp>
+        <p:nvSpPr>
+          <p:cNvPr id="4" name="Номер слайда 3"/>
+          <p:cNvSpPr>
+            <a:spLocks noGrp="1"/>
+          </p:cNvSpPr>
+          <p:nvPr>
+            <p:ph type="sldNum" sz="quarter" idx="10"/>
+          </p:nvPr>
+        </p:nvSpPr>
+        <p:spPr/>
+        <p:txBody>
+          <a:bodyPr/>
+          <a:lstStyle/>
+          <a:p>
+            <a:fld id="{8ECB1CBD-3302-4BCA-82F2-2D3160A62E8C}" type="slidenum">
+              <a:rPr lang="ru-RU" smtClean="0"/>
+              <a:t>15</a:t>
+            </a:fld>
+            <a:endParaRPr lang="ru-RU"/>
+          </a:p>
+        </p:txBody>
+      </p:sp>
+    </p:spTree>
+    <p:extLst>
+      <p:ext uri="{BB962C8B-B14F-4D97-AF65-F5344CB8AC3E}">
+        <p14:creationId xmlns:p14="http://schemas.microsoft.com/office/powerpoint/2010/main" val="485548322"/>
+      </p:ext>
+    </p:extLst>
+  </p:cSld>
+  <p:clrMapOvr>
+    <a:masterClrMapping/>
+  </p:clrMapOvr>
+</p:notes>
+</file>
+
+<file path=ppt/notesSlides/notesSlide14.xml><?xml version="1.0" encoding="utf-8"?>
+<p:notes xmlns:a="http://schemas.openxmlformats.org/drawingml/2006/main" xmlns:r="http://schemas.openxmlformats.org/officeDocument/2006/relationships" xmlns:p="http://schemas.openxmlformats.org/presentationml/2006/main">
+  <p:cSld>
+    <p:spTree>
+      <p:nvGrpSpPr>
+        <p:cNvPr id="1" name=""/>
+        <p:cNvGrpSpPr/>
+        <p:nvPr/>
+      </p:nvGrpSpPr>
+      <p:grpSpPr>
+        <a:xfrm>
+          <a:off x="0" y="0"/>
+          <a:ext cx="0" cy="0"/>
+          <a:chOff x="0" y="0"/>
+          <a:chExt cx="0" cy="0"/>
+        </a:xfrm>
+      </p:grpSpPr>
+      <p:sp>
+        <p:nvSpPr>
+          <p:cNvPr id="2" name="Образ слайда 1"/>
+          <p:cNvSpPr>
+            <a:spLocks noGrp="1" noRot="1" noChangeAspect="1"/>
+          </p:cNvSpPr>
+          <p:nvPr>
+            <p:ph type="sldImg"/>
+          </p:nvPr>
+        </p:nvSpPr>
+        <p:spPr/>
+      </p:sp>
+      <p:sp>
+        <p:nvSpPr>
+          <p:cNvPr id="3" name="Заметки 2"/>
+          <p:cNvSpPr>
+            <a:spLocks noGrp="1"/>
+          </p:cNvSpPr>
+          <p:nvPr>
+            <p:ph type="body" idx="1"/>
+          </p:nvPr>
+        </p:nvSpPr>
+        <p:spPr/>
+        <p:txBody>
+          <a:bodyPr/>
+          <a:lstStyle/>
+          <a:p>
+            <a:r>
+              <a:rPr lang="en-US" dirty="0" smtClean="0"/>
+              <a:t>Hard </a:t>
+            </a:r>
+            <a:r>
+              <a:rPr lang="en-US" dirty="0" smtClean="0"/>
+              <a:t>skills</a:t>
+            </a:r>
+            <a:r>
+              <a:rPr lang="ru-RU" dirty="0" smtClean="0"/>
+              <a:t> (технические навыки)</a:t>
+            </a:r>
+            <a:r>
+              <a:rPr lang="en-US" baseline="0" dirty="0" smtClean="0"/>
+              <a:t> </a:t>
+            </a:r>
+            <a:r>
+              <a:rPr lang="en-US" baseline="0" dirty="0" smtClean="0"/>
+              <a:t>– </a:t>
+            </a:r>
+            <a:r>
+              <a:rPr lang="ru-RU" baseline="0" dirty="0" smtClean="0"/>
+              <a:t>это умение программировать на </a:t>
+            </a:r>
+            <a:r>
+              <a:rPr lang="en-US" baseline="0" dirty="0" smtClean="0"/>
+              <a:t>Java, </a:t>
+            </a:r>
+            <a:r>
+              <a:rPr lang="ru-RU" baseline="0" dirty="0" smtClean="0"/>
+              <a:t>вышивать крестиком, водить автомобиль</a:t>
+            </a:r>
+          </a:p>
+          <a:p>
+            <a:r>
+              <a:rPr lang="en-US" baseline="0" dirty="0" smtClean="0"/>
+              <a:t>Soft </a:t>
+            </a:r>
+            <a:r>
+              <a:rPr lang="en-US" baseline="0" dirty="0" smtClean="0"/>
+              <a:t>Skills</a:t>
+            </a:r>
+            <a:r>
+              <a:rPr lang="ru-RU" baseline="0" dirty="0" smtClean="0"/>
+              <a:t> (гибкие навыки)</a:t>
+            </a:r>
+            <a:r>
+              <a:rPr lang="en-US" baseline="0" dirty="0" smtClean="0"/>
+              <a:t> </a:t>
+            </a:r>
+            <a:r>
+              <a:rPr lang="en-US" baseline="0" dirty="0" smtClean="0"/>
+              <a:t>– </a:t>
+            </a:r>
+            <a:r>
+              <a:rPr lang="ru-RU" baseline="0" dirty="0" smtClean="0"/>
+              <a:t>это умение вести переговоры, вести за собой людей как лидер, </a:t>
+            </a:r>
+            <a:r>
+              <a:rPr lang="ru-RU" sz="1200" b="0" i="0" kern="1200" dirty="0" smtClean="0">
+                <a:solidFill>
+                  <a:schemeClr val="tx1"/>
+                </a:solidFill>
+                <a:effectLst/>
+                <a:latin typeface="+mn-lt"/>
+                <a:ea typeface="+mn-ea"/>
+                <a:cs typeface="+mn-cs"/>
+              </a:rPr>
+              <a:t>умение работать в команде, развитие себя как личности, управление временем, эрудированность, креативность</a:t>
+            </a:r>
+          </a:p>
+          <a:p>
+            <a:r>
+              <a:rPr lang="ru-RU" dirty="0" smtClean="0"/>
+              <a:t>Основная разница между ними в том, что развивать </a:t>
+            </a:r>
+            <a:r>
+              <a:rPr lang="en-US" dirty="0" smtClean="0"/>
+              <a:t>soft skills </a:t>
+            </a:r>
+            <a:r>
+              <a:rPr lang="ru-RU" dirty="0" smtClean="0"/>
+              <a:t>навыки гораздо сложнее и дольше. Кроме того, они пригодятся вам вне зависимости от профессии</a:t>
+            </a:r>
+          </a:p>
+          <a:p>
+            <a:r>
+              <a:rPr lang="ru-RU" dirty="0" smtClean="0"/>
+              <a:t>Поэтому я рекомендую</a:t>
+            </a:r>
+            <a:r>
+              <a:rPr lang="ru-RU" baseline="0" dirty="0" smtClean="0"/>
+              <a:t> в первую очередь обратить внимание на гибкие навыки и те которых чаще всего не хватает начинающим программистам</a:t>
+            </a:r>
+          </a:p>
+          <a:p>
+            <a:r>
+              <a:rPr lang="ru-RU" baseline="0" dirty="0" smtClean="0"/>
+              <a:t>Кстати, кто догадается по этому слайду об одном из таких навыков?</a:t>
+            </a:r>
+          </a:p>
+        </p:txBody>
+      </p:sp>
+      <p:sp>
+        <p:nvSpPr>
+          <p:cNvPr id="4" name="Номер слайда 3"/>
+          <p:cNvSpPr>
+            <a:spLocks noGrp="1"/>
+          </p:cNvSpPr>
+          <p:nvPr>
+            <p:ph type="sldNum" sz="quarter" idx="10"/>
+          </p:nvPr>
+        </p:nvSpPr>
+        <p:spPr/>
+        <p:txBody>
+          <a:bodyPr/>
+          <a:lstStyle/>
+          <a:p>
+            <a:fld id="{8ECB1CBD-3302-4BCA-82F2-2D3160A62E8C}" type="slidenum">
+              <a:rPr lang="ru-RU" smtClean="0"/>
+              <a:t>16</a:t>
+            </a:fld>
+            <a:endParaRPr lang="ru-RU"/>
+          </a:p>
+        </p:txBody>
+      </p:sp>
+    </p:spTree>
+    <p:extLst>
+      <p:ext uri="{BB962C8B-B14F-4D97-AF65-F5344CB8AC3E}">
+        <p14:creationId xmlns:p14="http://schemas.microsoft.com/office/powerpoint/2010/main" val="898074354"/>
+      </p:ext>
+    </p:extLst>
+  </p:cSld>
+  <p:clrMapOvr>
+    <a:masterClrMapping/>
+  </p:clrMapOvr>
+</p:notes>
+</file>
+
+<file path=ppt/notesSlides/notesSlide15.xml><?xml version="1.0" encoding="utf-8"?>
+<p:notes xmlns:a="http://schemas.openxmlformats.org/drawingml/2006/main" xmlns:r="http://schemas.openxmlformats.org/officeDocument/2006/relationships" xmlns:p="http://schemas.openxmlformats.org/presentationml/2006/main">
+  <p:cSld>
+    <p:spTree>
+      <p:nvGrpSpPr>
+        <p:cNvPr id="1" name=""/>
+        <p:cNvGrpSpPr/>
+        <p:nvPr/>
+      </p:nvGrpSpPr>
+      <p:grpSpPr>
+        <a:xfrm>
+          <a:off x="0" y="0"/>
+          <a:ext cx="0" cy="0"/>
+          <a:chOff x="0" y="0"/>
+          <a:chExt cx="0" cy="0"/>
+        </a:xfrm>
+      </p:grpSpPr>
+      <p:sp>
+        <p:nvSpPr>
+          <p:cNvPr id="2" name="Образ слайда 1"/>
+          <p:cNvSpPr>
+            <a:spLocks noGrp="1" noRot="1" noChangeAspect="1"/>
+          </p:cNvSpPr>
+          <p:nvPr>
+            <p:ph type="sldImg"/>
+          </p:nvPr>
+        </p:nvSpPr>
+        <p:spPr/>
+      </p:sp>
+      <p:sp>
+        <p:nvSpPr>
+          <p:cNvPr id="3" name="Заметки 2"/>
+          <p:cNvSpPr>
+            <a:spLocks noGrp="1"/>
+          </p:cNvSpPr>
+          <p:nvPr>
+            <p:ph type="body" idx="1"/>
+          </p:nvPr>
+        </p:nvSpPr>
+        <p:spPr/>
+        <p:txBody>
+          <a:bodyPr/>
+          <a:lstStyle/>
+          <a:p>
+            <a:endParaRPr lang="ru-RU" dirty="0"/>
+          </a:p>
+        </p:txBody>
+      </p:sp>
+      <p:sp>
+        <p:nvSpPr>
+          <p:cNvPr id="4" name="Номер слайда 3"/>
+          <p:cNvSpPr>
+            <a:spLocks noGrp="1"/>
+          </p:cNvSpPr>
+          <p:nvPr>
+            <p:ph type="sldNum" sz="quarter" idx="10"/>
+          </p:nvPr>
+        </p:nvSpPr>
+        <p:spPr/>
+        <p:txBody>
+          <a:bodyPr/>
+          <a:lstStyle/>
+          <a:p>
+            <a:fld id="{8ECB1CBD-3302-4BCA-82F2-2D3160A62E8C}" type="slidenum">
+              <a:rPr lang="ru-RU" smtClean="0"/>
+              <a:t>18</a:t>
+            </a:fld>
+            <a:endParaRPr lang="ru-RU"/>
+          </a:p>
+        </p:txBody>
+      </p:sp>
+    </p:spTree>
+    <p:extLst>
+      <p:ext uri="{BB962C8B-B14F-4D97-AF65-F5344CB8AC3E}">
+        <p14:creationId xmlns:p14="http://schemas.microsoft.com/office/powerpoint/2010/main" val="2897868140"/>
+      </p:ext>
+    </p:extLst>
+  </p:cSld>
+  <p:clrMapOvr>
+    <a:masterClrMapping/>
+  </p:clrMapOvr>
+</p:notes>
+</file>
+
+<file path=ppt/notesSlides/notesSlide16.xml><?xml version="1.0" encoding="utf-8"?>
+<p:notes xmlns:a="http://schemas.openxmlformats.org/drawingml/2006/main" xmlns:r="http://schemas.openxmlformats.org/officeDocument/2006/relationships" xmlns:p="http://schemas.openxmlformats.org/presentationml/2006/main">
+  <p:cSld>
+    <p:spTree>
+      <p:nvGrpSpPr>
+        <p:cNvPr id="1" name=""/>
+        <p:cNvGrpSpPr/>
+        <p:nvPr/>
+      </p:nvGrpSpPr>
+      <p:grpSpPr>
+        <a:xfrm>
+          <a:off x="0" y="0"/>
+          <a:ext cx="0" cy="0"/>
+          <a:chOff x="0" y="0"/>
+          <a:chExt cx="0" cy="0"/>
+        </a:xfrm>
+      </p:grpSpPr>
+      <p:sp>
+        <p:nvSpPr>
+          <p:cNvPr id="2" name="Образ слайда 1"/>
+          <p:cNvSpPr>
+            <a:spLocks noGrp="1" noRot="1" noChangeAspect="1"/>
+          </p:cNvSpPr>
+          <p:nvPr>
+            <p:ph type="sldImg"/>
+          </p:nvPr>
+        </p:nvSpPr>
+        <p:spPr/>
+      </p:sp>
+      <p:sp>
+        <p:nvSpPr>
+          <p:cNvPr id="3" name="Заметки 2"/>
+          <p:cNvSpPr>
+            <a:spLocks noGrp="1"/>
+          </p:cNvSpPr>
+          <p:nvPr>
+            <p:ph type="body" idx="1"/>
+          </p:nvPr>
+        </p:nvSpPr>
+        <p:spPr/>
+        <p:txBody>
+          <a:bodyPr/>
+          <a:lstStyle/>
+          <a:p>
+            <a:r>
+              <a:rPr lang="ru-RU" dirty="0" smtClean="0"/>
+              <a:t>Любят на интервью задавать</a:t>
+            </a:r>
+            <a:r>
+              <a:rPr lang="ru-RU" baseline="0" dirty="0" smtClean="0"/>
+              <a:t> вот такие </a:t>
+            </a:r>
+            <a:r>
+              <a:rPr lang="ru-RU" baseline="0" dirty="0" smtClean="0"/>
+              <a:t>задачи</a:t>
+            </a:r>
+          </a:p>
+          <a:p>
+            <a:pPr marL="0" marR="0" indent="0" algn="l" defTabSz="914400" rtl="0" eaLnBrk="1" fontAlgn="auto" latinLnBrk="0" hangingPunct="1">
+              <a:lnSpc>
+                <a:spcPct val="100000"/>
+              </a:lnSpc>
+              <a:spcBef>
+                <a:spcPts val="0"/>
+              </a:spcBef>
+              <a:spcAft>
+                <a:spcPts val="0"/>
+              </a:spcAft>
+              <a:buClrTx/>
+              <a:buSzTx/>
+              <a:buFontTx/>
+              <a:buNone/>
+              <a:tabLst/>
+              <a:defRPr/>
+            </a:pPr>
+            <a:r>
+              <a:rPr lang="ru-RU" dirty="0" smtClean="0"/>
+              <a:t>Зачем это нужно?</a:t>
+            </a:r>
+          </a:p>
+          <a:p>
+            <a:endParaRPr lang="ru-RU" dirty="0"/>
+          </a:p>
+        </p:txBody>
+      </p:sp>
+      <p:sp>
+        <p:nvSpPr>
+          <p:cNvPr id="4" name="Номер слайда 3"/>
+          <p:cNvSpPr>
+            <a:spLocks noGrp="1"/>
+          </p:cNvSpPr>
+          <p:nvPr>
+            <p:ph type="sldNum" sz="quarter" idx="10"/>
+          </p:nvPr>
+        </p:nvSpPr>
+        <p:spPr/>
+        <p:txBody>
+          <a:bodyPr/>
+          <a:lstStyle/>
+          <a:p>
+            <a:fld id="{8ECB1CBD-3302-4BCA-82F2-2D3160A62E8C}" type="slidenum">
+              <a:rPr lang="ru-RU" smtClean="0"/>
+              <a:t>19</a:t>
+            </a:fld>
+            <a:endParaRPr lang="ru-RU"/>
+          </a:p>
+        </p:txBody>
+      </p:sp>
+    </p:spTree>
+    <p:extLst>
+      <p:ext uri="{BB962C8B-B14F-4D97-AF65-F5344CB8AC3E}">
+        <p14:creationId xmlns:p14="http://schemas.microsoft.com/office/powerpoint/2010/main" val="3829046402"/>
+      </p:ext>
+    </p:extLst>
+  </p:cSld>
+  <p:clrMapOvr>
+    <a:masterClrMapping/>
+  </p:clrMapOvr>
+</p:notes>
+</file>
+
+<file path=ppt/notesSlides/notesSlide17.xml><?xml version="1.0" encoding="utf-8"?>
+<p:notes xmlns:a="http://schemas.openxmlformats.org/drawingml/2006/main" xmlns:r="http://schemas.openxmlformats.org/officeDocument/2006/relationships" xmlns:p="http://schemas.openxmlformats.org/presentationml/2006/main">
+  <p:cSld>
+    <p:spTree>
+      <p:nvGrpSpPr>
+        <p:cNvPr id="1" name=""/>
+        <p:cNvGrpSpPr/>
+        <p:nvPr/>
+      </p:nvGrpSpPr>
+      <p:grpSpPr>
+        <a:xfrm>
+          <a:off x="0" y="0"/>
+          <a:ext cx="0" cy="0"/>
+          <a:chOff x="0" y="0"/>
+          <a:chExt cx="0" cy="0"/>
+        </a:xfrm>
+      </p:grpSpPr>
+      <p:sp>
+        <p:nvSpPr>
+          <p:cNvPr id="2" name="Образ слайда 1"/>
+          <p:cNvSpPr>
+            <a:spLocks noGrp="1" noRot="1" noChangeAspect="1"/>
+          </p:cNvSpPr>
+          <p:nvPr>
+            <p:ph type="sldImg"/>
+          </p:nvPr>
+        </p:nvSpPr>
+        <p:spPr/>
+      </p:sp>
+      <p:sp>
+        <p:nvSpPr>
+          <p:cNvPr id="3" name="Заметки 2"/>
+          <p:cNvSpPr>
+            <a:spLocks noGrp="1"/>
+          </p:cNvSpPr>
+          <p:nvPr>
+            <p:ph type="body" idx="1"/>
+          </p:nvPr>
+        </p:nvSpPr>
+        <p:spPr/>
+        <p:txBody>
+          <a:bodyPr/>
+          <a:lstStyle/>
+          <a:p>
+            <a:pPr marL="0" marR="0" indent="0" algn="l" defTabSz="914400" rtl="0" eaLnBrk="1" fontAlgn="auto" latinLnBrk="0" hangingPunct="1">
+              <a:lnSpc>
+                <a:spcPct val="100000"/>
+              </a:lnSpc>
+              <a:spcBef>
+                <a:spcPts val="0"/>
+              </a:spcBef>
+              <a:spcAft>
+                <a:spcPts val="0"/>
+              </a:spcAft>
+              <a:buClrTx/>
+              <a:buSzTx/>
+              <a:buFontTx/>
+              <a:buNone/>
+              <a:tabLst/>
+              <a:defRPr/>
+            </a:pPr>
+            <a:r>
+              <a:rPr lang="ru-RU" dirty="0" smtClean="0"/>
+              <a:t>Как и способность</a:t>
+            </a:r>
+            <a:r>
+              <a:rPr lang="ru-RU" baseline="0" dirty="0" smtClean="0"/>
+              <a:t> </a:t>
+            </a:r>
+            <a:r>
+              <a:rPr lang="ru-RU" baseline="0" dirty="0" smtClean="0"/>
+              <a:t>к анализу – </a:t>
+            </a:r>
+            <a:r>
+              <a:rPr lang="ru-RU" baseline="0" dirty="0" smtClean="0"/>
+              <a:t>понимать и анализировать почему </a:t>
+            </a:r>
+            <a:r>
+              <a:rPr lang="ru-RU" baseline="0" dirty="0" smtClean="0"/>
+              <a:t>это так работает.</a:t>
+            </a:r>
+          </a:p>
+          <a:p>
+            <a:r>
+              <a:rPr lang="ru-RU" baseline="0" dirty="0" smtClean="0"/>
+              <a:t>Когда я перехожу дорогу на зеленый, все машины останавливаются. Почему? Потому что видят меня? Будут ли они останавливаться если я не буду переходить дорогу на зеленый? Будут ли они останавливаться если я буду переходить дорогу на красный?</a:t>
+            </a:r>
+          </a:p>
+          <a:p>
+            <a:r>
+              <a:rPr lang="ru-RU" baseline="0" dirty="0" smtClean="0"/>
+              <a:t>Только пожалуйста, не надо этого пробовать – для этого у нас в </a:t>
+            </a:r>
+            <a:r>
+              <a:rPr lang="en-US" baseline="0" dirty="0" smtClean="0"/>
+              <a:t>IT </a:t>
+            </a:r>
+            <a:r>
+              <a:rPr lang="ru-RU" baseline="0" dirty="0" smtClean="0"/>
+              <a:t>есть специальные люди которых называют </a:t>
+            </a:r>
+            <a:r>
+              <a:rPr lang="ru-RU" baseline="0" dirty="0" err="1" smtClean="0"/>
+              <a:t>тестировщками</a:t>
+            </a:r>
+            <a:r>
+              <a:rPr lang="ru-RU" baseline="0" dirty="0" smtClean="0"/>
+              <a:t>. Они задаются порой казалось бы самыми нелепыми вопросами.</a:t>
+            </a:r>
+          </a:p>
+          <a:p>
+            <a:r>
+              <a:rPr lang="ru-RU" baseline="0" dirty="0" smtClean="0"/>
+              <a:t>А ведь ответ простой – машины останавливаются, потому что им показывается красный свет. И уже зная это, вы можете ответить на все предыдущие вопросы</a:t>
+            </a:r>
+          </a:p>
+          <a:p>
+            <a:r>
+              <a:rPr lang="ru-RU" baseline="0" dirty="0" smtClean="0"/>
+              <a:t>И вот умея вот так абстрагироваться, находить взаимосвязи и выводить правила, вы сможете </a:t>
+            </a:r>
+            <a:r>
+              <a:rPr lang="ru-RU" b="1" baseline="0" dirty="0" smtClean="0"/>
+              <a:t>решить проблему просто и элегантно</a:t>
+            </a:r>
+            <a:endParaRPr lang="ru-RU" b="1" dirty="0"/>
+          </a:p>
+        </p:txBody>
+      </p:sp>
+      <p:sp>
+        <p:nvSpPr>
+          <p:cNvPr id="4" name="Номер слайда 3"/>
+          <p:cNvSpPr>
+            <a:spLocks noGrp="1"/>
+          </p:cNvSpPr>
+          <p:nvPr>
+            <p:ph type="sldNum" sz="quarter" idx="10"/>
+          </p:nvPr>
+        </p:nvSpPr>
+        <p:spPr/>
+        <p:txBody>
+          <a:bodyPr/>
+          <a:lstStyle/>
+          <a:p>
+            <a:fld id="{8ECB1CBD-3302-4BCA-82F2-2D3160A62E8C}" type="slidenum">
+              <a:rPr lang="ru-RU" smtClean="0"/>
+              <a:t>20</a:t>
+            </a:fld>
+            <a:endParaRPr lang="ru-RU"/>
+          </a:p>
+        </p:txBody>
+      </p:sp>
+    </p:spTree>
+    <p:extLst>
+      <p:ext uri="{BB962C8B-B14F-4D97-AF65-F5344CB8AC3E}">
+        <p14:creationId xmlns:p14="http://schemas.microsoft.com/office/powerpoint/2010/main" val="1372522176"/>
+      </p:ext>
+    </p:extLst>
+  </p:cSld>
+  <p:clrMapOvr>
+    <a:masterClrMapping/>
+  </p:clrMapOvr>
+</p:notes>
+</file>
+
+<file path=ppt/notesSlides/notesSlide18.xml><?xml version="1.0" encoding="utf-8"?>
+<p:notes xmlns:a="http://schemas.openxmlformats.org/drawingml/2006/main" xmlns:r="http://schemas.openxmlformats.org/officeDocument/2006/relationships" xmlns:p="http://schemas.openxmlformats.org/presentationml/2006/main">
+  <p:cSld>
+    <p:spTree>
+      <p:nvGrpSpPr>
+        <p:cNvPr id="1" name=""/>
+        <p:cNvGrpSpPr/>
+        <p:nvPr/>
+      </p:nvGrpSpPr>
+      <p:grpSpPr>
+        <a:xfrm>
+          <a:off x="0" y="0"/>
+          <a:ext cx="0" cy="0"/>
+          <a:chOff x="0" y="0"/>
+          <a:chExt cx="0" cy="0"/>
+        </a:xfrm>
+      </p:grpSpPr>
+      <p:sp>
+        <p:nvSpPr>
+          <p:cNvPr id="2" name="Образ слайда 1"/>
+          <p:cNvSpPr>
+            <a:spLocks noGrp="1" noRot="1" noChangeAspect="1"/>
+          </p:cNvSpPr>
+          <p:nvPr>
+            <p:ph type="sldImg"/>
+          </p:nvPr>
+        </p:nvSpPr>
+        <p:spPr/>
+      </p:sp>
+      <p:sp>
+        <p:nvSpPr>
+          <p:cNvPr id="3" name="Заметки 2"/>
+          <p:cNvSpPr>
+            <a:spLocks noGrp="1"/>
+          </p:cNvSpPr>
+          <p:nvPr>
+            <p:ph type="body" idx="1"/>
+          </p:nvPr>
+        </p:nvSpPr>
+        <p:spPr/>
+        <p:txBody>
+          <a:bodyPr/>
+          <a:lstStyle/>
+          <a:p>
+            <a:r>
+              <a:rPr lang="ru-RU" dirty="0" smtClean="0"/>
+              <a:t>Также крайне важно уметь учиться</a:t>
+            </a:r>
+            <a:endParaRPr lang="ru-RU" b="1" dirty="0"/>
+          </a:p>
+        </p:txBody>
+      </p:sp>
+      <p:sp>
+        <p:nvSpPr>
+          <p:cNvPr id="4" name="Номер слайда 3"/>
+          <p:cNvSpPr>
+            <a:spLocks noGrp="1"/>
+          </p:cNvSpPr>
+          <p:nvPr>
+            <p:ph type="sldNum" sz="quarter" idx="10"/>
+          </p:nvPr>
+        </p:nvSpPr>
+        <p:spPr/>
+        <p:txBody>
+          <a:bodyPr/>
+          <a:lstStyle/>
+          <a:p>
+            <a:fld id="{8ECB1CBD-3302-4BCA-82F2-2D3160A62E8C}" type="slidenum">
+              <a:rPr lang="ru-RU" smtClean="0"/>
+              <a:t>21</a:t>
+            </a:fld>
+            <a:endParaRPr lang="ru-RU"/>
+          </a:p>
+        </p:txBody>
+      </p:sp>
+    </p:spTree>
+    <p:extLst>
+      <p:ext uri="{BB962C8B-B14F-4D97-AF65-F5344CB8AC3E}">
+        <p14:creationId xmlns:p14="http://schemas.microsoft.com/office/powerpoint/2010/main" val="1511465883"/>
+      </p:ext>
+    </p:extLst>
+  </p:cSld>
+  <p:clrMapOvr>
+    <a:masterClrMapping/>
+  </p:clrMapOvr>
+</p:notes>
+</file>
+
+<file path=ppt/notesSlides/notesSlide19.xml><?xml version="1.0" encoding="utf-8"?>
+<p:notes xmlns:a="http://schemas.openxmlformats.org/drawingml/2006/main" xmlns:r="http://schemas.openxmlformats.org/officeDocument/2006/relationships" xmlns:p="http://schemas.openxmlformats.org/presentationml/2006/main">
+  <p:cSld>
+    <p:spTree>
+      <p:nvGrpSpPr>
+        <p:cNvPr id="1" name=""/>
+        <p:cNvGrpSpPr/>
+        <p:nvPr/>
+      </p:nvGrpSpPr>
+      <p:grpSpPr>
+        <a:xfrm>
+          <a:off x="0" y="0"/>
+          <a:ext cx="0" cy="0"/>
+          <a:chOff x="0" y="0"/>
+          <a:chExt cx="0" cy="0"/>
+        </a:xfrm>
+      </p:grpSpPr>
+      <p:sp>
+        <p:nvSpPr>
+          <p:cNvPr id="2" name="Образ слайда 1"/>
+          <p:cNvSpPr>
+            <a:spLocks noGrp="1" noRot="1" noChangeAspect="1"/>
+          </p:cNvSpPr>
+          <p:nvPr>
+            <p:ph type="sldImg"/>
+          </p:nvPr>
+        </p:nvSpPr>
+        <p:spPr/>
+      </p:sp>
+      <p:sp>
+        <p:nvSpPr>
+          <p:cNvPr id="3" name="Заметки 2"/>
+          <p:cNvSpPr>
+            <a:spLocks noGrp="1"/>
+          </p:cNvSpPr>
+          <p:nvPr>
+            <p:ph type="body" idx="1"/>
+          </p:nvPr>
+        </p:nvSpPr>
+        <p:spPr/>
+        <p:txBody>
+          <a:bodyPr/>
+          <a:lstStyle/>
+          <a:p>
+            <a:pPr marL="0" marR="0" indent="0" algn="l" defTabSz="914400" rtl="0" eaLnBrk="1" fontAlgn="auto" latinLnBrk="0" hangingPunct="1">
+              <a:lnSpc>
+                <a:spcPct val="100000"/>
+              </a:lnSpc>
+              <a:spcBef>
+                <a:spcPts val="0"/>
+              </a:spcBef>
+              <a:spcAft>
+                <a:spcPts val="0"/>
+              </a:spcAft>
+              <a:buClrTx/>
+              <a:buSzTx/>
+              <a:buFontTx/>
+              <a:buNone/>
+              <a:tabLst/>
+              <a:defRPr/>
+            </a:pPr>
+            <a:r>
+              <a:rPr lang="ru-RU" dirty="0" smtClean="0"/>
+              <a:t>Нет, не так. Также крайне важно уметь учиться самостоятельно. У вас не будет преподавателя,</a:t>
+            </a:r>
+            <a:r>
+              <a:rPr lang="ru-RU" baseline="0" dirty="0" smtClean="0"/>
+              <a:t> который будет вести вас за руку. Вам будут помогать, но не вести</a:t>
+            </a:r>
+            <a:endParaRPr lang="ru-RU" b="1" dirty="0" smtClean="0"/>
+          </a:p>
+          <a:p>
+            <a:endParaRPr lang="ru-RU" b="1" dirty="0"/>
+          </a:p>
+        </p:txBody>
+      </p:sp>
+      <p:sp>
+        <p:nvSpPr>
+          <p:cNvPr id="4" name="Номер слайда 3"/>
+          <p:cNvSpPr>
+            <a:spLocks noGrp="1"/>
+          </p:cNvSpPr>
+          <p:nvPr>
+            <p:ph type="sldNum" sz="quarter" idx="10"/>
+          </p:nvPr>
+        </p:nvSpPr>
+        <p:spPr/>
+        <p:txBody>
+          <a:bodyPr/>
+          <a:lstStyle/>
+          <a:p>
+            <a:fld id="{8ECB1CBD-3302-4BCA-82F2-2D3160A62E8C}" type="slidenum">
+              <a:rPr lang="ru-RU" smtClean="0"/>
+              <a:t>22</a:t>
+            </a:fld>
+            <a:endParaRPr lang="ru-RU"/>
+          </a:p>
+        </p:txBody>
+      </p:sp>
+    </p:spTree>
+    <p:extLst>
+      <p:ext uri="{BB962C8B-B14F-4D97-AF65-F5344CB8AC3E}">
+        <p14:creationId xmlns:p14="http://schemas.microsoft.com/office/powerpoint/2010/main" val="2500172318"/>
       </p:ext>
     </p:extLst>
   </p:cSld>
@@ -4920,11 +5675,19 @@
           <a:p>
             <a:r>
               <a:rPr lang="ru-RU" dirty="0" smtClean="0"/>
-              <a:t>Ничего</a:t>
+              <a:t>На самом деле я не могу точно сказать когда же решил стать программистом. В школе мне всегда нравились точные науки, на уроках информатики мы составляли алгоритмы выхода из лабиринта (это было еще на советских</a:t>
             </a:r>
             <a:r>
               <a:rPr lang="ru-RU" baseline="0" dirty="0" smtClean="0"/>
-              <a:t> я не забыл?</a:t>
+              <a:t> </a:t>
+            </a:r>
+            <a:r>
+              <a:rPr lang="ru-RU" baseline="0" dirty="0" err="1" smtClean="0"/>
+              <a:t>компьюрах</a:t>
+            </a:r>
+            <a:r>
+              <a:rPr lang="ru-RU" baseline="0" dirty="0" smtClean="0"/>
+              <a:t>-корветах) что меня довольно сильно увлекало. И показалось абсолютно естественным выбрать именно программирование как профессию.</a:t>
             </a:r>
             <a:endParaRPr lang="ru-RU" dirty="0"/>
           </a:p>
@@ -4947,7 +5710,7 @@
           <a:p>
             <a:fld id="{8ECB1CBD-3302-4BCA-82F2-2D3160A62E8C}" type="slidenum">
               <a:rPr lang="ru-RU" smtClean="0"/>
-              <a:t>7</a:t>
+              <a:t>3</a:t>
             </a:fld>
             <a:endParaRPr lang="ru-RU"/>
           </a:p>
@@ -4956,7 +5719,333 @@
     </p:spTree>
     <p:extLst>
       <p:ext uri="{BB962C8B-B14F-4D97-AF65-F5344CB8AC3E}">
-        <p14:creationId xmlns:p14="http://schemas.microsoft.com/office/powerpoint/2010/main" val="2609124808"/>
+        <p14:creationId xmlns:p14="http://schemas.microsoft.com/office/powerpoint/2010/main" val="3979558623"/>
+      </p:ext>
+    </p:extLst>
+  </p:cSld>
+  <p:clrMapOvr>
+    <a:masterClrMapping/>
+  </p:clrMapOvr>
+</p:notes>
+</file>
+
+<file path=ppt/notesSlides/notesSlide20.xml><?xml version="1.0" encoding="utf-8"?>
+<p:notes xmlns:a="http://schemas.openxmlformats.org/drawingml/2006/main" xmlns:r="http://schemas.openxmlformats.org/officeDocument/2006/relationships" xmlns:p="http://schemas.openxmlformats.org/presentationml/2006/main">
+  <p:cSld>
+    <p:spTree>
+      <p:nvGrpSpPr>
+        <p:cNvPr id="1" name=""/>
+        <p:cNvGrpSpPr/>
+        <p:nvPr/>
+      </p:nvGrpSpPr>
+      <p:grpSpPr>
+        <a:xfrm>
+          <a:off x="0" y="0"/>
+          <a:ext cx="0" cy="0"/>
+          <a:chOff x="0" y="0"/>
+          <a:chExt cx="0" cy="0"/>
+        </a:xfrm>
+      </p:grpSpPr>
+      <p:sp>
+        <p:nvSpPr>
+          <p:cNvPr id="2" name="Образ слайда 1"/>
+          <p:cNvSpPr>
+            <a:spLocks noGrp="1" noRot="1" noChangeAspect="1"/>
+          </p:cNvSpPr>
+          <p:nvPr>
+            <p:ph type="sldImg"/>
+          </p:nvPr>
+        </p:nvSpPr>
+        <p:spPr/>
+      </p:sp>
+      <p:sp>
+        <p:nvSpPr>
+          <p:cNvPr id="3" name="Заметки 2"/>
+          <p:cNvSpPr>
+            <a:spLocks noGrp="1"/>
+          </p:cNvSpPr>
+          <p:nvPr>
+            <p:ph type="body" idx="1"/>
+          </p:nvPr>
+        </p:nvSpPr>
+        <p:spPr/>
+        <p:txBody>
+          <a:bodyPr/>
+          <a:lstStyle/>
+          <a:p>
+            <a:r>
+              <a:rPr lang="ru-RU" dirty="0" smtClean="0"/>
+              <a:t>Быть самостоятельным, ответственным, уметь общаться</a:t>
+            </a:r>
+            <a:r>
+              <a:rPr lang="ru-RU" baseline="0" dirty="0" smtClean="0"/>
+              <a:t> и работать в команде</a:t>
+            </a:r>
+            <a:endParaRPr lang="ru-RU" b="1" dirty="0"/>
+          </a:p>
+        </p:txBody>
+      </p:sp>
+      <p:sp>
+        <p:nvSpPr>
+          <p:cNvPr id="4" name="Номер слайда 3"/>
+          <p:cNvSpPr>
+            <a:spLocks noGrp="1"/>
+          </p:cNvSpPr>
+          <p:nvPr>
+            <p:ph type="sldNum" sz="quarter" idx="10"/>
+          </p:nvPr>
+        </p:nvSpPr>
+        <p:spPr/>
+        <p:txBody>
+          <a:bodyPr/>
+          <a:lstStyle/>
+          <a:p>
+            <a:fld id="{8ECB1CBD-3302-4BCA-82F2-2D3160A62E8C}" type="slidenum">
+              <a:rPr lang="ru-RU" smtClean="0"/>
+              <a:t>23</a:t>
+            </a:fld>
+            <a:endParaRPr lang="ru-RU"/>
+          </a:p>
+        </p:txBody>
+      </p:sp>
+    </p:spTree>
+    <p:extLst>
+      <p:ext uri="{BB962C8B-B14F-4D97-AF65-F5344CB8AC3E}">
+        <p14:creationId xmlns:p14="http://schemas.microsoft.com/office/powerpoint/2010/main" val="330844995"/>
+      </p:ext>
+    </p:extLst>
+  </p:cSld>
+  <p:clrMapOvr>
+    <a:masterClrMapping/>
+  </p:clrMapOvr>
+</p:notes>
+</file>
+
+<file path=ppt/notesSlides/notesSlide21.xml><?xml version="1.0" encoding="utf-8"?>
+<p:notes xmlns:a="http://schemas.openxmlformats.org/drawingml/2006/main" xmlns:r="http://schemas.openxmlformats.org/officeDocument/2006/relationships" xmlns:p="http://schemas.openxmlformats.org/presentationml/2006/main">
+  <p:cSld>
+    <p:spTree>
+      <p:nvGrpSpPr>
+        <p:cNvPr id="1" name=""/>
+        <p:cNvGrpSpPr/>
+        <p:nvPr/>
+      </p:nvGrpSpPr>
+      <p:grpSpPr>
+        <a:xfrm>
+          <a:off x="0" y="0"/>
+          <a:ext cx="0" cy="0"/>
+          <a:chOff x="0" y="0"/>
+          <a:chExt cx="0" cy="0"/>
+        </a:xfrm>
+      </p:grpSpPr>
+      <p:sp>
+        <p:nvSpPr>
+          <p:cNvPr id="2" name="Образ слайда 1"/>
+          <p:cNvSpPr>
+            <a:spLocks noGrp="1" noRot="1" noChangeAspect="1"/>
+          </p:cNvSpPr>
+          <p:nvPr>
+            <p:ph type="sldImg"/>
+          </p:nvPr>
+        </p:nvSpPr>
+        <p:spPr/>
+      </p:sp>
+      <p:sp>
+        <p:nvSpPr>
+          <p:cNvPr id="3" name="Заметки 2"/>
+          <p:cNvSpPr>
+            <a:spLocks noGrp="1"/>
+          </p:cNvSpPr>
+          <p:nvPr>
+            <p:ph type="body" idx="1"/>
+          </p:nvPr>
+        </p:nvSpPr>
+        <p:spPr/>
+        <p:txBody>
+          <a:bodyPr/>
+          <a:lstStyle/>
+          <a:p>
+            <a:r>
+              <a:rPr lang="ru-RU" dirty="0" smtClean="0"/>
+              <a:t>И</a:t>
+            </a:r>
+            <a:r>
+              <a:rPr lang="ru-RU" baseline="0" dirty="0" smtClean="0"/>
+              <a:t> если вспомнить из чего состоит день программиста, то все эти важные навыки применяются каждый день</a:t>
+            </a:r>
+          </a:p>
+        </p:txBody>
+      </p:sp>
+      <p:sp>
+        <p:nvSpPr>
+          <p:cNvPr id="4" name="Номер слайда 3"/>
+          <p:cNvSpPr>
+            <a:spLocks noGrp="1"/>
+          </p:cNvSpPr>
+          <p:nvPr>
+            <p:ph type="sldNum" sz="quarter" idx="10"/>
+          </p:nvPr>
+        </p:nvSpPr>
+        <p:spPr/>
+        <p:txBody>
+          <a:bodyPr/>
+          <a:lstStyle/>
+          <a:p>
+            <a:fld id="{8ECB1CBD-3302-4BCA-82F2-2D3160A62E8C}" type="slidenum">
+              <a:rPr lang="ru-RU" smtClean="0"/>
+              <a:t>24</a:t>
+            </a:fld>
+            <a:endParaRPr lang="ru-RU"/>
+          </a:p>
+        </p:txBody>
+      </p:sp>
+    </p:spTree>
+    <p:extLst>
+      <p:ext uri="{BB962C8B-B14F-4D97-AF65-F5344CB8AC3E}">
+        <p14:creationId xmlns:p14="http://schemas.microsoft.com/office/powerpoint/2010/main" val="974547320"/>
+      </p:ext>
+    </p:extLst>
+  </p:cSld>
+  <p:clrMapOvr>
+    <a:masterClrMapping/>
+  </p:clrMapOvr>
+</p:notes>
+</file>
+
+<file path=ppt/notesSlides/notesSlide22.xml><?xml version="1.0" encoding="utf-8"?>
+<p:notes xmlns:a="http://schemas.openxmlformats.org/drawingml/2006/main" xmlns:r="http://schemas.openxmlformats.org/officeDocument/2006/relationships" xmlns:p="http://schemas.openxmlformats.org/presentationml/2006/main">
+  <p:cSld>
+    <p:spTree>
+      <p:nvGrpSpPr>
+        <p:cNvPr id="1" name=""/>
+        <p:cNvGrpSpPr/>
+        <p:nvPr/>
+      </p:nvGrpSpPr>
+      <p:grpSpPr>
+        <a:xfrm>
+          <a:off x="0" y="0"/>
+          <a:ext cx="0" cy="0"/>
+          <a:chOff x="0" y="0"/>
+          <a:chExt cx="0" cy="0"/>
+        </a:xfrm>
+      </p:grpSpPr>
+      <p:sp>
+        <p:nvSpPr>
+          <p:cNvPr id="2" name="Образ слайда 1"/>
+          <p:cNvSpPr>
+            <a:spLocks noGrp="1" noRot="1" noChangeAspect="1"/>
+          </p:cNvSpPr>
+          <p:nvPr>
+            <p:ph type="sldImg"/>
+          </p:nvPr>
+        </p:nvSpPr>
+        <p:spPr/>
+      </p:sp>
+      <p:sp>
+        <p:nvSpPr>
+          <p:cNvPr id="3" name="Заметки 2"/>
+          <p:cNvSpPr>
+            <a:spLocks noGrp="1"/>
+          </p:cNvSpPr>
+          <p:nvPr>
+            <p:ph type="body" idx="1"/>
+          </p:nvPr>
+        </p:nvSpPr>
+        <p:spPr/>
+        <p:txBody>
+          <a:bodyPr/>
+          <a:lstStyle/>
+          <a:p>
+            <a:r>
+              <a:rPr lang="ru-RU" dirty="0" smtClean="0"/>
+              <a:t>Если ничего </a:t>
+            </a:r>
+            <a:r>
+              <a:rPr lang="ru-RU" dirty="0" smtClean="0"/>
+              <a:t>из ожиданий</a:t>
+            </a:r>
+            <a:r>
+              <a:rPr lang="ru-RU" baseline="0" dirty="0" smtClean="0"/>
+              <a:t> </a:t>
+            </a:r>
+            <a:r>
+              <a:rPr lang="ru-RU" baseline="0" dirty="0" smtClean="0"/>
+              <a:t>не вызывает у вас </a:t>
+            </a:r>
+            <a:r>
+              <a:rPr lang="ru-RU" baseline="0" dirty="0" smtClean="0"/>
+              <a:t>отторжения, </a:t>
+            </a:r>
+            <a:r>
+              <a:rPr lang="ru-RU" baseline="0" dirty="0" smtClean="0"/>
+              <a:t>если к наиболее важным навыкам (логическое мышление, точные науки) у вас есть способности, то возможно да</a:t>
+            </a:r>
+          </a:p>
+          <a:p>
+            <a:r>
+              <a:rPr lang="ru-RU" baseline="0" dirty="0" smtClean="0"/>
+              <a:t>Лучший </a:t>
+            </a:r>
+            <a:r>
+              <a:rPr lang="ru-RU" baseline="0" dirty="0" smtClean="0"/>
+              <a:t>совет – </a:t>
+            </a:r>
+            <a:r>
+              <a:rPr lang="ru-RU" baseline="0" dirty="0" smtClean="0"/>
+              <a:t>попробовать</a:t>
+            </a:r>
+            <a:r>
+              <a:rPr lang="ru-RU" baseline="0" dirty="0" smtClean="0"/>
+              <a:t>.</a:t>
+            </a:r>
+          </a:p>
+          <a:p>
+            <a:r>
+              <a:rPr lang="en-US" baseline="0" dirty="0" smtClean="0"/>
+              <a:t>TODO: </a:t>
+            </a:r>
+            <a:r>
+              <a:rPr lang="ru-RU" baseline="0" dirty="0" smtClean="0"/>
+              <a:t>попробовать – </a:t>
+            </a:r>
+            <a:r>
+              <a:rPr lang="ru-RU" baseline="0" smtClean="0"/>
+              <a:t>список ссылок</a:t>
+            </a:r>
+            <a:endParaRPr lang="ru-RU" baseline="0" dirty="0" smtClean="0"/>
+          </a:p>
+          <a:p>
+            <a:endParaRPr lang="ru-RU" b="1" dirty="0"/>
+          </a:p>
+        </p:txBody>
+      </p:sp>
+      <p:sp>
+        <p:nvSpPr>
+          <p:cNvPr id="4" name="Номер слайда 3"/>
+          <p:cNvSpPr>
+            <a:spLocks noGrp="1"/>
+          </p:cNvSpPr>
+          <p:nvPr>
+            <p:ph type="sldNum" sz="quarter" idx="10"/>
+          </p:nvPr>
+        </p:nvSpPr>
+        <p:spPr/>
+        <p:txBody>
+          <a:bodyPr/>
+          <a:lstStyle/>
+          <a:p>
+            <a:fld id="{8ECB1CBD-3302-4BCA-82F2-2D3160A62E8C}" type="slidenum">
+              <a:rPr lang="ru-RU" smtClean="0"/>
+              <a:t>25</a:t>
+            </a:fld>
+            <a:endParaRPr lang="ru-RU"/>
+          </a:p>
+        </p:txBody>
+      </p:sp>
+    </p:spTree>
+    <p:extLst>
+      <p:ext uri="{BB962C8B-B14F-4D97-AF65-F5344CB8AC3E}">
+        <p14:creationId xmlns:p14="http://schemas.microsoft.com/office/powerpoint/2010/main" val="1078592692"/>
       </p:ext>
     </p:extLst>
   </p:cSld>
@@ -5011,17 +6100,118 @@
           <a:lstStyle/>
           <a:p>
             <a:r>
-              <a:rPr lang="en-US" dirty="0" smtClean="0"/>
-              <a:t>TODO:</a:t>
+              <a:rPr lang="ru-RU" dirty="0" smtClean="0"/>
+              <a:t>Но увлекает ли это до сих пор? Да,</a:t>
+            </a:r>
+            <a:r>
+              <a:rPr lang="ru-RU" baseline="0" dirty="0" smtClean="0"/>
+              <a:t> </a:t>
+            </a:r>
+            <a:r>
+              <a:rPr lang="ru-RU" baseline="0" dirty="0" err="1" smtClean="0"/>
+              <a:t>безуслоно</a:t>
+            </a:r>
+            <a:r>
+              <a:rPr lang="ru-RU" baseline="0" dirty="0" smtClean="0"/>
+              <a:t>.</a:t>
+            </a:r>
+          </a:p>
+          <a:p>
+            <a:r>
+              <a:rPr lang="ru-RU" baseline="0" dirty="0" smtClean="0"/>
+              <a:t>Вообще, </a:t>
             </a:r>
             <a:r>
               <a:rPr lang="en-US" baseline="0" dirty="0" smtClean="0"/>
-              <a:t> charts + </a:t>
+              <a:t>IT</a:t>
             </a:r>
             <a:r>
               <a:rPr lang="ru-RU" baseline="0" dirty="0" smtClean="0"/>
-              <a:t>обед</a:t>
-            </a:r>
+              <a:t> это просто отдельный мир, глубину которого понимаешь когда окунаешься в него.</a:t>
+            </a:r>
+            <a:endParaRPr lang="ru-RU" dirty="0" smtClean="0"/>
+          </a:p>
+          <a:p>
+            <a:r>
+              <a:rPr lang="ru-RU" dirty="0" smtClean="0"/>
+              <a:t>И мне до сих пор это интересно</a:t>
+            </a:r>
+          </a:p>
+          <a:p>
+            <a:r>
+              <a:rPr lang="ru-RU" dirty="0" smtClean="0"/>
+              <a:t>Каждый день появляется что-то</a:t>
+            </a:r>
+            <a:r>
+              <a:rPr lang="ru-RU" baseline="0" dirty="0" smtClean="0"/>
+              <a:t> </a:t>
+            </a:r>
+            <a:r>
+              <a:rPr lang="ru-RU" dirty="0" smtClean="0"/>
+              <a:t>новое - и хорошее и плохое - , новые технологии,</a:t>
+            </a:r>
+            <a:r>
+              <a:rPr lang="ru-RU" baseline="0" dirty="0" smtClean="0"/>
+              <a:t> задачи, проблемы</a:t>
+            </a:r>
+          </a:p>
+          <a:p>
+            <a:r>
+              <a:rPr lang="ru-RU" dirty="0" smtClean="0"/>
+              <a:t>     Это вызов, это соревнование – сможешь ли ты побороть</a:t>
+            </a:r>
+            <a:r>
+              <a:rPr lang="ru-RU" baseline="0" dirty="0" smtClean="0"/>
+              <a:t> возникшую проблему?</a:t>
+            </a:r>
+            <a:endParaRPr lang="ru-RU" dirty="0" smtClean="0"/>
+          </a:p>
+          <a:p>
+            <a:r>
+              <a:rPr lang="ru-RU" dirty="0" smtClean="0"/>
+              <a:t>При этом ты создание что-то</a:t>
+            </a:r>
+            <a:r>
+              <a:rPr lang="ru-RU" baseline="0" dirty="0" smtClean="0"/>
+              <a:t> </a:t>
+            </a:r>
+            <a:r>
+              <a:rPr lang="ru-RU" dirty="0" smtClean="0"/>
+              <a:t>новое, и с</a:t>
+            </a:r>
+            <a:r>
+              <a:rPr lang="ru-RU" baseline="0" dirty="0" smtClean="0"/>
+              <a:t> каждым днем у тебя получается все лучше</a:t>
+            </a:r>
+            <a:endParaRPr lang="ru-RU" dirty="0" smtClean="0"/>
+          </a:p>
+          <a:p>
+            <a:pPr lvl="1"/>
+            <a:r>
+              <a:rPr lang="ru-RU" dirty="0" smtClean="0"/>
+              <a:t>Это как оттачивание</a:t>
+            </a:r>
+            <a:r>
+              <a:rPr lang="ru-RU" baseline="0" dirty="0" smtClean="0"/>
+              <a:t> м</a:t>
+            </a:r>
+            <a:r>
+              <a:rPr lang="ru-RU" dirty="0" smtClean="0"/>
+              <a:t>астерства вождения машины сначала</a:t>
+            </a:r>
+            <a:r>
+              <a:rPr lang="ru-RU" baseline="0" dirty="0" smtClean="0"/>
+              <a:t> неуверенно и путаясь в переключении передач, позже доведя до автоматизма</a:t>
+            </a:r>
+            <a:endParaRPr lang="ru-RU" dirty="0" smtClean="0"/>
+          </a:p>
+          <a:p>
+            <a:r>
+              <a:rPr lang="ru-RU" dirty="0" smtClean="0"/>
+              <a:t>Создание живого</a:t>
+            </a:r>
+          </a:p>
+          <a:p>
             <a:endParaRPr lang="ru-RU" dirty="0"/>
           </a:p>
         </p:txBody>
@@ -5043,7 +6233,7 @@
           <a:p>
             <a:fld id="{8ECB1CBD-3302-4BCA-82F2-2D3160A62E8C}" type="slidenum">
               <a:rPr lang="ru-RU" smtClean="0"/>
-              <a:t>10</a:t>
+              <a:t>4</a:t>
             </a:fld>
             <a:endParaRPr lang="ru-RU"/>
           </a:p>
@@ -5052,7 +6242,7 @@
     </p:spTree>
     <p:extLst>
       <p:ext uri="{BB962C8B-B14F-4D97-AF65-F5344CB8AC3E}">
-        <p14:creationId xmlns:p14="http://schemas.microsoft.com/office/powerpoint/2010/main" val="3725082525"/>
+        <p14:creationId xmlns:p14="http://schemas.microsoft.com/office/powerpoint/2010/main" val="169462863"/>
       </p:ext>
     </p:extLst>
   </p:cSld>
@@ -5107,47 +6297,63 @@
           <a:lstStyle/>
           <a:p>
             <a:r>
+              <a:rPr lang="ru-RU" dirty="0" smtClean="0"/>
+              <a:t>Мой путь в </a:t>
+            </a:r>
+            <a:r>
               <a:rPr lang="en-US" dirty="0" smtClean="0"/>
-              <a:t>Hard skills</a:t>
-            </a:r>
-            <a:r>
-              <a:rPr lang="en-US" baseline="0" dirty="0" smtClean="0"/>
-              <a:t> – </a:t>
+              <a:t>IT </a:t>
+            </a:r>
+            <a:r>
+              <a:rPr lang="ru-RU" dirty="0" smtClean="0"/>
+              <a:t>индустрию выглядел</a:t>
             </a:r>
             <a:r>
               <a:rPr lang="ru-RU" baseline="0" dirty="0" smtClean="0"/>
-              <a:t>это умение программировать на </a:t>
-            </a:r>
-            <a:r>
-              <a:rPr lang="en-US" baseline="0" dirty="0" smtClean="0"/>
-              <a:t>Java, </a:t>
+              <a:t> примерно так</a:t>
+            </a:r>
+            <a:endParaRPr lang="ru-RU" dirty="0" smtClean="0"/>
+          </a:p>
+          <a:p>
+            <a:r>
+              <a:rPr lang="ru-RU" dirty="0" smtClean="0"/>
+              <a:t>Учеба именно на </a:t>
+            </a:r>
+            <a:r>
+              <a:rPr lang="ru-RU" dirty="0" smtClean="0"/>
+              <a:t>программиста</a:t>
+            </a:r>
+          </a:p>
+          <a:p>
+            <a:pPr lvl="1"/>
+            <a:r>
+              <a:rPr lang="ru-RU" dirty="0" smtClean="0"/>
+              <a:t>Сильно помогает</a:t>
+            </a:r>
+          </a:p>
+          <a:p>
+            <a:pPr lvl="1"/>
+            <a:r>
+              <a:rPr lang="ru-RU" dirty="0" smtClean="0"/>
+              <a:t>Не </a:t>
+            </a:r>
+            <a:r>
+              <a:rPr lang="ru-RU" dirty="0" smtClean="0"/>
+              <a:t>обязательна – если вы захотите</a:t>
             </a:r>
             <a:r>
               <a:rPr lang="ru-RU" baseline="0" dirty="0" smtClean="0"/>
-              <a:t>вышивать крестиком, водить автомобиль</a:t>
-            </a:r>
-          </a:p>
-          <a:p>
-            <a:r>
-              <a:rPr lang="en-US" baseline="0" dirty="0" smtClean="0"/>
-              <a:t>Soft Skills – </a:t>
+              <a:t> обучиться программированию, вам придется гораздо проще чем если бы вы захотели стать врачом. Врачом трудно стать дома, не имея практике на </a:t>
+            </a:r>
+            <a:r>
+              <a:rPr lang="ru-RU" baseline="0" dirty="0" err="1" smtClean="0"/>
+              <a:t>настояших</a:t>
             </a:r>
             <a:r>
               <a:rPr lang="ru-RU" baseline="0" dirty="0" smtClean="0"/>
-              <a:t>это умение вести переговоры, вести за собой людей как лидер, </a:t>
-            </a:r>
-            <a:r>
-              <a:rPr lang="ru-RU" sz="1200" b="0" i="0" kern="1200" dirty="0" smtClean="0">
-                <a:solidFill>
-                  <a:schemeClr val="tx1"/>
-                </a:solidFill>
-                <a:effectLst/>
-                <a:latin typeface="+mn-lt"/>
-                <a:ea typeface="+mn-ea"/>
-                <a:cs typeface="+mn-cs"/>
-              </a:rPr>
-              <a:t>умение работать в команде, развитие себя как личности, управление временем, эрудированность, креативность</a:t>
-            </a:r>
+              <a:t> больных. А программирование – вам достаточно домашнего компьютера и свободного времени.</a:t>
+            </a:r>
+            <a:endParaRPr lang="ru-RU" dirty="0" smtClean="0"/>
           </a:p>
           <a:p>
             <a:endParaRPr lang="ru-RU" dirty="0"/>
@@ -5171,7 +6377,7 @@
           <a:p>
             <a:fld id="{8ECB1CBD-3302-4BCA-82F2-2D3160A62E8C}" type="slidenum">
               <a:rPr lang="ru-RU" smtClean="0"/>
-              <a:t>18</a:t>
+              <a:t>5</a:t>
             </a:fld>
             <a:endParaRPr lang="ru-RU"/>
           </a:p>
@@ -5180,7 +6386,7 @@
     </p:spTree>
     <p:extLst>
       <p:ext uri="{BB962C8B-B14F-4D97-AF65-F5344CB8AC3E}">
-        <p14:creationId xmlns:p14="http://schemas.microsoft.com/office/powerpoint/2010/main" val="898074354"/>
+        <p14:creationId xmlns:p14="http://schemas.microsoft.com/office/powerpoint/2010/main" val="3728770702"/>
       </p:ext>
     </p:extLst>
   </p:cSld>
@@ -5236,11 +6442,58 @@
           <a:p>
             <a:r>
               <a:rPr lang="ru-RU" dirty="0" smtClean="0"/>
-              <a:t>Любят на интервью задавать</a:t>
+              <a:t>После учебы я стал</a:t>
             </a:r>
             <a:r>
               <a:rPr lang="ru-RU" baseline="0" dirty="0" smtClean="0"/>
-              <a:t> вот такие задачи</a:t>
+              <a:t> работать в </a:t>
+            </a:r>
+            <a:r>
+              <a:rPr lang="ru-RU" baseline="0" dirty="0" err="1" smtClean="0"/>
+              <a:t>епаме</a:t>
+            </a:r>
+            <a:r>
+              <a:rPr lang="ru-RU" baseline="0" dirty="0" smtClean="0"/>
+              <a:t> и прошел три сакральных уровня развития – </a:t>
+            </a:r>
+            <a:r>
+              <a:rPr lang="ru-RU" baseline="0" dirty="0" err="1" smtClean="0"/>
+              <a:t>джун</a:t>
+            </a:r>
+            <a:r>
+              <a:rPr lang="ru-RU" baseline="0" dirty="0" smtClean="0"/>
+              <a:t> , </a:t>
+            </a:r>
+            <a:r>
+              <a:rPr lang="ru-RU" baseline="0" dirty="0" err="1" smtClean="0"/>
+              <a:t>мидл</a:t>
+            </a:r>
+            <a:r>
+              <a:rPr lang="ru-RU" baseline="0" dirty="0" smtClean="0"/>
+              <a:t>, сеньор. Этот </a:t>
+            </a:r>
+            <a:r>
+              <a:rPr lang="ru-RU" baseline="0" dirty="0" err="1" smtClean="0"/>
+              <a:t>айтишный</a:t>
+            </a:r>
+            <a:r>
+              <a:rPr lang="ru-RU" baseline="0" dirty="0" smtClean="0"/>
+              <a:t> сленг в других профессиях означает к примеру младший научный сотрудник, научный сотрудник,  старший научный сотрудник.</a:t>
+            </a:r>
+            <a:endParaRPr lang="ru-RU" dirty="0" smtClean="0"/>
+          </a:p>
+          <a:p>
+            <a:r>
+              <a:rPr lang="ru-RU" dirty="0" smtClean="0"/>
+              <a:t>Ничего</a:t>
+            </a:r>
+            <a:r>
+              <a:rPr lang="ru-RU" baseline="0" dirty="0" smtClean="0"/>
+              <a:t> </a:t>
+            </a:r>
+            <a:r>
+              <a:rPr lang="ru-RU" baseline="0" dirty="0" smtClean="0"/>
+              <a:t>я не забыл?</a:t>
             </a:r>
             <a:endParaRPr lang="ru-RU" dirty="0"/>
           </a:p>
@@ -5263,7 +6516,7 @@
           <a:p>
             <a:fld id="{8ECB1CBD-3302-4BCA-82F2-2D3160A62E8C}" type="slidenum">
               <a:rPr lang="ru-RU" smtClean="0"/>
-              <a:t>21</a:t>
+              <a:t>6</a:t>
             </a:fld>
             <a:endParaRPr lang="ru-RU"/>
           </a:p>
@@ -5272,7 +6525,7 @@
     </p:spTree>
     <p:extLst>
       <p:ext uri="{BB962C8B-B14F-4D97-AF65-F5344CB8AC3E}">
-        <p14:creationId xmlns:p14="http://schemas.microsoft.com/office/powerpoint/2010/main" val="3829046402"/>
+        <p14:creationId xmlns:p14="http://schemas.microsoft.com/office/powerpoint/2010/main" val="2609124808"/>
       </p:ext>
     </p:extLst>
   </p:cSld>
@@ -5328,57 +6581,37 @@
           <a:p>
             <a:r>
               <a:rPr lang="ru-RU" dirty="0" smtClean="0"/>
-              <a:t>Способность</a:t>
+              <a:t>На самом деле забыл, в самом начале вы попадает</a:t>
             </a:r>
             <a:r>
               <a:rPr lang="ru-RU" baseline="0" dirty="0" smtClean="0"/>
-              <a:t> к анализу – почему это так работает.</a:t>
-            </a:r>
-          </a:p>
-          <a:p>
+              <a:t>е на практику, во внутреннюю лабораторию, на </a:t>
+            </a:r>
+            <a:r>
+              <a:rPr lang="ru-RU" baseline="0" dirty="0" err="1" smtClean="0"/>
+              <a:t>испытальный</a:t>
+            </a:r>
             <a:r>
               <a:rPr lang="ru-RU" baseline="0" dirty="0" smtClean="0"/>
-              <a:t>Когда я перехожу дорогу на зеленый, все машины останавливаются. Почему? Потому что видят меня? Будут ли они останавливаться если я не буду переходить дорогу на зеленый? Будут ли они останавливаться если я буду переходить дорогу на красный?</a:t>
+              <a:t> срок. Там вас подготавливают к реальным боевым действиям. Считайте это своего рода тренировочным лагерем.</a:t>
+            </a:r>
+          </a:p>
+          <a:p>
+            <a:r>
+              <a:rPr lang="en-US" baseline="0" dirty="0" smtClean="0"/>
+              <a:t>TODO:</a:t>
             </a:r>
           </a:p>
           <a:p>
             <a:r>
               <a:rPr lang="ru-RU" baseline="0" dirty="0" smtClean="0"/>
-              <a:t>Только пожалуйста, не надо этого пробовать – для этого у нас в </a:t>
+              <a:t>Описание </a:t>
             </a:r>
             <a:r>
               <a:rPr lang="en-US" baseline="0" dirty="0" smtClean="0"/>
-              <a:t>IT </a:t>
-            </a:r>
-            <a:r>
-              <a:rPr lang="ru-RU" baseline="0" dirty="0" smtClean="0"/>
-              <a:t>есть специальные люди которых называют </a:t>
-            </a:r>
-            <a:r>
-              <a:rPr lang="ru-RU" baseline="0" dirty="0" err="1" smtClean="0"/>
-              <a:t>тестировщками</a:t>
-            </a:r>
-            <a:r>
-              <a:rPr lang="ru-RU" baseline="0" dirty="0" smtClean="0"/>
-              <a:t>. Они задаются порой казалось бы самыми нелепыми вопросами.</a:t>
-            </a:r>
-          </a:p>
-          <a:p>
-            <a:r>
-              <a:rPr lang="ru-RU" baseline="0" dirty="0" smtClean="0"/>
-              <a:t>А ведь ответ простой – машины останавливаются, потому что им показывается красный свет. И уже зная это, вы можете ответить на все предыдущие вопросы</a:t>
-            </a:r>
-          </a:p>
-          <a:p>
-            <a:r>
-              <a:rPr lang="ru-RU" baseline="0" dirty="0" smtClean="0"/>
-              <a:t>И вот умея вот так абстрагироваться, находить взаимосвязи и выводить правила, вы сможете </a:t>
-            </a:r>
-            <a:r>
-              <a:rPr lang="ru-RU" b="1" baseline="0" dirty="0" smtClean="0"/>
-              <a:t>решить проблему просто и элегантно</a:t>
-            </a:r>
-            <a:endParaRPr lang="ru-RU" b="1" dirty="0"/>
+              <a:t>D1/D2/D3</a:t>
+            </a:r>
+            <a:endParaRPr lang="ru-RU" dirty="0"/>
           </a:p>
         </p:txBody>
       </p:sp>
@@ -5399,7 +6632,7 @@
           <a:p>
             <a:fld id="{8ECB1CBD-3302-4BCA-82F2-2D3160A62E8C}" type="slidenum">
               <a:rPr lang="ru-RU" smtClean="0"/>
-              <a:t>22</a:t>
+              <a:t>7</a:t>
             </a:fld>
             <a:endParaRPr lang="ru-RU"/>
           </a:p>
@@ -5408,7 +6641,7 @@
     </p:spTree>
     <p:extLst>
       <p:ext uri="{BB962C8B-B14F-4D97-AF65-F5344CB8AC3E}">
-        <p14:creationId xmlns:p14="http://schemas.microsoft.com/office/powerpoint/2010/main" val="1372522176"/>
+        <p14:creationId xmlns:p14="http://schemas.microsoft.com/office/powerpoint/2010/main" val="2273506754"/>
       </p:ext>
     </p:extLst>
   </p:cSld>
@@ -5464,57 +6697,9 @@
           <a:p>
             <a:r>
               <a:rPr lang="ru-RU" dirty="0" smtClean="0"/>
-              <a:t>Способность</a:t>
-            </a:r>
-            <a:r>
-              <a:rPr lang="ru-RU" baseline="0" dirty="0" smtClean="0"/>
-              <a:t> к анализу – почему это так работает.</a:t>
-            </a:r>
-          </a:p>
-          <a:p>
-            <a:r>
-              <a:rPr lang="ru-RU" baseline="0" dirty="0" smtClean="0"/>
-              <a:t>Когда я перехожу дорогу на зеленый, все машины останавливаются. Почему? Потому что видят меня? Будут ли они останавливаться если я не буду переходить дорогу на зеленый? Будут ли они останавливаться если я буду переходить дорогу на красный?</a:t>
-            </a:r>
-          </a:p>
-          <a:p>
-            <a:r>
-              <a:rPr lang="ru-RU" baseline="0" dirty="0" smtClean="0"/>
-              <a:t>Только пожалуйста, не надо этого пробовать – для этого у нас в </a:t>
-            </a:r>
-            <a:r>
-              <a:rPr lang="en-US" baseline="0" dirty="0" smtClean="0"/>
-              <a:t>IT </a:t>
-            </a:r>
-            <a:r>
-              <a:rPr lang="ru-RU" baseline="0" dirty="0" smtClean="0"/>
-              <a:t>есть специальные люди которых называют </a:t>
-            </a:r>
-            <a:r>
-              <a:rPr lang="ru-RU" baseline="0" dirty="0" err="1" smtClean="0"/>
-              <a:t>тестировщками</a:t>
-            </a:r>
-            <a:r>
-              <a:rPr lang="ru-RU" baseline="0" dirty="0" smtClean="0"/>
-              <a:t>. Они задаются порой казалось бы самыми нелепыми вопросами.</a:t>
-            </a:r>
-          </a:p>
-          <a:p>
-            <a:r>
-              <a:rPr lang="ru-RU" baseline="0" dirty="0" smtClean="0"/>
-              <a:t>А ведь ответ простой – машины останавливаются, потому что им показывается красный свет. И уже зная это, вы можете ответить на все предыдущие вопросы</a:t>
-            </a:r>
-          </a:p>
-          <a:p>
-            <a:r>
-              <a:rPr lang="ru-RU" baseline="0" dirty="0" smtClean="0"/>
-              <a:t>И вот умея вот так абстрагироваться, находить взаимосвязи и выводить правила, вы сможете </a:t>
-            </a:r>
-            <a:r>
-              <a:rPr lang="ru-RU" b="1" baseline="0" dirty="0" smtClean="0"/>
-              <a:t>решить проблему просто и элегантно</a:t>
-            </a:r>
-            <a:endParaRPr lang="ru-RU" b="1" dirty="0"/>
+              <a:t>Как же выглядит рабочий день программиста</a:t>
+            </a:r>
+            <a:endParaRPr lang="ru-RU" dirty="0"/>
           </a:p>
         </p:txBody>
       </p:sp>
@@ -5535,7 +6720,7 @@
           <a:p>
             <a:fld id="{8ECB1CBD-3302-4BCA-82F2-2D3160A62E8C}" type="slidenum">
               <a:rPr lang="ru-RU" smtClean="0"/>
-              <a:t>23</a:t>
+              <a:t>8</a:t>
             </a:fld>
             <a:endParaRPr lang="ru-RU"/>
           </a:p>
@@ -5544,7 +6729,7 @@
     </p:spTree>
     <p:extLst>
       <p:ext uri="{BB962C8B-B14F-4D97-AF65-F5344CB8AC3E}">
-        <p14:creationId xmlns:p14="http://schemas.microsoft.com/office/powerpoint/2010/main" val="1511465883"/>
+        <p14:creationId xmlns:p14="http://schemas.microsoft.com/office/powerpoint/2010/main" val="599672380"/>
       </p:ext>
     </p:extLst>
   </p:cSld>
@@ -5600,57 +6785,13 @@
           <a:p>
             <a:r>
               <a:rPr lang="ru-RU" dirty="0" smtClean="0"/>
-              <a:t>Способность</a:t>
+              <a:t>В идеальном</a:t>
             </a:r>
             <a:r>
               <a:rPr lang="ru-RU" baseline="0" dirty="0" smtClean="0"/>
-              <a:t> к анализу – почему это так работает.</a:t>
-            </a:r>
-          </a:p>
-          <a:p>
-            <a:r>
-              <a:rPr lang="ru-RU" baseline="0" dirty="0" smtClean="0"/>
-              <a:t>Когда я перехожу дорогу на зеленый, все машины останавливаются. Почему? Потому что видят меня? Будут ли они останавливаться если я не буду переходить дорогу на зеленый? Будут ли они останавливаться если я буду переходить дорогу на красный?</a:t>
-            </a:r>
-          </a:p>
-          <a:p>
-            <a:r>
-              <a:rPr lang="ru-RU" baseline="0" dirty="0" smtClean="0"/>
-              <a:t>Только пожалуйста, не надо этого пробовать – для этого у нас в </a:t>
-            </a:r>
-            <a:r>
-              <a:rPr lang="en-US" baseline="0" dirty="0" smtClean="0"/>
-              <a:t>IT </a:t>
-            </a:r>
-            <a:r>
-              <a:rPr lang="ru-RU" baseline="0" dirty="0" smtClean="0"/>
-              <a:t>есть специальные люди которых называют </a:t>
-            </a:r>
-            <a:r>
-              <a:rPr lang="ru-RU" baseline="0" dirty="0" err="1" smtClean="0"/>
-              <a:t>тестировщками</a:t>
-            </a:r>
-            <a:r>
-              <a:rPr lang="ru-RU" baseline="0" dirty="0" smtClean="0"/>
-              <a:t>. Они задаются порой казалось бы самыми нелепыми вопросами.</a:t>
-            </a:r>
-          </a:p>
-          <a:p>
-            <a:r>
-              <a:rPr lang="ru-RU" baseline="0" dirty="0" smtClean="0"/>
-              <a:t>А ведь ответ простой – машины останавливаются, потому что им показывается красный свет. И уже зная это, вы можете ответить на все предыдущие вопросы</a:t>
-            </a:r>
-          </a:p>
-          <a:p>
-            <a:r>
-              <a:rPr lang="ru-RU" baseline="0" dirty="0" smtClean="0"/>
-              <a:t>И вот умея вот так абстрагироваться, находить взаимосвязи и выводить правила, вы сможете </a:t>
-            </a:r>
-            <a:r>
-              <a:rPr lang="ru-RU" b="1" baseline="0" dirty="0" smtClean="0"/>
-              <a:t>решить проблему просто и элегантно</a:t>
-            </a:r>
-            <a:endParaRPr lang="ru-RU" b="1" dirty="0"/>
+              <a:t> представлении о программисте примерно так. Целый день программирует</a:t>
+            </a:r>
+            <a:endParaRPr lang="ru-RU" dirty="0"/>
           </a:p>
         </p:txBody>
       </p:sp>
@@ -5671,7 +6812,7 @@
           <a:p>
             <a:fld id="{8ECB1CBD-3302-4BCA-82F2-2D3160A62E8C}" type="slidenum">
               <a:rPr lang="ru-RU" smtClean="0"/>
-              <a:t>24</a:t>
+              <a:t>9</a:t>
             </a:fld>
             <a:endParaRPr lang="ru-RU"/>
           </a:p>
@@ -5680,7 +6821,7 @@
     </p:spTree>
     <p:extLst>
       <p:ext uri="{BB962C8B-B14F-4D97-AF65-F5344CB8AC3E}">
-        <p14:creationId xmlns:p14="http://schemas.microsoft.com/office/powerpoint/2010/main" val="2500172318"/>
+        <p14:creationId xmlns:p14="http://schemas.microsoft.com/office/powerpoint/2010/main" val="1971583870"/>
       </p:ext>
     </p:extLst>
   </p:cSld>
@@ -5736,57 +6877,18 @@
           <a:p>
             <a:r>
               <a:rPr lang="ru-RU" dirty="0" smtClean="0"/>
-              <a:t>Способность</a:t>
+              <a:t>Но на самом деле</a:t>
             </a:r>
             <a:r>
               <a:rPr lang="ru-RU" baseline="0" dirty="0" smtClean="0"/>
-              <a:t> к анализу – почему это так работает.</a:t>
+              <a:t> еще же надо знать что программировать, как должна работать программа. </a:t>
             </a:r>
           </a:p>
           <a:p>
             <a:r>
               <a:rPr lang="ru-RU" baseline="0" dirty="0" smtClean="0"/>
-              <a:t>Когда я перехожу дорогу на зеленый, все машины останавливаются. Почему? Потому что видят меня? Будут ли они останавливаться если я не буду переходить дорогу на зеленый? Будут ли они останавливаться если я буду переходить дорогу на красный?</a:t>
-            </a:r>
-          </a:p>
-          <a:p>
-            <a:r>
-              <a:rPr lang="ru-RU" baseline="0" dirty="0" smtClean="0"/>
-              <a:t>Только пожалуйста, не надо этого пробовать – для этого у нас в </a:t>
-            </a:r>
-            <a:r>
-              <a:rPr lang="en-US" baseline="0" dirty="0" smtClean="0"/>
-              <a:t>IT </a:t>
-            </a:r>
-            <a:r>
-              <a:rPr lang="ru-RU" baseline="0" dirty="0" smtClean="0"/>
-              <a:t>есть специальные люди которых называют </a:t>
-            </a:r>
-            <a:r>
-              <a:rPr lang="ru-RU" baseline="0" dirty="0" err="1" smtClean="0"/>
-              <a:t>тестировщками</a:t>
-            </a:r>
-            <a:r>
-              <a:rPr lang="ru-RU" baseline="0" dirty="0" smtClean="0"/>
-              <a:t>. Они задаются порой казалось бы самыми нелепыми вопросами.</a:t>
-            </a:r>
-          </a:p>
-          <a:p>
-            <a:r>
-              <a:rPr lang="ru-RU" baseline="0" dirty="0" smtClean="0"/>
-              <a:t>А ведь ответ простой – машины останавливаются, потому что им показывается красный свет. И уже зная это, вы можете ответить на все предыдущие вопросы</a:t>
-            </a:r>
-          </a:p>
-          <a:p>
-            <a:r>
-              <a:rPr lang="ru-RU" baseline="0" dirty="0" smtClean="0"/>
-              <a:t>И вот умея вот так абстрагироваться, находить взаимосвязи и выводить правила, вы сможете </a:t>
-            </a:r>
-            <a:r>
-              <a:rPr lang="ru-RU" b="1" baseline="0" dirty="0" smtClean="0"/>
-              <a:t>решить проблему просто и элегантно</a:t>
-            </a:r>
-            <a:endParaRPr lang="ru-RU" b="1" dirty="0"/>
+              <a:t>Поэтому нужно сначала понять что делать, какие требования к программе, прояснить все мелочи, а потом уже приступать к программированию. </a:t>
+            </a:r>
           </a:p>
         </p:txBody>
       </p:sp>
@@ -5807,7 +6909,7 @@
           <a:p>
             <a:fld id="{8ECB1CBD-3302-4BCA-82F2-2D3160A62E8C}" type="slidenum">
               <a:rPr lang="ru-RU" smtClean="0"/>
-              <a:t>25</a:t>
+              <a:t>10</a:t>
             </a:fld>
             <a:endParaRPr lang="ru-RU"/>
           </a:p>
@@ -5816,7 +6918,7 @@
     </p:spTree>
     <p:extLst>
       <p:ext uri="{BB962C8B-B14F-4D97-AF65-F5344CB8AC3E}">
-        <p14:creationId xmlns:p14="http://schemas.microsoft.com/office/powerpoint/2010/main" val="330844995"/>
+        <p14:creationId xmlns:p14="http://schemas.microsoft.com/office/powerpoint/2010/main" val="378519758"/>
       </p:ext>
     </p:extLst>
   </p:cSld>
@@ -5827,7 +6929,7 @@
 </file>
 
 <file path=ppt/slideLayouts/slideLayout1.xml><?xml version="1.0" encoding="utf-8"?>
-<p:sldLayout xmlns:a="http://schemas.openxmlformats.org/drawingml/2006/main" xmlns:r="http://schemas.openxmlformats.org/officeDocument/2006/relationships" xmlns:p="http://schemas.openxmlformats.org/presentationml/2006/main" type="title" preserve="1">
+<p:sldLayout xmlns:a="http://schemas.openxmlformats.org/drawingml/2006/main" xmlns:r="http://schemas.openxmlformats.org/officeDocument/2006/relationships" xmlns:p="http://schemas.openxmlformats.org/presentationml/2006/main" showMasterSp="0" type="title" preserve="1">
   <p:cSld name="Титульный слайд">
     <p:spTree>
       <p:nvGrpSpPr>
@@ -5845,25 +6947,113 @@
       </p:grpSpPr>
       <p:sp>
         <p:nvSpPr>
-          <p:cNvPr id="2" name="Title 1"/>
-          <p:cNvSpPr>
-            <a:spLocks noGrp="1"/>
-          </p:cNvSpPr>
-          <p:nvPr>
-            <p:ph type="ctrTitle"/>
-          </p:nvPr>
+          <p:cNvPr id="7" name="Rectangle 6"/>
+          <p:cNvSpPr/>
+          <p:nvPr/>
         </p:nvSpPr>
         <p:spPr>
           <a:xfrm>
-            <a:off x="685800" y="1122363"/>
-            <a:ext cx="7772400" cy="2387600"/>
+            <a:off x="2382" y="6400800"/>
+            <a:ext cx="9141619" cy="457200"/>
+          </a:xfrm>
+          <a:prstGeom prst="rect">
+            <a:avLst/>
+          </a:prstGeom>
+          <a:solidFill>
+            <a:schemeClr val="accent2"/>
+          </a:solidFill>
+          <a:ln>
+            <a:noFill/>
+          </a:ln>
+        </p:spPr>
+        <p:style>
+          <a:lnRef idx="2">
+            <a:schemeClr val="accent1">
+              <a:shade val="50000"/>
+            </a:schemeClr>
+          </a:lnRef>
+          <a:fillRef idx="1">
+            <a:schemeClr val="accent1"/>
+          </a:fillRef>
+          <a:effectRef idx="0">
+            <a:schemeClr val="accent1"/>
+          </a:effectRef>
+          <a:fontRef idx="minor">
+            <a:schemeClr val="lt1"/>
+          </a:fontRef>
+        </p:style>
+      </p:sp>
+      <p:sp>
+        <p:nvSpPr>
+          <p:cNvPr id="8" name="Rectangle 7"/>
+          <p:cNvSpPr/>
+          <p:nvPr/>
+        </p:nvSpPr>
+        <p:spPr>
+          <a:xfrm>
+            <a:off x="12" y="6334316"/>
+            <a:ext cx="9141619" cy="64008"/>
+          </a:xfrm>
+          <a:prstGeom prst="rect">
+            <a:avLst/>
+          </a:prstGeom>
+          <a:solidFill>
+            <a:schemeClr val="accent1"/>
+          </a:solidFill>
+          <a:ln>
+            <a:noFill/>
+          </a:ln>
+        </p:spPr>
+        <p:style>
+          <a:lnRef idx="2">
+            <a:schemeClr val="accent1">
+              <a:shade val="50000"/>
+            </a:schemeClr>
+          </a:lnRef>
+          <a:fillRef idx="1">
+            <a:schemeClr val="accent1"/>
+          </a:fillRef>
+          <a:effectRef idx="0">
+            <a:schemeClr val="accent1"/>
+          </a:effectRef>
+          <a:fontRef idx="minor">
+            <a:schemeClr val="lt1"/>
+          </a:fontRef>
+        </p:style>
+      </p:sp>
+      <p:sp>
+        <p:nvSpPr>
+          <p:cNvPr id="2" name="Title 1"/>
+          <p:cNvSpPr>
+            <a:spLocks noGrp="1"/>
+          </p:cNvSpPr>
+          <p:nvPr>
+            <p:ph type="ctrTitle"/>
+          </p:nvPr>
+        </p:nvSpPr>
+        <p:spPr>
+          <a:xfrm>
+            <a:off x="822960" y="758952"/>
+            <a:ext cx="7543800" cy="3566160"/>
           </a:xfrm>
         </p:spPr>
         <p:txBody>
-          <a:bodyPr anchor="b"/>
+          <a:bodyPr anchor="b">
+            <a:normAutofit/>
+          </a:bodyPr>
           <a:lstStyle>
-            <a:lvl1pPr algn="ctr">
-              <a:defRPr sz="6000"/>
+            <a:lvl1pPr algn="l">
+              <a:lnSpc>
+                <a:spcPct val="85000"/>
+              </a:lnSpc>
+              <a:defRPr sz="8000" spc="-50" baseline="0">
+                <a:solidFill>
+                  <a:schemeClr val="tx1">
+                    <a:lumMod val="85000"/>
+                    <a:lumOff val="15000"/>
+                  </a:schemeClr>
+                </a:solidFill>
+              </a:defRPr>
             </a:lvl1pPr>
           </a:lstStyle>
           <a:p>
@@ -5887,48 +7077,55 @@
         </p:nvSpPr>
         <p:spPr>
           <a:xfrm>
-            <a:off x="1143000" y="3602038"/>
-            <a:ext cx="6858000" cy="1655762"/>
+            <a:off x="825038" y="4455621"/>
+            <a:ext cx="7543800" cy="1143000"/>
           </a:xfrm>
         </p:spPr>
         <p:txBody>
-          <a:bodyPr/>
+          <a:bodyPr lIns="91440" rIns="91440">
+            <a:normAutofit/>
+          </a:bodyPr>
           <a:lstStyle>
-            <a:lvl1pPr marL="0" indent="0" algn="ctr">
+            <a:lvl1pPr marL="0" indent="0" algn="l">
               <a:buNone/>
-              <a:defRPr sz="2400"/>
+              <a:defRPr sz="2400" cap="all" spc="200" baseline="0">
+                <a:solidFill>
+                  <a:schemeClr val="tx2"/>
+                </a:solidFill>
+                <a:latin typeface="+mj-lt"/>
+              </a:defRPr>
             </a:lvl1pPr>
             <a:lvl2pPr marL="457200" indent="0" algn="ctr">
               <a:buNone/>
-              <a:defRPr sz="2000"/>
+              <a:defRPr sz="2400"/>
             </a:lvl2pPr>
             <a:lvl3pPr marL="914400" indent="0" algn="ctr">
               <a:buNone/>
-              <a:defRPr sz="1800"/>
+              <a:defRPr sz="2400"/>
             </a:lvl3pPr>
             <a:lvl4pPr marL="1371600" indent="0" algn="ctr">
               <a:buNone/>
-              <a:defRPr sz="1600"/>
+              <a:defRPr sz="2000"/>
             </a:lvl4pPr>
             <a:lvl5pPr marL="1828800" indent="0" algn="ctr">
               <a:buNone/>
-              <a:defRPr sz="1600"/>
+              <a:defRPr sz="2000"/>
             </a:lvl5pPr>
             <a:lvl6pPr marL="2286000" indent="0" algn="ctr">
               <a:buNone/>
-              <a:defRPr sz="1600"/>
+              <a:defRPr sz="2000"/>
             </a:lvl6pPr>
             <a:lvl7pPr marL="2743200" indent="0" algn="ctr">
               <a:buNone/>
-              <a:defRPr sz="1600"/>
+              <a:defRPr sz="2000"/>
             </a:lvl7pPr>
             <a:lvl8pPr marL="3200400" indent="0" algn="ctr">
               <a:buNone/>
-              <a:defRPr sz="1600"/>
+              <a:defRPr sz="2000"/>
             </a:lvl8pPr>
             <a:lvl9pPr marL="3657600" indent="0" algn="ctr">
               <a:buNone/>
-              <a:defRPr sz="1600"/>
+              <a:defRPr sz="2000"/>
             </a:lvl9pPr>
           </a:lstStyle>
           <a:p>
@@ -5957,7 +7154,7 @@
           <a:p>
             <a:fld id="{0F64EEF6-A7EF-4ACA-ADF7-1618DD6B7A0C}" type="datetimeFigureOut">
               <a:rPr lang="ru-RU" smtClean="0"/>
-              <a:t>13.03.2017</a:t>
+              <a:t>18.03.2017</a:t>
             </a:fld>
             <a:endParaRPr lang="ru-RU"/>
           </a:p>
@@ -6005,10 +7202,48 @@
           </a:p>
         </p:txBody>
       </p:sp>
+      <p:cxnSp>
+        <p:nvCxnSpPr>
+          <p:cNvPr id="9" name="Straight Connector 8"/>
+          <p:cNvCxnSpPr/>
+          <p:nvPr/>
+        </p:nvCxnSpPr>
+        <p:spPr>
+          <a:xfrm>
+            <a:off x="905744" y="4343400"/>
+            <a:ext cx="7406640" cy="0"/>
+          </a:xfrm>
+          <a:prstGeom prst="line">
+            <a:avLst/>
+          </a:prstGeom>
+          <a:ln w="6350">
+            <a:solidFill>
+              <a:schemeClr val="tx1">
+                <a:lumMod val="50000"/>
+                <a:lumOff val="50000"/>
+              </a:schemeClr>
+            </a:solidFill>
+          </a:ln>
+        </p:spPr>
+        <p:style>
+          <a:lnRef idx="1">
+            <a:schemeClr val="accent1"/>
+          </a:lnRef>
+          <a:fillRef idx="0">
+            <a:schemeClr val="accent1"/>
+          </a:fillRef>
+          <a:effectRef idx="0">
+            <a:schemeClr val="accent1"/>
+          </a:effectRef>
+          <a:fontRef idx="minor">
+            <a:schemeClr val="tx1"/>
+          </a:fontRef>
+        </p:style>
+      </p:cxnSp>
     </p:spTree>
     <p:extLst>
       <p:ext uri="{BB962C8B-B14F-4D97-AF65-F5344CB8AC3E}">
-        <p14:creationId xmlns:p14="http://schemas.microsoft.com/office/powerpoint/2010/main" val="3891508007"/>
+        <p14:creationId xmlns:p14="http://schemas.microsoft.com/office/powerpoint/2010/main" val="3707400984"/>
       </p:ext>
     </p:extLst>
   </p:cSld>
@@ -6070,7 +7305,7 @@
         </p:nvSpPr>
         <p:spPr/>
         <p:txBody>
-          <a:bodyPr vert="eaVert"/>
+          <a:bodyPr vert="eaVert" lIns="45720" tIns="0" rIns="45720" bIns="0"/>
           <a:lstStyle/>
           <a:p>
             <a:pPr lvl="0"/>
@@ -6127,7 +7362,7 @@
           <a:p>
             <a:fld id="{0F64EEF6-A7EF-4ACA-ADF7-1618DD6B7A0C}" type="datetimeFigureOut">
               <a:rPr lang="ru-RU" smtClean="0"/>
-              <a:t>13.03.2017</a:t>
+              <a:t>18.03.2017</a:t>
             </a:fld>
             <a:endParaRPr lang="ru-RU"/>
           </a:p>
@@ -6178,7 +7413,7 @@
     </p:spTree>
     <p:extLst>
       <p:ext uri="{BB962C8B-B14F-4D97-AF65-F5344CB8AC3E}">
-        <p14:creationId xmlns:p14="http://schemas.microsoft.com/office/powerpoint/2010/main" val="2248273966"/>
+        <p14:creationId xmlns:p14="http://schemas.microsoft.com/office/powerpoint/2010/main" val="2640320919"/>
       </p:ext>
     </p:extLst>
   </p:cSld>
@@ -6189,7 +7424,7 @@
 </file>
 
 <file path=ppt/slideLayouts/slideLayout11.xml><?xml version="1.0" encoding="utf-8"?>
-<p:sldLayout xmlns:a="http://schemas.openxmlformats.org/drawingml/2006/main" xmlns:r="http://schemas.openxmlformats.org/officeDocument/2006/relationships" xmlns:p="http://schemas.openxmlformats.org/presentationml/2006/main" type="vertTitleAndTx" preserve="1">
+<p:sldLayout xmlns:a="http://schemas.openxmlformats.org/drawingml/2006/main" xmlns:r="http://schemas.openxmlformats.org/officeDocument/2006/relationships" xmlns:p="http://schemas.openxmlformats.org/presentationml/2006/main" showMasterSp="0" type="vertTitleAndTx" preserve="1">
   <p:cSld name="Вертикальный заголовок и текст">
     <p:spTree>
       <p:nvGrpSpPr>
@@ -6207,18 +7442,94 @@
       </p:grpSpPr>
       <p:sp>
         <p:nvSpPr>
-          <p:cNvPr id="2" name="Vertical Title 1"/>
-          <p:cNvSpPr>
-            <a:spLocks noGrp="1"/>
-          </p:cNvSpPr>
-          <p:nvPr>
-            <p:ph type="title" orient="vert"/>
-          </p:nvPr>
+          <p:cNvPr id="7" name="Rectangle 6"/>
+          <p:cNvSpPr/>
+          <p:nvPr/>
         </p:nvSpPr>
         <p:spPr>
           <a:xfrm>
-            <a:off x="6543675" y="365125"/>
-            <a:ext cx="1971675" cy="5811838"/>
+            <a:off x="2382" y="6400800"/>
+            <a:ext cx="9141619" cy="457200"/>
+          </a:xfrm>
+          <a:prstGeom prst="rect">
+            <a:avLst/>
+          </a:prstGeom>
+          <a:solidFill>
+            <a:schemeClr val="accent2"/>
+          </a:solidFill>
+          <a:ln>
+            <a:noFill/>
+          </a:ln>
+        </p:spPr>
+        <p:style>
+          <a:lnRef idx="2">
+            <a:schemeClr val="accent1">
+              <a:shade val="50000"/>
+            </a:schemeClr>
+          </a:lnRef>
+          <a:fillRef idx="1">
+            <a:schemeClr val="accent1"/>
+          </a:fillRef>
+          <a:effectRef idx="0">
+            <a:schemeClr val="accent1"/>
+          </a:effectRef>
+          <a:fontRef idx="minor">
+            <a:schemeClr val="lt1"/>
+          </a:fontRef>
+        </p:style>
+      </p:sp>
+      <p:sp>
+        <p:nvSpPr>
+          <p:cNvPr id="8" name="Rectangle 7"/>
+          <p:cNvSpPr/>
+          <p:nvPr/>
+        </p:nvSpPr>
+        <p:spPr>
+          <a:xfrm>
+            <a:off x="12" y="6334316"/>
+            <a:ext cx="9141619" cy="64008"/>
+          </a:xfrm>
+          <a:prstGeom prst="rect">
+            <a:avLst/>
+          </a:prstGeom>
+          <a:solidFill>
+            <a:schemeClr val="accent1"/>
+          </a:solidFill>
+          <a:ln>
+            <a:noFill/>
+          </a:ln>
+        </p:spPr>
+        <p:style>
+          <a:lnRef idx="2">
+            <a:schemeClr val="accent1">
+              <a:shade val="50000"/>
+            </a:schemeClr>
+          </a:lnRef>
+          <a:fillRef idx="1">
+            <a:schemeClr val="accent1"/>
+          </a:fillRef>
+          <a:effectRef idx="0">
+            <a:schemeClr val="accent1"/>
+          </a:effectRef>
+          <a:fontRef idx="minor">
+            <a:schemeClr val="lt1"/>
+          </a:fontRef>
+        </p:style>
+      </p:sp>
+      <p:sp>
+        <p:nvSpPr>
+          <p:cNvPr id="2" name="Vertical Title 1"/>
+          <p:cNvSpPr>
+            <a:spLocks noGrp="1"/>
+          </p:cNvSpPr>
+          <p:nvPr>
+            <p:ph type="title" orient="vert"/>
+          </p:nvPr>
+        </p:nvSpPr>
+        <p:spPr>
+          <a:xfrm>
+            <a:off x="6543675" y="414779"/>
+            <a:ext cx="1971675" cy="5757421"/>
           </a:xfrm>
         </p:spPr>
         <p:txBody>
@@ -6245,12 +7556,12 @@
         </p:nvSpPr>
         <p:spPr>
           <a:xfrm>
-            <a:off x="628650" y="365125"/>
-            <a:ext cx="5800725" cy="5811838"/>
+            <a:off x="628650" y="414779"/>
+            <a:ext cx="5800725" cy="5757420"/>
           </a:xfrm>
         </p:spPr>
         <p:txBody>
-          <a:bodyPr vert="eaVert"/>
+          <a:bodyPr vert="eaVert" lIns="45720" tIns="0" rIns="45720" bIns="0"/>
           <a:lstStyle/>
           <a:p>
             <a:pPr lvl="0"/>
@@ -6307,7 +7618,7 @@
           <a:p>
             <a:fld id="{0F64EEF6-A7EF-4ACA-ADF7-1618DD6B7A0C}" type="datetimeFigureOut">
               <a:rPr lang="ru-RU" smtClean="0"/>
-              <a:t>13.03.2017</a:t>
+              <a:t>18.03.2017</a:t>
             </a:fld>
             <a:endParaRPr lang="ru-RU"/>
           </a:p>
@@ -6358,7 +7669,7 @@
     </p:spTree>
     <p:extLst>
       <p:ext uri="{BB962C8B-B14F-4D97-AF65-F5344CB8AC3E}">
-        <p14:creationId xmlns:p14="http://schemas.microsoft.com/office/powerpoint/2010/main" val="1909384808"/>
+        <p14:creationId xmlns:p14="http://schemas.microsoft.com/office/powerpoint/2010/main" val="2110215213"/>
       </p:ext>
     </p:extLst>
   </p:cSld>
@@ -6477,7 +7788,7 @@
           <a:p>
             <a:fld id="{0F64EEF6-A7EF-4ACA-ADF7-1618DD6B7A0C}" type="datetimeFigureOut">
               <a:rPr lang="ru-RU" smtClean="0"/>
-              <a:t>13.03.2017</a:t>
+              <a:t>18.03.2017</a:t>
             </a:fld>
             <a:endParaRPr lang="ru-RU"/>
           </a:p>
@@ -6528,7 +7839,7 @@
     </p:spTree>
     <p:extLst>
       <p:ext uri="{BB962C8B-B14F-4D97-AF65-F5344CB8AC3E}">
-        <p14:creationId xmlns:p14="http://schemas.microsoft.com/office/powerpoint/2010/main" val="3156055769"/>
+        <p14:creationId xmlns:p14="http://schemas.microsoft.com/office/powerpoint/2010/main" val="824648884"/>
       </p:ext>
     </p:extLst>
   </p:cSld>
@@ -6539,8 +7850,16 @@
 </file>
 
 <file path=ppt/slideLayouts/slideLayout3.xml><?xml version="1.0" encoding="utf-8"?>
-<p:sldLayout xmlns:a="http://schemas.openxmlformats.org/drawingml/2006/main" xmlns:r="http://schemas.openxmlformats.org/officeDocument/2006/relationships" xmlns:p="http://schemas.openxmlformats.org/presentationml/2006/main" type="secHead" preserve="1">
+<p:sldLayout xmlns:a="http://schemas.openxmlformats.org/drawingml/2006/main" xmlns:r="http://schemas.openxmlformats.org/officeDocument/2006/relationships" xmlns:p="http://schemas.openxmlformats.org/presentationml/2006/main" showMasterSp="0" type="secHead" preserve="1">
   <p:cSld name="Заголовок раздела">
+    <p:bg>
+      <p:bgPr>
+        <a:solidFill>
+          <a:schemeClr val="bg1"/>
+        </a:solidFill>
+        <a:effectLst/>
+      </p:bgPr>
+    </p:bg>
     <p:spTree>
       <p:nvGrpSpPr>
         <p:cNvPr id="1" name=""/>
@@ -6557,25 +7876,113 @@
       </p:grpSpPr>
       <p:sp>
         <p:nvSpPr>
-          <p:cNvPr id="2" name="Title 1"/>
-          <p:cNvSpPr>
-            <a:spLocks noGrp="1"/>
-          </p:cNvSpPr>
-          <p:nvPr>
-            <p:ph type="title"/>
-          </p:nvPr>
+          <p:cNvPr id="7" name="Rectangle 6"/>
+          <p:cNvSpPr/>
+          <p:nvPr/>
         </p:nvSpPr>
         <p:spPr>
           <a:xfrm>
-            <a:off x="623888" y="1709739"/>
-            <a:ext cx="7886700" cy="2852737"/>
+            <a:off x="2382" y="6400800"/>
+            <a:ext cx="9141619" cy="457200"/>
+          </a:xfrm>
+          <a:prstGeom prst="rect">
+            <a:avLst/>
+          </a:prstGeom>
+          <a:solidFill>
+            <a:schemeClr val="accent2"/>
+          </a:solidFill>
+          <a:ln>
+            <a:noFill/>
+          </a:ln>
+        </p:spPr>
+        <p:style>
+          <a:lnRef idx="2">
+            <a:schemeClr val="accent1">
+              <a:shade val="50000"/>
+            </a:schemeClr>
+          </a:lnRef>
+          <a:fillRef idx="1">
+            <a:schemeClr val="accent1"/>
+          </a:fillRef>
+          <a:effectRef idx="0">
+            <a:schemeClr val="accent1"/>
+          </a:effectRef>
+          <a:fontRef idx="minor">
+            <a:schemeClr val="lt1"/>
+          </a:fontRef>
+        </p:style>
+      </p:sp>
+      <p:sp>
+        <p:nvSpPr>
+          <p:cNvPr id="8" name="Rectangle 7"/>
+          <p:cNvSpPr/>
+          <p:nvPr/>
+        </p:nvSpPr>
+        <p:spPr>
+          <a:xfrm>
+            <a:off x="12" y="6334316"/>
+            <a:ext cx="9141619" cy="64008"/>
+          </a:xfrm>
+          <a:prstGeom prst="rect">
+            <a:avLst/>
+          </a:prstGeom>
+          <a:solidFill>
+            <a:schemeClr val="accent1"/>
+          </a:solidFill>
+          <a:ln>
+            <a:noFill/>
+          </a:ln>
+        </p:spPr>
+        <p:style>
+          <a:lnRef idx="2">
+            <a:schemeClr val="accent1">
+              <a:shade val="50000"/>
+            </a:schemeClr>
+          </a:lnRef>
+          <a:fillRef idx="1">
+            <a:schemeClr val="accent1"/>
+          </a:fillRef>
+          <a:effectRef idx="0">
+            <a:schemeClr val="accent1"/>
+          </a:effectRef>
+          <a:fontRef idx="minor">
+            <a:schemeClr val="lt1"/>
+          </a:fontRef>
+        </p:style>
+      </p:sp>
+      <p:sp>
+        <p:nvSpPr>
+          <p:cNvPr id="2" name="Title 1"/>
+          <p:cNvSpPr>
+            <a:spLocks noGrp="1"/>
+          </p:cNvSpPr>
+          <p:nvPr>
+            <p:ph type="title"/>
+          </p:nvPr>
+        </p:nvSpPr>
+        <p:spPr>
+          <a:xfrm>
+            <a:off x="822960" y="758952"/>
+            <a:ext cx="7543800" cy="3566160"/>
           </a:xfrm>
         </p:spPr>
         <p:txBody>
-          <a:bodyPr anchor="b"/>
+          <a:bodyPr anchor="b" anchorCtr="0">
+            <a:normAutofit/>
+          </a:bodyPr>
           <a:lstStyle>
             <a:lvl1pPr>
-              <a:defRPr sz="6000"/>
+              <a:lnSpc>
+                <a:spcPct val="85000"/>
+              </a:lnSpc>
+              <a:defRPr sz="8000" b="0">
+                <a:solidFill>
+                  <a:schemeClr val="tx1">
+                    <a:lumMod val="85000"/>
+                    <a:lumOff val="15000"/>
+                  </a:schemeClr>
+                </a:solidFill>
+              </a:defRPr>
             </a:lvl1pPr>
           </a:lstStyle>
           <a:p>
@@ -6599,24 +8006,27 @@
         </p:nvSpPr>
         <p:spPr>
           <a:xfrm>
-            <a:off x="623888" y="4589464"/>
-            <a:ext cx="7886700" cy="1500187"/>
+            <a:off x="822960" y="4453128"/>
+            <a:ext cx="7543800" cy="1143000"/>
           </a:xfrm>
         </p:spPr>
         <p:txBody>
-          <a:bodyPr/>
+          <a:bodyPr lIns="91440" rIns="91440" anchor="t" anchorCtr="0">
+            <a:normAutofit/>
+          </a:bodyPr>
           <a:lstStyle>
             <a:lvl1pPr marL="0" indent="0">
               <a:buNone/>
-              <a:defRPr sz="2400">
+              <a:defRPr sz="2400" cap="all" spc="200" baseline="0">
                 <a:solidFill>
-                  <a:schemeClr val="tx1"/>
+                  <a:schemeClr val="tx2"/>
                 </a:solidFill>
+                <a:latin typeface="+mj-lt"/>
               </a:defRPr>
             </a:lvl1pPr>
             <a:lvl2pPr marL="457200" indent="0">
               <a:buNone/>
-              <a:defRPr sz="2000">
+              <a:defRPr sz="1800">
                 <a:solidFill>
                   <a:schemeClr val="tx1">
                     <a:tint val="75000"/>
@@ -6626,7 +8036,7 @@
             </a:lvl2pPr>
             <a:lvl3pPr marL="914400" indent="0">
               <a:buNone/>
-              <a:defRPr sz="1800">
+              <a:defRPr sz="1600">
                 <a:solidFill>
                   <a:schemeClr val="tx1">
                     <a:tint val="75000"/>
@@ -6636,7 +8046,7 @@
             </a:lvl3pPr>
             <a:lvl4pPr marL="1371600" indent="0">
               <a:buNone/>
-              <a:defRPr sz="1600">
+              <a:defRPr sz="1400">
                 <a:solidFill>
                   <a:schemeClr val="tx1">
                     <a:tint val="75000"/>
@@ -6646,7 +8056,7 @@
             </a:lvl4pPr>
             <a:lvl5pPr marL="1828800" indent="0">
               <a:buNone/>
-              <a:defRPr sz="1600">
+              <a:defRPr sz="1400">
                 <a:solidFill>
                   <a:schemeClr val="tx1">
                     <a:tint val="75000"/>
@@ -6656,7 +8066,7 @@
             </a:lvl5pPr>
             <a:lvl6pPr marL="2286000" indent="0">
               <a:buNone/>
-              <a:defRPr sz="1600">
+              <a:defRPr sz="1400">
                 <a:solidFill>
                   <a:schemeClr val="tx1">
                     <a:tint val="75000"/>
@@ -6666,7 +8076,7 @@
             </a:lvl6pPr>
             <a:lvl7pPr marL="2743200" indent="0">
               <a:buNone/>
-              <a:defRPr sz="1600">
+              <a:defRPr sz="1400">
                 <a:solidFill>
                   <a:schemeClr val="tx1">
                     <a:tint val="75000"/>
@@ -6676,7 +8086,7 @@
             </a:lvl7pPr>
             <a:lvl8pPr marL="3200400" indent="0">
               <a:buNone/>
-              <a:defRPr sz="1600">
+              <a:defRPr sz="1400">
                 <a:solidFill>
                   <a:schemeClr val="tx1">
                     <a:tint val="75000"/>
@@ -6686,7 +8096,7 @@
             </a:lvl8pPr>
             <a:lvl9pPr marL="3657600" indent="0">
               <a:buNone/>
-              <a:defRPr sz="1600">
+              <a:defRPr sz="1400">
                 <a:solidFill>
                   <a:schemeClr val="tx1">
                     <a:tint val="75000"/>
@@ -6721,7 +8131,7 @@
           <a:p>
             <a:fld id="{0F64EEF6-A7EF-4ACA-ADF7-1618DD6B7A0C}" type="datetimeFigureOut">
               <a:rPr lang="ru-RU" smtClean="0"/>
-              <a:t>13.03.2017</a:t>
+              <a:t>18.03.2017</a:t>
             </a:fld>
             <a:endParaRPr lang="ru-RU"/>
           </a:p>
@@ -6769,10 +8179,48 @@
           </a:p>
         </p:txBody>
       </p:sp>
+      <p:cxnSp>
+        <p:nvCxnSpPr>
+          <p:cNvPr id="9" name="Straight Connector 8"/>
+          <p:cNvCxnSpPr/>
+          <p:nvPr/>
+        </p:nvCxnSpPr>
+        <p:spPr>
+          <a:xfrm>
+            <a:off x="905744" y="4343400"/>
+            <a:ext cx="7406640" cy="0"/>
+          </a:xfrm>
+          <a:prstGeom prst="line">
+            <a:avLst/>
+          </a:prstGeom>
+          <a:ln w="6350">
+            <a:solidFill>
+              <a:schemeClr val="tx1">
+                <a:lumMod val="50000"/>
+                <a:lumOff val="50000"/>
+              </a:schemeClr>
+            </a:solidFill>
+          </a:ln>
+        </p:spPr>
+        <p:style>
+          <a:lnRef idx="1">
+            <a:schemeClr val="accent1"/>
+          </a:lnRef>
+          <a:fillRef idx="0">
+            <a:schemeClr val="accent1"/>
+          </a:fillRef>
+          <a:effectRef idx="0">
+            <a:schemeClr val="accent1"/>
+          </a:effectRef>
+          <a:fontRef idx="minor">
+            <a:schemeClr val="tx1"/>
+          </a:fontRef>
+        </p:style>
+      </p:cxnSp>
     </p:spTree>
     <p:extLst>
       <p:ext uri="{BB962C8B-B14F-4D97-AF65-F5344CB8AC3E}">
-        <p14:creationId xmlns:p14="http://schemas.microsoft.com/office/powerpoint/2010/main" val="676581321"/>
+        <p14:creationId xmlns:p14="http://schemas.microsoft.com/office/powerpoint/2010/main" val="2227925843"/>
       </p:ext>
     </p:extLst>
   </p:cSld>
@@ -6801,7 +8249,7 @@
       </p:grpSpPr>
       <p:sp>
         <p:nvSpPr>
-          <p:cNvPr id="2" name="Title 1"/>
+          <p:cNvPr id="8" name="Title 7"/>
           <p:cNvSpPr>
             <a:spLocks noGrp="1"/>
           </p:cNvSpPr>
@@ -6809,7 +8257,12 @@
             <p:ph type="title"/>
           </p:nvPr>
         </p:nvSpPr>
-        <p:spPr/>
+        <p:spPr>
+          <a:xfrm>
+            <a:off x="822960" y="286604"/>
+            <a:ext cx="7543800" cy="1450757"/>
+          </a:xfrm>
+        </p:spPr>
         <p:txBody>
           <a:bodyPr/>
           <a:lstStyle/>
@@ -6834,8 +8287,8 @@
         </p:nvSpPr>
         <p:spPr>
           <a:xfrm>
-            <a:off x="628650" y="1825625"/>
-            <a:ext cx="3886200" cy="4351338"/>
+            <a:off x="822960" y="1845734"/>
+            <a:ext cx="3703320" cy="4023360"/>
           </a:xfrm>
         </p:spPr>
         <p:txBody>
@@ -6891,8 +8344,8 @@
         </p:nvSpPr>
         <p:spPr>
           <a:xfrm>
-            <a:off x="4629150" y="1825625"/>
-            <a:ext cx="3886200" cy="4351338"/>
+            <a:off x="4663440" y="1845736"/>
+            <a:ext cx="3703320" cy="4023359"/>
           </a:xfrm>
         </p:spPr>
         <p:txBody>
@@ -6953,7 +8406,7 @@
           <a:p>
             <a:fld id="{0F64EEF6-A7EF-4ACA-ADF7-1618DD6B7A0C}" type="datetimeFigureOut">
               <a:rPr lang="ru-RU" smtClean="0"/>
-              <a:t>13.03.2017</a:t>
+              <a:t>18.03.2017</a:t>
             </a:fld>
             <a:endParaRPr lang="ru-RU"/>
           </a:p>
@@ -7004,7 +8457,7 @@
     </p:spTree>
     <p:extLst>
       <p:ext uri="{BB962C8B-B14F-4D97-AF65-F5344CB8AC3E}">
-        <p14:creationId xmlns:p14="http://schemas.microsoft.com/office/powerpoint/2010/main" val="3357568834"/>
+        <p14:creationId xmlns:p14="http://schemas.microsoft.com/office/powerpoint/2010/main" val="3381459900"/>
       </p:ext>
     </p:extLst>
   </p:cSld>
@@ -7033,7 +8486,7 @@
       </p:grpSpPr>
       <p:sp>
         <p:nvSpPr>
-          <p:cNvPr id="2" name="Title 1"/>
+          <p:cNvPr id="10" name="Title 9"/>
           <p:cNvSpPr>
             <a:spLocks noGrp="1"/>
           </p:cNvSpPr>
@@ -7043,8 +8496,8 @@
         </p:nvSpPr>
         <p:spPr>
           <a:xfrm>
-            <a:off x="629841" y="365126"/>
-            <a:ext cx="7886700" cy="1325563"/>
+            <a:off x="822960" y="286604"/>
+            <a:ext cx="7543800" cy="1450757"/>
           </a:xfrm>
         </p:spPr>
         <p:txBody>
@@ -7071,16 +8524,22 @@
         </p:nvSpPr>
         <p:spPr>
           <a:xfrm>
-            <a:off x="629842" y="1681163"/>
-            <a:ext cx="3868340" cy="823912"/>
+            <a:off x="822960" y="1846052"/>
+            <a:ext cx="3703320" cy="736282"/>
           </a:xfrm>
         </p:spPr>
         <p:txBody>
-          <a:bodyPr anchor="b"/>
+          <a:bodyPr lIns="91440" rIns="91440" anchor="ctr">
+            <a:normAutofit/>
+          </a:bodyPr>
           <a:lstStyle>
             <a:lvl1pPr marL="0" indent="0">
               <a:buNone/>
-              <a:defRPr sz="2400" b="1"/>
+              <a:defRPr sz="2000" b="0" cap="all" baseline="0">
+                <a:solidFill>
+                  <a:schemeClr val="tx2"/>
+                </a:solidFill>
+              </a:defRPr>
             </a:lvl1pPr>
             <a:lvl2pPr marL="457200" indent="0">
               <a:buNone/>
@@ -7136,8 +8595,8 @@
         </p:nvSpPr>
         <p:spPr>
           <a:xfrm>
-            <a:off x="629842" y="2505075"/>
-            <a:ext cx="3868340" cy="3684588"/>
+            <a:off x="822960" y="2582334"/>
+            <a:ext cx="3703320" cy="3286760"/>
           </a:xfrm>
         </p:spPr>
         <p:txBody>
@@ -7193,16 +8652,22 @@
         </p:nvSpPr>
         <p:spPr>
           <a:xfrm>
-            <a:off x="4629150" y="1681163"/>
-            <a:ext cx="3887391" cy="823912"/>
+            <a:off x="4663440" y="1846052"/>
+            <a:ext cx="3703320" cy="736282"/>
           </a:xfrm>
         </p:spPr>
         <p:txBody>
-          <a:bodyPr anchor="b"/>
+          <a:bodyPr lIns="91440" rIns="91440" anchor="ctr">
+            <a:normAutofit/>
+          </a:bodyPr>
           <a:lstStyle>
             <a:lvl1pPr marL="0" indent="0">
               <a:buNone/>
-              <a:defRPr sz="2400" b="1"/>
+              <a:defRPr sz="2000" b="0" cap="all" baseline="0">
+                <a:solidFill>
+                  <a:schemeClr val="tx2"/>
+                </a:solidFill>
+              </a:defRPr>
             </a:lvl1pPr>
             <a:lvl2pPr marL="457200" indent="0">
               <a:buNone/>
@@ -7258,8 +8723,8 @@
         </p:nvSpPr>
         <p:spPr>
           <a:xfrm>
-            <a:off x="4629150" y="2505075"/>
-            <a:ext cx="3887391" cy="3684588"/>
+            <a:off x="4663440" y="2582334"/>
+            <a:ext cx="3703320" cy="3286760"/>
           </a:xfrm>
         </p:spPr>
         <p:txBody>
@@ -7320,7 +8785,7 @@
           <a:p>
             <a:fld id="{0F64EEF6-A7EF-4ACA-ADF7-1618DD6B7A0C}" type="datetimeFigureOut">
               <a:rPr lang="ru-RU" smtClean="0"/>
-              <a:t>13.03.2017</a:t>
+              <a:t>18.03.2017</a:t>
             </a:fld>
             <a:endParaRPr lang="ru-RU"/>
           </a:p>
@@ -7371,7 +8836,7 @@
     </p:spTree>
     <p:extLst>
       <p:ext uri="{BB962C8B-B14F-4D97-AF65-F5344CB8AC3E}">
-        <p14:creationId xmlns:p14="http://schemas.microsoft.com/office/powerpoint/2010/main" val="2924329324"/>
+        <p14:creationId xmlns:p14="http://schemas.microsoft.com/office/powerpoint/2010/main" val="4021684033"/>
       </p:ext>
     </p:extLst>
   </p:cSld>
@@ -7438,7 +8903,7 @@
           <a:p>
             <a:fld id="{0F64EEF6-A7EF-4ACA-ADF7-1618DD6B7A0C}" type="datetimeFigureOut">
               <a:rPr lang="ru-RU" smtClean="0"/>
-              <a:t>13.03.2017</a:t>
+              <a:t>18.03.2017</a:t>
             </a:fld>
             <a:endParaRPr lang="ru-RU"/>
           </a:p>
@@ -7489,7 +8954,7 @@
     </p:spTree>
     <p:extLst>
       <p:ext uri="{BB962C8B-B14F-4D97-AF65-F5344CB8AC3E}">
-        <p14:creationId xmlns:p14="http://schemas.microsoft.com/office/powerpoint/2010/main" val="1849048828"/>
+        <p14:creationId xmlns:p14="http://schemas.microsoft.com/office/powerpoint/2010/main" val="4041390311"/>
       </p:ext>
     </p:extLst>
   </p:cSld>
@@ -7500,7 +8965,7 @@
 </file>
 
 <file path=ppt/slideLayouts/slideLayout7.xml><?xml version="1.0" encoding="utf-8"?>
-<p:sldLayout xmlns:a="http://schemas.openxmlformats.org/drawingml/2006/main" xmlns:r="http://schemas.openxmlformats.org/officeDocument/2006/relationships" xmlns:p="http://schemas.openxmlformats.org/presentationml/2006/main" type="blank" preserve="1">
+<p:sldLayout xmlns:a="http://schemas.openxmlformats.org/drawingml/2006/main" xmlns:r="http://schemas.openxmlformats.org/officeDocument/2006/relationships" xmlns:p="http://schemas.openxmlformats.org/presentationml/2006/main" showMasterSp="0" type="blank" preserve="1">
   <p:cSld name="Пустой слайд">
     <p:spTree>
       <p:nvGrpSpPr>
@@ -7518,7 +8983,83 @@
       </p:grpSpPr>
       <p:sp>
         <p:nvSpPr>
-          <p:cNvPr id="2" name="Date Placeholder 1"/>
+          <p:cNvPr id="5" name="Rectangle 4"/>
+          <p:cNvSpPr/>
+          <p:nvPr/>
+        </p:nvSpPr>
+        <p:spPr>
+          <a:xfrm>
+            <a:off x="2382" y="6400800"/>
+            <a:ext cx="9141619" cy="457200"/>
+          </a:xfrm>
+          <a:prstGeom prst="rect">
+            <a:avLst/>
+          </a:prstGeom>
+          <a:solidFill>
+            <a:schemeClr val="accent2"/>
+          </a:solidFill>
+          <a:ln>
+            <a:noFill/>
+          </a:ln>
+        </p:spPr>
+        <p:style>
+          <a:lnRef idx="2">
+            <a:schemeClr val="accent1">
+              <a:shade val="50000"/>
+            </a:schemeClr>
+          </a:lnRef>
+          <a:fillRef idx="1">
+            <a:schemeClr val="accent1"/>
+          </a:fillRef>
+          <a:effectRef idx="0">
+            <a:schemeClr val="accent1"/>
+          </a:effectRef>
+          <a:fontRef idx="minor">
+            <a:schemeClr val="lt1"/>
+          </a:fontRef>
+        </p:style>
+      </p:sp>
+      <p:sp>
+        <p:nvSpPr>
+          <p:cNvPr id="6" name="Rectangle 5"/>
+          <p:cNvSpPr/>
+          <p:nvPr/>
+        </p:nvSpPr>
+        <p:spPr>
+          <a:xfrm>
+            <a:off x="12" y="6334316"/>
+            <a:ext cx="9141619" cy="64008"/>
+          </a:xfrm>
+          <a:prstGeom prst="rect">
+            <a:avLst/>
+          </a:prstGeom>
+          <a:solidFill>
+            <a:schemeClr val="accent1"/>
+          </a:solidFill>
+          <a:ln>
+            <a:noFill/>
+          </a:ln>
+        </p:spPr>
+        <p:style>
+          <a:lnRef idx="2">
+            <a:schemeClr val="accent1">
+              <a:shade val="50000"/>
+            </a:schemeClr>
+          </a:lnRef>
+          <a:fillRef idx="1">
+            <a:schemeClr val="accent1"/>
+          </a:fillRef>
+          <a:effectRef idx="0">
+            <a:schemeClr val="accent1"/>
+          </a:effectRef>
+          <a:fontRef idx="minor">
+            <a:schemeClr val="lt1"/>
+          </a:fontRef>
+        </p:style>
+      </p:sp>
+      <p:sp>
+        <p:nvSpPr>
+          <p:cNvPr id="7" name="Date Placeholder 6"/>
           <p:cNvSpPr>
             <a:spLocks noGrp="1"/>
           </p:cNvSpPr>
@@ -7533,7 +9074,7 @@
           <a:p>
             <a:fld id="{0F64EEF6-A7EF-4ACA-ADF7-1618DD6B7A0C}" type="datetimeFigureOut">
               <a:rPr lang="ru-RU" smtClean="0"/>
-              <a:t>13.03.2017</a:t>
+              <a:t>18.03.2017</a:t>
             </a:fld>
             <a:endParaRPr lang="ru-RU"/>
           </a:p>
@@ -7541,7 +9082,7 @@
       </p:sp>
       <p:sp>
         <p:nvSpPr>
-          <p:cNvPr id="3" name="Footer Placeholder 2"/>
+          <p:cNvPr id="8" name="Footer Placeholder 7"/>
           <p:cNvSpPr>
             <a:spLocks noGrp="1"/>
           </p:cNvSpPr>
@@ -7552,7 +9093,15 @@
         <p:spPr/>
         <p:txBody>
           <a:bodyPr/>
-          <a:lstStyle/>
+          <a:lstStyle>
+            <a:lvl1pPr>
+              <a:defRPr>
+                <a:solidFill>
+                  <a:srgbClr val="FFFFFF"/>
+                </a:solidFill>
+              </a:defRPr>
+            </a:lvl1pPr>
+          </a:lstStyle>
           <a:p>
             <a:endParaRPr lang="ru-RU"/>
           </a:p>
@@ -7560,7 +9109,7 @@
       </p:sp>
       <p:sp>
         <p:nvSpPr>
-          <p:cNvPr id="4" name="Slide Number Placeholder 3"/>
+          <p:cNvPr id="9" name="Slide Number Placeholder 8"/>
           <p:cNvSpPr>
             <a:spLocks noGrp="1"/>
           </p:cNvSpPr>
@@ -7584,7 +9133,7 @@
     </p:spTree>
     <p:extLst>
       <p:ext uri="{BB962C8B-B14F-4D97-AF65-F5344CB8AC3E}">
-        <p14:creationId xmlns:p14="http://schemas.microsoft.com/office/powerpoint/2010/main" val="942360000"/>
+        <p14:creationId xmlns:p14="http://schemas.microsoft.com/office/powerpoint/2010/main" val="1857657366"/>
       </p:ext>
     </p:extLst>
   </p:cSld>
@@ -7595,7 +9144,7 @@
 </file>
 
 <file path=ppt/slideLayouts/slideLayout8.xml><?xml version="1.0" encoding="utf-8"?>
-<p:sldLayout xmlns:a="http://schemas.openxmlformats.org/drawingml/2006/main" xmlns:r="http://schemas.openxmlformats.org/officeDocument/2006/relationships" xmlns:p="http://schemas.openxmlformats.org/presentationml/2006/main" type="objTx" preserve="1">
+<p:sldLayout xmlns:a="http://schemas.openxmlformats.org/drawingml/2006/main" xmlns:r="http://schemas.openxmlformats.org/officeDocument/2006/relationships" xmlns:p="http://schemas.openxmlformats.org/presentationml/2006/main" showMasterSp="0" type="objTx" preserve="1">
   <p:cSld name="Объект с подписью">
     <p:spTree>
       <p:nvGrpSpPr>
@@ -7613,25 +9162,107 @@
       </p:grpSpPr>
       <p:sp>
         <p:nvSpPr>
-          <p:cNvPr id="2" name="Title 1"/>
-          <p:cNvSpPr>
-            <a:spLocks noGrp="1"/>
-          </p:cNvSpPr>
-          <p:nvPr>
-            <p:ph type="title"/>
-          </p:nvPr>
+          <p:cNvPr id="8" name="Rectangle 7"/>
+          <p:cNvSpPr/>
+          <p:nvPr/>
         </p:nvSpPr>
         <p:spPr>
           <a:xfrm>
-            <a:off x="629841" y="457200"/>
-            <a:ext cx="2949178" cy="1600200"/>
+            <a:off x="13" y="0"/>
+            <a:ext cx="3038093" cy="6858000"/>
+          </a:xfrm>
+          <a:prstGeom prst="rect">
+            <a:avLst/>
+          </a:prstGeom>
+          <a:solidFill>
+            <a:schemeClr val="accent2"/>
+          </a:solidFill>
+          <a:ln>
+            <a:noFill/>
+          </a:ln>
+        </p:spPr>
+        <p:style>
+          <a:lnRef idx="2">
+            <a:schemeClr val="accent1">
+              <a:shade val="50000"/>
+            </a:schemeClr>
+          </a:lnRef>
+          <a:fillRef idx="1">
+            <a:schemeClr val="accent1"/>
+          </a:fillRef>
+          <a:effectRef idx="0">
+            <a:schemeClr val="accent1"/>
+          </a:effectRef>
+          <a:fontRef idx="minor">
+            <a:schemeClr val="lt1"/>
+          </a:fontRef>
+        </p:style>
+      </p:sp>
+      <p:sp>
+        <p:nvSpPr>
+          <p:cNvPr id="9" name="Rectangle 8"/>
+          <p:cNvSpPr/>
+          <p:nvPr/>
+        </p:nvSpPr>
+        <p:spPr>
+          <a:xfrm>
+            <a:off x="3030053" y="0"/>
+            <a:ext cx="48006" cy="6858000"/>
+          </a:xfrm>
+          <a:prstGeom prst="rect">
+            <a:avLst/>
+          </a:prstGeom>
+          <a:solidFill>
+            <a:schemeClr val="accent1"/>
+          </a:solidFill>
+          <a:ln>
+            <a:noFill/>
+          </a:ln>
+        </p:spPr>
+        <p:style>
+          <a:lnRef idx="2">
+            <a:schemeClr val="accent1">
+              <a:shade val="50000"/>
+            </a:schemeClr>
+          </a:lnRef>
+          <a:fillRef idx="1">
+            <a:schemeClr val="accent1"/>
+          </a:fillRef>
+          <a:effectRef idx="0">
+            <a:schemeClr val="accent1"/>
+          </a:effectRef>
+          <a:fontRef idx="minor">
+            <a:schemeClr val="lt1"/>
+          </a:fontRef>
+        </p:style>
+      </p:sp>
+      <p:sp>
+        <p:nvSpPr>
+          <p:cNvPr id="2" name="Title 1"/>
+          <p:cNvSpPr>
+            <a:spLocks noGrp="1"/>
+          </p:cNvSpPr>
+          <p:nvPr>
+            <p:ph type="title"/>
+          </p:nvPr>
+        </p:nvSpPr>
+        <p:spPr>
+          <a:xfrm>
+            <a:off x="342900" y="594359"/>
+            <a:ext cx="2400300" cy="2286000"/>
           </a:xfrm>
         </p:spPr>
         <p:txBody>
-          <a:bodyPr anchor="b"/>
+          <a:bodyPr anchor="b">
+            <a:normAutofit/>
+          </a:bodyPr>
           <a:lstStyle>
             <a:lvl1pPr>
-              <a:defRPr sz="3200"/>
+              <a:defRPr sz="3600" b="0">
+                <a:solidFill>
+                  <a:srgbClr val="FFFFFF"/>
+                </a:solidFill>
+              </a:defRPr>
             </a:lvl1pPr>
           </a:lstStyle>
           <a:p>
@@ -7655,200 +9286,208 @@
         </p:nvSpPr>
         <p:spPr>
           <a:xfrm>
-            <a:off x="3887391" y="987426"/>
-            <a:ext cx="4629150" cy="4873625"/>
+            <a:off x="3460237" y="731520"/>
+            <a:ext cx="5009393" cy="5257800"/>
           </a:xfrm>
         </p:spPr>
+        <p:txBody>
+          <a:bodyPr/>
+          <a:lstStyle/>
+          <a:p>
+            <a:pPr lvl="0"/>
+            <a:r>
+              <a:rPr lang="ru-RU" smtClean="0"/>
+              <a:t>Образец текста</a:t>
+            </a:r>
+          </a:p>
+          <a:p>
+            <a:pPr lvl="1"/>
+            <a:r>
+              <a:rPr lang="ru-RU" smtClean="0"/>
+              <a:t>Второй уровень</a:t>
+            </a:r>
+          </a:p>
+          <a:p>
+            <a:pPr lvl="2"/>
+            <a:r>
+              <a:rPr lang="ru-RU" smtClean="0"/>
+              <a:t>Третий уровень</a:t>
+            </a:r>
+          </a:p>
+          <a:p>
+            <a:pPr lvl="3"/>
+            <a:r>
+              <a:rPr lang="ru-RU" smtClean="0"/>
+              <a:t>Четвертый уровень</a:t>
+            </a:r>
+          </a:p>
+          <a:p>
+            <a:pPr lvl="4"/>
+            <a:r>
+              <a:rPr lang="ru-RU" smtClean="0"/>
+              <a:t>Пятый уровень</a:t>
+            </a:r>
+            <a:endParaRPr lang="en-US" dirty="0"/>
+          </a:p>
+        </p:txBody>
+      </p:sp>
+      <p:sp>
+        <p:nvSpPr>
+          <p:cNvPr id="4" name="Text Placeholder 3"/>
+          <p:cNvSpPr>
+            <a:spLocks noGrp="1"/>
+          </p:cNvSpPr>
+          <p:nvPr>
+            <p:ph type="body" sz="half" idx="2"/>
+          </p:nvPr>
+        </p:nvSpPr>
+        <p:spPr>
+          <a:xfrm>
+            <a:off x="342900" y="2926080"/>
+            <a:ext cx="2400300" cy="3379124"/>
+          </a:xfrm>
+        </p:spPr>
+        <p:txBody>
+          <a:bodyPr lIns="91440" rIns="91440">
+            <a:normAutofit/>
+          </a:bodyPr>
+          <a:lstStyle>
+            <a:lvl1pPr marL="0" indent="0">
+              <a:buNone/>
+              <a:defRPr sz="1500">
+                <a:solidFill>
+                  <a:srgbClr val="FFFFFF"/>
+                </a:solidFill>
+              </a:defRPr>
+            </a:lvl1pPr>
+            <a:lvl2pPr marL="457200" indent="0">
+              <a:buNone/>
+              <a:defRPr sz="1200"/>
+            </a:lvl2pPr>
+            <a:lvl3pPr marL="914400" indent="0">
+              <a:buNone/>
+              <a:defRPr sz="1000"/>
+            </a:lvl3pPr>
+            <a:lvl4pPr marL="1371600" indent="0">
+              <a:buNone/>
+              <a:defRPr sz="900"/>
+            </a:lvl4pPr>
+            <a:lvl5pPr marL="1828800" indent="0">
+              <a:buNone/>
+              <a:defRPr sz="900"/>
+            </a:lvl5pPr>
+            <a:lvl6pPr marL="2286000" indent="0">
+              <a:buNone/>
+              <a:defRPr sz="900"/>
+            </a:lvl6pPr>
+            <a:lvl7pPr marL="2743200" indent="0">
+              <a:buNone/>
+              <a:defRPr sz="900"/>
+            </a:lvl7pPr>
+            <a:lvl8pPr marL="3200400" indent="0">
+              <a:buNone/>
+              <a:defRPr sz="900"/>
+            </a:lvl8pPr>
+            <a:lvl9pPr marL="3657600" indent="0">
+              <a:buNone/>
+              <a:defRPr sz="900"/>
+            </a:lvl9pPr>
+          </a:lstStyle>
+          <a:p>
+            <a:pPr lvl="0"/>
+            <a:r>
+              <a:rPr lang="ru-RU" smtClean="0"/>
+              <a:t>Образец текста</a:t>
+            </a:r>
+          </a:p>
+        </p:txBody>
+      </p:sp>
+      <p:sp>
+        <p:nvSpPr>
+          <p:cNvPr id="5" name="Date Placeholder 4"/>
+          <p:cNvSpPr>
+            <a:spLocks noGrp="1"/>
+          </p:cNvSpPr>
+          <p:nvPr>
+            <p:ph type="dt" sz="half" idx="10"/>
+          </p:nvPr>
+        </p:nvSpPr>
+        <p:spPr>
+          <a:xfrm>
+            <a:off x="349134" y="6459786"/>
+            <a:ext cx="1963883" cy="365125"/>
+          </a:xfrm>
+        </p:spPr>
+        <p:txBody>
+          <a:bodyPr/>
+          <a:lstStyle>
+            <a:lvl1pPr algn="l">
+              <a:defRPr/>
+            </a:lvl1pPr>
+          </a:lstStyle>
+          <a:p>
+            <a:fld id="{0F64EEF6-A7EF-4ACA-ADF7-1618DD6B7A0C}" type="datetimeFigureOut">
+              <a:rPr lang="ru-RU" smtClean="0"/>
+              <a:t>18.03.2017</a:t>
+            </a:fld>
+            <a:endParaRPr lang="ru-RU"/>
+          </a:p>
+        </p:txBody>
+      </p:sp>
+      <p:sp>
+        <p:nvSpPr>
+          <p:cNvPr id="6" name="Footer Placeholder 5"/>
+          <p:cNvSpPr>
+            <a:spLocks noGrp="1"/>
+          </p:cNvSpPr>
+          <p:nvPr>
+            <p:ph type="ftr" sz="quarter" idx="11"/>
+          </p:nvPr>
+        </p:nvSpPr>
+        <p:spPr>
+          <a:xfrm>
+            <a:off x="3600450" y="6459786"/>
+            <a:ext cx="3486150" cy="365125"/>
+          </a:xfrm>
+        </p:spPr>
+        <p:txBody>
+          <a:bodyPr/>
+          <a:lstStyle>
+            <a:lvl1pPr algn="l">
+              <a:defRPr>
+                <a:solidFill>
+                  <a:schemeClr val="tx2"/>
+                </a:solidFill>
+              </a:defRPr>
+            </a:lvl1pPr>
+          </a:lstStyle>
+          <a:p>
+            <a:endParaRPr lang="ru-RU"/>
+          </a:p>
+        </p:txBody>
+      </p:sp>
+      <p:sp>
+        <p:nvSpPr>
+          <p:cNvPr id="7" name="Slide Number Placeholder 6"/>
+          <p:cNvSpPr>
+            <a:spLocks noGrp="1"/>
+          </p:cNvSpPr>
+          <p:nvPr>
+            <p:ph type="sldNum" sz="quarter" idx="12"/>
+          </p:nvPr>
+        </p:nvSpPr>
+        <p:spPr/>
         <p:txBody>
           <a:bodyPr/>
           <a:lstStyle>
             <a:lvl1pPr>
-              <a:defRPr sz="3200"/>
+              <a:defRPr>
+                <a:solidFill>
+                  <a:schemeClr val="tx2"/>
+                </a:solidFill>
+              </a:defRPr>
             </a:lvl1pPr>
-            <a:lvl2pPr>
-              <a:defRPr sz="2800"/>
-            </a:lvl2pPr>
-            <a:lvl3pPr>
-              <a:defRPr sz="2400"/>
-            </a:lvl3pPr>
-            <a:lvl4pPr>
-              <a:defRPr sz="2000"/>
-            </a:lvl4pPr>
-            <a:lvl5pPr>
-              <a:defRPr sz="2000"/>
-            </a:lvl5pPr>
-            <a:lvl6pPr>
-              <a:defRPr sz="2000"/>
-            </a:lvl6pPr>
-            <a:lvl7pPr>
-              <a:defRPr sz="2000"/>
-            </a:lvl7pPr>
-            <a:lvl8pPr>
-              <a:defRPr sz="2000"/>
-            </a:lvl8pPr>
-            <a:lvl9pPr>
-              <a:defRPr sz="2000"/>
-            </a:lvl9pPr>
           </a:lstStyle>
-          <a:p>
-            <a:pPr lvl="0"/>
-            <a:r>
-              <a:rPr lang="ru-RU" smtClean="0"/>
-              <a:t>Образец текста</a:t>
-            </a:r>
-          </a:p>
-          <a:p>
-            <a:pPr lvl="1"/>
-            <a:r>
-              <a:rPr lang="ru-RU" smtClean="0"/>
-              <a:t>Второй уровень</a:t>
-            </a:r>
-          </a:p>
-          <a:p>
-            <a:pPr lvl="2"/>
-            <a:r>
-              <a:rPr lang="ru-RU" smtClean="0"/>
-              <a:t>Третий уровень</a:t>
-            </a:r>
-          </a:p>
-          <a:p>
-            <a:pPr lvl="3"/>
-            <a:r>
-              <a:rPr lang="ru-RU" smtClean="0"/>
-              <a:t>Четвертый уровень</a:t>
-            </a:r>
-          </a:p>
-          <a:p>
-            <a:pPr lvl="4"/>
-            <a:r>
-              <a:rPr lang="ru-RU" smtClean="0"/>
-              <a:t>Пятый уровень</a:t>
-            </a:r>
-            <a:endParaRPr lang="en-US" dirty="0"/>
-          </a:p>
-        </p:txBody>
-      </p:sp>
-      <p:sp>
-        <p:nvSpPr>
-          <p:cNvPr id="4" name="Text Placeholder 3"/>
-          <p:cNvSpPr>
-            <a:spLocks noGrp="1"/>
-          </p:cNvSpPr>
-          <p:nvPr>
-            <p:ph type="body" sz="half" idx="2"/>
-          </p:nvPr>
-        </p:nvSpPr>
-        <p:spPr>
-          <a:xfrm>
-            <a:off x="629841" y="2057400"/>
-            <a:ext cx="2949178" cy="3811588"/>
-          </a:xfrm>
-        </p:spPr>
-        <p:txBody>
-          <a:bodyPr/>
-          <a:lstStyle>
-            <a:lvl1pPr marL="0" indent="0">
-              <a:buNone/>
-              <a:defRPr sz="1600"/>
-            </a:lvl1pPr>
-            <a:lvl2pPr marL="457200" indent="0">
-              <a:buNone/>
-              <a:defRPr sz="1400"/>
-            </a:lvl2pPr>
-            <a:lvl3pPr marL="914400" indent="0">
-              <a:buNone/>
-              <a:defRPr sz="1200"/>
-            </a:lvl3pPr>
-            <a:lvl4pPr marL="1371600" indent="0">
-              <a:buNone/>
-              <a:defRPr sz="1000"/>
-            </a:lvl4pPr>
-            <a:lvl5pPr marL="1828800" indent="0">
-              <a:buNone/>
-              <a:defRPr sz="1000"/>
-            </a:lvl5pPr>
-            <a:lvl6pPr marL="2286000" indent="0">
-              <a:buNone/>
-              <a:defRPr sz="1000"/>
-            </a:lvl6pPr>
-            <a:lvl7pPr marL="2743200" indent="0">
-              <a:buNone/>
-              <a:defRPr sz="1000"/>
-            </a:lvl7pPr>
-            <a:lvl8pPr marL="3200400" indent="0">
-              <a:buNone/>
-              <a:defRPr sz="1000"/>
-            </a:lvl8pPr>
-            <a:lvl9pPr marL="3657600" indent="0">
-              <a:buNone/>
-              <a:defRPr sz="1000"/>
-            </a:lvl9pPr>
-          </a:lstStyle>
-          <a:p>
-            <a:pPr lvl="0"/>
-            <a:r>
-              <a:rPr lang="ru-RU" smtClean="0"/>
-              <a:t>Образец текста</a:t>
-            </a:r>
-          </a:p>
-        </p:txBody>
-      </p:sp>
-      <p:sp>
-        <p:nvSpPr>
-          <p:cNvPr id="5" name="Date Placeholder 4"/>
-          <p:cNvSpPr>
-            <a:spLocks noGrp="1"/>
-          </p:cNvSpPr>
-          <p:nvPr>
-            <p:ph type="dt" sz="half" idx="10"/>
-          </p:nvPr>
-        </p:nvSpPr>
-        <p:spPr/>
-        <p:txBody>
-          <a:bodyPr/>
-          <a:lstStyle/>
-          <a:p>
-            <a:fld id="{0F64EEF6-A7EF-4ACA-ADF7-1618DD6B7A0C}" type="datetimeFigureOut">
-              <a:rPr lang="ru-RU" smtClean="0"/>
-              <a:t>13.03.2017</a:t>
-            </a:fld>
-            <a:endParaRPr lang="ru-RU"/>
-          </a:p>
-        </p:txBody>
-      </p:sp>
-      <p:sp>
-        <p:nvSpPr>
-          <p:cNvPr id="6" name="Footer Placeholder 5"/>
-          <p:cNvSpPr>
-            <a:spLocks noGrp="1"/>
-          </p:cNvSpPr>
-          <p:nvPr>
-            <p:ph type="ftr" sz="quarter" idx="11"/>
-          </p:nvPr>
-        </p:nvSpPr>
-        <p:spPr/>
-        <p:txBody>
-          <a:bodyPr/>
-          <a:lstStyle/>
-          <a:p>
-            <a:endParaRPr lang="ru-RU"/>
-          </a:p>
-        </p:txBody>
-      </p:sp>
-      <p:sp>
-        <p:nvSpPr>
-          <p:cNvPr id="7" name="Slide Number Placeholder 6"/>
-          <p:cNvSpPr>
-            <a:spLocks noGrp="1"/>
-          </p:cNvSpPr>
-          <p:nvPr>
-            <p:ph type="sldNum" sz="quarter" idx="12"/>
-          </p:nvPr>
-        </p:nvSpPr>
-        <p:spPr/>
-        <p:txBody>
-          <a:bodyPr/>
-          <a:lstStyle/>
           <a:p>
             <a:fld id="{B8C9B9DC-B4C6-402C-8CDE-D66E588F129F}" type="slidenum">
               <a:rPr lang="ru-RU" smtClean="0"/>
@@ -7861,7 +9500,7 @@
     </p:spTree>
     <p:extLst>
       <p:ext uri="{BB962C8B-B14F-4D97-AF65-F5344CB8AC3E}">
-        <p14:creationId xmlns:p14="http://schemas.microsoft.com/office/powerpoint/2010/main" val="2588493960"/>
+        <p14:creationId xmlns:p14="http://schemas.microsoft.com/office/powerpoint/2010/main" val="2375117679"/>
       </p:ext>
     </p:extLst>
   </p:cSld>
@@ -7872,7 +9511,7 @@
 </file>
 
 <file path=ppt/slideLayouts/slideLayout9.xml><?xml version="1.0" encoding="utf-8"?>
-<p:sldLayout xmlns:a="http://schemas.openxmlformats.org/drawingml/2006/main" xmlns:r="http://schemas.openxmlformats.org/officeDocument/2006/relationships" xmlns:p="http://schemas.openxmlformats.org/presentationml/2006/main" type="picTx" preserve="1">
+<p:sldLayout xmlns:a="http://schemas.openxmlformats.org/drawingml/2006/main" xmlns:r="http://schemas.openxmlformats.org/officeDocument/2006/relationships" xmlns:p="http://schemas.openxmlformats.org/presentationml/2006/main" showMasterSp="0" type="picTx" preserve="1">
   <p:cSld name="Рисунок с подписью">
     <p:spTree>
       <p:nvGrpSpPr>
@@ -7890,25 +9529,107 @@
       </p:grpSpPr>
       <p:sp>
         <p:nvSpPr>
-          <p:cNvPr id="2" name="Title 1"/>
-          <p:cNvSpPr>
-            <a:spLocks noGrp="1"/>
-          </p:cNvSpPr>
-          <p:nvPr>
-            <p:ph type="title"/>
-          </p:nvPr>
+          <p:cNvPr id="8" name="Rectangle 7"/>
+          <p:cNvSpPr/>
+          <p:nvPr/>
         </p:nvSpPr>
         <p:spPr>
           <a:xfrm>
-            <a:off x="629841" y="457200"/>
-            <a:ext cx="2949178" cy="1600200"/>
+            <a:off x="0" y="4953000"/>
+            <a:ext cx="9141619" cy="1905000"/>
+          </a:xfrm>
+          <a:prstGeom prst="rect">
+            <a:avLst/>
+          </a:prstGeom>
+          <a:solidFill>
+            <a:schemeClr val="accent2"/>
+          </a:solidFill>
+          <a:ln>
+            <a:noFill/>
+          </a:ln>
+        </p:spPr>
+        <p:style>
+          <a:lnRef idx="2">
+            <a:schemeClr val="accent1">
+              <a:shade val="50000"/>
+            </a:schemeClr>
+          </a:lnRef>
+          <a:fillRef idx="1">
+            <a:schemeClr val="accent1"/>
+          </a:fillRef>
+          <a:effectRef idx="0">
+            <a:schemeClr val="accent1"/>
+          </a:effectRef>
+          <a:fontRef idx="minor">
+            <a:schemeClr val="lt1"/>
+          </a:fontRef>
+        </p:style>
+      </p:sp>
+      <p:sp>
+        <p:nvSpPr>
+          <p:cNvPr id="9" name="Rectangle 8"/>
+          <p:cNvSpPr/>
+          <p:nvPr/>
+        </p:nvSpPr>
+        <p:spPr>
+          <a:xfrm>
+            <a:off x="12" y="4915076"/>
+            <a:ext cx="9141619" cy="64008"/>
+          </a:xfrm>
+          <a:prstGeom prst="rect">
+            <a:avLst/>
+          </a:prstGeom>
+          <a:solidFill>
+            <a:schemeClr val="accent1"/>
+          </a:solidFill>
+          <a:ln>
+            <a:noFill/>
+          </a:ln>
+        </p:spPr>
+        <p:style>
+          <a:lnRef idx="2">
+            <a:schemeClr val="accent1">
+              <a:shade val="50000"/>
+            </a:schemeClr>
+          </a:lnRef>
+          <a:fillRef idx="1">
+            <a:schemeClr val="accent1"/>
+          </a:fillRef>
+          <a:effectRef idx="0">
+            <a:schemeClr val="accent1"/>
+          </a:effectRef>
+          <a:fontRef idx="minor">
+            <a:schemeClr val="lt1"/>
+          </a:fontRef>
+        </p:style>
+      </p:sp>
+      <p:sp>
+        <p:nvSpPr>
+          <p:cNvPr id="2" name="Title 1"/>
+          <p:cNvSpPr>
+            <a:spLocks noGrp="1"/>
+          </p:cNvSpPr>
+          <p:nvPr>
+            <p:ph type="title"/>
+          </p:nvPr>
+        </p:nvSpPr>
+        <p:spPr>
+          <a:xfrm>
+            <a:off x="822960" y="5074920"/>
+            <a:ext cx="7589520" cy="822960"/>
           </a:xfrm>
         </p:spPr>
         <p:txBody>
-          <a:bodyPr anchor="b"/>
+          <a:bodyPr tIns="0" bIns="0" anchor="b">
+            <a:noAutofit/>
+          </a:bodyPr>
           <a:lstStyle>
             <a:lvl1pPr>
-              <a:defRPr sz="3200"/>
+              <a:defRPr sz="3600" b="0">
+                <a:solidFill>
+                  <a:srgbClr val="FFFFFF"/>
+                </a:solidFill>
+              </a:defRPr>
             </a:lvl1pPr>
           </a:lstStyle>
           <a:p>
@@ -7932,16 +9653,26 @@
         </p:nvSpPr>
         <p:spPr>
           <a:xfrm>
-            <a:off x="3887391" y="987426"/>
-            <a:ext cx="4629150" cy="4873625"/>
+            <a:off x="12" y="0"/>
+            <a:ext cx="9143989" cy="4915076"/>
           </a:xfrm>
+          <a:blipFill>
+            <a:blip r:embed="rId2"/>
+            <a:stretch>
+              <a:fillRect/>
+            </a:stretch>
+          </a:blipFill>
         </p:spPr>
         <p:txBody>
-          <a:bodyPr anchor="t"/>
+          <a:bodyPr lIns="457200" tIns="457200" anchor="t"/>
           <a:lstStyle>
             <a:lvl1pPr marL="0" indent="0">
               <a:buNone/>
-              <a:defRPr sz="3200"/>
+              <a:defRPr sz="3200">
+                <a:solidFill>
+                  <a:schemeClr val="bg1"/>
+                </a:solidFill>
+              </a:defRPr>
             </a:lvl1pPr>
             <a:lvl2pPr marL="457200" indent="0">
               <a:buNone/>
@@ -7997,48 +9728,60 @@
         </p:nvSpPr>
         <p:spPr>
           <a:xfrm>
-            <a:off x="629841" y="2057400"/>
-            <a:ext cx="2949178" cy="3811588"/>
+            <a:off x="822959" y="5907024"/>
+            <a:ext cx="7589520" cy="594360"/>
           </a:xfrm>
         </p:spPr>
         <p:txBody>
-          <a:bodyPr/>
+          <a:bodyPr lIns="91440" tIns="0" rIns="91440" bIns="0">
+            <a:normAutofit/>
+          </a:bodyPr>
           <a:lstStyle>
             <a:lvl1pPr marL="0" indent="0">
+              <a:spcBef>
+                <a:spcPts val="0"/>
+              </a:spcBef>
+              <a:spcAft>
+                <a:spcPts val="600"/>
+              </a:spcAft>
               <a:buNone/>
-              <a:defRPr sz="1600"/>
+              <a:defRPr sz="1500">
+                <a:solidFill>
+                  <a:srgbClr val="FFFFFF"/>
+                </a:solidFill>
+              </a:defRPr>
             </a:lvl1pPr>
             <a:lvl2pPr marL="457200" indent="0">
               <a:buNone/>
-              <a:defRPr sz="1400"/>
+              <a:defRPr sz="1200"/>
             </a:lvl2pPr>
             <a:lvl3pPr marL="914400" indent="0">
               <a:buNone/>
-              <a:defRPr sz="1200"/>
+              <a:defRPr sz="1000"/>
             </a:lvl3pPr>
             <a:lvl4pPr marL="1371600" indent="0">
               <a:buNone/>
-              <a:defRPr sz="1000"/>
+              <a:defRPr sz="900"/>
             </a:lvl4pPr>
             <a:lvl5pPr marL="1828800" indent="0">
               <a:buNone/>
-              <a:defRPr sz="1000"/>
+              <a:defRPr sz="900"/>
             </a:lvl5pPr>
             <a:lvl6pPr marL="2286000" indent="0">
               <a:buNone/>
-              <a:defRPr sz="1000"/>
+              <a:defRPr sz="900"/>
             </a:lvl6pPr>
             <a:lvl7pPr marL="2743200" indent="0">
               <a:buNone/>
-              <a:defRPr sz="1000"/>
+              <a:defRPr sz="900"/>
             </a:lvl7pPr>
             <a:lvl8pPr marL="3200400" indent="0">
               <a:buNone/>
-              <a:defRPr sz="1000"/>
+              <a:defRPr sz="900"/>
             </a:lvl8pPr>
             <a:lvl9pPr marL="3657600" indent="0">
               <a:buNone/>
-              <a:defRPr sz="1000"/>
+              <a:defRPr sz="900"/>
             </a:lvl9pPr>
           </a:lstStyle>
           <a:p>
@@ -8067,7 +9810,7 @@
           <a:p>
             <a:fld id="{0F64EEF6-A7EF-4ACA-ADF7-1618DD6B7A0C}" type="datetimeFigureOut">
               <a:rPr lang="ru-RU" smtClean="0"/>
-              <a:t>13.03.2017</a:t>
+              <a:t>18.03.2017</a:t>
             </a:fld>
             <a:endParaRPr lang="ru-RU"/>
           </a:p>
@@ -8118,7 +9861,7 @@
     </p:spTree>
     <p:extLst>
       <p:ext uri="{BB962C8B-B14F-4D97-AF65-F5344CB8AC3E}">
-        <p14:creationId xmlns:p14="http://schemas.microsoft.com/office/powerpoint/2010/main" val="4249391052"/>
+        <p14:creationId xmlns:p14="http://schemas.microsoft.com/office/powerpoint/2010/main" val="2088753738"/>
       </p:ext>
     </p:extLst>
   </p:cSld>
@@ -8152,25 +9895,101 @@
       </p:grpSpPr>
       <p:sp>
         <p:nvSpPr>
-          <p:cNvPr id="2" name="Title Placeholder 1"/>
-          <p:cNvSpPr>
-            <a:spLocks noGrp="1"/>
-          </p:cNvSpPr>
-          <p:nvPr>
-            <p:ph type="title"/>
-          </p:nvPr>
+          <p:cNvPr id="7" name="Rectangle 6"/>
+          <p:cNvSpPr/>
+          <p:nvPr/>
         </p:nvSpPr>
         <p:spPr>
           <a:xfrm>
-            <a:off x="628650" y="365126"/>
-            <a:ext cx="7886700" cy="1325563"/>
+            <a:off x="0" y="6400800"/>
+            <a:ext cx="9144001" cy="457200"/>
+          </a:xfrm>
+          <a:prstGeom prst="rect">
+            <a:avLst/>
+          </a:prstGeom>
+          <a:solidFill>
+            <a:schemeClr val="accent2"/>
+          </a:solidFill>
+          <a:ln>
+            <a:noFill/>
+          </a:ln>
+        </p:spPr>
+        <p:style>
+          <a:lnRef idx="2">
+            <a:schemeClr val="accent1">
+              <a:shade val="50000"/>
+            </a:schemeClr>
+          </a:lnRef>
+          <a:fillRef idx="1">
+            <a:schemeClr val="accent1"/>
+          </a:fillRef>
+          <a:effectRef idx="0">
+            <a:schemeClr val="accent1"/>
+          </a:effectRef>
+          <a:fontRef idx="minor">
+            <a:schemeClr val="lt1"/>
+          </a:fontRef>
+        </p:style>
+      </p:sp>
+      <p:sp>
+        <p:nvSpPr>
+          <p:cNvPr id="9" name="Rectangle 8"/>
+          <p:cNvSpPr/>
+          <p:nvPr/>
+        </p:nvSpPr>
+        <p:spPr>
+          <a:xfrm>
+            <a:off x="0" y="6334315"/>
+            <a:ext cx="9144001" cy="65999"/>
+          </a:xfrm>
+          <a:prstGeom prst="rect">
+            <a:avLst/>
+          </a:prstGeom>
+          <a:solidFill>
+            <a:schemeClr val="accent1"/>
+          </a:solidFill>
+          <a:ln>
+            <a:noFill/>
+          </a:ln>
+        </p:spPr>
+        <p:style>
+          <a:lnRef idx="2">
+            <a:schemeClr val="accent1">
+              <a:shade val="50000"/>
+            </a:schemeClr>
+          </a:lnRef>
+          <a:fillRef idx="1">
+            <a:schemeClr val="accent1"/>
+          </a:fillRef>
+          <a:effectRef idx="0">
+            <a:schemeClr val="accent1"/>
+          </a:effectRef>
+          <a:fontRef idx="minor">
+            <a:schemeClr val="lt1"/>
+          </a:fontRef>
+        </p:style>
+      </p:sp>
+      <p:sp>
+        <p:nvSpPr>
+          <p:cNvPr id="2" name="Title Placeholder 1"/>
+          <p:cNvSpPr>
+            <a:spLocks noGrp="1"/>
+          </p:cNvSpPr>
+          <p:nvPr>
+            <p:ph type="title"/>
+          </p:nvPr>
+        </p:nvSpPr>
+        <p:spPr>
+          <a:xfrm>
+            <a:off x="822960" y="286604"/>
+            <a:ext cx="7543800" cy="1450757"/>
           </a:xfrm>
           <a:prstGeom prst="rect">
             <a:avLst/>
           </a:prstGeom>
         </p:spPr>
         <p:txBody>
-          <a:bodyPr vert="horz" lIns="91440" tIns="45720" rIns="91440" bIns="45720" rtlCol="0" anchor="ctr">
+          <a:bodyPr vert="horz" lIns="91440" tIns="45720" rIns="91440" bIns="45720" rtlCol="0" anchor="b">
             <a:normAutofit/>
           </a:bodyPr>
           <a:lstStyle/>
@@ -8195,15 +10014,15 @@
         </p:nvSpPr>
         <p:spPr>
           <a:xfrm>
-            <a:off x="628650" y="1825625"/>
-            <a:ext cx="7886700" cy="4351338"/>
+            <a:off x="822959" y="1845734"/>
+            <a:ext cx="7543801" cy="4023360"/>
           </a:xfrm>
           <a:prstGeom prst="rect">
             <a:avLst/>
           </a:prstGeom>
         </p:spPr>
         <p:txBody>
-          <a:bodyPr vert="horz" lIns="91440" tIns="45720" rIns="91440" bIns="45720" rtlCol="0">
+          <a:bodyPr vert="horz" lIns="0" tIns="45720" rIns="0" bIns="45720" rtlCol="0">
             <a:normAutofit/>
           </a:bodyPr>
           <a:lstStyle/>
@@ -8257,8 +10076,8 @@
         </p:nvSpPr>
         <p:spPr>
           <a:xfrm>
-            <a:off x="628650" y="6356351"/>
-            <a:ext cx="2057400" cy="365125"/>
+            <a:off x="822961" y="6459786"/>
+            <a:ext cx="1854203" cy="365125"/>
           </a:xfrm>
           <a:prstGeom prst="rect">
             <a:avLst/>
@@ -8268,11 +10087,9 @@
           <a:bodyPr vert="horz" lIns="91440" tIns="45720" rIns="91440" bIns="45720" rtlCol="0" anchor="ctr"/>
           <a:lstStyle>
             <a:lvl1pPr algn="l">
-              <a:defRPr sz="1200">
+              <a:defRPr sz="900">
                 <a:solidFill>
-                  <a:schemeClr val="tx1">
-                    <a:tint val="75000"/>
-                  </a:schemeClr>
+                  <a:srgbClr val="FFFFFF"/>
                 </a:solidFill>
               </a:defRPr>
             </a:lvl1pPr>
@@ -8280,7 +10097,7 @@
           <a:p>
             <a:fld id="{0F64EEF6-A7EF-4ACA-ADF7-1618DD6B7A0C}" type="datetimeFigureOut">
               <a:rPr lang="ru-RU" smtClean="0"/>
-              <a:t>13.03.2017</a:t>
+              <a:t>18.03.2017</a:t>
             </a:fld>
             <a:endParaRPr lang="ru-RU"/>
           </a:p>
@@ -8298,8 +10115,8 @@
         </p:nvSpPr>
         <p:spPr>
           <a:xfrm>
-            <a:off x="3028950" y="6356351"/>
-            <a:ext cx="3086100" cy="365125"/>
+            <a:off x="2764639" y="6459786"/>
+            <a:ext cx="3617103" cy="365125"/>
           </a:xfrm>
           <a:prstGeom prst="rect">
             <a:avLst/>
@@ -8309,11 +10126,9 @@
           <a:bodyPr vert="horz" lIns="91440" tIns="45720" rIns="91440" bIns="45720" rtlCol="0" anchor="ctr"/>
           <a:lstStyle>
             <a:lvl1pPr algn="ctr">
-              <a:defRPr sz="1200">
+              <a:defRPr sz="900" cap="all" baseline="0">
                 <a:solidFill>
-                  <a:schemeClr val="tx1">
-                    <a:tint val="75000"/>
-                  </a:schemeClr>
+                  <a:srgbClr val="FFFFFF"/>
                 </a:solidFill>
               </a:defRPr>
             </a:lvl1pPr>
@@ -8335,8 +10150,8 @@
         </p:nvSpPr>
         <p:spPr>
           <a:xfrm>
-            <a:off x="6457950" y="6356351"/>
-            <a:ext cx="2057400" cy="365125"/>
+            <a:off x="7425344" y="6459786"/>
+            <a:ext cx="984019" cy="365125"/>
           </a:xfrm>
           <a:prstGeom prst="rect">
             <a:avLst/>
@@ -8346,11 +10161,9 @@
           <a:bodyPr vert="horz" lIns="91440" tIns="45720" rIns="91440" bIns="45720" rtlCol="0" anchor="ctr"/>
           <a:lstStyle>
             <a:lvl1pPr algn="r">
-              <a:defRPr sz="1200">
+              <a:defRPr sz="1050">
                 <a:solidFill>
-                  <a:schemeClr val="tx1">
-                    <a:tint val="75000"/>
-                  </a:schemeClr>
+                  <a:srgbClr val="FFFFFF"/>
                 </a:solidFill>
               </a:defRPr>
             </a:lvl1pPr>
@@ -8364,40 +10177,81 @@
           </a:p>
         </p:txBody>
       </p:sp>
+      <p:cxnSp>
+        <p:nvCxnSpPr>
+          <p:cNvPr id="10" name="Straight Connector 9"/>
+          <p:cNvCxnSpPr/>
+          <p:nvPr/>
+        </p:nvCxnSpPr>
+        <p:spPr>
+          <a:xfrm>
+            <a:off x="895149" y="1737845"/>
+            <a:ext cx="7475220" cy="0"/>
+          </a:xfrm>
+          <a:prstGeom prst="line">
+            <a:avLst/>
+          </a:prstGeom>
+          <a:ln w="6350">
+            <a:solidFill>
+              <a:schemeClr val="tx1">
+                <a:lumMod val="50000"/>
+                <a:lumOff val="50000"/>
+              </a:schemeClr>
+            </a:solidFill>
+          </a:ln>
+        </p:spPr>
+        <p:style>
+          <a:lnRef idx="1">
+            <a:schemeClr val="accent1"/>
+          </a:lnRef>
+          <a:fillRef idx="0">
+            <a:schemeClr val="accent1"/>
+          </a:fillRef>
+          <a:effectRef idx="0">
+            <a:schemeClr val="accent1"/>
+          </a:effectRef>
+          <a:fontRef idx="minor">
+            <a:schemeClr val="tx1"/>
+          </a:fontRef>
+        </p:style>
+      </p:cxnSp>
     </p:spTree>
     <p:extLst>
       <p:ext uri="{BB962C8B-B14F-4D97-AF65-F5344CB8AC3E}">
-        <p14:creationId xmlns:p14="http://schemas.microsoft.com/office/powerpoint/2010/main" val="3277012856"/>
+        <p14:creationId xmlns:p14="http://schemas.microsoft.com/office/powerpoint/2010/main" val="2778926048"/>
       </p:ext>
     </p:extLst>
   </p:cSld>
   <p:clrMap bg1="lt1" tx1="dk1" bg2="lt2" tx2="dk2" accent1="accent1" accent2="accent2" accent3="accent3" accent4="accent4" accent5="accent5" accent6="accent6" hlink="hlink" folHlink="folHlink"/>
   <p:sldLayoutIdLst>
-    <p:sldLayoutId id="2147483661" r:id="rId1"/>
-    <p:sldLayoutId id="2147483662" r:id="rId2"/>
-    <p:sldLayoutId id="2147483663" r:id="rId3"/>
-    <p:sldLayoutId id="2147483664" r:id="rId4"/>
-    <p:sldLayoutId id="2147483665" r:id="rId5"/>
-    <p:sldLayoutId id="2147483666" r:id="rId6"/>
-    <p:sldLayoutId id="2147483667" r:id="rId7"/>
-    <p:sldLayoutId id="2147483668" r:id="rId8"/>
-    <p:sldLayoutId id="2147483669" r:id="rId9"/>
-    <p:sldLayoutId id="2147483670" r:id="rId10"/>
-    <p:sldLayoutId id="2147483671" r:id="rId11"/>
+    <p:sldLayoutId id="2147483673" r:id="rId1"/>
+    <p:sldLayoutId id="2147483674" r:id="rId2"/>
+    <p:sldLayoutId id="2147483675" r:id="rId3"/>
+    <p:sldLayoutId id="2147483676" r:id="rId4"/>
+    <p:sldLayoutId id="2147483677" r:id="rId5"/>
+    <p:sldLayoutId id="2147483678" r:id="rId6"/>
+    <p:sldLayoutId id="2147483679" r:id="rId7"/>
+    <p:sldLayoutId id="2147483680" r:id="rId8"/>
+    <p:sldLayoutId id="2147483681" r:id="rId9"/>
+    <p:sldLayoutId id="2147483682" r:id="rId10"/>
+    <p:sldLayoutId id="2147483683" r:id="rId11"/>
   </p:sldLayoutIdLst>
   <p:txStyles>
     <p:titleStyle>
       <a:lvl1pPr algn="l" defTabSz="914400" rtl="0" eaLnBrk="1" latinLnBrk="0" hangingPunct="1">
         <a:lnSpc>
-          <a:spcPct val="90000"/>
+          <a:spcPct val="85000"/>
         </a:lnSpc>
         <a:spcBef>
           <a:spcPct val="0"/>
         </a:spcBef>
         <a:buNone/>
-        <a:defRPr sz="4400" kern="1200">
+        <a:defRPr sz="4800" kern="1200" spc="-50" baseline="0">
           <a:solidFill>
-            <a:schemeClr val="tx1"/>
+            <a:schemeClr val="tx1">
+              <a:lumMod val="75000"/>
+              <a:lumOff val="25000"/>
+            </a:schemeClr>
           </a:solidFill>
           <a:latin typeface="+mj-lt"/>
           <a:ea typeface="+mj-ea"/>
@@ -8406,162 +10260,244 @@
       </a:lvl1pPr>
     </p:titleStyle>
     <p:bodyStyle>
-      <a:lvl1pPr marL="228600" indent="-228600" algn="l" defTabSz="914400" rtl="0" eaLnBrk="1" latinLnBrk="0" hangingPunct="1">
+      <a:lvl1pPr marL="91440" indent="-91440" algn="l" defTabSz="914400" rtl="0" eaLnBrk="1" latinLnBrk="0" hangingPunct="1">
         <a:lnSpc>
           <a:spcPct val="90000"/>
         </a:lnSpc>
         <a:spcBef>
-          <a:spcPts val="1000"/>
+          <a:spcPts val="1200"/>
         </a:spcBef>
-        <a:buFont typeface="Arial" panose="020B0604020202020204" pitchFamily="34" charset="0"/>
-        <a:buChar char="•"/>
-        <a:defRPr sz="2800" kern="1200">
+        <a:spcAft>
+          <a:spcPts val="200"/>
+        </a:spcAft>
+        <a:buClr>
+          <a:schemeClr val="accent1"/>
+        </a:buClr>
+        <a:buSzPct val="100000"/>
+        <a:buFont typeface="Calibri" panose="020F0502020204030204" pitchFamily="34" charset="0"/>
+        <a:buChar char=" "/>
+        <a:defRPr sz="2000" kern="1200">
           <a:solidFill>
-            <a:schemeClr val="tx1"/>
+            <a:schemeClr val="tx1">
+              <a:lumMod val="75000"/>
+              <a:lumOff val="25000"/>
+            </a:schemeClr>
           </a:solidFill>
           <a:latin typeface="+mn-lt"/>
           <a:ea typeface="+mn-ea"/>
           <a:cs typeface="+mn-cs"/>
         </a:defRPr>
       </a:lvl1pPr>
-      <a:lvl2pPr marL="685800" indent="-228600" algn="l" defTabSz="914400" rtl="0" eaLnBrk="1" latinLnBrk="0" hangingPunct="1">
+      <a:lvl2pPr marL="384048" indent="-182880" algn="l" defTabSz="914400" rtl="0" eaLnBrk="1" latinLnBrk="0" hangingPunct="1">
         <a:lnSpc>
           <a:spcPct val="90000"/>
         </a:lnSpc>
         <a:spcBef>
-          <a:spcPts val="500"/>
+          <a:spcPts val="200"/>
         </a:spcBef>
-        <a:buFont typeface="Arial" panose="020B0604020202020204" pitchFamily="34" charset="0"/>
-        <a:buChar char="•"/>
-        <a:defRPr sz="2400" kern="1200">
+        <a:spcAft>
+          <a:spcPts val="400"/>
+        </a:spcAft>
+        <a:buClr>
+          <a:schemeClr val="accent1"/>
+        </a:buClr>
+        <a:buFont typeface="Calibri" pitchFamily="34" charset="0"/>
+        <a:buChar char="◦"/>
+        <a:defRPr sz="1800" kern="1200">
           <a:solidFill>
-            <a:schemeClr val="tx1"/>
+            <a:schemeClr val="tx1">
+              <a:lumMod val="75000"/>
+              <a:lumOff val="25000"/>
+            </a:schemeClr>
           </a:solidFill>
           <a:latin typeface="+mn-lt"/>
           <a:ea typeface="+mn-ea"/>
           <a:cs typeface="+mn-cs"/>
         </a:defRPr>
       </a:lvl2pPr>
-      <a:lvl3pPr marL="1143000" indent="-228600" algn="l" defTabSz="914400" rtl="0" eaLnBrk="1" latinLnBrk="0" hangingPunct="1">
+      <a:lvl3pPr marL="566928" indent="-182880" algn="l" defTabSz="914400" rtl="0" eaLnBrk="1" latinLnBrk="0" hangingPunct="1">
         <a:lnSpc>
           <a:spcPct val="90000"/>
         </a:lnSpc>
         <a:spcBef>
-          <a:spcPts val="500"/>
+          <a:spcPts val="200"/>
         </a:spcBef>
-        <a:buFont typeface="Arial" panose="020B0604020202020204" pitchFamily="34" charset="0"/>
-        <a:buChar char="•"/>
-        <a:defRPr sz="2000" kern="1200">
+        <a:spcAft>
+          <a:spcPts val="400"/>
+        </a:spcAft>
+        <a:buClr>
+          <a:schemeClr val="accent1"/>
+        </a:buClr>
+        <a:buFont typeface="Calibri" pitchFamily="34" charset="0"/>
+        <a:buChar char="◦"/>
+        <a:defRPr sz="1400" kern="1200">
           <a:solidFill>
-            <a:schemeClr val="tx1"/>
+            <a:schemeClr val="tx1">
+              <a:lumMod val="75000"/>
+              <a:lumOff val="25000"/>
+            </a:schemeClr>
           </a:solidFill>
           <a:latin typeface="+mn-lt"/>
           <a:ea typeface="+mn-ea"/>
           <a:cs typeface="+mn-cs"/>
         </a:defRPr>
       </a:lvl3pPr>
-      <a:lvl4pPr marL="1600200" indent="-228600" algn="l" defTabSz="914400" rtl="0" eaLnBrk="1" latinLnBrk="0" hangingPunct="1">
+      <a:lvl4pPr marL="749808" indent="-182880" algn="l" defTabSz="914400" rtl="0" eaLnBrk="1" latinLnBrk="0" hangingPunct="1">
         <a:lnSpc>
           <a:spcPct val="90000"/>
         </a:lnSpc>
         <a:spcBef>
-          <a:spcPts val="500"/>
+          <a:spcPts val="200"/>
         </a:spcBef>
-        <a:buFont typeface="Arial" panose="020B0604020202020204" pitchFamily="34" charset="0"/>
-        <a:buChar char="•"/>
-        <a:defRPr sz="1800" kern="1200">
+        <a:spcAft>
+          <a:spcPts val="400"/>
+        </a:spcAft>
+        <a:buClr>
+          <a:schemeClr val="accent1"/>
+        </a:buClr>
+        <a:buFont typeface="Calibri" pitchFamily="34" charset="0"/>
+        <a:buChar char="◦"/>
+        <a:defRPr sz="1400" kern="1200">
           <a:solidFill>
-            <a:schemeClr val="tx1"/>
+            <a:schemeClr val="tx1">
+              <a:lumMod val="75000"/>
+              <a:lumOff val="25000"/>
+            </a:schemeClr>
           </a:solidFill>
           <a:latin typeface="+mn-lt"/>
           <a:ea typeface="+mn-ea"/>
           <a:cs typeface="+mn-cs"/>
         </a:defRPr>
       </a:lvl4pPr>
-      <a:lvl5pPr marL="2057400" indent="-228600" algn="l" defTabSz="914400" rtl="0" eaLnBrk="1" latinLnBrk="0" hangingPunct="1">
+      <a:lvl5pPr marL="932688" indent="-182880" algn="l" defTabSz="914400" rtl="0" eaLnBrk="1" latinLnBrk="0" hangingPunct="1">
         <a:lnSpc>
           <a:spcPct val="90000"/>
         </a:lnSpc>
         <a:spcBef>
-          <a:spcPts val="500"/>
+          <a:spcPts val="200"/>
         </a:spcBef>
-        <a:buFont typeface="Arial" panose="020B0604020202020204" pitchFamily="34" charset="0"/>
-        <a:buChar char="•"/>
-        <a:defRPr sz="1800" kern="1200">
+        <a:spcAft>
+          <a:spcPts val="400"/>
+        </a:spcAft>
+        <a:buClr>
+          <a:schemeClr val="accent1"/>
+        </a:buClr>
+        <a:buFont typeface="Calibri" pitchFamily="34" charset="0"/>
+        <a:buChar char="◦"/>
+        <a:defRPr sz="1400" kern="1200">
           <a:solidFill>
-            <a:schemeClr val="tx1"/>
+            <a:schemeClr val="tx1">
+              <a:lumMod val="75000"/>
+              <a:lumOff val="25000"/>
+            </a:schemeClr>
           </a:solidFill>
           <a:latin typeface="+mn-lt"/>
           <a:ea typeface="+mn-ea"/>
           <a:cs typeface="+mn-cs"/>
         </a:defRPr>
       </a:lvl5pPr>
-      <a:lvl6pPr marL="2514600" indent="-228600" algn="l" defTabSz="914400" rtl="0" eaLnBrk="1" latinLnBrk="0" hangingPunct="1">
+      <a:lvl6pPr marL="1100000" indent="-228600" algn="l" defTabSz="914400" rtl="0" eaLnBrk="1" latinLnBrk="0" hangingPunct="1">
         <a:lnSpc>
           <a:spcPct val="90000"/>
         </a:lnSpc>
         <a:spcBef>
-          <a:spcPts val="500"/>
+          <a:spcPts val="200"/>
         </a:spcBef>
-        <a:buFont typeface="Arial" panose="020B0604020202020204" pitchFamily="34" charset="0"/>
-        <a:buChar char="•"/>
-        <a:defRPr sz="1800" kern="1200">
+        <a:spcAft>
+          <a:spcPts val="400"/>
+        </a:spcAft>
+        <a:buClr>
+          <a:schemeClr val="accent1"/>
+        </a:buClr>
+        <a:buFont typeface="Calibri" pitchFamily="34" charset="0"/>
+        <a:buChar char="◦"/>
+        <a:defRPr sz="1400" kern="1200">
           <a:solidFill>
-            <a:schemeClr val="tx1"/>
+            <a:schemeClr val="tx1">
+              <a:lumMod val="75000"/>
+              <a:lumOff val="25000"/>
+            </a:schemeClr>
           </a:solidFill>
           <a:latin typeface="+mn-lt"/>
           <a:ea typeface="+mn-ea"/>
           <a:cs typeface="+mn-cs"/>
         </a:defRPr>
       </a:lvl6pPr>
-      <a:lvl7pPr marL="2971800" indent="-228600" algn="l" defTabSz="914400" rtl="0" eaLnBrk="1" latinLnBrk="0" hangingPunct="1">
+      <a:lvl7pPr marL="1300000" indent="-228600" algn="l" defTabSz="914400" rtl="0" eaLnBrk="1" latinLnBrk="0" hangingPunct="1">
         <a:lnSpc>
           <a:spcPct val="90000"/>
         </a:lnSpc>
         <a:spcBef>
-          <a:spcPts val="500"/>
+          <a:spcPts val="200"/>
         </a:spcBef>
-        <a:buFont typeface="Arial" panose="020B0604020202020204" pitchFamily="34" charset="0"/>
-        <a:buChar char="•"/>
-        <a:defRPr sz="1800" kern="1200">
+        <a:spcAft>
+          <a:spcPts val="400"/>
+        </a:spcAft>
+        <a:buClr>
+          <a:schemeClr val="accent1"/>
+        </a:buClr>
+        <a:buFont typeface="Calibri" pitchFamily="34" charset="0"/>
+        <a:buChar char="◦"/>
+        <a:defRPr sz="1400" kern="1200">
           <a:solidFill>
-            <a:schemeClr val="tx1"/>
+            <a:schemeClr val="tx1">
+              <a:lumMod val="75000"/>
+              <a:lumOff val="25000"/>
+            </a:schemeClr>
           </a:solidFill>
           <a:latin typeface="+mn-lt"/>
           <a:ea typeface="+mn-ea"/>
           <a:cs typeface="+mn-cs"/>
         </a:defRPr>
       </a:lvl7pPr>
-      <a:lvl8pPr marL="3429000" indent="-228600" algn="l" defTabSz="914400" rtl="0" eaLnBrk="1" latinLnBrk="0" hangingPunct="1">
+      <a:lvl8pPr marL="1500000" indent="-228600" algn="l" defTabSz="914400" rtl="0" eaLnBrk="1" latinLnBrk="0" hangingPunct="1">
         <a:lnSpc>
           <a:spcPct val="90000"/>
         </a:lnSpc>
         <a:spcBef>
-          <a:spcPts val="500"/>
+          <a:spcPts val="200"/>
         </a:spcBef>
-        <a:buFont typeface="Arial" panose="020B0604020202020204" pitchFamily="34" charset="0"/>
-        <a:buChar char="•"/>
-        <a:defRPr sz="1800" kern="1200">
+        <a:spcAft>
+          <a:spcPts val="400"/>
+        </a:spcAft>
+        <a:buClr>
+          <a:schemeClr val="accent1"/>
+        </a:buClr>
+        <a:buFont typeface="Calibri" pitchFamily="34" charset="0"/>
+        <a:buChar char="◦"/>
+        <a:defRPr sz="1400" kern="1200">
           <a:solidFill>
-            <a:schemeClr val="tx1"/>
+            <a:schemeClr val="tx1">
+              <a:lumMod val="75000"/>
+              <a:lumOff val="25000"/>
+            </a:schemeClr>
           </a:solidFill>
           <a:latin typeface="+mn-lt"/>
           <a:ea typeface="+mn-ea"/>
           <a:cs typeface="+mn-cs"/>
         </a:defRPr>
       </a:lvl8pPr>
-      <a:lvl9pPr marL="3886200" indent="-228600" algn="l" defTabSz="914400" rtl="0" eaLnBrk="1" latinLnBrk="0" hangingPunct="1">
+      <a:lvl9pPr marL="1700000" indent="-228600" algn="l" defTabSz="914400" rtl="0" eaLnBrk="1" latinLnBrk="0" hangingPunct="1">
         <a:lnSpc>
           <a:spcPct val="90000"/>
         </a:lnSpc>
         <a:spcBef>
-          <a:spcPts val="500"/>
+          <a:spcPts val="200"/>
         </a:spcBef>
-        <a:buFont typeface="Arial" panose="020B0604020202020204" pitchFamily="34" charset="0"/>
-        <a:buChar char="•"/>
-        <a:defRPr sz="1800" kern="1200">
+        <a:spcAft>
+          <a:spcPts val="400"/>
+        </a:spcAft>
+        <a:buClr>
+          <a:schemeClr val="accent1"/>
+        </a:buClr>
+        <a:buFont typeface="Calibri" pitchFamily="34" charset="0"/>
+        <a:buChar char="◦"/>
+        <a:defRPr sz="1400" kern="1200">
           <a:solidFill>
-            <a:schemeClr val="tx1"/>
+            <a:schemeClr val="tx1">
+              <a:lumMod val="75000"/>
+              <a:lumOff val="25000"/>
+            </a:schemeClr>
           </a:solidFill>
           <a:latin typeface="+mn-lt"/>
           <a:ea typeface="+mn-ea"/>
@@ -8723,7 +10659,15 @@
           <a:bodyPr/>
           <a:lstStyle/>
           <a:p>
-            <a:endParaRPr lang="ru-RU"/>
+            <a:r>
+              <a:rPr lang="ru-RU" dirty="0" smtClean="0"/>
+              <a:t>Виталий </a:t>
+            </a:r>
+            <a:r>
+              <a:rPr lang="ru-RU" dirty="0" err="1" smtClean="0"/>
+              <a:t>квятковский</a:t>
+            </a:r>
+            <a:endParaRPr lang="ru-RU" dirty="0"/>
           </a:p>
         </p:txBody>
       </p:sp>
@@ -8780,55 +10724,35 @@
           </a:p>
         </p:txBody>
       </p:sp>
-      <p:sp>
-        <p:nvSpPr>
-          <p:cNvPr id="3" name="Объект 2"/>
-          <p:cNvSpPr>
-            <a:spLocks noGrp="1"/>
-          </p:cNvSpPr>
+      <p:graphicFrame>
+        <p:nvGraphicFramePr>
+          <p:cNvPr id="7" name="Объект 6"/>
+          <p:cNvGraphicFramePr>
+            <a:graphicFrameLocks noGrp="1"/>
+          </p:cNvGraphicFramePr>
           <p:nvPr>
             <p:ph idx="1"/>
-          </p:nvPr>
-        </p:nvSpPr>
-        <p:spPr/>
-        <p:txBody>
-          <a:bodyPr/>
-          <a:lstStyle/>
-          <a:p>
-            <a:r>
-              <a:rPr lang="ru-RU" dirty="0" smtClean="0"/>
-              <a:t>Программирование</a:t>
-            </a:r>
-          </a:p>
-          <a:p>
-            <a:r>
-              <a:rPr lang="ru-RU" dirty="0" smtClean="0"/>
-              <a:t>Обсуждение </a:t>
-            </a:r>
-            <a:r>
-              <a:rPr lang="ru-RU" dirty="0" smtClean="0"/>
-              <a:t>требований</a:t>
-            </a:r>
-          </a:p>
-          <a:p>
-            <a:r>
-              <a:rPr lang="ru-RU" dirty="0" smtClean="0"/>
-              <a:t>Тестирование (ручное)</a:t>
-            </a:r>
-          </a:p>
-          <a:p>
-            <a:r>
-              <a:rPr lang="ru-RU" dirty="0" smtClean="0"/>
-              <a:t>Тестирование (автоматизация)</a:t>
-            </a:r>
-            <a:endParaRPr lang="ru-RU" dirty="0"/>
-          </a:p>
-        </p:txBody>
-      </p:sp>
+            <p:extLst>
+              <p:ext uri="{D42A27DB-BD31-4B8C-83A1-F6EECF244321}">
+                <p14:modId xmlns:p14="http://schemas.microsoft.com/office/powerpoint/2010/main" val="1463386099"/>
+              </p:ext>
+            </p:extLst>
+          </p:nvPr>
+        </p:nvGraphicFramePr>
+        <p:xfrm>
+          <a:off x="519290" y="1580444"/>
+          <a:ext cx="8252178" cy="4573941"/>
+        </p:xfrm>
+        <a:graphic>
+          <a:graphicData uri="http://schemas.openxmlformats.org/drawingml/2006/chart">
+            <c:chart xmlns:c="http://schemas.openxmlformats.org/drawingml/2006/chart" xmlns:r="http://schemas.openxmlformats.org/officeDocument/2006/relationships" r:id="rId3"/>
+          </a:graphicData>
+        </a:graphic>
+      </p:graphicFrame>
     </p:spTree>
     <p:extLst>
       <p:ext uri="{BB962C8B-B14F-4D97-AF65-F5344CB8AC3E}">
-        <p14:creationId xmlns:p14="http://schemas.microsoft.com/office/powerpoint/2010/main" val="29119012"/>
+        <p14:creationId xmlns:p14="http://schemas.microsoft.com/office/powerpoint/2010/main" val="3485614032"/>
       </p:ext>
     </p:extLst>
   </p:cSld>
@@ -8888,25 +10812,25 @@
             <p:ph idx="1"/>
             <p:extLst>
               <p:ext uri="{D42A27DB-BD31-4B8C-83A1-F6EECF244321}">
-                <p14:modId xmlns:p14="http://schemas.microsoft.com/office/powerpoint/2010/main" val="4104306570"/>
+                <p14:modId xmlns:p14="http://schemas.microsoft.com/office/powerpoint/2010/main" val="3572633977"/>
               </p:ext>
             </p:extLst>
           </p:nvPr>
         </p:nvGraphicFramePr>
         <p:xfrm>
-          <a:off x="628650" y="365126"/>
-          <a:ext cx="7886700" cy="5811837"/>
+          <a:off x="598310" y="1557866"/>
+          <a:ext cx="8116711" cy="4573941"/>
         </p:xfrm>
         <a:graphic>
           <a:graphicData uri="http://schemas.openxmlformats.org/drawingml/2006/chart">
-            <c:chart xmlns:c="http://schemas.openxmlformats.org/drawingml/2006/chart" xmlns:r="http://schemas.openxmlformats.org/officeDocument/2006/relationships" r:id="rId2"/>
+            <c:chart xmlns:c="http://schemas.openxmlformats.org/drawingml/2006/chart" xmlns:r="http://schemas.openxmlformats.org/officeDocument/2006/relationships" r:id="rId3"/>
           </a:graphicData>
         </a:graphic>
       </p:graphicFrame>
     </p:spTree>
     <p:extLst>
       <p:ext uri="{BB962C8B-B14F-4D97-AF65-F5344CB8AC3E}">
-        <p14:creationId xmlns:p14="http://schemas.microsoft.com/office/powerpoint/2010/main" val="2664157467"/>
+        <p14:creationId xmlns:p14="http://schemas.microsoft.com/office/powerpoint/2010/main" val="1732853620"/>
       </p:ext>
     </p:extLst>
   </p:cSld>
@@ -8966,25 +10890,25 @@
             <p:ph idx="1"/>
             <p:extLst>
               <p:ext uri="{D42A27DB-BD31-4B8C-83A1-F6EECF244321}">
-                <p14:modId xmlns:p14="http://schemas.microsoft.com/office/powerpoint/2010/main" val="806384936"/>
+                <p14:modId xmlns:p14="http://schemas.microsoft.com/office/powerpoint/2010/main" val="602927723"/>
               </p:ext>
             </p:extLst>
           </p:nvPr>
         </p:nvGraphicFramePr>
         <p:xfrm>
-          <a:off x="628650" y="365126"/>
-          <a:ext cx="7886700" cy="5811837"/>
+          <a:off x="564444" y="1557866"/>
+          <a:ext cx="8252178" cy="4573941"/>
         </p:xfrm>
         <a:graphic>
           <a:graphicData uri="http://schemas.openxmlformats.org/drawingml/2006/chart">
-            <c:chart xmlns:c="http://schemas.openxmlformats.org/drawingml/2006/chart" xmlns:r="http://schemas.openxmlformats.org/officeDocument/2006/relationships" r:id="rId2"/>
+            <c:chart xmlns:c="http://schemas.openxmlformats.org/drawingml/2006/chart" xmlns:r="http://schemas.openxmlformats.org/officeDocument/2006/relationships" r:id="rId3"/>
           </a:graphicData>
         </a:graphic>
       </p:graphicFrame>
     </p:spTree>
     <p:extLst>
       <p:ext uri="{BB962C8B-B14F-4D97-AF65-F5344CB8AC3E}">
-        <p14:creationId xmlns:p14="http://schemas.microsoft.com/office/powerpoint/2010/main" val="3615002775"/>
+        <p14:creationId xmlns:p14="http://schemas.microsoft.com/office/powerpoint/2010/main" val="1974726521"/>
       </p:ext>
     </p:extLst>
   </p:cSld>
@@ -9044,14 +10968,14 @@
             <p:ph idx="1"/>
             <p:extLst>
               <p:ext uri="{D42A27DB-BD31-4B8C-83A1-F6EECF244321}">
-                <p14:modId xmlns:p14="http://schemas.microsoft.com/office/powerpoint/2010/main" val="3543443495"/>
+                <p14:modId xmlns:p14="http://schemas.microsoft.com/office/powerpoint/2010/main" val="1998193316"/>
               </p:ext>
             </p:extLst>
           </p:nvPr>
         </p:nvGraphicFramePr>
         <p:xfrm>
-          <a:off x="628650" y="365126"/>
-          <a:ext cx="7886700" cy="5811837"/>
+          <a:off x="553156" y="1512711"/>
+          <a:ext cx="8331200" cy="4573941"/>
         </p:xfrm>
         <a:graphic>
           <a:graphicData uri="http://schemas.openxmlformats.org/drawingml/2006/chart">
@@ -9062,7 +10986,7 @@
     </p:spTree>
     <p:extLst>
       <p:ext uri="{BB962C8B-B14F-4D97-AF65-F5344CB8AC3E}">
-        <p14:creationId xmlns:p14="http://schemas.microsoft.com/office/powerpoint/2010/main" val="243841676"/>
+        <p14:creationId xmlns:p14="http://schemas.microsoft.com/office/powerpoint/2010/main" val="3100081510"/>
       </p:ext>
     </p:extLst>
   </p:cSld>
@@ -9106,41 +11030,16 @@
           <a:p>
             <a:r>
               <a:rPr lang="ru-RU" dirty="0" smtClean="0"/>
-              <a:t>Мой день</a:t>
+              <a:t>Что необходимо для успеха?</a:t>
             </a:r>
             <a:endParaRPr lang="ru-RU" dirty="0"/>
           </a:p>
         </p:txBody>
       </p:sp>
-      <p:graphicFrame>
-        <p:nvGraphicFramePr>
-          <p:cNvPr id="7" name="Объект 6"/>
-          <p:cNvGraphicFramePr>
-            <a:graphicFrameLocks noGrp="1"/>
-          </p:cNvGraphicFramePr>
-          <p:nvPr>
-            <p:ph idx="1"/>
-            <p:extLst>
-              <p:ext uri="{D42A27DB-BD31-4B8C-83A1-F6EECF244321}">
-                <p14:modId xmlns:p14="http://schemas.microsoft.com/office/powerpoint/2010/main" val="950867416"/>
-              </p:ext>
-            </p:extLst>
-          </p:nvPr>
-        </p:nvGraphicFramePr>
-        <p:xfrm>
-          <a:off x="628650" y="365126"/>
-          <a:ext cx="7886700" cy="5811837"/>
-        </p:xfrm>
-        <a:graphic>
-          <a:graphicData uri="http://schemas.openxmlformats.org/drawingml/2006/chart">
-            <c:chart xmlns:c="http://schemas.openxmlformats.org/drawingml/2006/chart" xmlns:r="http://schemas.openxmlformats.org/officeDocument/2006/relationships" r:id="rId2"/>
-          </a:graphicData>
-        </a:graphic>
-      </p:graphicFrame>
     </p:spTree>
     <p:extLst>
       <p:ext uri="{BB962C8B-B14F-4D97-AF65-F5344CB8AC3E}">
-        <p14:creationId xmlns:p14="http://schemas.microsoft.com/office/powerpoint/2010/main" val="695862180"/>
+        <p14:creationId xmlns:p14="http://schemas.microsoft.com/office/powerpoint/2010/main" val="1642945991"/>
       </p:ext>
     </p:extLst>
   </p:cSld>
@@ -9167,137 +11066,6 @@
           <a:chExt cx="0" cy="0"/>
         </a:xfrm>
       </p:grpSpPr>
-      <p:sp>
-        <p:nvSpPr>
-          <p:cNvPr id="2" name="Заголовок 1"/>
-          <p:cNvSpPr>
-            <a:spLocks noGrp="1"/>
-          </p:cNvSpPr>
-          <p:nvPr>
-            <p:ph type="title"/>
-          </p:nvPr>
-        </p:nvSpPr>
-        <p:spPr/>
-        <p:txBody>
-          <a:bodyPr/>
-          <a:lstStyle/>
-          <a:p>
-            <a:r>
-              <a:rPr lang="ru-RU" dirty="0" smtClean="0"/>
-              <a:t>Мой день</a:t>
-            </a:r>
-            <a:endParaRPr lang="ru-RU" dirty="0"/>
-          </a:p>
-        </p:txBody>
-      </p:sp>
-      <p:graphicFrame>
-        <p:nvGraphicFramePr>
-          <p:cNvPr id="7" name="Объект 6"/>
-          <p:cNvGraphicFramePr>
-            <a:graphicFrameLocks noGrp="1"/>
-          </p:cNvGraphicFramePr>
-          <p:nvPr>
-            <p:ph idx="1"/>
-            <p:extLst>
-              <p:ext uri="{D42A27DB-BD31-4B8C-83A1-F6EECF244321}">
-                <p14:modId xmlns:p14="http://schemas.microsoft.com/office/powerpoint/2010/main" val="1247451615"/>
-              </p:ext>
-            </p:extLst>
-          </p:nvPr>
-        </p:nvGraphicFramePr>
-        <p:xfrm>
-          <a:off x="628650" y="365126"/>
-          <a:ext cx="7886700" cy="5811837"/>
-        </p:xfrm>
-        <a:graphic>
-          <a:graphicData uri="http://schemas.openxmlformats.org/drawingml/2006/chart">
-            <c:chart xmlns:c="http://schemas.openxmlformats.org/drawingml/2006/chart" xmlns:r="http://schemas.openxmlformats.org/officeDocument/2006/relationships" r:id="rId2"/>
-          </a:graphicData>
-        </a:graphic>
-      </p:graphicFrame>
-    </p:spTree>
-    <p:extLst>
-      <p:ext uri="{BB962C8B-B14F-4D97-AF65-F5344CB8AC3E}">
-        <p14:creationId xmlns:p14="http://schemas.microsoft.com/office/powerpoint/2010/main" val="536218154"/>
-      </p:ext>
-    </p:extLst>
-  </p:cSld>
-  <p:clrMapOvr>
-    <a:masterClrMapping/>
-  </p:clrMapOvr>
-</p:sld>
-</file>
-
-<file path=ppt/slides/slide16.xml><?xml version="1.0" encoding="utf-8"?>
-<p:sld xmlns:a="http://schemas.openxmlformats.org/drawingml/2006/main" xmlns:r="http://schemas.openxmlformats.org/officeDocument/2006/relationships" xmlns:p="http://schemas.openxmlformats.org/presentationml/2006/main">
-  <p:cSld>
-    <p:spTree>
-      <p:nvGrpSpPr>
-        <p:cNvPr id="1" name=""/>
-        <p:cNvGrpSpPr/>
-        <p:nvPr/>
-      </p:nvGrpSpPr>
-      <p:grpSpPr>
-        <a:xfrm>
-          <a:off x="0" y="0"/>
-          <a:ext cx="0" cy="0"/>
-          <a:chOff x="0" y="0"/>
-          <a:chExt cx="0" cy="0"/>
-        </a:xfrm>
-      </p:grpSpPr>
-      <p:sp>
-        <p:nvSpPr>
-          <p:cNvPr id="2" name="Заголовок 1"/>
-          <p:cNvSpPr>
-            <a:spLocks noGrp="1"/>
-          </p:cNvSpPr>
-          <p:nvPr>
-            <p:ph type="title"/>
-          </p:nvPr>
-        </p:nvSpPr>
-        <p:spPr/>
-        <p:txBody>
-          <a:bodyPr/>
-          <a:lstStyle/>
-          <a:p>
-            <a:r>
-              <a:rPr lang="ru-RU" dirty="0" smtClean="0"/>
-              <a:t>Что необходимо для успеха?</a:t>
-            </a:r>
-            <a:endParaRPr lang="ru-RU" dirty="0"/>
-          </a:p>
-        </p:txBody>
-      </p:sp>
-    </p:spTree>
-    <p:extLst>
-      <p:ext uri="{BB962C8B-B14F-4D97-AF65-F5344CB8AC3E}">
-        <p14:creationId xmlns:p14="http://schemas.microsoft.com/office/powerpoint/2010/main" val="1642945991"/>
-      </p:ext>
-    </p:extLst>
-  </p:cSld>
-  <p:clrMapOvr>
-    <a:masterClrMapping/>
-  </p:clrMapOvr>
-</p:sld>
-</file>
-
-<file path=ppt/slides/slide17.xml><?xml version="1.0" encoding="utf-8"?>
-<p:sld xmlns:a="http://schemas.openxmlformats.org/drawingml/2006/main" xmlns:r="http://schemas.openxmlformats.org/officeDocument/2006/relationships" xmlns:p="http://schemas.openxmlformats.org/presentationml/2006/main">
-  <p:cSld>
-    <p:spTree>
-      <p:nvGrpSpPr>
-        <p:cNvPr id="1" name=""/>
-        <p:cNvGrpSpPr/>
-        <p:nvPr/>
-      </p:nvGrpSpPr>
-      <p:grpSpPr>
-        <a:xfrm>
-          <a:off x="0" y="0"/>
-          <a:ext cx="0" cy="0"/>
-          <a:chOff x="0" y="0"/>
-          <a:chExt cx="0" cy="0"/>
-        </a:xfrm>
-      </p:grpSpPr>
       <p:pic>
         <p:nvPicPr>
           <p:cNvPr id="1026" name="Picture 2" descr="Geek_Resume-Cloud.png (542×284)"/>
@@ -9307,7 +11075,7 @@
           <p:nvPr/>
         </p:nvPicPr>
         <p:blipFill>
-          <a:blip r:embed="rId2">
+          <a:blip r:embed="rId3">
             <a:extLst>
               <a:ext uri="{28A0092B-C50C-407E-A947-70E740481C1C}">
                 <a14:useLocalDpi xmlns:a14="http://schemas.microsoft.com/office/drawing/2010/main" val="0"/>
@@ -9352,6 +11120,144 @@
 </p:sld>
 </file>
 
+<file path=ppt/slides/slide16.xml><?xml version="1.0" encoding="utf-8"?>
+<p:sld xmlns:a="http://schemas.openxmlformats.org/drawingml/2006/main" xmlns:r="http://schemas.openxmlformats.org/officeDocument/2006/relationships" xmlns:p="http://schemas.openxmlformats.org/presentationml/2006/main">
+  <p:cSld>
+    <p:spTree>
+      <p:nvGrpSpPr>
+        <p:cNvPr id="1" name=""/>
+        <p:cNvGrpSpPr/>
+        <p:nvPr/>
+      </p:nvGrpSpPr>
+      <p:grpSpPr>
+        <a:xfrm>
+          <a:off x="0" y="0"/>
+          <a:ext cx="0" cy="0"/>
+          <a:chOff x="0" y="0"/>
+          <a:chExt cx="0" cy="0"/>
+        </a:xfrm>
+      </p:grpSpPr>
+      <p:sp>
+        <p:nvSpPr>
+          <p:cNvPr id="2" name="Заголовок 1"/>
+          <p:cNvSpPr>
+            <a:spLocks noGrp="1"/>
+          </p:cNvSpPr>
+          <p:nvPr>
+            <p:ph type="title"/>
+          </p:nvPr>
+        </p:nvSpPr>
+        <p:spPr>
+          <a:xfrm>
+            <a:off x="645583" y="2735793"/>
+            <a:ext cx="7886700" cy="1325563"/>
+          </a:xfrm>
+        </p:spPr>
+        <p:txBody>
+          <a:bodyPr>
+            <a:normAutofit/>
+          </a:bodyPr>
+          <a:lstStyle/>
+          <a:p>
+            <a:pPr algn="ctr"/>
+            <a:r>
+              <a:rPr lang="en-US" sz="6600" dirty="0" smtClean="0"/>
+              <a:t>Hard Skills / Soft Skills</a:t>
+            </a:r>
+            <a:endParaRPr lang="ru-RU" sz="6600" dirty="0"/>
+          </a:p>
+        </p:txBody>
+      </p:sp>
+    </p:spTree>
+    <p:extLst>
+      <p:ext uri="{BB962C8B-B14F-4D97-AF65-F5344CB8AC3E}">
+        <p14:creationId xmlns:p14="http://schemas.microsoft.com/office/powerpoint/2010/main" val="4128484078"/>
+      </p:ext>
+    </p:extLst>
+  </p:cSld>
+  <p:clrMapOvr>
+    <a:masterClrMapping/>
+  </p:clrMapOvr>
+</p:sld>
+</file>
+
+<file path=ppt/slides/slide17.xml><?xml version="1.0" encoding="utf-8"?>
+<p:sld xmlns:a="http://schemas.openxmlformats.org/drawingml/2006/main" xmlns:r="http://schemas.openxmlformats.org/officeDocument/2006/relationships" xmlns:p="http://schemas.openxmlformats.org/presentationml/2006/main">
+  <p:cSld>
+    <p:spTree>
+      <p:nvGrpSpPr>
+        <p:cNvPr id="1" name=""/>
+        <p:cNvGrpSpPr/>
+        <p:nvPr/>
+      </p:nvGrpSpPr>
+      <p:grpSpPr>
+        <a:xfrm>
+          <a:off x="0" y="0"/>
+          <a:ext cx="0" cy="0"/>
+          <a:chOff x="0" y="0"/>
+          <a:chExt cx="0" cy="0"/>
+        </a:xfrm>
+      </p:grpSpPr>
+      <p:sp>
+        <p:nvSpPr>
+          <p:cNvPr id="2" name="Заголовок 1"/>
+          <p:cNvSpPr>
+            <a:spLocks noGrp="1"/>
+          </p:cNvSpPr>
+          <p:nvPr>
+            <p:ph type="title"/>
+          </p:nvPr>
+        </p:nvSpPr>
+        <p:spPr/>
+        <p:txBody>
+          <a:bodyPr/>
+          <a:lstStyle/>
+          <a:p>
+            <a:r>
+              <a:rPr lang="en-US" dirty="0" smtClean="0"/>
+              <a:t>Soft Skills</a:t>
+            </a:r>
+            <a:endParaRPr lang="ru-RU" dirty="0"/>
+          </a:p>
+        </p:txBody>
+      </p:sp>
+      <p:sp>
+        <p:nvSpPr>
+          <p:cNvPr id="3" name="Объект 2"/>
+          <p:cNvSpPr>
+            <a:spLocks noGrp="1"/>
+          </p:cNvSpPr>
+          <p:nvPr>
+            <p:ph idx="1"/>
+          </p:nvPr>
+        </p:nvSpPr>
+        <p:spPr/>
+        <p:txBody>
+          <a:bodyPr>
+            <a:normAutofit/>
+          </a:bodyPr>
+          <a:lstStyle/>
+          <a:p>
+            <a:r>
+              <a:rPr lang="en-US" sz="3600" dirty="0" smtClean="0"/>
+              <a:t>English</a:t>
+            </a:r>
+          </a:p>
+        </p:txBody>
+      </p:sp>
+    </p:spTree>
+    <p:extLst>
+      <p:ext uri="{BB962C8B-B14F-4D97-AF65-F5344CB8AC3E}">
+        <p14:creationId xmlns:p14="http://schemas.microsoft.com/office/powerpoint/2010/main" val="2442484311"/>
+      </p:ext>
+    </p:extLst>
+  </p:cSld>
+  <p:clrMapOvr>
+    <a:masterClrMapping/>
+  </p:clrMapOvr>
+</p:sld>
+</file>
+
 <file path=ppt/slides/slide18.xml><?xml version="1.0" encoding="utf-8"?>
 <p:sld xmlns:a="http://schemas.openxmlformats.org/drawingml/2006/main" xmlns:r="http://schemas.openxmlformats.org/officeDocument/2006/relationships" xmlns:p="http://schemas.openxmlformats.org/presentationml/2006/main">
   <p:cSld>
@@ -9379,31 +11285,54 @@
             <p:ph type="title"/>
           </p:nvPr>
         </p:nvSpPr>
-        <p:spPr>
-          <a:xfrm>
-            <a:off x="645583" y="2735793"/>
-            <a:ext cx="7886700" cy="1325563"/>
-          </a:xfrm>
-        </p:spPr>
+        <p:spPr/>
+        <p:txBody>
+          <a:bodyPr/>
+          <a:lstStyle/>
+          <a:p>
+            <a:r>
+              <a:rPr lang="en-US" dirty="0" smtClean="0"/>
+              <a:t>Soft Skills</a:t>
+            </a:r>
+            <a:endParaRPr lang="ru-RU" dirty="0"/>
+          </a:p>
+        </p:txBody>
+      </p:sp>
+      <p:sp>
+        <p:nvSpPr>
+          <p:cNvPr id="3" name="Объект 2"/>
+          <p:cNvSpPr>
+            <a:spLocks noGrp="1"/>
+          </p:cNvSpPr>
+          <p:nvPr>
+            <p:ph idx="1"/>
+          </p:nvPr>
+        </p:nvSpPr>
+        <p:spPr/>
         <p:txBody>
           <a:bodyPr>
             <a:normAutofit/>
           </a:bodyPr>
           <a:lstStyle/>
           <a:p>
-            <a:pPr algn="ctr"/>
-            <a:r>
-              <a:rPr lang="en-US" sz="6600" dirty="0" smtClean="0"/>
-              <a:t>Hard Skills / Soft Skills</a:t>
-            </a:r>
-            <a:endParaRPr lang="ru-RU" sz="6600" dirty="0"/>
+            <a:r>
+              <a:rPr lang="ru-RU" sz="3600" dirty="0"/>
+              <a:t>Абстрактное и логическое мышление</a:t>
+            </a:r>
+          </a:p>
+          <a:p>
+            <a:r>
+              <a:rPr lang="en-US" sz="3600" dirty="0" smtClean="0"/>
+              <a:t>English</a:t>
+            </a:r>
+            <a:endParaRPr lang="en-US" sz="3600" dirty="0" smtClean="0"/>
           </a:p>
         </p:txBody>
       </p:sp>
     </p:spTree>
     <p:extLst>
       <p:ext uri="{BB962C8B-B14F-4D97-AF65-F5344CB8AC3E}">
-        <p14:creationId xmlns:p14="http://schemas.microsoft.com/office/powerpoint/2010/main" val="4128484078"/>
+        <p14:creationId xmlns:p14="http://schemas.microsoft.com/office/powerpoint/2010/main" val="1217169791"/>
       </p:ext>
     </p:extLst>
   </p:cSld>
@@ -9446,8 +11375,8 @@
           <a:lstStyle/>
           <a:p>
             <a:r>
-              <a:rPr lang="en-US" dirty="0" smtClean="0"/>
-              <a:t>Soft Skills</a:t>
+              <a:rPr lang="ru-RU" dirty="0" smtClean="0"/>
+              <a:t>Логическое мышление</a:t>
             </a:r>
             <a:endParaRPr lang="ru-RU" dirty="0"/>
           </a:p>
@@ -9465,12 +11394,85 @@
         </p:nvSpPr>
         <p:spPr/>
         <p:txBody>
-          <a:bodyPr/>
+          <a:bodyPr>
+            <a:normAutofit/>
+          </a:bodyPr>
           <a:lstStyle/>
           <a:p>
-            <a:r>
-              <a:rPr lang="en-US" dirty="0" smtClean="0"/>
-              <a:t>English</a:t>
+            <a:pPr marL="0" indent="0">
+              <a:buNone/>
+            </a:pPr>
+            <a:r>
+              <a:rPr lang="ru-RU" sz="3200" dirty="0"/>
+              <a:t>Некоторые улитки являются горами. </a:t>
+            </a:r>
+            <a:endParaRPr lang="ru-RU" sz="3200" dirty="0" smtClean="0"/>
+          </a:p>
+          <a:p>
+            <a:pPr marL="0" indent="0">
+              <a:buNone/>
+            </a:pPr>
+            <a:r>
+              <a:rPr lang="ru-RU" sz="3200" dirty="0" smtClean="0"/>
+              <a:t>Все </a:t>
+            </a:r>
+            <a:r>
+              <a:rPr lang="ru-RU" sz="3200" dirty="0"/>
+              <a:t>горы любят кошек. </a:t>
+            </a:r>
+            <a:endParaRPr lang="ru-RU" sz="3200" dirty="0" smtClean="0"/>
+          </a:p>
+          <a:p>
+            <a:pPr marL="0" indent="0">
+              <a:buNone/>
+            </a:pPr>
+            <a:r>
+              <a:rPr lang="ru-RU" sz="3200" dirty="0" smtClean="0"/>
+              <a:t>Значит</a:t>
+            </a:r>
+            <a:r>
+              <a:rPr lang="ru-RU" sz="3200" dirty="0"/>
+              <a:t>, все улитки любят кошек</a:t>
+            </a:r>
+            <a:r>
+              <a:rPr lang="ru-RU" sz="3200" dirty="0" smtClean="0"/>
+              <a:t>.</a:t>
+            </a:r>
+          </a:p>
+          <a:p>
+            <a:pPr marL="0" indent="0">
+              <a:buNone/>
+            </a:pPr>
+            <a:r>
+              <a:rPr lang="ru-RU" sz="3200" dirty="0"/>
+              <a:t/>
+            </a:r>
+            <a:br>
+              <a:rPr lang="ru-RU" sz="3200" dirty="0"/>
+            </a:br>
+            <a:r>
+              <a:rPr lang="ru-RU" sz="3200" dirty="0"/>
+              <a:t>а) </a:t>
+            </a:r>
+            <a:r>
+              <a:rPr lang="ru-RU" sz="3200" dirty="0" smtClean="0"/>
+              <a:t>правильно</a:t>
+            </a:r>
+          </a:p>
+          <a:p>
+            <a:pPr marL="0" indent="0">
+              <a:buNone/>
+            </a:pPr>
+            <a:r>
+              <a:rPr lang="ru-RU" sz="3200" dirty="0"/>
+              <a:t/>
+            </a:r>
+            <a:br>
+              <a:rPr lang="ru-RU" sz="3200" dirty="0"/>
+            </a:br>
+            <a:r>
+              <a:rPr lang="ru-RU" sz="3200" dirty="0"/>
+              <a:t>б) неправильно</a:t>
             </a:r>
           </a:p>
         </p:txBody>
@@ -9478,7 +11480,7 @@
     </p:spTree>
     <p:extLst>
       <p:ext uri="{BB962C8B-B14F-4D97-AF65-F5344CB8AC3E}">
-        <p14:creationId xmlns:p14="http://schemas.microsoft.com/office/powerpoint/2010/main" val="2442484311"/>
+        <p14:creationId xmlns:p14="http://schemas.microsoft.com/office/powerpoint/2010/main" val="179286603"/>
       </p:ext>
     </p:extLst>
   </p:cSld>
@@ -9515,7 +11517,12 @@
             <p:ph type="title"/>
           </p:nvPr>
         </p:nvSpPr>
-        <p:spPr/>
+        <p:spPr>
+          <a:xfrm>
+            <a:off x="870722" y="295889"/>
+            <a:ext cx="7543800" cy="1450757"/>
+          </a:xfrm>
+        </p:spPr>
         <p:txBody>
           <a:bodyPr/>
           <a:lstStyle/>
@@ -9530,23 +11537,569 @@
       </p:sp>
       <p:sp>
         <p:nvSpPr>
-          <p:cNvPr id="3" name="Объект 2"/>
-          <p:cNvSpPr>
-            <a:spLocks noGrp="1"/>
-          </p:cNvSpPr>
-          <p:nvPr>
-            <p:ph idx="1"/>
-          </p:nvPr>
-        </p:nvSpPr>
-        <p:spPr/>
-        <p:txBody>
-          <a:bodyPr/>
+          <p:cNvPr id="4" name="Овал 3"/>
+          <p:cNvSpPr/>
+          <p:nvPr/>
+        </p:nvSpPr>
+        <p:spPr>
+          <a:xfrm>
+            <a:off x="3599983" y="2748868"/>
+            <a:ext cx="2085278" cy="2136038"/>
+          </a:xfrm>
+          <a:prstGeom prst="ellipse">
+            <a:avLst/>
+          </a:prstGeom>
+          <a:blipFill>
+            <a:blip r:embed="rId3"/>
+            <a:stretch>
+              <a:fillRect/>
+            </a:stretch>
+          </a:blipFill>
+        </p:spPr>
+        <p:style>
+          <a:lnRef idx="2">
+            <a:schemeClr val="accent1">
+              <a:shade val="50000"/>
+            </a:schemeClr>
+          </a:lnRef>
+          <a:fillRef idx="1">
+            <a:schemeClr val="accent1"/>
+          </a:fillRef>
+          <a:effectRef idx="0">
+            <a:schemeClr val="accent1"/>
+          </a:effectRef>
+          <a:fontRef idx="minor">
+            <a:schemeClr val="lt1"/>
+          </a:fontRef>
+        </p:style>
+        <p:txBody>
+          <a:bodyPr rtlCol="0" anchor="ctr"/>
           <a:lstStyle/>
           <a:p>
+            <a:pPr algn="ctr"/>
             <a:endParaRPr lang="ru-RU"/>
           </a:p>
         </p:txBody>
       </p:sp>
+      <p:sp>
+        <p:nvSpPr>
+          <p:cNvPr id="5" name="Овал 4"/>
+          <p:cNvSpPr/>
+          <p:nvPr/>
+        </p:nvSpPr>
+        <p:spPr>
+          <a:xfrm>
+            <a:off x="6485980" y="1854200"/>
+            <a:ext cx="1718219" cy="1646973"/>
+          </a:xfrm>
+          <a:prstGeom prst="ellipse">
+            <a:avLst/>
+          </a:prstGeom>
+          <a:solidFill>
+            <a:schemeClr val="accent2"/>
+          </a:solidFill>
+        </p:spPr>
+        <p:style>
+          <a:lnRef idx="2">
+            <a:schemeClr val="accent1">
+              <a:shade val="50000"/>
+            </a:schemeClr>
+          </a:lnRef>
+          <a:fillRef idx="1">
+            <a:schemeClr val="accent1"/>
+          </a:fillRef>
+          <a:effectRef idx="0">
+            <a:schemeClr val="accent1"/>
+          </a:effectRef>
+          <a:fontRef idx="minor">
+            <a:schemeClr val="lt1"/>
+          </a:fontRef>
+        </p:style>
+        <p:txBody>
+          <a:bodyPr rtlCol="0" anchor="ctr"/>
+          <a:lstStyle/>
+          <a:p>
+            <a:pPr algn="ctr"/>
+            <a:r>
+              <a:rPr lang="en-US" sz="3200" b="1" dirty="0" smtClean="0">
+                <a:ln w="12700">
+                  <a:solidFill>
+                    <a:schemeClr val="tx2">
+                      <a:satMod val="155000"/>
+                    </a:schemeClr>
+                  </a:solidFill>
+                  <a:prstDash val="solid"/>
+                </a:ln>
+                <a:solidFill>
+                  <a:schemeClr val="bg2">
+                    <a:tint val="85000"/>
+                    <a:satMod val="155000"/>
+                  </a:schemeClr>
+                </a:solidFill>
+                <a:effectLst>
+                  <a:outerShdw blurRad="41275" dist="20320" dir="1800000" algn="tl" rotWithShape="0">
+                    <a:srgbClr val="000000">
+                      <a:alpha val="40000"/>
+                    </a:srgbClr>
+                  </a:outerShdw>
+                </a:effectLst>
+              </a:rPr>
+              <a:t>EPAM</a:t>
+            </a:r>
+            <a:endParaRPr lang="ru-RU" sz="3200" b="1" dirty="0">
+              <a:ln w="12700">
+                <a:solidFill>
+                  <a:schemeClr val="tx2">
+                    <a:satMod val="155000"/>
+                  </a:schemeClr>
+                </a:solidFill>
+                <a:prstDash val="solid"/>
+              </a:ln>
+              <a:solidFill>
+                <a:schemeClr val="bg2">
+                  <a:tint val="85000"/>
+                  <a:satMod val="155000"/>
+                </a:schemeClr>
+              </a:solidFill>
+              <a:effectLst>
+                <a:outerShdw blurRad="41275" dist="20320" dir="1800000" algn="tl" rotWithShape="0">
+                  <a:srgbClr val="000000">
+                    <a:alpha val="40000"/>
+                  </a:srgbClr>
+                </a:outerShdw>
+              </a:effectLst>
+            </a:endParaRPr>
+          </a:p>
+        </p:txBody>
+      </p:sp>
+      <p:sp>
+        <p:nvSpPr>
+          <p:cNvPr id="6" name="Овал 5"/>
+          <p:cNvSpPr/>
+          <p:nvPr/>
+        </p:nvSpPr>
+        <p:spPr>
+          <a:xfrm>
+            <a:off x="6302224" y="4195422"/>
+            <a:ext cx="2085729" cy="1900664"/>
+          </a:xfrm>
+          <a:prstGeom prst="ellipse">
+            <a:avLst/>
+          </a:prstGeom>
+          <a:solidFill>
+            <a:schemeClr val="accent2"/>
+          </a:solidFill>
+        </p:spPr>
+        <p:style>
+          <a:lnRef idx="2">
+            <a:schemeClr val="accent1">
+              <a:shade val="50000"/>
+            </a:schemeClr>
+          </a:lnRef>
+          <a:fillRef idx="1">
+            <a:schemeClr val="accent1"/>
+          </a:fillRef>
+          <a:effectRef idx="0">
+            <a:schemeClr val="accent1"/>
+          </a:effectRef>
+          <a:fontRef idx="minor">
+            <a:schemeClr val="lt1"/>
+          </a:fontRef>
+        </p:style>
+        <p:txBody>
+          <a:bodyPr rtlCol="0" anchor="ctr"/>
+          <a:lstStyle/>
+          <a:p>
+            <a:pPr algn="ctr"/>
+            <a:r>
+              <a:rPr lang="ru-RU" sz="2000" b="1" dirty="0" smtClean="0">
+                <a:ln w="12700">
+                  <a:solidFill>
+                    <a:schemeClr val="tx2">
+                      <a:satMod val="155000"/>
+                    </a:schemeClr>
+                  </a:solidFill>
+                  <a:prstDash val="solid"/>
+                </a:ln>
+                <a:solidFill>
+                  <a:schemeClr val="bg2">
+                    <a:tint val="85000"/>
+                    <a:satMod val="155000"/>
+                  </a:schemeClr>
+                </a:solidFill>
+                <a:effectLst>
+                  <a:outerShdw blurRad="41275" dist="20320" dir="1800000" algn="tl" rotWithShape="0">
+                    <a:srgbClr val="000000">
+                      <a:alpha val="40000"/>
+                    </a:srgbClr>
+                  </a:outerShdw>
+                </a:effectLst>
+              </a:rPr>
+              <a:t>Руковожу командой</a:t>
+            </a:r>
+            <a:endParaRPr lang="ru-RU" sz="2000" b="1" dirty="0">
+              <a:ln w="12700">
+                <a:solidFill>
+                  <a:schemeClr val="tx2">
+                    <a:satMod val="155000"/>
+                  </a:schemeClr>
+                </a:solidFill>
+                <a:prstDash val="solid"/>
+              </a:ln>
+              <a:solidFill>
+                <a:schemeClr val="bg2">
+                  <a:tint val="85000"/>
+                  <a:satMod val="155000"/>
+                </a:schemeClr>
+              </a:solidFill>
+              <a:effectLst>
+                <a:outerShdw blurRad="41275" dist="20320" dir="1800000" algn="tl" rotWithShape="0">
+                  <a:srgbClr val="000000">
+                    <a:alpha val="40000"/>
+                  </a:srgbClr>
+                </a:outerShdw>
+              </a:effectLst>
+            </a:endParaRPr>
+          </a:p>
+        </p:txBody>
+      </p:sp>
+      <p:sp>
+        <p:nvSpPr>
+          <p:cNvPr id="7" name="Овал 6"/>
+          <p:cNvSpPr/>
+          <p:nvPr/>
+        </p:nvSpPr>
+        <p:spPr>
+          <a:xfrm>
+            <a:off x="1180684" y="4572090"/>
+            <a:ext cx="1190979" cy="1219096"/>
+          </a:xfrm>
+          <a:prstGeom prst="ellipse">
+            <a:avLst/>
+          </a:prstGeom>
+          <a:solidFill>
+            <a:schemeClr val="accent2"/>
+          </a:solidFill>
+        </p:spPr>
+        <p:style>
+          <a:lnRef idx="2">
+            <a:schemeClr val="accent1">
+              <a:shade val="50000"/>
+            </a:schemeClr>
+          </a:lnRef>
+          <a:fillRef idx="1">
+            <a:schemeClr val="accent1"/>
+          </a:fillRef>
+          <a:effectRef idx="0">
+            <a:schemeClr val="accent1"/>
+          </a:effectRef>
+          <a:fontRef idx="minor">
+            <a:schemeClr val="lt1"/>
+          </a:fontRef>
+        </p:style>
+        <p:txBody>
+          <a:bodyPr vert="horz" rtlCol="0" anchor="ctr"/>
+          <a:lstStyle/>
+          <a:p>
+            <a:pPr algn="ctr"/>
+            <a:r>
+              <a:rPr lang="en-US" sz="2400" b="1" dirty="0" smtClean="0">
+                <a:ln w="12700">
+                  <a:solidFill>
+                    <a:schemeClr val="tx2">
+                      <a:satMod val="155000"/>
+                    </a:schemeClr>
+                  </a:solidFill>
+                  <a:prstDash val="solid"/>
+                </a:ln>
+                <a:solidFill>
+                  <a:schemeClr val="bg2">
+                    <a:tint val="85000"/>
+                    <a:satMod val="155000"/>
+                  </a:schemeClr>
+                </a:solidFill>
+                <a:effectLst>
+                  <a:outerShdw blurRad="41275" dist="20320" dir="1800000" algn="tl" rotWithShape="0">
+                    <a:srgbClr val="000000">
+                      <a:alpha val="40000"/>
+                    </a:srgbClr>
+                  </a:outerShdw>
+                </a:effectLst>
+              </a:rPr>
+              <a:t>JAVA</a:t>
+            </a:r>
+            <a:endParaRPr lang="ru-RU" sz="2400" b="1" dirty="0">
+              <a:ln w="12700">
+                <a:solidFill>
+                  <a:schemeClr val="tx2">
+                    <a:satMod val="155000"/>
+                  </a:schemeClr>
+                </a:solidFill>
+                <a:prstDash val="solid"/>
+              </a:ln>
+              <a:solidFill>
+                <a:schemeClr val="bg2">
+                  <a:tint val="85000"/>
+                  <a:satMod val="155000"/>
+                </a:schemeClr>
+              </a:solidFill>
+              <a:effectLst>
+                <a:outerShdw blurRad="41275" dist="20320" dir="1800000" algn="tl" rotWithShape="0">
+                  <a:srgbClr val="000000">
+                    <a:alpha val="40000"/>
+                  </a:srgbClr>
+                </a:outerShdw>
+              </a:effectLst>
+            </a:endParaRPr>
+          </a:p>
+        </p:txBody>
+      </p:sp>
+      <p:sp>
+        <p:nvSpPr>
+          <p:cNvPr id="8" name="Овал 7"/>
+          <p:cNvSpPr/>
+          <p:nvPr/>
+        </p:nvSpPr>
+        <p:spPr>
+          <a:xfrm>
+            <a:off x="2197215" y="1855187"/>
+            <a:ext cx="1054101" cy="1075483"/>
+          </a:xfrm>
+          <a:prstGeom prst="ellipse">
+            <a:avLst/>
+          </a:prstGeom>
+          <a:solidFill>
+            <a:schemeClr val="accent2"/>
+          </a:solidFill>
+        </p:spPr>
+        <p:style>
+          <a:lnRef idx="2">
+            <a:schemeClr val="accent1">
+              <a:shade val="50000"/>
+            </a:schemeClr>
+          </a:lnRef>
+          <a:fillRef idx="1">
+            <a:schemeClr val="accent1"/>
+          </a:fillRef>
+          <a:effectRef idx="0">
+            <a:schemeClr val="accent1"/>
+          </a:effectRef>
+          <a:fontRef idx="minor">
+            <a:schemeClr val="lt1"/>
+          </a:fontRef>
+        </p:style>
+        <p:txBody>
+          <a:bodyPr rtlCol="0" anchor="ctr"/>
+          <a:lstStyle/>
+          <a:p>
+            <a:pPr algn="ctr"/>
+            <a:r>
+              <a:rPr lang="ru-RU" sz="2800" b="1" dirty="0" smtClean="0">
+                <a:ln w="12700">
+                  <a:solidFill>
+                    <a:schemeClr val="tx2">
+                      <a:satMod val="155000"/>
+                    </a:schemeClr>
+                  </a:solidFill>
+                  <a:prstDash val="solid"/>
+                </a:ln>
+                <a:solidFill>
+                  <a:schemeClr val="bg2">
+                    <a:tint val="85000"/>
+                    <a:satMod val="155000"/>
+                  </a:schemeClr>
+                </a:solidFill>
+                <a:effectLst>
+                  <a:outerShdw blurRad="41275" dist="20320" dir="1800000" algn="tl" rotWithShape="0">
+                    <a:srgbClr val="000000">
+                      <a:alpha val="40000"/>
+                    </a:srgbClr>
+                  </a:outerShdw>
+                </a:effectLst>
+              </a:rPr>
+              <a:t>9</a:t>
+            </a:r>
+            <a:endParaRPr lang="ru-RU" sz="2800" b="1" dirty="0">
+              <a:ln w="12700">
+                <a:solidFill>
+                  <a:schemeClr val="tx2">
+                    <a:satMod val="155000"/>
+                  </a:schemeClr>
+                </a:solidFill>
+                <a:prstDash val="solid"/>
+              </a:ln>
+              <a:solidFill>
+                <a:schemeClr val="bg2">
+                  <a:tint val="85000"/>
+                  <a:satMod val="155000"/>
+                </a:schemeClr>
+              </a:solidFill>
+              <a:effectLst>
+                <a:outerShdw blurRad="41275" dist="20320" dir="1800000" algn="tl" rotWithShape="0">
+                  <a:srgbClr val="000000">
+                    <a:alpha val="40000"/>
+                  </a:srgbClr>
+                </a:outerShdw>
+              </a:effectLst>
+            </a:endParaRPr>
+          </a:p>
+        </p:txBody>
+      </p:sp>
+      <p:sp>
+        <p:nvSpPr>
+          <p:cNvPr id="9" name="TextBox 8"/>
+          <p:cNvSpPr txBox="1"/>
+          <p:nvPr/>
+        </p:nvSpPr>
+        <p:spPr>
+          <a:xfrm>
+            <a:off x="3066585" y="4873083"/>
+            <a:ext cx="184731" cy="369332"/>
+          </a:xfrm>
+          <a:prstGeom prst="rect">
+            <a:avLst/>
+          </a:prstGeom>
+          <a:noFill/>
+        </p:spPr>
+        <p:txBody>
+          <a:bodyPr wrap="none" rtlCol="0">
+            <a:spAutoFit/>
+          </a:bodyPr>
+          <a:lstStyle/>
+          <a:p>
+            <a:endParaRPr lang="ru-RU" dirty="0"/>
+          </a:p>
+        </p:txBody>
+      </p:sp>
+      <p:cxnSp>
+        <p:nvCxnSpPr>
+          <p:cNvPr id="10" name="Прямая соединительная линия 9"/>
+          <p:cNvCxnSpPr>
+            <a:endCxn id="4" idx="1"/>
+          </p:cNvCxnSpPr>
+          <p:nvPr/>
+        </p:nvCxnSpPr>
+        <p:spPr>
+          <a:xfrm>
+            <a:off x="3155588" y="2576552"/>
+            <a:ext cx="749777" cy="485132"/>
+          </a:xfrm>
+          <a:prstGeom prst="line">
+            <a:avLst/>
+          </a:prstGeom>
+          <a:ln w="57150"/>
+        </p:spPr>
+        <p:style>
+          <a:lnRef idx="1">
+            <a:schemeClr val="accent1"/>
+          </a:lnRef>
+          <a:fillRef idx="0">
+            <a:schemeClr val="accent1"/>
+          </a:fillRef>
+          <a:effectRef idx="0">
+            <a:schemeClr val="accent1"/>
+          </a:effectRef>
+          <a:fontRef idx="minor">
+            <a:schemeClr val="tx1"/>
+          </a:fontRef>
+        </p:style>
+      </p:cxnSp>
+      <p:cxnSp>
+        <p:nvCxnSpPr>
+          <p:cNvPr id="11" name="Прямая соединительная линия 10"/>
+          <p:cNvCxnSpPr/>
+          <p:nvPr/>
+        </p:nvCxnSpPr>
+        <p:spPr>
+          <a:xfrm flipH="1">
+            <a:off x="5605983" y="2955073"/>
+            <a:ext cx="943498" cy="367990"/>
+          </a:xfrm>
+          <a:prstGeom prst="line">
+            <a:avLst/>
+          </a:prstGeom>
+          <a:ln w="57150"/>
+        </p:spPr>
+        <p:style>
+          <a:lnRef idx="1">
+            <a:schemeClr val="accent1"/>
+          </a:lnRef>
+          <a:fillRef idx="0">
+            <a:schemeClr val="accent1"/>
+          </a:fillRef>
+          <a:effectRef idx="0">
+            <a:schemeClr val="accent1"/>
+          </a:effectRef>
+          <a:fontRef idx="minor">
+            <a:schemeClr val="tx1"/>
+          </a:fontRef>
+        </p:style>
+      </p:cxnSp>
+      <p:cxnSp>
+        <p:nvCxnSpPr>
+          <p:cNvPr id="12" name="Прямая соединительная линия 11"/>
+          <p:cNvCxnSpPr>
+            <a:stCxn id="6" idx="2"/>
+            <a:endCxn id="4" idx="5"/>
+          </p:cNvCxnSpPr>
+          <p:nvPr/>
+        </p:nvCxnSpPr>
+        <p:spPr>
+          <a:xfrm flipH="1" flipV="1">
+            <a:off x="5379879" y="4572090"/>
+            <a:ext cx="922345" cy="573664"/>
+          </a:xfrm>
+          <a:prstGeom prst="line">
+            <a:avLst/>
+          </a:prstGeom>
+          <a:ln w="57150"/>
+        </p:spPr>
+        <p:style>
+          <a:lnRef idx="1">
+            <a:schemeClr val="accent1"/>
+          </a:lnRef>
+          <a:fillRef idx="0">
+            <a:schemeClr val="accent1"/>
+          </a:fillRef>
+          <a:effectRef idx="0">
+            <a:schemeClr val="accent1"/>
+          </a:effectRef>
+          <a:fontRef idx="minor">
+            <a:schemeClr val="tx1"/>
+          </a:fontRef>
+        </p:style>
+      </p:cxnSp>
+      <p:cxnSp>
+        <p:nvCxnSpPr>
+          <p:cNvPr id="13" name="Прямая соединительная линия 12"/>
+          <p:cNvCxnSpPr/>
+          <p:nvPr/>
+        </p:nvCxnSpPr>
+        <p:spPr>
+          <a:xfrm flipH="1">
+            <a:off x="2331703" y="4187954"/>
+            <a:ext cx="1348200" cy="685129"/>
+          </a:xfrm>
+          <a:prstGeom prst="line">
+            <a:avLst/>
+          </a:prstGeom>
+          <a:ln w="57150"/>
+        </p:spPr>
+        <p:style>
+          <a:lnRef idx="1">
+            <a:schemeClr val="accent1"/>
+          </a:lnRef>
+          <a:fillRef idx="0">
+            <a:schemeClr val="accent1"/>
+          </a:fillRef>
+          <a:effectRef idx="0">
+            <a:schemeClr val="accent1"/>
+          </a:effectRef>
+          <a:fontRef idx="minor">
+            <a:schemeClr val="tx1"/>
+          </a:fontRef>
+        </p:style>
+      </p:cxnSp>
     </p:spTree>
     <p:extLst>
       <p:ext uri="{BB962C8B-B14F-4D97-AF65-F5344CB8AC3E}">
@@ -9616,15 +12169,37 @@
           <a:lstStyle/>
           <a:p>
             <a:r>
-              <a:rPr lang="en-US" dirty="0" smtClean="0"/>
+              <a:rPr lang="en-US" sz="3600" dirty="0" smtClean="0"/>
               <a:t>English</a:t>
             </a:r>
           </a:p>
           <a:p>
             <a:r>
-              <a:rPr lang="ru-RU" dirty="0" smtClean="0"/>
+              <a:rPr lang="ru-RU" sz="3600" dirty="0" smtClean="0"/>
               <a:t>Абстрактное и логическое мышление</a:t>
             </a:r>
+          </a:p>
+          <a:p>
+            <a:r>
+              <a:rPr lang="ru-RU" sz="3600" dirty="0" smtClean="0"/>
+              <a:t>Способность к анализу</a:t>
+            </a:r>
+          </a:p>
+          <a:p>
+            <a:pPr lvl="1"/>
+            <a:r>
+              <a:rPr lang="ru-RU" sz="3200" dirty="0" smtClean="0"/>
+              <a:t>Почему это так работает?</a:t>
+            </a:r>
+          </a:p>
+          <a:p>
+            <a:pPr marL="457200" lvl="1" indent="0">
+              <a:buNone/>
+            </a:pPr>
+            <a:endParaRPr lang="ru-RU" dirty="0" smtClean="0"/>
+          </a:p>
+          <a:p>
+            <a:pPr lvl="1"/>
             <a:endParaRPr lang="ru-RU" dirty="0"/>
           </a:p>
         </p:txBody>
@@ -9632,7 +12207,7 @@
     </p:spTree>
     <p:extLst>
       <p:ext uri="{BB962C8B-B14F-4D97-AF65-F5344CB8AC3E}">
-        <p14:creationId xmlns:p14="http://schemas.microsoft.com/office/powerpoint/2010/main" val="1217169791"/>
+        <p14:creationId xmlns:p14="http://schemas.microsoft.com/office/powerpoint/2010/main" val="687501788"/>
       </p:ext>
     </p:extLst>
   </p:cSld>
@@ -9675,8 +12250,8 @@
           <a:lstStyle/>
           <a:p>
             <a:r>
-              <a:rPr lang="ru-RU" dirty="0" smtClean="0"/>
-              <a:t>Логическое мышление</a:t>
+              <a:rPr lang="en-US" dirty="0" smtClean="0"/>
+              <a:t>Soft Skills</a:t>
             </a:r>
             <a:endParaRPr lang="ru-RU" dirty="0"/>
           </a:p>
@@ -9694,94 +12269,55 @@
         </p:nvSpPr>
         <p:spPr/>
         <p:txBody>
-          <a:bodyPr>
-            <a:normAutofit/>
-          </a:bodyPr>
+          <a:bodyPr/>
           <a:lstStyle/>
           <a:p>
-            <a:pPr marL="0" indent="0">
+            <a:r>
+              <a:rPr lang="en-US" sz="3600" dirty="0" smtClean="0"/>
+              <a:t>English</a:t>
+            </a:r>
+          </a:p>
+          <a:p>
+            <a:r>
+              <a:rPr lang="ru-RU" sz="3600" dirty="0" smtClean="0"/>
+              <a:t>Абстрактное и логическое мышление</a:t>
+            </a:r>
+          </a:p>
+          <a:p>
+            <a:r>
+              <a:rPr lang="ru-RU" sz="3600" dirty="0" smtClean="0"/>
+              <a:t>Способность к анализу</a:t>
+            </a:r>
+          </a:p>
+          <a:p>
+            <a:pPr lvl="1"/>
+            <a:r>
+              <a:rPr lang="ru-RU" sz="3200" dirty="0" smtClean="0"/>
+              <a:t>Почему это так работает?</a:t>
+            </a:r>
+          </a:p>
+          <a:p>
+            <a:r>
+              <a:rPr lang="ru-RU" sz="3600" strike="sngStrike" dirty="0" smtClean="0"/>
+              <a:t>Способность учиться</a:t>
+            </a:r>
+          </a:p>
+          <a:p>
+            <a:pPr marL="457200" lvl="1" indent="0">
               <a:buNone/>
             </a:pPr>
-            <a:r>
-              <a:rPr lang="ru-RU" sz="3200" dirty="0"/>
-              <a:t>Некоторые улитки являются горами. </a:t>
-            </a:r>
-            <a:endParaRPr lang="ru-RU" sz="3200" dirty="0" smtClean="0"/>
-          </a:p>
-          <a:p>
-            <a:pPr marL="0" indent="0">
-              <a:buNone/>
-            </a:pPr>
-            <a:r>
-              <a:rPr lang="ru-RU" sz="3200" dirty="0" smtClean="0"/>
-              <a:t>Все </a:t>
-            </a:r>
-            <a:r>
-              <a:rPr lang="ru-RU" sz="3200" dirty="0"/>
-              <a:t>горы любят кошек. </a:t>
-            </a:r>
-            <a:endParaRPr lang="ru-RU" sz="3200" dirty="0" smtClean="0"/>
-          </a:p>
-          <a:p>
-            <a:pPr marL="0" indent="0">
-              <a:buNone/>
-            </a:pPr>
-            <a:r>
-              <a:rPr lang="ru-RU" sz="3200" dirty="0" smtClean="0"/>
-              <a:t>Значит</a:t>
-            </a:r>
-            <a:r>
-              <a:rPr lang="ru-RU" sz="3200" dirty="0"/>
-              <a:t>, все улитки любят кошек</a:t>
-            </a:r>
-            <a:r>
-              <a:rPr lang="ru-RU" sz="3200" dirty="0" smtClean="0"/>
-              <a:t>.</a:t>
-            </a:r>
-          </a:p>
-          <a:p>
-            <a:pPr marL="0" indent="0">
-              <a:buNone/>
-            </a:pPr>
-            <a:r>
-              <a:rPr lang="ru-RU" sz="3200" dirty="0"/>
-              <a:t/>
-            </a:r>
-            <a:br>
-              <a:rPr lang="ru-RU" sz="3200" dirty="0"/>
-            </a:br>
-            <a:r>
-              <a:rPr lang="ru-RU" sz="3200" dirty="0"/>
-              <a:t>а) </a:t>
-            </a:r>
-            <a:r>
-              <a:rPr lang="ru-RU" sz="3200" dirty="0" smtClean="0"/>
-              <a:t>правильно</a:t>
-            </a:r>
-          </a:p>
-          <a:p>
-            <a:pPr marL="0" indent="0">
-              <a:buNone/>
-            </a:pPr>
-            <a:r>
-              <a:rPr lang="ru-RU" sz="3200" dirty="0"/>
-              <a:t/>
-            </a:r>
-            <a:br>
-              <a:rPr lang="ru-RU" sz="3200" dirty="0"/>
-            </a:br>
-            <a:r>
-              <a:rPr lang="ru-RU" sz="3200" dirty="0"/>
-              <a:t>б) неправильно</a:t>
-            </a:r>
-            <a:endParaRPr lang="ru-RU" sz="3200" dirty="0"/>
+            <a:endParaRPr lang="ru-RU" dirty="0" smtClean="0"/>
+          </a:p>
+          <a:p>
+            <a:pPr lvl="1"/>
+            <a:endParaRPr lang="ru-RU" dirty="0"/>
           </a:p>
         </p:txBody>
       </p:sp>
     </p:spTree>
     <p:extLst>
       <p:ext uri="{BB962C8B-B14F-4D97-AF65-F5344CB8AC3E}">
-        <p14:creationId xmlns:p14="http://schemas.microsoft.com/office/powerpoint/2010/main" val="179286603"/>
+        <p14:creationId xmlns:p14="http://schemas.microsoft.com/office/powerpoint/2010/main" val="3914421873"/>
       </p:ext>
     </p:extLst>
   </p:cSld>
@@ -9847,27 +12383,43 @@
           <a:lstStyle/>
           <a:p>
             <a:r>
-              <a:rPr lang="en-US" dirty="0" smtClean="0"/>
+              <a:rPr lang="en-US" sz="3600" dirty="0" smtClean="0"/>
               <a:t>English</a:t>
             </a:r>
           </a:p>
           <a:p>
             <a:r>
-              <a:rPr lang="ru-RU" dirty="0" smtClean="0"/>
+              <a:rPr lang="ru-RU" sz="3600" dirty="0" smtClean="0"/>
               <a:t>Абстрактное и логическое мышление</a:t>
             </a:r>
           </a:p>
           <a:p>
             <a:r>
-              <a:rPr lang="ru-RU" dirty="0" smtClean="0"/>
+              <a:rPr lang="ru-RU" sz="3600" dirty="0" smtClean="0"/>
               <a:t>Способность к анализу</a:t>
             </a:r>
           </a:p>
           <a:p>
             <a:pPr lvl="1"/>
             <a:r>
-              <a:rPr lang="ru-RU" dirty="0" smtClean="0"/>
+              <a:rPr lang="ru-RU" sz="3200" dirty="0" smtClean="0"/>
               <a:t>Почему это так работает?</a:t>
+            </a:r>
+          </a:p>
+          <a:p>
+            <a:r>
+              <a:rPr lang="ru-RU" sz="3600" strike="sngStrike" dirty="0" smtClean="0"/>
+              <a:t>Способность учиться</a:t>
+            </a:r>
+          </a:p>
+          <a:p>
+            <a:r>
+              <a:rPr lang="ru-RU" sz="3600" dirty="0" smtClean="0"/>
+              <a:t>Способность учиться </a:t>
+            </a:r>
+            <a:r>
+              <a:rPr lang="ru-RU" sz="3600" b="1" dirty="0" smtClean="0"/>
+              <a:t>самостоятельно</a:t>
             </a:r>
           </a:p>
           <a:p>
@@ -9885,7 +12437,7 @@
     </p:spTree>
     <p:extLst>
       <p:ext uri="{BB962C8B-B14F-4D97-AF65-F5344CB8AC3E}">
-        <p14:creationId xmlns:p14="http://schemas.microsoft.com/office/powerpoint/2010/main" val="687501788"/>
+        <p14:creationId xmlns:p14="http://schemas.microsoft.com/office/powerpoint/2010/main" val="2234887265"/>
       </p:ext>
     </p:extLst>
   </p:cSld>
@@ -9945,57 +12497,63 @@
             <p:ph idx="1"/>
           </p:nvPr>
         </p:nvSpPr>
-        <p:spPr/>
-        <p:txBody>
-          <a:bodyPr/>
+        <p:spPr>
+          <a:xfrm>
+            <a:off x="822959" y="1845734"/>
+            <a:ext cx="7543801" cy="4329288"/>
+          </a:xfrm>
+        </p:spPr>
+        <p:txBody>
+          <a:bodyPr>
+            <a:noAutofit/>
+          </a:bodyPr>
           <a:lstStyle/>
           <a:p>
             <a:r>
-              <a:rPr lang="en-US" dirty="0" smtClean="0"/>
-              <a:t>English</a:t>
-            </a:r>
-          </a:p>
-          <a:p>
-            <a:r>
-              <a:rPr lang="ru-RU" dirty="0" smtClean="0"/>
-              <a:t>Абстрактное и логическое мышление</a:t>
-            </a:r>
-          </a:p>
-          <a:p>
-            <a:r>
-              <a:rPr lang="ru-RU" dirty="0" smtClean="0"/>
-              <a:t>Способность к анализу</a:t>
-            </a:r>
-          </a:p>
-          <a:p>
-            <a:pPr lvl="1"/>
-            <a:r>
-              <a:rPr lang="ru-RU" dirty="0" smtClean="0"/>
-              <a:t>Почему это так работает?</a:t>
-            </a:r>
-          </a:p>
-          <a:p>
-            <a:r>
-              <a:rPr lang="ru-RU" strike="sngStrike" dirty="0" smtClean="0"/>
-              <a:t>Способность учиться</a:t>
-            </a:r>
+              <a:rPr lang="ru-RU" sz="3600" dirty="0" smtClean="0"/>
+              <a:t>Самостоятельность</a:t>
+            </a:r>
+            <a:endParaRPr lang="ru-RU" sz="3600" dirty="0"/>
+          </a:p>
+          <a:p>
+            <a:r>
+              <a:rPr lang="ru-RU" sz="3600" dirty="0" smtClean="0"/>
+              <a:t>Ответственность</a:t>
+            </a:r>
+            <a:endParaRPr lang="ru-RU" sz="3600" dirty="0"/>
+          </a:p>
+          <a:p>
+            <a:r>
+              <a:rPr lang="ru-RU" sz="3600" dirty="0" smtClean="0"/>
+              <a:t>Общение</a:t>
+            </a:r>
+            <a:endParaRPr lang="ru-RU" sz="3600" dirty="0"/>
+          </a:p>
+          <a:p>
+            <a:r>
+              <a:rPr lang="ru-RU" sz="3600" dirty="0"/>
+              <a:t>Работа в команде</a:t>
+            </a:r>
+          </a:p>
+          <a:p>
+            <a:endParaRPr lang="ru-RU" sz="2400" b="1" dirty="0" smtClean="0"/>
           </a:p>
           <a:p>
             <a:pPr marL="457200" lvl="1" indent="0">
               <a:buNone/>
             </a:pPr>
-            <a:endParaRPr lang="ru-RU" dirty="0" smtClean="0"/>
+            <a:endParaRPr lang="ru-RU" sz="2000" dirty="0" smtClean="0"/>
           </a:p>
           <a:p>
             <a:pPr lvl="1"/>
-            <a:endParaRPr lang="ru-RU" dirty="0"/>
+            <a:endParaRPr lang="ru-RU" sz="2000" dirty="0"/>
           </a:p>
         </p:txBody>
       </p:sp>
     </p:spTree>
     <p:extLst>
       <p:ext uri="{BB962C8B-B14F-4D97-AF65-F5344CB8AC3E}">
-        <p14:creationId xmlns:p14="http://schemas.microsoft.com/office/powerpoint/2010/main" val="3914421873"/>
+        <p14:creationId xmlns:p14="http://schemas.microsoft.com/office/powerpoint/2010/main" val="4193671674"/>
       </p:ext>
     </p:extLst>
   </p:cSld>
@@ -10038,8 +12596,8 @@
           <a:lstStyle/>
           <a:p>
             <a:r>
-              <a:rPr lang="en-US" dirty="0" smtClean="0"/>
-              <a:t>Soft Skills</a:t>
+              <a:rPr lang="ru-RU" dirty="0" smtClean="0"/>
+              <a:t>Мой день</a:t>
             </a:r>
             <a:endParaRPr lang="ru-RU" dirty="0"/>
           </a:p>
@@ -10057,65 +12615,84 @@
         </p:nvSpPr>
         <p:spPr/>
         <p:txBody>
-          <a:bodyPr/>
+          <a:bodyPr>
+            <a:normAutofit/>
+          </a:bodyPr>
           <a:lstStyle/>
           <a:p>
             <a:r>
-              <a:rPr lang="en-US" dirty="0" smtClean="0"/>
-              <a:t>English</a:t>
-            </a:r>
-          </a:p>
-          <a:p>
-            <a:r>
               <a:rPr lang="ru-RU" dirty="0" smtClean="0"/>
-              <a:t>Абстрактное и логическое мышление</a:t>
-            </a:r>
-          </a:p>
-          <a:p>
+              <a:t>Программирование</a:t>
+            </a:r>
+          </a:p>
+          <a:p>
+            <a:pPr lvl="1"/>
+            <a:r>
+              <a:rPr lang="ru-RU" dirty="0" smtClean="0"/>
+              <a:t>Работа в команде</a:t>
+            </a:r>
+          </a:p>
+          <a:p>
+            <a:pPr lvl="1"/>
+            <a:r>
+              <a:rPr lang="ru-RU" dirty="0" smtClean="0"/>
+              <a:t>Самостоятельность</a:t>
+            </a:r>
+          </a:p>
+          <a:p>
+            <a:pPr lvl="1"/>
+            <a:r>
+              <a:rPr lang="ru-RU" dirty="0" err="1" smtClean="0"/>
+              <a:t>Самообучаемость</a:t>
+            </a:r>
+            <a:endParaRPr lang="ru-RU" dirty="0" smtClean="0"/>
+          </a:p>
+          <a:p>
+            <a:r>
+              <a:rPr lang="ru-RU" dirty="0" smtClean="0"/>
+              <a:t>Обсуждение требований</a:t>
+            </a:r>
+          </a:p>
+          <a:p>
+            <a:pPr lvl="1"/>
+            <a:r>
+              <a:rPr lang="ru-RU" dirty="0" smtClean="0"/>
+              <a:t>Общение</a:t>
+            </a:r>
+          </a:p>
+          <a:p>
+            <a:pPr lvl="1"/>
+            <a:r>
+              <a:rPr lang="ru-RU" dirty="0" smtClean="0"/>
+              <a:t>Переговоры</a:t>
+            </a:r>
+          </a:p>
+          <a:p>
+            <a:pPr lvl="1"/>
             <a:r>
               <a:rPr lang="ru-RU" dirty="0" smtClean="0"/>
               <a:t>Способность к анализу</a:t>
             </a:r>
           </a:p>
           <a:p>
+            <a:r>
+              <a:rPr lang="ru-RU" dirty="0" smtClean="0"/>
+              <a:t>Тестирование</a:t>
+            </a:r>
+          </a:p>
+          <a:p>
             <a:pPr lvl="1"/>
             <a:r>
               <a:rPr lang="ru-RU" dirty="0" smtClean="0"/>
-              <a:t>Почему это так работает?</a:t>
-            </a:r>
-          </a:p>
-          <a:p>
-            <a:r>
-              <a:rPr lang="ru-RU" strike="sngStrike" dirty="0" smtClean="0"/>
-              <a:t>Способность учиться</a:t>
-            </a:r>
-          </a:p>
-          <a:p>
-            <a:r>
-              <a:rPr lang="ru-RU" dirty="0" smtClean="0"/>
-              <a:t>Способность учиться </a:t>
-            </a:r>
-            <a:r>
-              <a:rPr lang="ru-RU" b="1" dirty="0" smtClean="0"/>
-              <a:t>самостоятельно</a:t>
-            </a:r>
-          </a:p>
-          <a:p>
-            <a:pPr marL="457200" lvl="1" indent="0">
-              <a:buNone/>
-            </a:pPr>
-            <a:endParaRPr lang="ru-RU" dirty="0" smtClean="0"/>
-          </a:p>
-          <a:p>
-            <a:pPr lvl="1"/>
-            <a:endParaRPr lang="ru-RU" dirty="0"/>
+              <a:t>Способность к анализу</a:t>
+            </a:r>
           </a:p>
         </p:txBody>
       </p:sp>
     </p:spTree>
     <p:extLst>
       <p:ext uri="{BB962C8B-B14F-4D97-AF65-F5344CB8AC3E}">
-        <p14:creationId xmlns:p14="http://schemas.microsoft.com/office/powerpoint/2010/main" val="2234887265"/>
+        <p14:creationId xmlns:p14="http://schemas.microsoft.com/office/powerpoint/2010/main" val="1169510648"/>
       </p:ext>
     </p:extLst>
   </p:cSld>
@@ -10158,10 +12735,9 @@
           <a:lstStyle/>
           <a:p>
             <a:r>
-              <a:rPr lang="en-US" dirty="0" smtClean="0"/>
-              <a:t>Soft Skills</a:t>
-            </a:r>
-            <a:endParaRPr lang="ru-RU" dirty="0"/>
+              <a:rPr lang="ru-RU" dirty="0"/>
+              <a:t>Подойдет ли вам?</a:t>
+            </a:r>
           </a:p>
         </p:txBody>
       </p:sp>
@@ -10178,76 +12754,9 @@
         <p:spPr/>
         <p:txBody>
           <a:bodyPr>
-            <a:normAutofit fontScale="92500" lnSpcReduction="10000"/>
+            <a:normAutofit/>
           </a:bodyPr>
           <a:lstStyle/>
-          <a:p>
-            <a:r>
-              <a:rPr lang="en-US" dirty="0" smtClean="0"/>
-              <a:t>English</a:t>
-            </a:r>
-          </a:p>
-          <a:p>
-            <a:r>
-              <a:rPr lang="ru-RU" dirty="0" smtClean="0"/>
-              <a:t>Абстрактное и логическое мышление</a:t>
-            </a:r>
-          </a:p>
-          <a:p>
-            <a:r>
-              <a:rPr lang="ru-RU" dirty="0" smtClean="0"/>
-              <a:t>Способность к анализу</a:t>
-            </a:r>
-          </a:p>
-          <a:p>
-            <a:pPr lvl="1"/>
-            <a:r>
-              <a:rPr lang="ru-RU" dirty="0" smtClean="0"/>
-              <a:t>Почему это так работает?</a:t>
-            </a:r>
-          </a:p>
-          <a:p>
-            <a:r>
-              <a:rPr lang="ru-RU" strike="sngStrike" dirty="0" smtClean="0"/>
-              <a:t>Способность учиться</a:t>
-            </a:r>
-          </a:p>
-          <a:p>
-            <a:r>
-              <a:rPr lang="ru-RU" dirty="0" smtClean="0"/>
-              <a:t>Способность учиться </a:t>
-            </a:r>
-            <a:r>
-              <a:rPr lang="ru-RU" b="1" dirty="0" smtClean="0"/>
-              <a:t>самостоятельно</a:t>
-            </a:r>
-          </a:p>
-          <a:p>
-            <a:r>
-              <a:rPr lang="ru-RU" dirty="0"/>
-              <a:t>Самостоятельность</a:t>
-            </a:r>
-          </a:p>
-          <a:p>
-            <a:r>
-              <a:rPr lang="ru-RU" dirty="0" smtClean="0"/>
-              <a:t>Ответственность</a:t>
-            </a:r>
-            <a:endParaRPr lang="ru-RU" dirty="0"/>
-          </a:p>
-          <a:p>
-            <a:r>
-              <a:rPr lang="ru-RU" dirty="0" smtClean="0"/>
-              <a:t>Общение</a:t>
-            </a:r>
-            <a:endParaRPr lang="ru-RU" dirty="0"/>
-          </a:p>
-          <a:p>
-            <a:r>
-              <a:rPr lang="ru-RU" dirty="0"/>
-              <a:t>Работа в команде</a:t>
-            </a:r>
-          </a:p>
           <a:p>
             <a:endParaRPr lang="ru-RU" b="1" dirty="0" smtClean="0"/>
           </a:p>
@@ -10266,7 +12775,7 @@
     </p:spTree>
     <p:extLst>
       <p:ext uri="{BB962C8B-B14F-4D97-AF65-F5344CB8AC3E}">
-        <p14:creationId xmlns:p14="http://schemas.microsoft.com/office/powerpoint/2010/main" val="4193671674"/>
+        <p14:creationId xmlns:p14="http://schemas.microsoft.com/office/powerpoint/2010/main" val="3430468611"/>
       </p:ext>
     </p:extLst>
   </p:cSld>
@@ -10303,263 +12812,24 @@
             <p:ph type="title"/>
           </p:nvPr>
         </p:nvSpPr>
-        <p:spPr/>
-        <p:txBody>
-          <a:bodyPr/>
-          <a:lstStyle/>
-          <a:p>
-            <a:r>
-              <a:rPr lang="ru-RU" dirty="0" smtClean="0"/>
-              <a:t>Мой день</a:t>
-            </a:r>
-            <a:endParaRPr lang="ru-RU" dirty="0"/>
-          </a:p>
-        </p:txBody>
-      </p:sp>
-      <p:sp>
-        <p:nvSpPr>
-          <p:cNvPr id="3" name="Объект 2"/>
-          <p:cNvSpPr>
-            <a:spLocks noGrp="1"/>
-          </p:cNvSpPr>
-          <p:nvPr>
-            <p:ph idx="1"/>
-          </p:nvPr>
-        </p:nvSpPr>
-        <p:spPr/>
+        <p:spPr>
+          <a:xfrm>
+            <a:off x="811671" y="3424916"/>
+            <a:ext cx="7543800" cy="1450757"/>
+          </a:xfrm>
+        </p:spPr>
         <p:txBody>
           <a:bodyPr>
-            <a:normAutofit/>
+            <a:noAutofit/>
           </a:bodyPr>
           <a:lstStyle/>
           <a:p>
-            <a:r>
-              <a:rPr lang="ru-RU" dirty="0" smtClean="0"/>
-              <a:t>Программирование</a:t>
-            </a:r>
-          </a:p>
-          <a:p>
-            <a:pPr lvl="1"/>
-            <a:r>
-              <a:rPr lang="ru-RU" dirty="0" smtClean="0"/>
-              <a:t>Работа в команде</a:t>
-            </a:r>
-          </a:p>
-          <a:p>
-            <a:pPr lvl="1"/>
-            <a:r>
-              <a:rPr lang="ru-RU" dirty="0" smtClean="0"/>
-              <a:t>Самостоятельность</a:t>
-            </a:r>
-          </a:p>
-          <a:p>
-            <a:pPr lvl="1"/>
-            <a:r>
-              <a:rPr lang="ru-RU" dirty="0" err="1" smtClean="0"/>
-              <a:t>Самообучаемость</a:t>
-            </a:r>
-            <a:endParaRPr lang="ru-RU" dirty="0" smtClean="0"/>
-          </a:p>
-          <a:p>
-            <a:r>
-              <a:rPr lang="ru-RU" dirty="0" smtClean="0"/>
-              <a:t>Обсуждение </a:t>
-            </a:r>
-            <a:r>
-              <a:rPr lang="ru-RU" dirty="0" smtClean="0"/>
-              <a:t>требований</a:t>
-            </a:r>
-          </a:p>
-          <a:p>
-            <a:pPr lvl="1"/>
-            <a:r>
-              <a:rPr lang="ru-RU" dirty="0" smtClean="0"/>
-              <a:t>Общение</a:t>
-            </a:r>
-          </a:p>
-          <a:p>
-            <a:pPr lvl="1"/>
-            <a:r>
-              <a:rPr lang="ru-RU" dirty="0" smtClean="0"/>
-              <a:t>Переговоры</a:t>
-            </a:r>
-          </a:p>
-          <a:p>
-            <a:pPr lvl="1"/>
-            <a:r>
-              <a:rPr lang="ru-RU" dirty="0" smtClean="0"/>
-              <a:t>Способность к анализу</a:t>
-            </a:r>
-            <a:endParaRPr lang="ru-RU" dirty="0" smtClean="0"/>
-          </a:p>
-          <a:p>
-            <a:r>
-              <a:rPr lang="ru-RU" dirty="0" smtClean="0"/>
-              <a:t>Тестирование</a:t>
-            </a:r>
-          </a:p>
-          <a:p>
-            <a:pPr lvl="1"/>
-            <a:r>
-              <a:rPr lang="ru-RU" dirty="0" smtClean="0"/>
-              <a:t>Способность к анализу</a:t>
-            </a:r>
-            <a:endParaRPr lang="ru-RU" dirty="0" smtClean="0"/>
-          </a:p>
-        </p:txBody>
-      </p:sp>
-    </p:spTree>
-    <p:extLst>
-      <p:ext uri="{BB962C8B-B14F-4D97-AF65-F5344CB8AC3E}">
-        <p14:creationId xmlns:p14="http://schemas.microsoft.com/office/powerpoint/2010/main" val="1169510648"/>
-      </p:ext>
-    </p:extLst>
-  </p:cSld>
-  <p:clrMapOvr>
-    <a:masterClrMapping/>
-  </p:clrMapOvr>
-</p:sld>
-</file>
-
-<file path=ppt/slides/slide27.xml><?xml version="1.0" encoding="utf-8"?>
-<p:sld xmlns:a="http://schemas.openxmlformats.org/drawingml/2006/main" xmlns:r="http://schemas.openxmlformats.org/officeDocument/2006/relationships" xmlns:p="http://schemas.openxmlformats.org/presentationml/2006/main">
-  <p:cSld>
-    <p:spTree>
-      <p:nvGrpSpPr>
-        <p:cNvPr id="1" name=""/>
-        <p:cNvGrpSpPr/>
-        <p:nvPr/>
-      </p:nvGrpSpPr>
-      <p:grpSpPr>
-        <a:xfrm>
-          <a:off x="0" y="0"/>
-          <a:ext cx="0" cy="0"/>
-          <a:chOff x="0" y="0"/>
-          <a:chExt cx="0" cy="0"/>
-        </a:xfrm>
-      </p:grpSpPr>
-      <p:sp>
-        <p:nvSpPr>
-          <p:cNvPr id="2" name="Заголовок 1"/>
-          <p:cNvSpPr>
-            <a:spLocks noGrp="1"/>
-          </p:cNvSpPr>
-          <p:nvPr>
-            <p:ph type="title"/>
-          </p:nvPr>
-        </p:nvSpPr>
-        <p:spPr/>
-        <p:txBody>
-          <a:bodyPr/>
-          <a:lstStyle/>
-          <a:p>
-            <a:r>
-              <a:rPr lang="ru-RU" dirty="0"/>
-              <a:t>Подойдет ли вам?</a:t>
-            </a:r>
-          </a:p>
-        </p:txBody>
-      </p:sp>
-      <p:sp>
-        <p:nvSpPr>
-          <p:cNvPr id="3" name="Объект 2"/>
-          <p:cNvSpPr>
-            <a:spLocks noGrp="1"/>
-          </p:cNvSpPr>
-          <p:nvPr>
-            <p:ph idx="1"/>
-          </p:nvPr>
-        </p:nvSpPr>
-        <p:spPr/>
-        <p:txBody>
-          <a:bodyPr>
-            <a:normAutofit/>
-          </a:bodyPr>
-          <a:lstStyle/>
-          <a:p>
-            <a:endParaRPr lang="ru-RU" b="1" dirty="0" smtClean="0"/>
-          </a:p>
-          <a:p>
-            <a:pPr marL="457200" lvl="1" indent="0">
-              <a:buNone/>
-            </a:pPr>
-            <a:endParaRPr lang="ru-RU" dirty="0" smtClean="0"/>
-          </a:p>
-          <a:p>
-            <a:pPr lvl="1"/>
-            <a:endParaRPr lang="ru-RU" dirty="0"/>
-          </a:p>
-        </p:txBody>
-      </p:sp>
-    </p:spTree>
-    <p:extLst>
-      <p:ext uri="{BB962C8B-B14F-4D97-AF65-F5344CB8AC3E}">
-        <p14:creationId xmlns:p14="http://schemas.microsoft.com/office/powerpoint/2010/main" val="3430468611"/>
-      </p:ext>
-    </p:extLst>
-  </p:cSld>
-  <p:clrMapOvr>
-    <a:masterClrMapping/>
-  </p:clrMapOvr>
-</p:sld>
-</file>
-
-<file path=ppt/slides/slide28.xml><?xml version="1.0" encoding="utf-8"?>
-<p:sld xmlns:a="http://schemas.openxmlformats.org/drawingml/2006/main" xmlns:r="http://schemas.openxmlformats.org/officeDocument/2006/relationships" xmlns:p="http://schemas.openxmlformats.org/presentationml/2006/main">
-  <p:cSld>
-    <p:spTree>
-      <p:nvGrpSpPr>
-        <p:cNvPr id="1" name=""/>
-        <p:cNvGrpSpPr/>
-        <p:nvPr/>
-      </p:nvGrpSpPr>
-      <p:grpSpPr>
-        <a:xfrm>
-          <a:off x="0" y="0"/>
-          <a:ext cx="0" cy="0"/>
-          <a:chOff x="0" y="0"/>
-          <a:chExt cx="0" cy="0"/>
-        </a:xfrm>
-      </p:grpSpPr>
-      <p:sp>
-        <p:nvSpPr>
-          <p:cNvPr id="2" name="Заголовок 1"/>
-          <p:cNvSpPr>
-            <a:spLocks noGrp="1"/>
-          </p:cNvSpPr>
-          <p:nvPr>
-            <p:ph type="title"/>
-          </p:nvPr>
-        </p:nvSpPr>
-        <p:spPr/>
-        <p:txBody>
-          <a:bodyPr/>
-          <a:lstStyle/>
-          <a:p>
-            <a:r>
-              <a:rPr lang="ru-RU" smtClean="0"/>
-              <a:t>Последний слайд / Вывод?</a:t>
-            </a:r>
-            <a:endParaRPr lang="ru-RU"/>
-          </a:p>
-        </p:txBody>
-      </p:sp>
-      <p:sp>
-        <p:nvSpPr>
-          <p:cNvPr id="3" name="Объект 2"/>
-          <p:cNvSpPr>
-            <a:spLocks noGrp="1"/>
-          </p:cNvSpPr>
-          <p:nvPr>
-            <p:ph idx="1"/>
-          </p:nvPr>
-        </p:nvSpPr>
-        <p:spPr/>
-        <p:txBody>
-          <a:bodyPr/>
-          <a:lstStyle/>
-          <a:p>
-            <a:endParaRPr lang="ru-RU"/>
+            <a:pPr algn="ctr"/>
+            <a:r>
+              <a:rPr lang="ru-RU" sz="23900" dirty="0" smtClean="0"/>
+              <a:t>?</a:t>
+            </a:r>
+            <a:endParaRPr lang="ru-RU" sz="23900" dirty="0"/>
           </a:p>
         </p:txBody>
       </p:sp>
@@ -10616,35 +12886,6 @@
           </a:p>
         </p:txBody>
       </p:sp>
-      <p:sp>
-        <p:nvSpPr>
-          <p:cNvPr id="3" name="Объект 2"/>
-          <p:cNvSpPr>
-            <a:spLocks noGrp="1"/>
-          </p:cNvSpPr>
-          <p:nvPr>
-            <p:ph idx="1"/>
-          </p:nvPr>
-        </p:nvSpPr>
-        <p:spPr/>
-        <p:txBody>
-          <a:bodyPr/>
-          <a:lstStyle/>
-          <a:p>
-            <a:r>
-              <a:rPr lang="ru-RU" dirty="0"/>
-              <a:t>Интересно</a:t>
-            </a:r>
-          </a:p>
-          <a:p>
-            <a:r>
-              <a:rPr lang="ru-RU" dirty="0" smtClean="0"/>
-              <a:t>Подходит по характеру</a:t>
-            </a:r>
-            <a:endParaRPr lang="ru-RU" dirty="0"/>
-          </a:p>
-        </p:txBody>
-      </p:sp>
     </p:spTree>
     <p:extLst>
       <p:ext uri="{BB962C8B-B14F-4D97-AF65-F5344CB8AC3E}">
@@ -10713,44 +12954,6 @@
           <a:bodyPr/>
           <a:lstStyle/>
           <a:p>
-            <a:r>
-              <a:rPr lang="ru-RU" dirty="0" smtClean="0"/>
-              <a:t>Интересно</a:t>
-            </a:r>
-          </a:p>
-          <a:p>
-            <a:r>
-              <a:rPr lang="ru-RU" dirty="0" smtClean="0"/>
-              <a:t>Каждый день новое (и хорошее и плохое)</a:t>
-            </a:r>
-          </a:p>
-          <a:p>
-            <a:pPr lvl="1"/>
-            <a:r>
-              <a:rPr lang="ru-RU" dirty="0" smtClean="0"/>
-              <a:t>вызов</a:t>
-            </a:r>
-          </a:p>
-          <a:p>
-            <a:r>
-              <a:rPr lang="ru-RU" dirty="0" smtClean="0"/>
-              <a:t>Создание нового (сложность)</a:t>
-            </a:r>
-          </a:p>
-          <a:p>
-            <a:pPr lvl="1"/>
-            <a:r>
-              <a:rPr lang="ru-RU" dirty="0" smtClean="0"/>
-              <a:t>Мастерство вождения машины</a:t>
-            </a:r>
-          </a:p>
-          <a:p>
-            <a:r>
-              <a:rPr lang="ru-RU" dirty="0" smtClean="0"/>
-              <a:t>Создание живого</a:t>
-            </a:r>
-          </a:p>
-          <a:p>
             <a:endParaRPr lang="ru-RU" dirty="0"/>
           </a:p>
         </p:txBody>
@@ -10810,98 +13013,108 @@
       </p:sp>
       <p:sp>
         <p:nvSpPr>
-          <p:cNvPr id="3" name="Объект 2"/>
-          <p:cNvSpPr>
-            <a:spLocks noGrp="1"/>
-          </p:cNvSpPr>
-          <p:nvPr>
-            <p:ph idx="1"/>
-          </p:nvPr>
-        </p:nvSpPr>
-        <p:spPr/>
-        <p:txBody>
-          <a:bodyPr/>
+          <p:cNvPr id="4" name="TextBox 3"/>
+          <p:cNvSpPr txBox="1"/>
+          <p:nvPr/>
+        </p:nvSpPr>
+        <p:spPr>
+          <a:xfrm>
+            <a:off x="1320800" y="2837133"/>
+            <a:ext cx="1908215" cy="923330"/>
+          </a:xfrm>
+          <a:prstGeom prst="rect">
+            <a:avLst/>
+          </a:prstGeom>
+          <a:noFill/>
+        </p:spPr>
+        <p:txBody>
+          <a:bodyPr wrap="none" rtlCol="0">
+            <a:spAutoFit/>
+          </a:bodyPr>
           <a:lstStyle/>
           <a:p>
             <a:r>
-              <a:rPr lang="ru-RU" dirty="0" smtClean="0"/>
-              <a:t>Учеба на программиста</a:t>
-            </a:r>
-          </a:p>
-          <a:p>
-            <a:pPr lvl="1"/>
-            <a:r>
-              <a:rPr lang="ru-RU" dirty="0" smtClean="0"/>
-              <a:t>Сильно помогает</a:t>
-            </a:r>
-          </a:p>
-          <a:p>
-            <a:pPr lvl="1"/>
-            <a:r>
-              <a:rPr lang="ru-RU" dirty="0" smtClean="0"/>
-              <a:t>Не обязательна</a:t>
-            </a:r>
-          </a:p>
-          <a:p>
-            <a:r>
-              <a:rPr lang="en-US" dirty="0" smtClean="0"/>
-              <a:t>D1 / </a:t>
-            </a:r>
-            <a:r>
-              <a:rPr lang="ru-RU" dirty="0" smtClean="0"/>
-              <a:t>пробный период (</a:t>
-            </a:r>
-            <a:r>
-              <a:rPr lang="ru-RU" dirty="0" err="1" smtClean="0"/>
-              <a:t>джун</a:t>
-            </a:r>
-            <a:r>
-              <a:rPr lang="ru-RU" dirty="0"/>
-              <a:t>)</a:t>
-            </a:r>
-            <a:endParaRPr lang="ru-RU" dirty="0" smtClean="0"/>
-          </a:p>
-          <a:p>
-            <a:r>
-              <a:rPr lang="en-US" dirty="0" smtClean="0"/>
-              <a:t>D2</a:t>
-            </a:r>
-          </a:p>
-          <a:p>
-            <a:r>
-              <a:rPr lang="en-US" dirty="0" smtClean="0"/>
-              <a:t>D3 </a:t>
-            </a:r>
-            <a:r>
-              <a:rPr lang="ru-RU" dirty="0" smtClean="0"/>
-              <a:t>(сеньор)</a:t>
-            </a:r>
-          </a:p>
-          <a:p>
-            <a:r>
-              <a:rPr lang="en-US" dirty="0" smtClean="0"/>
-              <a:t>D4</a:t>
-            </a:r>
-            <a:endParaRPr lang="ru-RU" dirty="0" smtClean="0"/>
-          </a:p>
-          <a:p>
-            <a:pPr lvl="1"/>
-            <a:r>
-              <a:rPr lang="ru-RU" dirty="0" err="1" smtClean="0"/>
-              <a:t>Маппинг</a:t>
-            </a:r>
-            <a:r>
-              <a:rPr lang="ru-RU" dirty="0" smtClean="0"/>
-              <a:t> на младшего научного сотрудника и т.д.</a:t>
-            </a:r>
-            <a:endParaRPr lang="ru-RU" dirty="0"/>
+              <a:rPr lang="ru-RU" sz="5400" dirty="0" smtClean="0"/>
+              <a:t>Учеба</a:t>
+            </a:r>
+            <a:endParaRPr lang="ru-RU" sz="5400" dirty="0"/>
+          </a:p>
+        </p:txBody>
+      </p:sp>
+      <p:sp>
+        <p:nvSpPr>
+          <p:cNvPr id="5" name="Стрелка вправо 4"/>
+          <p:cNvSpPr/>
+          <p:nvPr/>
+        </p:nvSpPr>
+        <p:spPr>
+          <a:xfrm>
+            <a:off x="3883574" y="3061731"/>
+            <a:ext cx="1066800" cy="474134"/>
+          </a:xfrm>
+          <a:prstGeom prst="rightArrow">
+            <a:avLst/>
+          </a:prstGeom>
+        </p:spPr>
+        <p:style>
+          <a:lnRef idx="2">
+            <a:schemeClr val="accent1">
+              <a:shade val="50000"/>
+            </a:schemeClr>
+          </a:lnRef>
+          <a:fillRef idx="1">
+            <a:schemeClr val="accent1"/>
+          </a:fillRef>
+          <a:effectRef idx="0">
+            <a:schemeClr val="accent1"/>
+          </a:effectRef>
+          <a:fontRef idx="minor">
+            <a:schemeClr val="lt1"/>
+          </a:fontRef>
+        </p:style>
+        <p:txBody>
+          <a:bodyPr rtlCol="0" anchor="ctr"/>
+          <a:lstStyle/>
+          <a:p>
+            <a:pPr algn="ctr"/>
+            <a:endParaRPr lang="ru-RU"/>
+          </a:p>
+        </p:txBody>
+      </p:sp>
+      <p:sp>
+        <p:nvSpPr>
+          <p:cNvPr id="6" name="TextBox 5"/>
+          <p:cNvSpPr txBox="1"/>
+          <p:nvPr/>
+        </p:nvSpPr>
+        <p:spPr>
+          <a:xfrm>
+            <a:off x="5604933" y="2837133"/>
+            <a:ext cx="2202591" cy="923330"/>
+          </a:xfrm>
+          <a:prstGeom prst="rect">
+            <a:avLst/>
+          </a:prstGeom>
+          <a:noFill/>
+        </p:spPr>
+        <p:txBody>
+          <a:bodyPr wrap="none" rtlCol="0">
+            <a:spAutoFit/>
+          </a:bodyPr>
+          <a:lstStyle/>
+          <a:p>
+            <a:r>
+              <a:rPr lang="ru-RU" sz="5400" dirty="0" smtClean="0"/>
+              <a:t>Работа</a:t>
+            </a:r>
+            <a:endParaRPr lang="ru-RU" sz="5400" dirty="0"/>
           </a:p>
         </p:txBody>
       </p:sp>
     </p:spTree>
     <p:extLst>
       <p:ext uri="{BB962C8B-B14F-4D97-AF65-F5344CB8AC3E}">
-        <p14:creationId xmlns:p14="http://schemas.microsoft.com/office/powerpoint/2010/main" val="1954945046"/>
+        <p14:creationId xmlns:p14="http://schemas.microsoft.com/office/powerpoint/2010/main" val="3618331363"/>
       </p:ext>
     </p:extLst>
   </p:cSld>
@@ -10928,29 +13141,47 @@
           <a:chExt cx="0" cy="0"/>
         </a:xfrm>
       </p:grpSpPr>
-      <p:sp>
-        <p:nvSpPr>
-          <p:cNvPr id="2" name="Заголовок 1"/>
-          <p:cNvSpPr>
-            <a:spLocks noGrp="1"/>
-          </p:cNvSpPr>
-          <p:nvPr>
-            <p:ph type="title"/>
-          </p:nvPr>
-        </p:nvSpPr>
-        <p:spPr/>
-        <p:txBody>
-          <a:bodyPr/>
-          <a:lstStyle/>
-          <a:p>
-            <a:r>
-              <a:rPr lang="ru-RU" dirty="0" smtClean="0"/>
-              <a:t>Мой путь</a:t>
-            </a:r>
-            <a:endParaRPr lang="ru-RU" dirty="0"/>
-          </a:p>
-        </p:txBody>
-      </p:sp>
+      <p:pic>
+        <p:nvPicPr>
+          <p:cNvPr id="2050" name="Picture 2" descr="Картинки по запросу bulbasaur evolution"/>
+          <p:cNvPicPr>
+            <a:picLocks noChangeAspect="1" noChangeArrowheads="1"/>
+          </p:cNvPicPr>
+          <p:nvPr/>
+        </p:nvPicPr>
+        <p:blipFill>
+          <a:blip r:embed="rId3">
+            <a:extLst>
+              <a:ext uri="{28A0092B-C50C-407E-A947-70E740481C1C}">
+                <a14:useLocalDpi xmlns:a14="http://schemas.microsoft.com/office/drawing/2010/main" val="0"/>
+              </a:ext>
+            </a:extLst>
+          </a:blip>
+          <a:srcRect/>
+          <a:stretch>
+            <a:fillRect/>
+          </a:stretch>
+        </p:blipFill>
+        <p:spPr bwMode="auto">
+          <a:xfrm>
+            <a:off x="466020" y="2346295"/>
+            <a:ext cx="8452202" cy="3976363"/>
+          </a:xfrm>
+          <a:prstGeom prst="rect">
+            <a:avLst/>
+          </a:prstGeom>
+          <a:noFill/>
+          <a:extLst>
+            <a:ext uri="{909E8E84-426E-40DD-AFC4-6F175D3DCCD1}">
+              <a14:hiddenFill xmlns:a14="http://schemas.microsoft.com/office/drawing/2010/main">
+                <a:solidFill>
+                  <a:srgbClr val="FFFFFF"/>
+                </a:solidFill>
+              </a14:hiddenFill>
+            </a:ext>
+          </a:extLst>
+        </p:spPr>
+      </p:pic>
       <p:sp>
         <p:nvSpPr>
           <p:cNvPr id="4" name="TextBox 3"/>
@@ -10959,8 +13190,8 @@
         </p:nvSpPr>
         <p:spPr>
           <a:xfrm>
-            <a:off x="1320800" y="2837133"/>
-            <a:ext cx="1908215" cy="923330"/>
+            <a:off x="643467" y="3708399"/>
+            <a:ext cx="885179" cy="830997"/>
           </a:xfrm>
           <a:prstGeom prst="rect">
             <a:avLst/>
@@ -10974,63 +13205,23 @@
           <a:lstStyle/>
           <a:p>
             <a:r>
-              <a:rPr lang="ru-RU" sz="5400" dirty="0" smtClean="0"/>
-              <a:t>Учеба</a:t>
-            </a:r>
-            <a:endParaRPr lang="ru-RU" sz="5400" dirty="0"/>
-          </a:p>
-        </p:txBody>
-      </p:sp>
-      <p:sp>
-        <p:nvSpPr>
-          <p:cNvPr id="5" name="Стрелка вправо 4"/>
-          <p:cNvSpPr/>
+              <a:rPr lang="en-US" sz="4800" b="1" dirty="0" smtClean="0"/>
+              <a:t>D1</a:t>
+            </a:r>
+            <a:endParaRPr lang="ru-RU" sz="4000" b="1" dirty="0"/>
+          </a:p>
+        </p:txBody>
+      </p:sp>
+      <p:sp>
+        <p:nvSpPr>
+          <p:cNvPr id="5" name="TextBox 4"/>
+          <p:cNvSpPr txBox="1"/>
           <p:nvPr/>
         </p:nvSpPr>
         <p:spPr>
           <a:xfrm>
-            <a:off x="3883574" y="3061731"/>
-            <a:ext cx="1066800" cy="474134"/>
-          </a:xfrm>
-          <a:prstGeom prst="rightArrow">
-            <a:avLst/>
-          </a:prstGeom>
-        </p:spPr>
-        <p:style>
-          <a:lnRef idx="2">
-            <a:schemeClr val="accent1">
-              <a:shade val="50000"/>
-            </a:schemeClr>
-          </a:lnRef>
-          <a:fillRef idx="1">
-            <a:schemeClr val="accent1"/>
-          </a:fillRef>
-          <a:effectRef idx="0">
-            <a:schemeClr val="accent1"/>
-          </a:effectRef>
-          <a:fontRef idx="minor">
-            <a:schemeClr val="lt1"/>
-          </a:fontRef>
-        </p:style>
-        <p:txBody>
-          <a:bodyPr rtlCol="0" anchor="ctr"/>
-          <a:lstStyle/>
-          <a:p>
-            <a:pPr algn="ctr"/>
-            <a:endParaRPr lang="ru-RU"/>
-          </a:p>
-        </p:txBody>
-      </p:sp>
-      <p:sp>
-        <p:nvSpPr>
-          <p:cNvPr id="6" name="TextBox 5"/>
-          <p:cNvSpPr txBox="1"/>
-          <p:nvPr/>
-        </p:nvSpPr>
-        <p:spPr>
-          <a:xfrm>
-            <a:off x="5604933" y="2837133"/>
-            <a:ext cx="2202591" cy="923330"/>
+            <a:off x="2677554" y="2539999"/>
+            <a:ext cx="885179" cy="830997"/>
           </a:xfrm>
           <a:prstGeom prst="rect">
             <a:avLst/>
@@ -11044,17 +13235,75 @@
           <a:lstStyle/>
           <a:p>
             <a:r>
-              <a:rPr lang="ru-RU" sz="5400" dirty="0" smtClean="0"/>
-              <a:t>Работа</a:t>
-            </a:r>
-            <a:endParaRPr lang="ru-RU" sz="5400" dirty="0"/>
+              <a:rPr lang="en-US" sz="4800" b="1" dirty="0" smtClean="0"/>
+              <a:t>D2</a:t>
+            </a:r>
+            <a:endParaRPr lang="ru-RU" sz="4800" b="1" dirty="0"/>
+          </a:p>
+        </p:txBody>
+      </p:sp>
+      <p:sp>
+        <p:nvSpPr>
+          <p:cNvPr id="6" name="TextBox 5"/>
+          <p:cNvSpPr txBox="1"/>
+          <p:nvPr/>
+        </p:nvSpPr>
+        <p:spPr>
+          <a:xfrm>
+            <a:off x="5774266" y="1524336"/>
+            <a:ext cx="1059906" cy="1015663"/>
+          </a:xfrm>
+          <a:prstGeom prst="rect">
+            <a:avLst/>
+          </a:prstGeom>
+          <a:noFill/>
+        </p:spPr>
+        <p:txBody>
+          <a:bodyPr wrap="none" rtlCol="0">
+            <a:spAutoFit/>
+          </a:bodyPr>
+          <a:lstStyle/>
+          <a:p>
+            <a:r>
+              <a:rPr lang="en-US" sz="6000" b="1" dirty="0" smtClean="0"/>
+              <a:t>D3</a:t>
+            </a:r>
+            <a:endParaRPr lang="ru-RU" sz="7200" b="1" dirty="0"/>
+          </a:p>
+        </p:txBody>
+      </p:sp>
+      <p:sp>
+        <p:nvSpPr>
+          <p:cNvPr id="7" name="Заголовок 1"/>
+          <p:cNvSpPr>
+            <a:spLocks noGrp="1"/>
+          </p:cNvSpPr>
+          <p:nvPr>
+            <p:ph type="title"/>
+          </p:nvPr>
+        </p:nvSpPr>
+        <p:spPr>
+          <a:xfrm>
+            <a:off x="822960" y="286604"/>
+            <a:ext cx="7543800" cy="1450757"/>
+          </a:xfrm>
+        </p:spPr>
+        <p:txBody>
+          <a:bodyPr/>
+          <a:lstStyle/>
+          <a:p>
+            <a:r>
+              <a:rPr lang="ru-RU" dirty="0" smtClean="0"/>
+              <a:t>Мой путь</a:t>
+            </a:r>
+            <a:endParaRPr lang="ru-RU" dirty="0"/>
           </a:p>
         </p:txBody>
       </p:sp>
     </p:spTree>
     <p:extLst>
       <p:ext uri="{BB962C8B-B14F-4D97-AF65-F5344CB8AC3E}">
-        <p14:creationId xmlns:p14="http://schemas.microsoft.com/office/powerpoint/2010/main" val="3618331363"/>
+        <p14:creationId xmlns:p14="http://schemas.microsoft.com/office/powerpoint/2010/main" val="14903895"/>
       </p:ext>
     </p:extLst>
   </p:cSld>
@@ -11104,8 +13353,8 @@
         </p:blipFill>
         <p:spPr bwMode="auto">
           <a:xfrm>
-            <a:off x="341842" y="2540000"/>
-            <a:ext cx="8736344" cy="4110038"/>
+            <a:off x="1888971" y="2956066"/>
+            <a:ext cx="7172055" cy="3374113"/>
           </a:xfrm>
           <a:prstGeom prst="rect">
             <a:avLst/>
@@ -11130,8 +13379,8 @@
         </p:nvSpPr>
         <p:spPr>
           <a:xfrm>
-            <a:off x="643467" y="3708399"/>
-            <a:ext cx="885179" cy="830997"/>
+            <a:off x="2004526" y="4334933"/>
+            <a:ext cx="1111208" cy="830997"/>
           </a:xfrm>
           <a:prstGeom prst="rect">
             <a:avLst/>
@@ -11139,7 +13388,7 @@
           <a:noFill/>
         </p:spPr>
         <p:txBody>
-          <a:bodyPr wrap="none" rtlCol="0">
+          <a:bodyPr wrap="square" rtlCol="0">
             <a:spAutoFit/>
           </a:bodyPr>
           <a:lstStyle/>
@@ -11160,8 +13409,8 @@
         </p:nvSpPr>
         <p:spPr>
           <a:xfrm>
-            <a:off x="2556934" y="2124501"/>
-            <a:ext cx="885179" cy="830997"/>
+            <a:off x="3562391" y="3503936"/>
+            <a:ext cx="1026541" cy="830997"/>
           </a:xfrm>
           <a:prstGeom prst="rect">
             <a:avLst/>
@@ -11169,7 +13418,7 @@
           <a:noFill/>
         </p:spPr>
         <p:txBody>
-          <a:bodyPr wrap="none" rtlCol="0">
+          <a:bodyPr wrap="square" rtlCol="0">
             <a:spAutoFit/>
           </a:bodyPr>
           <a:lstStyle/>
@@ -11190,8 +13439,8 @@
         </p:nvSpPr>
         <p:spPr>
           <a:xfrm>
-            <a:off x="5808133" y="592667"/>
-            <a:ext cx="1059906" cy="1015663"/>
+            <a:off x="6532372" y="2372461"/>
+            <a:ext cx="952162" cy="769441"/>
           </a:xfrm>
           <a:prstGeom prst="rect">
             <a:avLst/>
@@ -11199,59 +13448,29 @@
           <a:noFill/>
         </p:spPr>
         <p:txBody>
-          <a:bodyPr wrap="none" rtlCol="0">
+          <a:bodyPr wrap="square" rtlCol="0">
             <a:spAutoFit/>
           </a:bodyPr>
           <a:lstStyle/>
           <a:p>
             <a:r>
-              <a:rPr lang="en-US" sz="6000" b="1" dirty="0" smtClean="0"/>
+              <a:rPr lang="en-US" sz="4400" b="1" dirty="0" smtClean="0"/>
               <a:t>D3</a:t>
             </a:r>
             <a:endParaRPr lang="ru-RU" sz="7200" b="1" dirty="0"/>
           </a:p>
         </p:txBody>
       </p:sp>
-    </p:spTree>
-    <p:extLst>
-      <p:ext uri="{BB962C8B-B14F-4D97-AF65-F5344CB8AC3E}">
-        <p14:creationId xmlns:p14="http://schemas.microsoft.com/office/powerpoint/2010/main" val="14903895"/>
-      </p:ext>
-    </p:extLst>
-  </p:cSld>
-  <p:clrMapOvr>
-    <a:masterClrMapping/>
-  </p:clrMapOvr>
-</p:sld>
-</file>
-
-<file path=ppt/slides/slide8.xml><?xml version="1.0" encoding="utf-8"?>
-<p:sld xmlns:a="http://schemas.openxmlformats.org/drawingml/2006/main" xmlns:r="http://schemas.openxmlformats.org/officeDocument/2006/relationships" xmlns:p="http://schemas.openxmlformats.org/presentationml/2006/main">
-  <p:cSld>
-    <p:spTree>
-      <p:nvGrpSpPr>
-        <p:cNvPr id="1" name=""/>
-        <p:cNvGrpSpPr/>
-        <p:nvPr/>
-      </p:nvGrpSpPr>
-      <p:grpSpPr>
-        <a:xfrm>
-          <a:off x="0" y="0"/>
-          <a:ext cx="0" cy="0"/>
-          <a:chOff x="0" y="0"/>
-          <a:chExt cx="0" cy="0"/>
-        </a:xfrm>
-      </p:grpSpPr>
       <p:pic>
         <p:nvPicPr>
-          <p:cNvPr id="2050" name="Picture 2" descr="Картинки по запросу bulbasaur evolution"/>
+          <p:cNvPr id="3074" name="Picture 2" descr="Картинки по запросу pocket ball"/>
           <p:cNvPicPr>
             <a:picLocks noChangeAspect="1" noChangeArrowheads="1"/>
           </p:cNvPicPr>
           <p:nvPr/>
         </p:nvPicPr>
         <p:blipFill>
-          <a:blip r:embed="rId2">
+          <a:blip r:embed="rId4">
             <a:extLst>
               <a:ext uri="{28A0092B-C50C-407E-A947-70E740481C1C}">
                 <a14:useLocalDpi xmlns:a14="http://schemas.microsoft.com/office/drawing/2010/main" val="0"/>
@@ -11265,139 +13484,8 @@
         </p:blipFill>
         <p:spPr bwMode="auto">
           <a:xfrm>
-            <a:off x="1776081" y="3292901"/>
-            <a:ext cx="7367919" cy="3466258"/>
-          </a:xfrm>
-          <a:prstGeom prst="rect">
-            <a:avLst/>
-          </a:prstGeom>
-          <a:noFill/>
-          <a:extLst>
-            <a:ext uri="{909E8E84-426E-40DD-AFC4-6F175D3DCCD1}">
-              <a14:hiddenFill xmlns:a14="http://schemas.microsoft.com/office/drawing/2010/main">
-                <a:solidFill>
-                  <a:srgbClr val="FFFFFF"/>
-                </a:solidFill>
-              </a14:hiddenFill>
-            </a:ext>
-          </a:extLst>
-        </p:spPr>
-      </p:pic>
-      <p:sp>
-        <p:nvSpPr>
-          <p:cNvPr id="4" name="TextBox 3"/>
-          <p:cNvSpPr txBox="1"/>
-          <p:nvPr/>
-        </p:nvSpPr>
-        <p:spPr>
-          <a:xfrm>
-            <a:off x="2004526" y="4334933"/>
-            <a:ext cx="1111208" cy="830997"/>
-          </a:xfrm>
-          <a:prstGeom prst="rect">
-            <a:avLst/>
-          </a:prstGeom>
-          <a:noFill/>
-        </p:spPr>
-        <p:txBody>
-          <a:bodyPr wrap="square" rtlCol="0">
-            <a:spAutoFit/>
-          </a:bodyPr>
-          <a:lstStyle/>
-          <a:p>
-            <a:r>
-              <a:rPr lang="en-US" sz="4800" b="1" dirty="0" smtClean="0"/>
-              <a:t>D1</a:t>
-            </a:r>
-            <a:endParaRPr lang="ru-RU" sz="4000" b="1" dirty="0"/>
-          </a:p>
-        </p:txBody>
-      </p:sp>
-      <p:sp>
-        <p:nvSpPr>
-          <p:cNvPr id="5" name="TextBox 4"/>
-          <p:cNvSpPr txBox="1"/>
-          <p:nvPr/>
-        </p:nvSpPr>
-        <p:spPr>
-          <a:xfrm>
-            <a:off x="3562391" y="3503936"/>
-            <a:ext cx="1026541" cy="830997"/>
-          </a:xfrm>
-          <a:prstGeom prst="rect">
-            <a:avLst/>
-          </a:prstGeom>
-          <a:noFill/>
-        </p:spPr>
-        <p:txBody>
-          <a:bodyPr wrap="square" rtlCol="0">
-            <a:spAutoFit/>
-          </a:bodyPr>
-          <a:lstStyle/>
-          <a:p>
-            <a:r>
-              <a:rPr lang="en-US" sz="4800" b="1" dirty="0" smtClean="0"/>
-              <a:t>D2</a:t>
-            </a:r>
-            <a:endParaRPr lang="ru-RU" sz="4800" b="1" dirty="0"/>
-          </a:p>
-        </p:txBody>
-      </p:sp>
-      <p:sp>
-        <p:nvSpPr>
-          <p:cNvPr id="6" name="TextBox 5"/>
-          <p:cNvSpPr txBox="1"/>
-          <p:nvPr/>
-        </p:nvSpPr>
-        <p:spPr>
-          <a:xfrm>
-            <a:off x="6532372" y="2372461"/>
-            <a:ext cx="952162" cy="769441"/>
-          </a:xfrm>
-          <a:prstGeom prst="rect">
-            <a:avLst/>
-          </a:prstGeom>
-          <a:noFill/>
-        </p:spPr>
-        <p:txBody>
-          <a:bodyPr wrap="square" rtlCol="0">
-            <a:spAutoFit/>
-          </a:bodyPr>
-          <a:lstStyle/>
-          <a:p>
-            <a:r>
-              <a:rPr lang="en-US" sz="4400" b="1" dirty="0" smtClean="0"/>
-              <a:t>D3</a:t>
-            </a:r>
-            <a:endParaRPr lang="ru-RU" sz="7200" b="1" dirty="0"/>
-          </a:p>
-        </p:txBody>
-      </p:sp>
-      <p:pic>
-        <p:nvPicPr>
-          <p:cNvPr id="3074" name="Picture 2" descr="Картинки по запросу pocket ball"/>
-          <p:cNvPicPr>
-            <a:picLocks noChangeAspect="1" noChangeArrowheads="1"/>
-          </p:cNvPicPr>
-          <p:nvPr/>
-        </p:nvPicPr>
-        <p:blipFill>
-          <a:blip r:embed="rId3">
-            <a:extLst>
-              <a:ext uri="{28A0092B-C50C-407E-A947-70E740481C1C}">
-                <a14:useLocalDpi xmlns:a14="http://schemas.microsoft.com/office/drawing/2010/main" val="0"/>
-              </a:ext>
-            </a:extLst>
-          </a:blip>
-          <a:srcRect/>
-          <a:stretch>
-            <a:fillRect/>
-          </a:stretch>
-        </p:blipFill>
-        <p:spPr bwMode="auto">
-          <a:xfrm>
-            <a:off x="273248" y="5165930"/>
-            <a:ext cx="1357426" cy="1357426"/>
+            <a:off x="316088" y="5165930"/>
+            <a:ext cx="1145252" cy="1145252"/>
           </a:xfrm>
           <a:prstGeom prst="rect">
             <a:avLst/>
@@ -11455,8 +13543,8 @@
         </p:nvSpPr>
         <p:spPr>
           <a:xfrm>
-            <a:off x="2272769" y="762000"/>
-            <a:ext cx="4784836" cy="369332"/>
+            <a:off x="602005" y="974283"/>
+            <a:ext cx="8346131" cy="584775"/>
           </a:xfrm>
           <a:prstGeom prst="rect">
             <a:avLst/>
@@ -11470,10 +13558,10 @@
           <a:lstStyle/>
           <a:p>
             <a:r>
-              <a:rPr lang="ru-RU" dirty="0" smtClean="0"/>
+              <a:rPr lang="ru-RU" sz="3200" dirty="0" smtClean="0"/>
               <a:t>Практика / лаборатория / испытательный срок</a:t>
             </a:r>
-            <a:endParaRPr lang="ru-RU" dirty="0"/>
+            <a:endParaRPr lang="ru-RU" sz="3200" dirty="0"/>
           </a:p>
         </p:txBody>
       </p:sp>
@@ -11481,6 +13569,467 @@
     <p:extLst>
       <p:ext uri="{BB962C8B-B14F-4D97-AF65-F5344CB8AC3E}">
         <p14:creationId xmlns:p14="http://schemas.microsoft.com/office/powerpoint/2010/main" val="3893388859"/>
+      </p:ext>
+    </p:extLst>
+  </p:cSld>
+  <p:clrMapOvr>
+    <a:masterClrMapping/>
+  </p:clrMapOvr>
+</p:sld>
+</file>
+
+<file path=ppt/slides/slide8.xml><?xml version="1.0" encoding="utf-8"?>
+<p:sld xmlns:a="http://schemas.openxmlformats.org/drawingml/2006/main" xmlns:r="http://schemas.openxmlformats.org/officeDocument/2006/relationships" xmlns:p="http://schemas.openxmlformats.org/presentationml/2006/main">
+  <p:cSld>
+    <p:spTree>
+      <p:nvGrpSpPr>
+        <p:cNvPr id="1" name=""/>
+        <p:cNvGrpSpPr/>
+        <p:nvPr/>
+      </p:nvGrpSpPr>
+      <p:grpSpPr>
+        <a:xfrm>
+          <a:off x="0" y="0"/>
+          <a:ext cx="0" cy="0"/>
+          <a:chOff x="0" y="0"/>
+          <a:chExt cx="0" cy="0"/>
+        </a:xfrm>
+      </p:grpSpPr>
+      <p:sp>
+        <p:nvSpPr>
+          <p:cNvPr id="2" name="Заголовок 1"/>
+          <p:cNvSpPr>
+            <a:spLocks noGrp="1"/>
+          </p:cNvSpPr>
+          <p:nvPr>
+            <p:ph type="title"/>
+          </p:nvPr>
+        </p:nvSpPr>
+        <p:spPr/>
+        <p:txBody>
+          <a:bodyPr/>
+          <a:lstStyle/>
+          <a:p>
+            <a:r>
+              <a:rPr lang="en-US" dirty="0" smtClean="0"/>
+              <a:t>Frontend </a:t>
+            </a:r>
+            <a:r>
+              <a:rPr lang="en-US" dirty="0" smtClean="0"/>
+              <a:t>/ Backend</a:t>
+            </a:r>
+            <a:endParaRPr lang="ru-RU" dirty="0"/>
+          </a:p>
+        </p:txBody>
+      </p:sp>
+      <p:sp>
+        <p:nvSpPr>
+          <p:cNvPr id="3" name="Объект 2"/>
+          <p:cNvSpPr>
+            <a:spLocks noGrp="1"/>
+          </p:cNvSpPr>
+          <p:nvPr>
+            <p:ph idx="1"/>
+          </p:nvPr>
+        </p:nvSpPr>
+        <p:spPr>
+          <a:xfrm>
+            <a:off x="822960" y="1845734"/>
+            <a:ext cx="3681308" cy="4023360"/>
+          </a:xfrm>
+        </p:spPr>
+        <p:txBody>
+          <a:bodyPr/>
+          <a:lstStyle/>
+          <a:p>
+            <a:r>
+              <a:rPr lang="en-US" dirty="0" smtClean="0"/>
+              <a:t>Frontend</a:t>
+            </a:r>
+          </a:p>
+          <a:p>
+            <a:pPr lvl="1"/>
+            <a:r>
+              <a:rPr lang="en-US" dirty="0" smtClean="0"/>
+              <a:t>HTML / CSS / </a:t>
+            </a:r>
+            <a:r>
+              <a:rPr lang="en-US" dirty="0" smtClean="0"/>
+              <a:t>JS</a:t>
+            </a:r>
+            <a:endParaRPr lang="en-US" dirty="0" smtClean="0"/>
+          </a:p>
+        </p:txBody>
+      </p:sp>
+      <p:sp>
+        <p:nvSpPr>
+          <p:cNvPr id="4" name="Объект 2"/>
+          <p:cNvSpPr txBox="1">
+            <a:spLocks/>
+          </p:cNvSpPr>
+          <p:nvPr/>
+        </p:nvSpPr>
+        <p:spPr>
+          <a:xfrm>
+            <a:off x="4941006" y="1840090"/>
+            <a:ext cx="7543801" cy="4023360"/>
+          </a:xfrm>
+          <a:prstGeom prst="rect">
+            <a:avLst/>
+          </a:prstGeom>
+        </p:spPr>
+        <p:txBody>
+          <a:bodyPr vert="horz" lIns="0" tIns="45720" rIns="0" bIns="45720" rtlCol="0">
+            <a:normAutofit/>
+          </a:bodyPr>
+          <a:lstStyle>
+            <a:lvl1pPr marL="91440" indent="-91440" algn="l" defTabSz="914400" rtl="0" eaLnBrk="1" latinLnBrk="0" hangingPunct="1">
+              <a:lnSpc>
+                <a:spcPct val="90000"/>
+              </a:lnSpc>
+              <a:spcBef>
+                <a:spcPts val="1200"/>
+              </a:spcBef>
+              <a:spcAft>
+                <a:spcPts val="200"/>
+              </a:spcAft>
+              <a:buClr>
+                <a:schemeClr val="accent1"/>
+              </a:buClr>
+              <a:buSzPct val="100000"/>
+              <a:buFont typeface="Calibri" panose="020F0502020204030204" pitchFamily="34" charset="0"/>
+              <a:buChar char=" "/>
+              <a:defRPr sz="2000" kern="1200">
+                <a:solidFill>
+                  <a:schemeClr val="tx1">
+                    <a:lumMod val="75000"/>
+                    <a:lumOff val="25000"/>
+                  </a:schemeClr>
+                </a:solidFill>
+                <a:latin typeface="+mn-lt"/>
+                <a:ea typeface="+mn-ea"/>
+                <a:cs typeface="+mn-cs"/>
+              </a:defRPr>
+            </a:lvl1pPr>
+            <a:lvl2pPr marL="384048" indent="-182880" algn="l" defTabSz="914400" rtl="0" eaLnBrk="1" latinLnBrk="0" hangingPunct="1">
+              <a:lnSpc>
+                <a:spcPct val="90000"/>
+              </a:lnSpc>
+              <a:spcBef>
+                <a:spcPts val="200"/>
+              </a:spcBef>
+              <a:spcAft>
+                <a:spcPts val="400"/>
+              </a:spcAft>
+              <a:buClr>
+                <a:schemeClr val="accent1"/>
+              </a:buClr>
+              <a:buFont typeface="Calibri" pitchFamily="34" charset="0"/>
+              <a:buChar char="◦"/>
+              <a:defRPr sz="1800" kern="1200">
+                <a:solidFill>
+                  <a:schemeClr val="tx1">
+                    <a:lumMod val="75000"/>
+                    <a:lumOff val="25000"/>
+                  </a:schemeClr>
+                </a:solidFill>
+                <a:latin typeface="+mn-lt"/>
+                <a:ea typeface="+mn-ea"/>
+                <a:cs typeface="+mn-cs"/>
+              </a:defRPr>
+            </a:lvl2pPr>
+            <a:lvl3pPr marL="566928" indent="-182880" algn="l" defTabSz="914400" rtl="0" eaLnBrk="1" latinLnBrk="0" hangingPunct="1">
+              <a:lnSpc>
+                <a:spcPct val="90000"/>
+              </a:lnSpc>
+              <a:spcBef>
+                <a:spcPts val="200"/>
+              </a:spcBef>
+              <a:spcAft>
+                <a:spcPts val="400"/>
+              </a:spcAft>
+              <a:buClr>
+                <a:schemeClr val="accent1"/>
+              </a:buClr>
+              <a:buFont typeface="Calibri" pitchFamily="34" charset="0"/>
+              <a:buChar char="◦"/>
+              <a:defRPr sz="1400" kern="1200">
+                <a:solidFill>
+                  <a:schemeClr val="tx1">
+                    <a:lumMod val="75000"/>
+                    <a:lumOff val="25000"/>
+                  </a:schemeClr>
+                </a:solidFill>
+                <a:latin typeface="+mn-lt"/>
+                <a:ea typeface="+mn-ea"/>
+                <a:cs typeface="+mn-cs"/>
+              </a:defRPr>
+            </a:lvl3pPr>
+            <a:lvl4pPr marL="749808" indent="-182880" algn="l" defTabSz="914400" rtl="0" eaLnBrk="1" latinLnBrk="0" hangingPunct="1">
+              <a:lnSpc>
+                <a:spcPct val="90000"/>
+              </a:lnSpc>
+              <a:spcBef>
+                <a:spcPts val="200"/>
+              </a:spcBef>
+              <a:spcAft>
+                <a:spcPts val="400"/>
+              </a:spcAft>
+              <a:buClr>
+                <a:schemeClr val="accent1"/>
+              </a:buClr>
+              <a:buFont typeface="Calibri" pitchFamily="34" charset="0"/>
+              <a:buChar char="◦"/>
+              <a:defRPr sz="1400" kern="1200">
+                <a:solidFill>
+                  <a:schemeClr val="tx1">
+                    <a:lumMod val="75000"/>
+                    <a:lumOff val="25000"/>
+                  </a:schemeClr>
+                </a:solidFill>
+                <a:latin typeface="+mn-lt"/>
+                <a:ea typeface="+mn-ea"/>
+                <a:cs typeface="+mn-cs"/>
+              </a:defRPr>
+            </a:lvl4pPr>
+            <a:lvl5pPr marL="932688" indent="-182880" algn="l" defTabSz="914400" rtl="0" eaLnBrk="1" latinLnBrk="0" hangingPunct="1">
+              <a:lnSpc>
+                <a:spcPct val="90000"/>
+              </a:lnSpc>
+              <a:spcBef>
+                <a:spcPts val="200"/>
+              </a:spcBef>
+              <a:spcAft>
+                <a:spcPts val="400"/>
+              </a:spcAft>
+              <a:buClr>
+                <a:schemeClr val="accent1"/>
+              </a:buClr>
+              <a:buFont typeface="Calibri" pitchFamily="34" charset="0"/>
+              <a:buChar char="◦"/>
+              <a:defRPr sz="1400" kern="1200">
+                <a:solidFill>
+                  <a:schemeClr val="tx1">
+                    <a:lumMod val="75000"/>
+                    <a:lumOff val="25000"/>
+                  </a:schemeClr>
+                </a:solidFill>
+                <a:latin typeface="+mn-lt"/>
+                <a:ea typeface="+mn-ea"/>
+                <a:cs typeface="+mn-cs"/>
+              </a:defRPr>
+            </a:lvl5pPr>
+            <a:lvl6pPr marL="1100000" indent="-228600" algn="l" defTabSz="914400" rtl="0" eaLnBrk="1" latinLnBrk="0" hangingPunct="1">
+              <a:lnSpc>
+                <a:spcPct val="90000"/>
+              </a:lnSpc>
+              <a:spcBef>
+                <a:spcPts val="200"/>
+              </a:spcBef>
+              <a:spcAft>
+                <a:spcPts val="400"/>
+              </a:spcAft>
+              <a:buClr>
+                <a:schemeClr val="accent1"/>
+              </a:buClr>
+              <a:buFont typeface="Calibri" pitchFamily="34" charset="0"/>
+              <a:buChar char="◦"/>
+              <a:defRPr sz="1400" kern="1200">
+                <a:solidFill>
+                  <a:schemeClr val="tx1">
+                    <a:lumMod val="75000"/>
+                    <a:lumOff val="25000"/>
+                  </a:schemeClr>
+                </a:solidFill>
+                <a:latin typeface="+mn-lt"/>
+                <a:ea typeface="+mn-ea"/>
+                <a:cs typeface="+mn-cs"/>
+              </a:defRPr>
+            </a:lvl6pPr>
+            <a:lvl7pPr marL="1300000" indent="-228600" algn="l" defTabSz="914400" rtl="0" eaLnBrk="1" latinLnBrk="0" hangingPunct="1">
+              <a:lnSpc>
+                <a:spcPct val="90000"/>
+              </a:lnSpc>
+              <a:spcBef>
+                <a:spcPts val="200"/>
+              </a:spcBef>
+              <a:spcAft>
+                <a:spcPts val="400"/>
+              </a:spcAft>
+              <a:buClr>
+                <a:schemeClr val="accent1"/>
+              </a:buClr>
+              <a:buFont typeface="Calibri" pitchFamily="34" charset="0"/>
+              <a:buChar char="◦"/>
+              <a:defRPr sz="1400" kern="1200">
+                <a:solidFill>
+                  <a:schemeClr val="tx1">
+                    <a:lumMod val="75000"/>
+                    <a:lumOff val="25000"/>
+                  </a:schemeClr>
+                </a:solidFill>
+                <a:latin typeface="+mn-lt"/>
+                <a:ea typeface="+mn-ea"/>
+                <a:cs typeface="+mn-cs"/>
+              </a:defRPr>
+            </a:lvl7pPr>
+            <a:lvl8pPr marL="1500000" indent="-228600" algn="l" defTabSz="914400" rtl="0" eaLnBrk="1" latinLnBrk="0" hangingPunct="1">
+              <a:lnSpc>
+                <a:spcPct val="90000"/>
+              </a:lnSpc>
+              <a:spcBef>
+                <a:spcPts val="200"/>
+              </a:spcBef>
+              <a:spcAft>
+                <a:spcPts val="400"/>
+              </a:spcAft>
+              <a:buClr>
+                <a:schemeClr val="accent1"/>
+              </a:buClr>
+              <a:buFont typeface="Calibri" pitchFamily="34" charset="0"/>
+              <a:buChar char="◦"/>
+              <a:defRPr sz="1400" kern="1200">
+                <a:solidFill>
+                  <a:schemeClr val="tx1">
+                    <a:lumMod val="75000"/>
+                    <a:lumOff val="25000"/>
+                  </a:schemeClr>
+                </a:solidFill>
+                <a:latin typeface="+mn-lt"/>
+                <a:ea typeface="+mn-ea"/>
+                <a:cs typeface="+mn-cs"/>
+              </a:defRPr>
+            </a:lvl8pPr>
+            <a:lvl9pPr marL="1700000" indent="-228600" algn="l" defTabSz="914400" rtl="0" eaLnBrk="1" latinLnBrk="0" hangingPunct="1">
+              <a:lnSpc>
+                <a:spcPct val="90000"/>
+              </a:lnSpc>
+              <a:spcBef>
+                <a:spcPts val="200"/>
+              </a:spcBef>
+              <a:spcAft>
+                <a:spcPts val="400"/>
+              </a:spcAft>
+              <a:buClr>
+                <a:schemeClr val="accent1"/>
+              </a:buClr>
+              <a:buFont typeface="Calibri" pitchFamily="34" charset="0"/>
+              <a:buChar char="◦"/>
+              <a:defRPr sz="1400" kern="1200">
+                <a:solidFill>
+                  <a:schemeClr val="tx1">
+                    <a:lumMod val="75000"/>
+                    <a:lumOff val="25000"/>
+                  </a:schemeClr>
+                </a:solidFill>
+                <a:latin typeface="+mn-lt"/>
+                <a:ea typeface="+mn-ea"/>
+                <a:cs typeface="+mn-cs"/>
+              </a:defRPr>
+            </a:lvl9pPr>
+          </a:lstStyle>
+          <a:p>
+            <a:r>
+              <a:rPr lang="en-US" dirty="0" smtClean="0"/>
+              <a:t>Backend</a:t>
+            </a:r>
+          </a:p>
+          <a:p>
+            <a:pPr lvl="1"/>
+            <a:r>
+              <a:rPr lang="en-US" dirty="0" smtClean="0"/>
+              <a:t>Java</a:t>
+            </a:r>
+            <a:endParaRPr lang="ru-RU" dirty="0"/>
+          </a:p>
+        </p:txBody>
+      </p:sp>
+      <p:pic>
+        <p:nvPicPr>
+          <p:cNvPr id="1026" name="Picture 2" descr="Картинки по запросу кузов автомобиля"/>
+          <p:cNvPicPr>
+            <a:picLocks noChangeAspect="1" noChangeArrowheads="1"/>
+          </p:cNvPicPr>
+          <p:nvPr/>
+        </p:nvPicPr>
+        <p:blipFill>
+          <a:blip r:embed="rId3">
+            <a:extLst>
+              <a:ext uri="{28A0092B-C50C-407E-A947-70E740481C1C}">
+                <a14:useLocalDpi xmlns:a14="http://schemas.microsoft.com/office/drawing/2010/main" val="0"/>
+              </a:ext>
+            </a:extLst>
+          </a:blip>
+          <a:srcRect/>
+          <a:stretch>
+            <a:fillRect/>
+          </a:stretch>
+        </p:blipFill>
+        <p:spPr bwMode="auto">
+          <a:xfrm>
+            <a:off x="144287" y="3217334"/>
+            <a:ext cx="4796719" cy="2398360"/>
+          </a:xfrm>
+          <a:prstGeom prst="rect">
+            <a:avLst/>
+          </a:prstGeom>
+          <a:noFill/>
+          <a:extLst>
+            <a:ext uri="{909E8E84-426E-40DD-AFC4-6F175D3DCCD1}">
+              <a14:hiddenFill xmlns:a14="http://schemas.microsoft.com/office/drawing/2010/main">
+                <a:solidFill>
+                  <a:srgbClr val="FFFFFF"/>
+                </a:solidFill>
+              </a14:hiddenFill>
+            </a:ext>
+          </a:extLst>
+        </p:spPr>
+      </p:pic>
+      <p:pic>
+        <p:nvPicPr>
+          <p:cNvPr id="1030" name="Picture 6" descr="Картинки по запросу двигатель автомобиля"/>
+          <p:cNvPicPr>
+            <a:picLocks noChangeAspect="1" noChangeArrowheads="1"/>
+          </p:cNvPicPr>
+          <p:nvPr/>
+        </p:nvPicPr>
+        <p:blipFill>
+          <a:blip r:embed="rId4" cstate="print">
+            <a:extLst>
+              <a:ext uri="{28A0092B-C50C-407E-A947-70E740481C1C}">
+                <a14:useLocalDpi xmlns:a14="http://schemas.microsoft.com/office/drawing/2010/main" val="0"/>
+              </a:ext>
+            </a:extLst>
+          </a:blip>
+          <a:srcRect/>
+          <a:stretch>
+            <a:fillRect/>
+          </a:stretch>
+        </p:blipFill>
+        <p:spPr bwMode="auto">
+          <a:xfrm>
+            <a:off x="4760913" y="2861946"/>
+            <a:ext cx="3880732" cy="3001504"/>
+          </a:xfrm>
+          <a:prstGeom prst="rect">
+            <a:avLst/>
+          </a:prstGeom>
+          <a:noFill/>
+          <a:extLst>
+            <a:ext uri="{909E8E84-426E-40DD-AFC4-6F175D3DCCD1}">
+              <a14:hiddenFill xmlns:a14="http://schemas.microsoft.com/office/drawing/2010/main">
+                <a:solidFill>
+                  <a:srgbClr val="FFFFFF"/>
+                </a:solidFill>
+              </a14:hiddenFill>
+            </a:ext>
+          </a:extLst>
+        </p:spPr>
+      </p:pic>
+    </p:spTree>
+    <p:extLst>
+      <p:ext uri="{BB962C8B-B14F-4D97-AF65-F5344CB8AC3E}">
+        <p14:creationId xmlns:p14="http://schemas.microsoft.com/office/powerpoint/2010/main" val="3140336889"/>
       </p:ext>
     </p:extLst>
   </p:cSld>
@@ -11523,71 +14072,42 @@
           <a:lstStyle/>
           <a:p>
             <a:r>
-              <a:rPr lang="en-US" dirty="0" err="1" smtClean="0"/>
-              <a:t>FrontEnd</a:t>
-            </a:r>
-            <a:r>
-              <a:rPr lang="en-US" dirty="0" smtClean="0"/>
-              <a:t> / Backend</a:t>
+              <a:rPr lang="ru-RU" dirty="0" smtClean="0"/>
+              <a:t>Мой день</a:t>
             </a:r>
             <a:endParaRPr lang="ru-RU" dirty="0"/>
           </a:p>
         </p:txBody>
       </p:sp>
-      <p:sp>
-        <p:nvSpPr>
-          <p:cNvPr id="3" name="Объект 2"/>
-          <p:cNvSpPr>
-            <a:spLocks noGrp="1"/>
-          </p:cNvSpPr>
+      <p:graphicFrame>
+        <p:nvGraphicFramePr>
+          <p:cNvPr id="7" name="Объект 6"/>
+          <p:cNvGraphicFramePr>
+            <a:graphicFrameLocks noGrp="1"/>
+          </p:cNvGraphicFramePr>
           <p:nvPr>
             <p:ph idx="1"/>
-          </p:nvPr>
-        </p:nvSpPr>
-        <p:spPr/>
-        <p:txBody>
-          <a:bodyPr/>
-          <a:lstStyle/>
-          <a:p>
-            <a:r>
-              <a:rPr lang="en-US" dirty="0" smtClean="0"/>
-              <a:t>Frontend</a:t>
-            </a:r>
-          </a:p>
-          <a:p>
-            <a:pPr lvl="1"/>
-            <a:r>
-              <a:rPr lang="en-US" dirty="0" smtClean="0"/>
-              <a:t>HTML / CSS / JS</a:t>
-            </a:r>
-          </a:p>
-          <a:p>
-            <a:pPr lvl="1"/>
-            <a:r>
-              <a:rPr lang="ru-RU" dirty="0" smtClean="0"/>
-              <a:t>Внешний вид (кузов) автомобиля</a:t>
-            </a:r>
-          </a:p>
-          <a:p>
-            <a:r>
-              <a:rPr lang="en-US" dirty="0" smtClean="0"/>
-              <a:t>Backend</a:t>
-            </a:r>
-          </a:p>
-          <a:p>
-            <a:pPr lvl="1"/>
-            <a:r>
-              <a:rPr lang="ru-RU" dirty="0" smtClean="0"/>
-              <a:t>двигатель</a:t>
-            </a:r>
-            <a:endParaRPr lang="ru-RU" dirty="0"/>
-          </a:p>
-        </p:txBody>
-      </p:sp>
+            <p:extLst>
+              <p:ext uri="{D42A27DB-BD31-4B8C-83A1-F6EECF244321}">
+                <p14:modId xmlns:p14="http://schemas.microsoft.com/office/powerpoint/2010/main" val="4018222062"/>
+              </p:ext>
+            </p:extLst>
+          </p:nvPr>
+        </p:nvGraphicFramePr>
+        <p:xfrm>
+          <a:off x="632178" y="1580444"/>
+          <a:ext cx="8048978" cy="4573941"/>
+        </p:xfrm>
+        <a:graphic>
+          <a:graphicData uri="http://schemas.openxmlformats.org/drawingml/2006/chart">
+            <c:chart xmlns:c="http://schemas.openxmlformats.org/drawingml/2006/chart" xmlns:r="http://schemas.openxmlformats.org/officeDocument/2006/relationships" r:id="rId3"/>
+          </a:graphicData>
+        </a:graphic>
+      </p:graphicFrame>
     </p:spTree>
     <p:extLst>
       <p:ext uri="{BB962C8B-B14F-4D97-AF65-F5344CB8AC3E}">
-        <p14:creationId xmlns:p14="http://schemas.microsoft.com/office/powerpoint/2010/main" val="3140336889"/>
+        <p14:creationId xmlns:p14="http://schemas.microsoft.com/office/powerpoint/2010/main" val="2664157467"/>
       </p:ext>
     </p:extLst>
   </p:cSld>
@@ -11598,47 +14118,47 @@
 </file>
 
 <file path=ppt/theme/theme1.xml><?xml version="1.0" encoding="utf-8"?>
-<a:theme xmlns:a="http://schemas.openxmlformats.org/drawingml/2006/main" name="Тема Office">
+<a:theme xmlns:a="http://schemas.openxmlformats.org/drawingml/2006/main" name="Ретро">
   <a:themeElements>
-    <a:clrScheme name="Тема Office">
+    <a:clrScheme name="Ретро">
       <a:dk1>
-        <a:sysClr val="windowText" lastClr="000000"/>
+        <a:srgbClr val="000000"/>
       </a:dk1>
       <a:lt1>
         <a:sysClr val="window" lastClr="FFFFFF"/>
       </a:lt1>
       <a:dk2>
-        <a:srgbClr val="44546A"/>
+        <a:srgbClr val="637052"/>
       </a:dk2>
       <a:lt2>
-        <a:srgbClr val="E7E6E6"/>
+        <a:srgbClr val="CCDDEA"/>
       </a:lt2>
       <a:accent1>
-        <a:srgbClr val="5B9BD5"/>
+        <a:srgbClr val="E48312"/>
       </a:accent1>
       <a:accent2>
-        <a:srgbClr val="ED7D31"/>
+        <a:srgbClr val="BD582C"/>
       </a:accent2>
       <a:accent3>
-        <a:srgbClr val="A5A5A5"/>
+        <a:srgbClr val="865640"/>
       </a:accent3>
       <a:accent4>
-        <a:srgbClr val="FFC000"/>
+        <a:srgbClr val="9B8357"/>
       </a:accent4>
       <a:accent5>
-        <a:srgbClr val="4472C4"/>
+        <a:srgbClr val="C2BC80"/>
       </a:accent5>
       <a:accent6>
-        <a:srgbClr val="70AD47"/>
+        <a:srgbClr val="94A088"/>
       </a:accent6>
       <a:hlink>
-        <a:srgbClr val="0563C1"/>
+        <a:srgbClr val="2998E3"/>
       </a:hlink>
       <a:folHlink>
-        <a:srgbClr val="954F72"/>
+        <a:srgbClr val="8C8C8C"/>
       </a:folHlink>
     </a:clrScheme>
-    <a:fontScheme name="Тема Office">
+    <a:fontScheme name="Ретро">
       <a:majorFont>
         <a:latin typeface="Calibri Light" panose="020F0302020204030204"/>
         <a:ea typeface=""/>
@@ -11710,7 +14230,7 @@
         <a:font script="Geor" typeface="Sylfaen"/>
       </a:minorFont>
     </a:fontScheme>
-    <a:fmtScheme name="Тема Office">
+    <a:fmtScheme name="Ретро">
       <a:fillStyleLst>
         <a:solidFill>
           <a:schemeClr val="phClr"/>
@@ -11719,76 +14239,81 @@
           <a:gsLst>
             <a:gs pos="0">
               <a:schemeClr val="phClr">
-                <a:lumMod val="110000"/>
-                <a:satMod val="105000"/>
-                <a:tint val="67000"/>
+                <a:tint val="65000"/>
+                <a:shade val="92000"/>
+                <a:satMod val="130000"/>
               </a:schemeClr>
             </a:gs>
-            <a:gs pos="50000">
+            <a:gs pos="45000">
               <a:schemeClr val="phClr">
-                <a:lumMod val="105000"/>
-                <a:satMod val="103000"/>
-                <a:tint val="73000"/>
+                <a:tint val="60000"/>
+                <a:shade val="99000"/>
+                <a:satMod val="120000"/>
               </a:schemeClr>
             </a:gs>
             <a:gs pos="100000">
               <a:schemeClr val="phClr">
-                <a:lumMod val="105000"/>
-                <a:satMod val="109000"/>
-                <a:tint val="81000"/>
+                <a:tint val="55000"/>
+                <a:satMod val="140000"/>
               </a:schemeClr>
             </a:gs>
           </a:gsLst>
-          <a:lin ang="5400000" scaled="0"/>
+          <a:path path="circle">
+            <a:fillToRect l="100000" t="100000" r="100000" b="100000"/>
+          </a:path>
         </a:gradFill>
         <a:gradFill rotWithShape="1">
           <a:gsLst>
             <a:gs pos="0">
               <a:schemeClr val="phClr">
-                <a:satMod val="103000"/>
-                <a:lumMod val="102000"/>
-                <a:tint val="94000"/>
+                <a:shade val="85000"/>
+                <a:satMod val="130000"/>
               </a:schemeClr>
             </a:gs>
-            <a:gs pos="50000">
+            <a:gs pos="34000">
               <a:schemeClr val="phClr">
-                <a:satMod val="110000"/>
-                <a:lumMod val="100000"/>
-                <a:shade val="100000"/>
+                <a:shade val="87000"/>
+                <a:satMod val="125000"/>
+              </a:schemeClr>
+            </a:gs>
+            <a:gs pos="70000">
+              <a:schemeClr val="phClr">
+                <a:tint val="100000"/>
+                <a:shade val="90000"/>
+                <a:satMod val="130000"/>
               </a:schemeClr>
             </a:gs>
             <a:gs pos="100000">
               <a:schemeClr val="phClr">
-                <a:lumMod val="99000"/>
-                <a:satMod val="120000"/>
-                <a:shade val="78000"/>
+                <a:tint val="100000"/>
+                <a:shade val="100000"/>
+                <a:satMod val="110000"/>
               </a:schemeClr>
             </a:gs>
           </a:gsLst>
-          <a:lin ang="5400000" scaled="0"/>
+          <a:path path="circle">
+            <a:fillToRect l="100000" t="100000" r="100000" b="100000"/>
+          </a:path>
         </a:gradFill>
       </a:fillStyleLst>
       <a:lnStyleLst>
-        <a:ln w="6350" cap="flat" cmpd="sng" algn="ctr">
-          <a:solidFill>
-            <a:schemeClr val="phClr"/>
-          </a:solidFill>
-          <a:prstDash val="solid"/>
-          <a:miter lim="800000"/>
-        </a:ln>
         <a:ln w="12700" cap="flat" cmpd="sng" algn="ctr">
           <a:solidFill>
             <a:schemeClr val="phClr"/>
           </a:solidFill>
           <a:prstDash val="solid"/>
-          <a:miter lim="800000"/>
         </a:ln>
-        <a:ln w="19050" cap="flat" cmpd="sng" algn="ctr">
+        <a:ln w="15875" cap="flat" cmpd="sng" algn="ctr">
           <a:solidFill>
             <a:schemeClr val="phClr"/>
           </a:solidFill>
           <a:prstDash val="solid"/>
-          <a:miter lim="800000"/>
+        </a:ln>
+        <a:ln w="25400" cap="flat" cmpd="sng" algn="ctr">
+          <a:solidFill>
+            <a:schemeClr val="phClr"/>
+          </a:solidFill>
+          <a:prstDash val="solid"/>
         </a:ln>
       </a:lnStyleLst>
       <a:effectStyleLst>
@@ -11796,16 +14321,33 @@
           <a:effectLst/>
         </a:effectStyle>
         <a:effectStyle>
-          <a:effectLst/>
+          <a:effectLst>
+            <a:outerShdw blurRad="38100" dist="25400" dir="2700000" algn="br" rotWithShape="0">
+              <a:srgbClr val="000000">
+                <a:alpha val="60000"/>
+              </a:srgbClr>
+            </a:outerShdw>
+          </a:effectLst>
         </a:effectStyle>
         <a:effectStyle>
           <a:effectLst>
-            <a:outerShdw blurRad="57150" dist="19050" dir="5400000" algn="ctr" rotWithShape="0">
+            <a:outerShdw blurRad="44450" dist="25400" dir="2700000" algn="br" rotWithShape="0">
               <a:srgbClr val="000000">
-                <a:alpha val="63000"/>
+                <a:alpha val="60000"/>
               </a:srgbClr>
             </a:outerShdw>
           </a:effectLst>
+          <a:scene3d>
+            <a:camera prst="orthographicFront">
+              <a:rot lat="0" lon="0" rev="0"/>
+            </a:camera>
+            <a:lightRig rig="threePt" dir="t">
+              <a:rot lat="0" lon="0" rev="19800000"/>
+            </a:lightRig>
+          </a:scene3d>
+          <a:sp3d prstMaterial="flat">
+            <a:bevelT w="25400" h="31750"/>
+          </a:sp3d>
         </a:effectStyle>
       </a:effectStyleLst>
       <a:bgFillStyleLst>
@@ -11814,36 +14356,36 @@
         </a:solidFill>
         <a:solidFill>
           <a:schemeClr val="phClr">
-            <a:tint val="95000"/>
-            <a:satMod val="170000"/>
+            <a:tint val="90000"/>
+            <a:shade val="97000"/>
+            <a:satMod val="130000"/>
           </a:schemeClr>
         </a:solidFill>
         <a:gradFill rotWithShape="1">
           <a:gsLst>
             <a:gs pos="0">
               <a:schemeClr val="phClr">
-                <a:tint val="93000"/>
-                <a:satMod val="150000"/>
-                <a:shade val="98000"/>
-                <a:lumMod val="102000"/>
+                <a:tint val="96000"/>
+                <a:shade val="99000"/>
+                <a:satMod val="140000"/>
               </a:schemeClr>
             </a:gs>
-            <a:gs pos="50000">
+            <a:gs pos="65000">
               <a:schemeClr val="phClr">
-                <a:tint val="98000"/>
+                <a:tint val="100000"/>
+                <a:shade val="80000"/>
                 <a:satMod val="130000"/>
-                <a:shade val="90000"/>
-                <a:lumMod val="103000"/>
               </a:schemeClr>
             </a:gs>
             <a:gs pos="100000">
               <a:schemeClr val="phClr">
-                <a:shade val="63000"/>
+                <a:tint val="100000"/>
+                <a:shade val="48000"/>
                 <a:satMod val="120000"/>
               </a:schemeClr>
             </a:gs>
           </a:gsLst>
-          <a:lin ang="5400000" scaled="0"/>
+          <a:lin ang="16200000" scaled="0"/>
         </a:gradFill>
       </a:bgFillStyleLst>
     </a:fmtScheme>
@@ -11852,7 +14394,7 @@
   <a:extraClrSchemeLst/>
   <a:extLst>
     <a:ext uri="{05A4C25C-085E-4340-85A3-A5531E510DB2}">
-      <thm15:themeFamily xmlns:thm15="http://schemas.microsoft.com/office/thememl/2012/main" name="Office Theme" id="{62F939B6-93AF-4DB8-9C6B-D6C7DFDC589F}" vid="{4A3C46E8-61CC-4603-A589-7422A47A8E4A}"/>
+      <thm15:themeFamily xmlns:thm15="http://schemas.microsoft.com/office/thememl/2012/main" name="Retrospect" id="{5F128B03-DCCA-4EEB-AB3B-CF2899314A46}" vid="{3F1AAB62-24C6-49D2-8E01-B56FAC9A3DCD}"/>
     </a:ext>
   </a:extLst>
 </a:theme>

--- a/epamkids/EPAMKids.pptx
+++ b/epamkids/EPAMKids.pptx
@@ -177,7 +177,7 @@
 <file path=ppt/charts/chart1.xml><?xml version="1.0" encoding="utf-8"?>
 <c:chartSpace xmlns:c="http://schemas.openxmlformats.org/drawingml/2006/chart" xmlns:a="http://schemas.openxmlformats.org/drawingml/2006/main" xmlns:r="http://schemas.openxmlformats.org/officeDocument/2006/relationships">
   <c:date1904 val="0"/>
-  <c:lang val="ru-RU"/>
+  <c:lang val="en-US"/>
   <c:roundedCorners val="0"/>
   <mc:AlternateContent xmlns:mc="http://schemas.openxmlformats.org/markup-compatibility/2006">
     <mc:Choice xmlns:c14="http://schemas.microsoft.com/office/drawing/2007/8/2/chart" Requires="c14">
@@ -303,7 +303,7 @@
               <a:cs typeface="+mn-cs"/>
             </a:defRPr>
           </a:pPr>
-          <a:endParaRPr lang="ru-RU"/>
+          <a:endParaRPr lang="en-US"/>
         </a:p>
       </c:txPr>
     </c:legend>
@@ -325,7 +325,7 @@
       <a:pPr>
         <a:defRPr/>
       </a:pPr>
-      <a:endParaRPr lang="ru-RU"/>
+      <a:endParaRPr lang="en-US"/>
     </a:p>
   </c:txPr>
   <c:externalData r:id="rId3">
@@ -337,7 +337,7 @@
 <file path=ppt/charts/chart2.xml><?xml version="1.0" encoding="utf-8"?>
 <c:chartSpace xmlns:c="http://schemas.openxmlformats.org/drawingml/2006/chart" xmlns:a="http://schemas.openxmlformats.org/drawingml/2006/main" xmlns:r="http://schemas.openxmlformats.org/officeDocument/2006/relationships">
   <c:date1904 val="0"/>
-  <c:lang val="ru-RU"/>
+  <c:lang val="en-US"/>
   <c:roundedCorners val="0"/>
   <mc:AlternateContent xmlns:mc="http://schemas.openxmlformats.org/markup-compatibility/2006">
     <mc:Choice xmlns:c14="http://schemas.microsoft.com/office/drawing/2007/8/2/chart" Requires="c14">
@@ -494,7 +494,7 @@
               <a:cs typeface="+mn-cs"/>
             </a:defRPr>
           </a:pPr>
-          <a:endParaRPr lang="ru-RU"/>
+          <a:endParaRPr lang="en-US"/>
         </a:p>
       </c:txPr>
     </c:legend>
@@ -516,7 +516,7 @@
       <a:pPr>
         <a:defRPr/>
       </a:pPr>
-      <a:endParaRPr lang="ru-RU"/>
+      <a:endParaRPr lang="en-US"/>
     </a:p>
   </c:txPr>
   <c:externalData r:id="rId3">
@@ -528,7 +528,7 @@
 <file path=ppt/charts/chart3.xml><?xml version="1.0" encoding="utf-8"?>
 <c:chartSpace xmlns:c="http://schemas.openxmlformats.org/drawingml/2006/chart" xmlns:a="http://schemas.openxmlformats.org/drawingml/2006/main" xmlns:r="http://schemas.openxmlformats.org/officeDocument/2006/relationships">
   <c:date1904 val="0"/>
-  <c:lang val="ru-RU"/>
+  <c:lang val="en-US"/>
   <c:roundedCorners val="0"/>
   <mc:AlternateContent xmlns:mc="http://schemas.openxmlformats.org/markup-compatibility/2006">
     <mc:Choice xmlns:c14="http://schemas.microsoft.com/office/drawing/2007/8/2/chart" Requires="c14">
@@ -706,7 +706,7 @@
               <a:cs typeface="+mn-cs"/>
             </a:defRPr>
           </a:pPr>
-          <a:endParaRPr lang="ru-RU"/>
+          <a:endParaRPr lang="en-US"/>
         </a:p>
       </c:txPr>
     </c:legend>
@@ -728,7 +728,7 @@
       <a:pPr>
         <a:defRPr/>
       </a:pPr>
-      <a:endParaRPr lang="ru-RU"/>
+      <a:endParaRPr lang="en-US"/>
     </a:p>
   </c:txPr>
   <c:externalData r:id="rId3">
@@ -740,7 +740,7 @@
 <file path=ppt/charts/chart4.xml><?xml version="1.0" encoding="utf-8"?>
 <c:chartSpace xmlns:c="http://schemas.openxmlformats.org/drawingml/2006/chart" xmlns:a="http://schemas.openxmlformats.org/drawingml/2006/main" xmlns:r="http://schemas.openxmlformats.org/officeDocument/2006/relationships">
   <c:date1904 val="0"/>
-  <c:lang val="ru-RU"/>
+  <c:lang val="en-US"/>
   <c:roundedCorners val="0"/>
   <mc:AlternateContent xmlns:mc="http://schemas.openxmlformats.org/markup-compatibility/2006">
     <mc:Choice xmlns:c14="http://schemas.microsoft.com/office/drawing/2007/8/2/chart" Requires="c14">
@@ -939,7 +939,7 @@
               <a:cs typeface="+mn-cs"/>
             </a:defRPr>
           </a:pPr>
-          <a:endParaRPr lang="ru-RU"/>
+          <a:endParaRPr lang="en-US"/>
         </a:p>
       </c:txPr>
     </c:legend>
@@ -961,7 +961,7 @@
       <a:pPr>
         <a:defRPr/>
       </a:pPr>
-      <a:endParaRPr lang="ru-RU"/>
+      <a:endParaRPr lang="en-US"/>
     </a:p>
   </c:txPr>
   <c:externalData r:id="rId3">
@@ -973,7 +973,7 @@
 <file path=ppt/charts/chart5.xml><?xml version="1.0" encoding="utf-8"?>
 <c:chartSpace xmlns:c="http://schemas.openxmlformats.org/drawingml/2006/chart" xmlns:a="http://schemas.openxmlformats.org/drawingml/2006/main" xmlns:r="http://schemas.openxmlformats.org/officeDocument/2006/relationships">
   <c:date1904 val="0"/>
-  <c:lang val="ru-RU"/>
+  <c:lang val="en-US"/>
   <c:roundedCorners val="0"/>
   <mc:AlternateContent xmlns:mc="http://schemas.openxmlformats.org/markup-compatibility/2006">
     <mc:Choice xmlns:c14="http://schemas.microsoft.com/office/drawing/2007/8/2/chart" Requires="c14">
@@ -1193,7 +1193,7 @@
               <a:cs typeface="+mn-cs"/>
             </a:defRPr>
           </a:pPr>
-          <a:endParaRPr lang="ru-RU"/>
+          <a:endParaRPr lang="en-US"/>
         </a:p>
       </c:txPr>
     </c:legend>
@@ -1215,7 +1215,7 @@
       <a:pPr>
         <a:defRPr/>
       </a:pPr>
-      <a:endParaRPr lang="ru-RU"/>
+      <a:endParaRPr lang="en-US"/>
     </a:p>
   </c:txPr>
   <c:externalData r:id="rId3">
@@ -4101,7 +4101,7 @@
           <a:p>
             <a:fld id="{8B9C45F6-0AEB-4DC2-90E5-18A18839626C}" type="datetimeFigureOut">
               <a:rPr lang="ru-RU" smtClean="0"/>
-              <a:t>18.03.2017</a:t>
+              <a:t>24.03.2017</a:t>
             </a:fld>
             <a:endParaRPr lang="ru-RU"/>
           </a:p>
@@ -4922,11 +4922,7 @@
           <a:p>
             <a:r>
               <a:rPr lang="en-US" dirty="0" smtClean="0"/>
-              <a:t>Hard </a:t>
-            </a:r>
-            <a:r>
-              <a:rPr lang="en-US" dirty="0" smtClean="0"/>
-              <a:t>skills</a:t>
+              <a:t>Hard skills</a:t>
             </a:r>
             <a:r>
               <a:rPr lang="ru-RU" dirty="0" smtClean="0"/>
@@ -4934,11 +4930,7 @@
             </a:r>
             <a:r>
               <a:rPr lang="en-US" baseline="0" dirty="0" smtClean="0"/>
-              <a:t> </a:t>
-            </a:r>
-            <a:r>
-              <a:rPr lang="en-US" baseline="0" dirty="0" smtClean="0"/>
-              <a:t>– </a:t>
+              <a:t> – </a:t>
             </a:r>
             <a:r>
               <a:rPr lang="ru-RU" baseline="0" dirty="0" smtClean="0"/>
@@ -4956,11 +4948,7 @@
           <a:p>
             <a:r>
               <a:rPr lang="en-US" baseline="0" dirty="0" smtClean="0"/>
-              <a:t>Soft </a:t>
-            </a:r>
-            <a:r>
-              <a:rPr lang="en-US" baseline="0" dirty="0" smtClean="0"/>
-              <a:t>Skills</a:t>
+              <a:t>Soft Skills</a:t>
             </a:r>
             <a:r>
               <a:rPr lang="ru-RU" baseline="0" dirty="0" smtClean="0"/>
@@ -4968,11 +4956,7 @@
             </a:r>
             <a:r>
               <a:rPr lang="en-US" baseline="0" dirty="0" smtClean="0"/>
-              <a:t> </a:t>
-            </a:r>
-            <a:r>
-              <a:rPr lang="en-US" baseline="0" dirty="0" smtClean="0"/>
-              <a:t>– </a:t>
+              <a:t> – </a:t>
             </a:r>
             <a:r>
               <a:rPr lang="ru-RU" baseline="0" dirty="0" smtClean="0"/>
@@ -5193,11 +5177,7 @@
             </a:r>
             <a:r>
               <a:rPr lang="ru-RU" baseline="0" dirty="0" smtClean="0"/>
-              <a:t> вот такие </a:t>
-            </a:r>
-            <a:r>
-              <a:rPr lang="ru-RU" baseline="0" dirty="0" smtClean="0"/>
-              <a:t>задачи</a:t>
+              <a:t> вот такие задачи</a:t>
             </a:r>
           </a:p>
           <a:p>
@@ -5331,19 +5311,7 @@
             </a:r>
             <a:r>
               <a:rPr lang="ru-RU" baseline="0" dirty="0" smtClean="0"/>
-              <a:t> </a:t>
-            </a:r>
-            <a:r>
-              <a:rPr lang="ru-RU" baseline="0" dirty="0" smtClean="0"/>
-              <a:t>к анализу – </a:t>
-            </a:r>
-            <a:r>
-              <a:rPr lang="ru-RU" baseline="0" dirty="0" smtClean="0"/>
-              <a:t>понимать и анализировать почему </a:t>
-            </a:r>
-            <a:r>
-              <a:rPr lang="ru-RU" baseline="0" dirty="0" smtClean="0"/>
-              <a:t>это так работает.</a:t>
+              <a:t> к анализу – понимать и анализировать почему это так работает.</a:t>
             </a:r>
           </a:p>
           <a:p>
@@ -5958,45 +5926,17 @@
           <a:p>
             <a:r>
               <a:rPr lang="ru-RU" dirty="0" smtClean="0"/>
-              <a:t>Если ничего </a:t>
-            </a:r>
-            <a:r>
-              <a:rPr lang="ru-RU" dirty="0" smtClean="0"/>
-              <a:t>из ожиданий</a:t>
+              <a:t>Если ничего из ожиданий</a:t>
             </a:r>
             <a:r>
               <a:rPr lang="ru-RU" baseline="0" dirty="0" smtClean="0"/>
-              <a:t> </a:t>
-            </a:r>
+              <a:t> не вызывает у вас отторжения, если к наиболее важным навыкам (логическое мышление, точные науки) у вас есть способности, то возможно да</a:t>
+            </a:r>
+          </a:p>
+          <a:p>
             <a:r>
               <a:rPr lang="ru-RU" baseline="0" dirty="0" smtClean="0"/>
-              <a:t>не вызывает у вас </a:t>
-            </a:r>
-            <a:r>
-              <a:rPr lang="ru-RU" baseline="0" dirty="0" smtClean="0"/>
-              <a:t>отторжения, </a:t>
-            </a:r>
-            <a:r>
-              <a:rPr lang="ru-RU" baseline="0" dirty="0" smtClean="0"/>
-              <a:t>если к наиболее важным навыкам (логическое мышление, точные науки) у вас есть способности, то возможно да</a:t>
-            </a:r>
-          </a:p>
-          <a:p>
-            <a:r>
-              <a:rPr lang="ru-RU" baseline="0" dirty="0" smtClean="0"/>
-              <a:t>Лучший </a:t>
-            </a:r>
-            <a:r>
-              <a:rPr lang="ru-RU" baseline="0" dirty="0" smtClean="0"/>
-              <a:t>совет – </a:t>
-            </a:r>
-            <a:r>
-              <a:rPr lang="ru-RU" baseline="0" dirty="0" smtClean="0"/>
-              <a:t>попробовать</a:t>
-            </a:r>
-            <a:r>
-              <a:rPr lang="ru-RU" baseline="0" dirty="0" smtClean="0"/>
-              <a:t>.</a:t>
+              <a:t>Лучший совет – попробовать.</a:t>
             </a:r>
           </a:p>
           <a:p>
@@ -6317,11 +6257,7 @@
           <a:p>
             <a:r>
               <a:rPr lang="ru-RU" dirty="0" smtClean="0"/>
-              <a:t>Учеба именно на </a:t>
-            </a:r>
-            <a:r>
-              <a:rPr lang="ru-RU" dirty="0" smtClean="0"/>
-              <a:t>программиста</a:t>
+              <a:t>Учеба именно на программиста</a:t>
             </a:r>
           </a:p>
           <a:p>
@@ -6335,11 +6271,7 @@
             <a:pPr lvl="1"/>
             <a:r>
               <a:rPr lang="ru-RU" dirty="0" smtClean="0"/>
-              <a:t>Не </a:t>
-            </a:r>
-            <a:r>
-              <a:rPr lang="ru-RU" dirty="0" smtClean="0"/>
-              <a:t>обязательна – если вы захотите</a:t>
+              <a:t>Не обязательна – если вы захотите</a:t>
             </a:r>
             <a:r>
               <a:rPr lang="ru-RU" baseline="0" dirty="0" smtClean="0"/>
@@ -6489,11 +6421,7 @@
             </a:r>
             <a:r>
               <a:rPr lang="ru-RU" baseline="0" dirty="0" smtClean="0"/>
-              <a:t> </a:t>
-            </a:r>
-            <a:r>
-              <a:rPr lang="ru-RU" baseline="0" dirty="0" smtClean="0"/>
-              <a:t>я не забыл?</a:t>
+              <a:t> я не забыл?</a:t>
             </a:r>
             <a:endParaRPr lang="ru-RU" dirty="0"/>
           </a:p>
@@ -7154,7 +7082,7 @@
           <a:p>
             <a:fld id="{0F64EEF6-A7EF-4ACA-ADF7-1618DD6B7A0C}" type="datetimeFigureOut">
               <a:rPr lang="ru-RU" smtClean="0"/>
-              <a:t>18.03.2017</a:t>
+              <a:t>24.03.2017</a:t>
             </a:fld>
             <a:endParaRPr lang="ru-RU"/>
           </a:p>
@@ -7362,7 +7290,7 @@
           <a:p>
             <a:fld id="{0F64EEF6-A7EF-4ACA-ADF7-1618DD6B7A0C}" type="datetimeFigureOut">
               <a:rPr lang="ru-RU" smtClean="0"/>
-              <a:t>18.03.2017</a:t>
+              <a:t>24.03.2017</a:t>
             </a:fld>
             <a:endParaRPr lang="ru-RU"/>
           </a:p>
@@ -7618,7 +7546,7 @@
           <a:p>
             <a:fld id="{0F64EEF6-A7EF-4ACA-ADF7-1618DD6B7A0C}" type="datetimeFigureOut">
               <a:rPr lang="ru-RU" smtClean="0"/>
-              <a:t>18.03.2017</a:t>
+              <a:t>24.03.2017</a:t>
             </a:fld>
             <a:endParaRPr lang="ru-RU"/>
           </a:p>
@@ -7788,7 +7716,7 @@
           <a:p>
             <a:fld id="{0F64EEF6-A7EF-4ACA-ADF7-1618DD6B7A0C}" type="datetimeFigureOut">
               <a:rPr lang="ru-RU" smtClean="0"/>
-              <a:t>18.03.2017</a:t>
+              <a:t>24.03.2017</a:t>
             </a:fld>
             <a:endParaRPr lang="ru-RU"/>
           </a:p>
@@ -8131,7 +8059,7 @@
           <a:p>
             <a:fld id="{0F64EEF6-A7EF-4ACA-ADF7-1618DD6B7A0C}" type="datetimeFigureOut">
               <a:rPr lang="ru-RU" smtClean="0"/>
-              <a:t>18.03.2017</a:t>
+              <a:t>24.03.2017</a:t>
             </a:fld>
             <a:endParaRPr lang="ru-RU"/>
           </a:p>
@@ -8406,7 +8334,7 @@
           <a:p>
             <a:fld id="{0F64EEF6-A7EF-4ACA-ADF7-1618DD6B7A0C}" type="datetimeFigureOut">
               <a:rPr lang="ru-RU" smtClean="0"/>
-              <a:t>18.03.2017</a:t>
+              <a:t>24.03.2017</a:t>
             </a:fld>
             <a:endParaRPr lang="ru-RU"/>
           </a:p>
@@ -8785,7 +8713,7 @@
           <a:p>
             <a:fld id="{0F64EEF6-A7EF-4ACA-ADF7-1618DD6B7A0C}" type="datetimeFigureOut">
               <a:rPr lang="ru-RU" smtClean="0"/>
-              <a:t>18.03.2017</a:t>
+              <a:t>24.03.2017</a:t>
             </a:fld>
             <a:endParaRPr lang="ru-RU"/>
           </a:p>
@@ -8903,7 +8831,7 @@
           <a:p>
             <a:fld id="{0F64EEF6-A7EF-4ACA-ADF7-1618DD6B7A0C}" type="datetimeFigureOut">
               <a:rPr lang="ru-RU" smtClean="0"/>
-              <a:t>18.03.2017</a:t>
+              <a:t>24.03.2017</a:t>
             </a:fld>
             <a:endParaRPr lang="ru-RU"/>
           </a:p>
@@ -9074,7 +9002,7 @@
           <a:p>
             <a:fld id="{0F64EEF6-A7EF-4ACA-ADF7-1618DD6B7A0C}" type="datetimeFigureOut">
               <a:rPr lang="ru-RU" smtClean="0"/>
-              <a:t>18.03.2017</a:t>
+              <a:t>24.03.2017</a:t>
             </a:fld>
             <a:endParaRPr lang="ru-RU"/>
           </a:p>
@@ -9428,7 +9356,7 @@
           <a:p>
             <a:fld id="{0F64EEF6-A7EF-4ACA-ADF7-1618DD6B7A0C}" type="datetimeFigureOut">
               <a:rPr lang="ru-RU" smtClean="0"/>
-              <a:t>18.03.2017</a:t>
+              <a:t>24.03.2017</a:t>
             </a:fld>
             <a:endParaRPr lang="ru-RU"/>
           </a:p>
@@ -9810,7 +9738,7 @@
           <a:p>
             <a:fld id="{0F64EEF6-A7EF-4ACA-ADF7-1618DD6B7A0C}" type="datetimeFigureOut">
               <a:rPr lang="ru-RU" smtClean="0"/>
-              <a:t>18.03.2017</a:t>
+              <a:t>24.03.2017</a:t>
             </a:fld>
             <a:endParaRPr lang="ru-RU"/>
           </a:p>
@@ -10097,7 +10025,7 @@
           <a:p>
             <a:fld id="{0F64EEF6-A7EF-4ACA-ADF7-1618DD6B7A0C}" type="datetimeFigureOut">
               <a:rPr lang="ru-RU" smtClean="0"/>
-              <a:t>18.03.2017</a:t>
+              <a:t>24.03.2017</a:t>
             </a:fld>
             <a:endParaRPr lang="ru-RU"/>
           </a:p>
@@ -10633,14 +10561,23 @@
         </p:nvSpPr>
         <p:spPr/>
         <p:txBody>
-          <a:bodyPr/>
+          <a:bodyPr>
+            <a:normAutofit/>
+          </a:bodyPr>
           <a:lstStyle/>
           <a:p>
             <a:r>
-              <a:rPr lang="en-US" dirty="0" smtClean="0"/>
-              <a:t>EPAM Kids</a:t>
-            </a:r>
-            <a:endParaRPr lang="ru-RU" dirty="0"/>
+              <a:rPr lang="ru-RU" sz="6600" dirty="0" smtClean="0"/>
+              <a:t>Профессия</a:t>
+            </a:r>
+            <a:br>
+              <a:rPr lang="ru-RU" sz="6600" dirty="0" smtClean="0"/>
+            </a:br>
+            <a:r>
+              <a:rPr lang="ru-RU" sz="6600" dirty="0" smtClean="0"/>
+              <a:t>разработчика</a:t>
+            </a:r>
+            <a:endParaRPr lang="ru-RU" sz="6600" dirty="0"/>
           </a:p>
         </p:txBody>
       </p:sp>
@@ -11325,7 +11262,6 @@
               <a:rPr lang="en-US" sz="3600" dirty="0" smtClean="0"/>
               <a:t>English</a:t>
             </a:r>
-            <a:endParaRPr lang="en-US" sz="3600" dirty="0" smtClean="0"/>
           </a:p>
         </p:txBody>
       </p:sp>
@@ -12169,27 +12105,31 @@
           <a:lstStyle/>
           <a:p>
             <a:r>
+              <a:rPr lang="ru-RU" sz="3600" dirty="0"/>
+              <a:t>Абстрактное и логическое мышление</a:t>
+            </a:r>
+          </a:p>
+          <a:p>
+            <a:r>
+              <a:rPr lang="ru-RU" sz="3600" dirty="0"/>
+              <a:t>Способность к анализу</a:t>
+            </a:r>
+          </a:p>
+          <a:p>
+            <a:pPr lvl="1">
+              <a:lnSpc>
+                <a:spcPct val="150000"/>
+              </a:lnSpc>
+            </a:pPr>
+            <a:r>
+              <a:rPr lang="ru-RU" sz="3200" dirty="0"/>
+              <a:t>Почему это так работает?</a:t>
+            </a:r>
+          </a:p>
+          <a:p>
+            <a:r>
               <a:rPr lang="en-US" sz="3600" dirty="0" smtClean="0"/>
               <a:t>English</a:t>
-            </a:r>
-          </a:p>
-          <a:p>
-            <a:r>
-              <a:rPr lang="ru-RU" sz="3600" dirty="0" smtClean="0"/>
-              <a:t>Абстрактное и логическое мышление</a:t>
-            </a:r>
-          </a:p>
-          <a:p>
-            <a:r>
-              <a:rPr lang="ru-RU" sz="3600" dirty="0" smtClean="0"/>
-              <a:t>Способность к анализу</a:t>
-            </a:r>
-          </a:p>
-          <a:p>
-            <a:pPr lvl="1"/>
-            <a:r>
-              <a:rPr lang="ru-RU" sz="3200" dirty="0" smtClean="0"/>
-              <a:t>Почему это так работает?</a:t>
             </a:r>
           </a:p>
           <a:p>
@@ -12273,33 +12213,38 @@
           <a:lstStyle/>
           <a:p>
             <a:r>
-              <a:rPr lang="en-US" sz="3600" dirty="0" smtClean="0"/>
+              <a:rPr lang="ru-RU" sz="3600" dirty="0" smtClean="0"/>
+              <a:t>Абстрактное </a:t>
+            </a:r>
+            <a:r>
+              <a:rPr lang="ru-RU" sz="3600" dirty="0" smtClean="0"/>
+              <a:t>и логическое мышление</a:t>
+            </a:r>
+          </a:p>
+          <a:p>
+            <a:r>
+              <a:rPr lang="ru-RU" sz="3600" dirty="0" smtClean="0"/>
+              <a:t>Способность к </a:t>
+            </a:r>
+            <a:r>
+              <a:rPr lang="ru-RU" sz="3600" dirty="0" smtClean="0"/>
+              <a:t>анализу</a:t>
+            </a:r>
+          </a:p>
+          <a:p>
+            <a:r>
+              <a:rPr lang="en-US" sz="3600" dirty="0"/>
               <a:t>English</a:t>
             </a:r>
           </a:p>
           <a:p>
             <a:r>
-              <a:rPr lang="ru-RU" sz="3600" dirty="0" smtClean="0"/>
-              <a:t>Абстрактное и логическое мышление</a:t>
-            </a:r>
-          </a:p>
-          <a:p>
-            <a:r>
-              <a:rPr lang="ru-RU" sz="3600" dirty="0" smtClean="0"/>
-              <a:t>Способность к анализу</a:t>
-            </a:r>
-          </a:p>
-          <a:p>
-            <a:pPr lvl="1"/>
-            <a:r>
-              <a:rPr lang="ru-RU" sz="3200" dirty="0" smtClean="0"/>
-              <a:t>Почему это так работает?</a:t>
-            </a:r>
-          </a:p>
-          <a:p>
-            <a:r>
               <a:rPr lang="ru-RU" sz="3600" strike="sngStrike" dirty="0" smtClean="0"/>
-              <a:t>Способность учиться</a:t>
+              <a:t>Способность </a:t>
+            </a:r>
+            <a:r>
+              <a:rPr lang="ru-RU" sz="3600" strike="sngStrike" dirty="0" smtClean="0"/>
+              <a:t>учиться</a:t>
             </a:r>
           </a:p>
           <a:p>
@@ -12383,33 +12328,38 @@
           <a:lstStyle/>
           <a:p>
             <a:r>
-              <a:rPr lang="en-US" sz="3600" dirty="0" smtClean="0"/>
+              <a:rPr lang="ru-RU" sz="3600" dirty="0" smtClean="0"/>
+              <a:t>Абстрактное </a:t>
+            </a:r>
+            <a:r>
+              <a:rPr lang="ru-RU" sz="3600" dirty="0" smtClean="0"/>
+              <a:t>и логическое мышление</a:t>
+            </a:r>
+          </a:p>
+          <a:p>
+            <a:r>
+              <a:rPr lang="ru-RU" sz="3600" dirty="0" smtClean="0"/>
+              <a:t>Способность к </a:t>
+            </a:r>
+            <a:r>
+              <a:rPr lang="ru-RU" sz="3600" dirty="0" smtClean="0"/>
+              <a:t>анализу</a:t>
+            </a:r>
+          </a:p>
+          <a:p>
+            <a:r>
+              <a:rPr lang="en-US" sz="3600" dirty="0"/>
               <a:t>English</a:t>
             </a:r>
           </a:p>
           <a:p>
             <a:r>
-              <a:rPr lang="ru-RU" sz="3600" dirty="0" smtClean="0"/>
-              <a:t>Абстрактное и логическое мышление</a:t>
-            </a:r>
-          </a:p>
-          <a:p>
-            <a:r>
-              <a:rPr lang="ru-RU" sz="3600" dirty="0" smtClean="0"/>
-              <a:t>Способность к анализу</a:t>
-            </a:r>
-          </a:p>
-          <a:p>
-            <a:pPr lvl="1"/>
-            <a:r>
-              <a:rPr lang="ru-RU" sz="3200" dirty="0" smtClean="0"/>
-              <a:t>Почему это так работает?</a:t>
-            </a:r>
-          </a:p>
-          <a:p>
-            <a:r>
               <a:rPr lang="ru-RU" sz="3600" strike="sngStrike" dirty="0" smtClean="0"/>
-              <a:t>Способность учиться</a:t>
+              <a:t>Способность </a:t>
+            </a:r>
+            <a:r>
+              <a:rPr lang="ru-RU" sz="3600" strike="sngStrike" dirty="0" smtClean="0"/>
+              <a:t>учиться</a:t>
             </a:r>
           </a:p>
           <a:p>
@@ -13612,11 +13562,7 @@
           <a:p>
             <a:r>
               <a:rPr lang="en-US" dirty="0" smtClean="0"/>
-              <a:t>Frontend </a:t>
-            </a:r>
-            <a:r>
-              <a:rPr lang="en-US" dirty="0" smtClean="0"/>
-              <a:t>/ Backend</a:t>
+              <a:t>Frontend / Backend</a:t>
             </a:r>
             <a:endParaRPr lang="ru-RU" dirty="0"/>
           </a:p>
@@ -13651,13 +13597,8 @@
             <a:pPr lvl="1"/>
             <a:r>
               <a:rPr lang="en-US" dirty="0" smtClean="0"/>
-              <a:t>HTML / CSS / </a:t>
-            </a:r>
-            <a:r>
-              <a:rPr lang="en-US" dirty="0" smtClean="0"/>
-              <a:t>JS</a:t>
-            </a:r>
-            <a:endParaRPr lang="en-US" dirty="0" smtClean="0"/>
+              <a:t>HTML / CSS / JS</a:t>
+            </a:r>
           </a:p>
         </p:txBody>
       </p:sp>

--- a/epamkids/EPAMKids.pptx
+++ b/epamkids/EPAMKids.pptx
@@ -5,7 +5,7 @@
     <p:sldMasterId id="2147483672" r:id="rId1"/>
   </p:sldMasterIdLst>
   <p:notesMasterIdLst>
-    <p:notesMasterId r:id="rId28"/>
+    <p:notesMasterId r:id="rId29"/>
   </p:notesMasterIdLst>
   <p:sldIdLst>
     <p:sldId id="256" r:id="rId2"/>
@@ -34,6 +34,7 @@
     <p:sldId id="277" r:id="rId25"/>
     <p:sldId id="276" r:id="rId26"/>
     <p:sldId id="265" r:id="rId27"/>
+    <p:sldId id="290" r:id="rId28"/>
   </p:sldIdLst>
   <p:sldSz cx="9144000" cy="6858000" type="screen4x3"/>
   <p:notesSz cx="6858000" cy="9144000"/>
@@ -163,6 +164,7 @@
             <p14:sldId id="277"/>
             <p14:sldId id="276"/>
             <p14:sldId id="265"/>
+            <p14:sldId id="290"/>
           </p14:sldIdLst>
         </p14:section>
       </p14:sectionLst>
@@ -10618,6 +10620,13 @@
   <p:clrMapOvr>
     <a:masterClrMapping/>
   </p:clrMapOvr>
+  <p:timing>
+    <p:tnLst>
+      <p:par>
+        <p:cTn id="1" dur="indefinite" restart="never" nodeType="tmRoot"/>
+      </p:par>
+    </p:tnLst>
+  </p:timing>
 </p:sld>
 </file>
 
@@ -10696,6 +10705,13 @@
   <p:clrMapOvr>
     <a:masterClrMapping/>
   </p:clrMapOvr>
+  <p:timing>
+    <p:tnLst>
+      <p:par>
+        <p:cTn id="1" dur="indefinite" restart="never" nodeType="tmRoot"/>
+      </p:par>
+    </p:tnLst>
+  </p:timing>
 </p:sld>
 </file>
 
@@ -10774,6 +10790,13 @@
   <p:clrMapOvr>
     <a:masterClrMapping/>
   </p:clrMapOvr>
+  <p:timing>
+    <p:tnLst>
+      <p:par>
+        <p:cTn id="1" dur="indefinite" restart="never" nodeType="tmRoot"/>
+      </p:par>
+    </p:tnLst>
+  </p:timing>
 </p:sld>
 </file>
 
@@ -10852,6 +10875,13 @@
   <p:clrMapOvr>
     <a:masterClrMapping/>
   </p:clrMapOvr>
+  <p:timing>
+    <p:tnLst>
+      <p:par>
+        <p:cTn id="1" dur="indefinite" restart="never" nodeType="tmRoot"/>
+      </p:par>
+    </p:tnLst>
+  </p:timing>
 </p:sld>
 </file>
 
@@ -10930,6 +10960,13 @@
   <p:clrMapOvr>
     <a:masterClrMapping/>
   </p:clrMapOvr>
+  <p:timing>
+    <p:tnLst>
+      <p:par>
+        <p:cTn id="1" dur="indefinite" restart="never" nodeType="tmRoot"/>
+      </p:par>
+    </p:tnLst>
+  </p:timing>
 </p:sld>
 </file>
 
@@ -10983,6 +11020,13 @@
   <p:clrMapOvr>
     <a:masterClrMapping/>
   </p:clrMapOvr>
+  <p:timing>
+    <p:tnLst>
+      <p:par>
+        <p:cTn id="1" dur="indefinite" restart="never" nodeType="tmRoot"/>
+      </p:par>
+    </p:tnLst>
+  </p:timing>
 </p:sld>
 </file>
 
@@ -11054,6 +11098,13 @@
   <p:clrMapOvr>
     <a:masterClrMapping/>
   </p:clrMapOvr>
+  <p:timing>
+    <p:tnLst>
+      <p:par>
+        <p:cTn id="1" dur="indefinite" restart="never" nodeType="tmRoot"/>
+      </p:par>
+    </p:tnLst>
+  </p:timing>
 </p:sld>
 </file>
 
@@ -11115,6 +11166,13 @@
   <p:clrMapOvr>
     <a:masterClrMapping/>
   </p:clrMapOvr>
+  <p:timing>
+    <p:tnLst>
+      <p:par>
+        <p:cTn id="1" dur="indefinite" restart="never" nodeType="tmRoot"/>
+      </p:par>
+    </p:tnLst>
+  </p:timing>
 </p:sld>
 </file>
 
@@ -11192,6 +11250,13 @@
   <p:clrMapOvr>
     <a:masterClrMapping/>
   </p:clrMapOvr>
+  <p:timing>
+    <p:tnLst>
+      <p:par>
+        <p:cTn id="1" dur="indefinite" restart="never" nodeType="tmRoot"/>
+      </p:par>
+    </p:tnLst>
+  </p:timing>
 </p:sld>
 </file>
 
@@ -11275,6 +11340,13 @@
   <p:clrMapOvr>
     <a:masterClrMapping/>
   </p:clrMapOvr>
+  <p:timing>
+    <p:tnLst>
+      <p:par>
+        <p:cTn id="1" dur="indefinite" restart="never" nodeType="tmRoot"/>
+      </p:par>
+    </p:tnLst>
+  </p:timing>
 </p:sld>
 </file>
 
@@ -11423,6 +11495,13 @@
   <p:clrMapOvr>
     <a:masterClrMapping/>
   </p:clrMapOvr>
+  <p:timing>
+    <p:tnLst>
+      <p:par>
+        <p:cTn id="1" dur="indefinite" restart="never" nodeType="tmRoot"/>
+      </p:par>
+    </p:tnLst>
+  </p:timing>
 </p:sld>
 </file>
 
@@ -12046,6 +12125,13 @@
   <p:clrMapOvr>
     <a:masterClrMapping/>
   </p:clrMapOvr>
+  <p:timing>
+    <p:tnLst>
+      <p:par>
+        <p:cTn id="1" dur="indefinite" restart="never" nodeType="tmRoot"/>
+      </p:par>
+    </p:tnLst>
+  </p:timing>
 </p:sld>
 </file>
 
@@ -12154,6 +12240,13 @@
   <p:clrMapOvr>
     <a:masterClrMapping/>
   </p:clrMapOvr>
+  <p:timing>
+    <p:tnLst>
+      <p:par>
+        <p:cTn id="1" dur="indefinite" restart="never" nodeType="tmRoot"/>
+      </p:par>
+    </p:tnLst>
+  </p:timing>
 </p:sld>
 </file>
 
@@ -12214,21 +12307,13 @@
           <a:p>
             <a:r>
               <a:rPr lang="ru-RU" sz="3600" dirty="0" smtClean="0"/>
-              <a:t>Абстрактное </a:t>
-            </a:r>
+              <a:t>Абстрактное и логическое мышление</a:t>
+            </a:r>
+          </a:p>
+          <a:p>
             <a:r>
               <a:rPr lang="ru-RU" sz="3600" dirty="0" smtClean="0"/>
-              <a:t>и логическое мышление</a:t>
-            </a:r>
-          </a:p>
-          <a:p>
-            <a:r>
-              <a:rPr lang="ru-RU" sz="3600" dirty="0" smtClean="0"/>
-              <a:t>Способность к </a:t>
-            </a:r>
-            <a:r>
-              <a:rPr lang="ru-RU" sz="3600" dirty="0" smtClean="0"/>
-              <a:t>анализу</a:t>
+              <a:t>Способность к анализу</a:t>
             </a:r>
           </a:p>
           <a:p>
@@ -12240,11 +12325,7 @@
           <a:p>
             <a:r>
               <a:rPr lang="ru-RU" sz="3600" strike="sngStrike" dirty="0" smtClean="0"/>
-              <a:t>Способность </a:t>
-            </a:r>
-            <a:r>
-              <a:rPr lang="ru-RU" sz="3600" strike="sngStrike" dirty="0" smtClean="0"/>
-              <a:t>учиться</a:t>
+              <a:t>Способность учиться</a:t>
             </a:r>
           </a:p>
           <a:p>
@@ -12269,6 +12350,13 @@
   <p:clrMapOvr>
     <a:masterClrMapping/>
   </p:clrMapOvr>
+  <p:timing>
+    <p:tnLst>
+      <p:par>
+        <p:cTn id="1" dur="indefinite" restart="never" nodeType="tmRoot"/>
+      </p:par>
+    </p:tnLst>
+  </p:timing>
 </p:sld>
 </file>
 
@@ -12329,21 +12417,13 @@
           <a:p>
             <a:r>
               <a:rPr lang="ru-RU" sz="3600" dirty="0" smtClean="0"/>
-              <a:t>Абстрактное </a:t>
-            </a:r>
+              <a:t>Абстрактное и логическое мышление</a:t>
+            </a:r>
+          </a:p>
+          <a:p>
             <a:r>
               <a:rPr lang="ru-RU" sz="3600" dirty="0" smtClean="0"/>
-              <a:t>и логическое мышление</a:t>
-            </a:r>
-          </a:p>
-          <a:p>
-            <a:r>
-              <a:rPr lang="ru-RU" sz="3600" dirty="0" smtClean="0"/>
-              <a:t>Способность к </a:t>
-            </a:r>
-            <a:r>
-              <a:rPr lang="ru-RU" sz="3600" dirty="0" smtClean="0"/>
-              <a:t>анализу</a:t>
+              <a:t>Способность к анализу</a:t>
             </a:r>
           </a:p>
           <a:p>
@@ -12355,11 +12435,7 @@
           <a:p>
             <a:r>
               <a:rPr lang="ru-RU" sz="3600" strike="sngStrike" dirty="0" smtClean="0"/>
-              <a:t>Способность </a:t>
-            </a:r>
-            <a:r>
-              <a:rPr lang="ru-RU" sz="3600" strike="sngStrike" dirty="0" smtClean="0"/>
-              <a:t>учиться</a:t>
+              <a:t>Способность учиться</a:t>
             </a:r>
           </a:p>
           <a:p>
@@ -12394,6 +12470,13 @@
   <p:clrMapOvr>
     <a:masterClrMapping/>
   </p:clrMapOvr>
+  <p:timing>
+    <p:tnLst>
+      <p:par>
+        <p:cTn id="1" dur="indefinite" restart="never" nodeType="tmRoot"/>
+      </p:par>
+    </p:tnLst>
+  </p:timing>
 </p:sld>
 </file>
 
@@ -12510,6 +12593,13 @@
   <p:clrMapOvr>
     <a:masterClrMapping/>
   </p:clrMapOvr>
+  <p:timing>
+    <p:tnLst>
+      <p:par>
+        <p:cTn id="1" dur="indefinite" restart="never" nodeType="tmRoot"/>
+      </p:par>
+    </p:tnLst>
+  </p:timing>
 </p:sld>
 </file>
 
@@ -12649,6 +12739,13 @@
   <p:clrMapOvr>
     <a:masterClrMapping/>
   </p:clrMapOvr>
+  <p:timing>
+    <p:tnLst>
+      <p:par>
+        <p:cTn id="1" dur="indefinite" restart="never" nodeType="tmRoot"/>
+      </p:par>
+    </p:tnLst>
+  </p:timing>
 </p:sld>
 </file>
 
@@ -12732,6 +12829,13 @@
   <p:clrMapOvr>
     <a:masterClrMapping/>
   </p:clrMapOvr>
+  <p:timing>
+    <p:tnLst>
+      <p:par>
+        <p:cTn id="1" dur="indefinite" restart="never" nodeType="tmRoot"/>
+      </p:par>
+    </p:tnLst>
+  </p:timing>
 </p:sld>
 </file>
 
@@ -12793,6 +12897,95 @@
   <p:clrMapOvr>
     <a:masterClrMapping/>
   </p:clrMapOvr>
+  <p:timing>
+    <p:tnLst>
+      <p:par>
+        <p:cTn id="1" dur="indefinite" restart="never" nodeType="tmRoot"/>
+      </p:par>
+    </p:tnLst>
+  </p:timing>
+</p:sld>
+</file>
+
+<file path=ppt/slides/slide27.xml><?xml version="1.0" encoding="utf-8"?>
+<p:sld xmlns:a="http://schemas.openxmlformats.org/drawingml/2006/main" xmlns:r="http://schemas.openxmlformats.org/officeDocument/2006/relationships" xmlns:p="http://schemas.openxmlformats.org/presentationml/2006/main">
+  <p:cSld>
+    <p:spTree>
+      <p:nvGrpSpPr>
+        <p:cNvPr id="1" name=""/>
+        <p:cNvGrpSpPr/>
+        <p:nvPr/>
+      </p:nvGrpSpPr>
+      <p:grpSpPr>
+        <a:xfrm>
+          <a:off x="0" y="0"/>
+          <a:ext cx="0" cy="0"/>
+          <a:chOff x="0" y="0"/>
+          <a:chExt cx="0" cy="0"/>
+        </a:xfrm>
+      </p:grpSpPr>
+      <p:sp>
+        <p:nvSpPr>
+          <p:cNvPr id="2" name="Title 1"/>
+          <p:cNvSpPr>
+            <a:spLocks noGrp="1"/>
+          </p:cNvSpPr>
+          <p:nvPr>
+            <p:ph type="title"/>
+          </p:nvPr>
+        </p:nvSpPr>
+        <p:spPr/>
+        <p:txBody>
+          <a:bodyPr/>
+          <a:lstStyle/>
+          <a:p>
+            <a:endParaRPr lang="en-US" dirty="0"/>
+          </a:p>
+        </p:txBody>
+      </p:sp>
+      <p:sp>
+        <p:nvSpPr>
+          <p:cNvPr id="3" name="Content Placeholder 2"/>
+          <p:cNvSpPr>
+            <a:spLocks noGrp="1"/>
+          </p:cNvSpPr>
+          <p:nvPr>
+            <p:ph idx="1"/>
+          </p:nvPr>
+        </p:nvSpPr>
+        <p:spPr/>
+        <p:txBody>
+          <a:bodyPr anchor="ctr">
+            <a:normAutofit/>
+          </a:bodyPr>
+          <a:lstStyle/>
+          <a:p>
+            <a:pPr algn="ctr"/>
+            <a:r>
+              <a:rPr lang="ru-RU" sz="4000" dirty="0" smtClean="0"/>
+              <a:t>Спасибо за внимание</a:t>
+            </a:r>
+            <a:endParaRPr lang="en-US" sz="4000" dirty="0"/>
+          </a:p>
+        </p:txBody>
+      </p:sp>
+    </p:spTree>
+    <p:extLst>
+      <p:ext uri="{BB962C8B-B14F-4D97-AF65-F5344CB8AC3E}">
+        <p14:creationId xmlns:p14="http://schemas.microsoft.com/office/powerpoint/2010/main" val="116218786"/>
+      </p:ext>
+    </p:extLst>
+  </p:cSld>
+  <p:clrMapOvr>
+    <a:masterClrMapping/>
+  </p:clrMapOvr>
+  <p:timing>
+    <p:tnLst>
+      <p:par>
+        <p:cTn id="1" dur="indefinite" restart="never" nodeType="tmRoot"/>
+      </p:par>
+    </p:tnLst>
+  </p:timing>
 </p:sld>
 </file>
 
@@ -12846,6 +13039,13 @@
   <p:clrMapOvr>
     <a:masterClrMapping/>
   </p:clrMapOvr>
+  <p:timing>
+    <p:tnLst>
+      <p:par>
+        <p:cTn id="1" dur="indefinite" restart="never" nodeType="tmRoot"/>
+      </p:par>
+    </p:tnLst>
+  </p:timing>
 </p:sld>
 </file>
 
@@ -12918,6 +13118,13 @@
   <p:clrMapOvr>
     <a:masterClrMapping/>
   </p:clrMapOvr>
+  <p:timing>
+    <p:tnLst>
+      <p:par>
+        <p:cTn id="1" dur="indefinite" restart="never" nodeType="tmRoot"/>
+      </p:par>
+    </p:tnLst>
+  </p:timing>
 </p:sld>
 </file>
 
@@ -13071,6 +13278,13 @@
   <p:clrMapOvr>
     <a:masterClrMapping/>
   </p:clrMapOvr>
+  <p:timing>
+    <p:tnLst>
+      <p:par>
+        <p:cTn id="1" dur="indefinite" restart="never" nodeType="tmRoot"/>
+      </p:par>
+    </p:tnLst>
+  </p:timing>
 </p:sld>
 </file>
 
@@ -13260,6 +13474,13 @@
   <p:clrMapOvr>
     <a:masterClrMapping/>
   </p:clrMapOvr>
+  <p:timing>
+    <p:tnLst>
+      <p:par>
+        <p:cTn id="1" dur="indefinite" restart="never" nodeType="tmRoot"/>
+      </p:par>
+    </p:tnLst>
+  </p:timing>
 </p:sld>
 </file>
 
@@ -13525,6 +13746,13 @@
   <p:clrMapOvr>
     <a:masterClrMapping/>
   </p:clrMapOvr>
+  <p:timing>
+    <p:tnLst>
+      <p:par>
+        <p:cTn id="1" dur="indefinite" restart="never" nodeType="tmRoot"/>
+      </p:par>
+    </p:tnLst>
+  </p:timing>
 </p:sld>
 </file>
 
@@ -13977,6 +14205,13 @@
   <p:clrMapOvr>
     <a:masterClrMapping/>
   </p:clrMapOvr>
+  <p:timing>
+    <p:tnLst>
+      <p:par>
+        <p:cTn id="1" dur="indefinite" restart="never" nodeType="tmRoot"/>
+      </p:par>
+    </p:tnLst>
+  </p:timing>
 </p:sld>
 </file>
 
@@ -14055,6 +14290,13 @@
   <p:clrMapOvr>
     <a:masterClrMapping/>
   </p:clrMapOvr>
+  <p:timing>
+    <p:tnLst>
+      <p:par>
+        <p:cTn id="1" dur="indefinite" restart="never" nodeType="tmRoot"/>
+      </p:par>
+    </p:tnLst>
+  </p:timing>
 </p:sld>
 </file>
 
